--- a/src/main/uml/doc/ANF Reference Model.pptx
+++ b/src/main/uml/doc/ANF Reference Model.pptx
@@ -1,21 +1,29 @@
 
 <file path=ppt/presentation.xml><?xml version="1.0" encoding="utf-8"?>
-<p:presentation xmlns:a="http://schemas.openxmlformats.org/drawingml/2006/main" xmlns:r="http://schemas.openxmlformats.org/officeDocument/2006/relationships" xmlns:p="http://schemas.openxmlformats.org/presentationml/2006/main" saveSubsetFonts="1">
+<p:presentation xmlns:a="http://schemas.openxmlformats.org/drawingml/2006/main" xmlns:r="http://schemas.openxmlformats.org/officeDocument/2006/relationships" xmlns:p="http://schemas.openxmlformats.org/presentationml/2006/main" showSpecialPlsOnTitleSld="0" saveSubsetFonts="1">
   <p:sldMasterIdLst>
-    <p:sldMasterId id="2147483648" r:id="rId1"/>
+    <p:sldMasterId id="2147483721" r:id="rId1"/>
   </p:sldMasterIdLst>
+  <p:notesMasterIdLst>
+    <p:notesMasterId r:id="rId15"/>
+  </p:notesMasterIdLst>
+  <p:handoutMasterIdLst>
+    <p:handoutMasterId r:id="rId16"/>
+  </p:handoutMasterIdLst>
   <p:sldIdLst>
-    <p:sldId id="256" r:id="rId2"/>
-    <p:sldId id="257" r:id="rId3"/>
-    <p:sldId id="266" r:id="rId4"/>
-    <p:sldId id="269" r:id="rId5"/>
-    <p:sldId id="267" r:id="rId6"/>
-    <p:sldId id="258" r:id="rId7"/>
-    <p:sldId id="261" r:id="rId8"/>
-    <p:sldId id="263" r:id="rId9"/>
-    <p:sldId id="259" r:id="rId10"/>
-    <p:sldId id="264" r:id="rId11"/>
-    <p:sldId id="265" r:id="rId12"/>
+    <p:sldId id="1216" r:id="rId2"/>
+    <p:sldId id="1217" r:id="rId3"/>
+    <p:sldId id="1218" r:id="rId4"/>
+    <p:sldId id="1219" r:id="rId5"/>
+    <p:sldId id="1220" r:id="rId6"/>
+    <p:sldId id="1221" r:id="rId7"/>
+    <p:sldId id="1222" r:id="rId8"/>
+    <p:sldId id="258" r:id="rId9"/>
+    <p:sldId id="261" r:id="rId10"/>
+    <p:sldId id="263" r:id="rId11"/>
+    <p:sldId id="259" r:id="rId12"/>
+    <p:sldId id="264" r:id="rId13"/>
+    <p:sldId id="265" r:id="rId14"/>
   </p:sldIdLst>
   <p:sldSz cx="12192000" cy="6858000"/>
   <p:notesSz cx="6858000" cy="9144000"/>
@@ -23,8 +31,8 @@
     <a:defPPr>
       <a:defRPr lang="en-US"/>
     </a:defPPr>
-    <a:lvl1pPr marL="0" algn="l" defTabSz="914400" rtl="0" eaLnBrk="1" latinLnBrk="0" hangingPunct="1">
-      <a:defRPr sz="1800" kern="1200">
+    <a:lvl1pPr marL="0" algn="l" defTabSz="1219170" rtl="0" eaLnBrk="1" latinLnBrk="0" hangingPunct="1">
+      <a:defRPr sz="2400" kern="1200">
         <a:solidFill>
           <a:schemeClr val="tx1"/>
         </a:solidFill>
@@ -33,8 +41,8 @@
         <a:cs typeface="+mn-cs"/>
       </a:defRPr>
     </a:lvl1pPr>
-    <a:lvl2pPr marL="457200" algn="l" defTabSz="914400" rtl="0" eaLnBrk="1" latinLnBrk="0" hangingPunct="1">
-      <a:defRPr sz="1800" kern="1200">
+    <a:lvl2pPr marL="609585" algn="l" defTabSz="1219170" rtl="0" eaLnBrk="1" latinLnBrk="0" hangingPunct="1">
+      <a:defRPr sz="2400" kern="1200">
         <a:solidFill>
           <a:schemeClr val="tx1"/>
         </a:solidFill>
@@ -43,8 +51,8 @@
         <a:cs typeface="+mn-cs"/>
       </a:defRPr>
     </a:lvl2pPr>
-    <a:lvl3pPr marL="914400" algn="l" defTabSz="914400" rtl="0" eaLnBrk="1" latinLnBrk="0" hangingPunct="1">
-      <a:defRPr sz="1800" kern="1200">
+    <a:lvl3pPr marL="1219170" algn="l" defTabSz="1219170" rtl="0" eaLnBrk="1" latinLnBrk="0" hangingPunct="1">
+      <a:defRPr sz="2400" kern="1200">
         <a:solidFill>
           <a:schemeClr val="tx1"/>
         </a:solidFill>
@@ -53,8 +61,8 @@
         <a:cs typeface="+mn-cs"/>
       </a:defRPr>
     </a:lvl3pPr>
-    <a:lvl4pPr marL="1371600" algn="l" defTabSz="914400" rtl="0" eaLnBrk="1" latinLnBrk="0" hangingPunct="1">
-      <a:defRPr sz="1800" kern="1200">
+    <a:lvl4pPr marL="1828754" algn="l" defTabSz="1219170" rtl="0" eaLnBrk="1" latinLnBrk="0" hangingPunct="1">
+      <a:defRPr sz="2400" kern="1200">
         <a:solidFill>
           <a:schemeClr val="tx1"/>
         </a:solidFill>
@@ -63,8 +71,8 @@
         <a:cs typeface="+mn-cs"/>
       </a:defRPr>
     </a:lvl4pPr>
-    <a:lvl5pPr marL="1828800" algn="l" defTabSz="914400" rtl="0" eaLnBrk="1" latinLnBrk="0" hangingPunct="1">
-      <a:defRPr sz="1800" kern="1200">
+    <a:lvl5pPr marL="2438339" algn="l" defTabSz="1219170" rtl="0" eaLnBrk="1" latinLnBrk="0" hangingPunct="1">
+      <a:defRPr sz="2400" kern="1200">
         <a:solidFill>
           <a:schemeClr val="tx1"/>
         </a:solidFill>
@@ -73,8 +81,8 @@
         <a:cs typeface="+mn-cs"/>
       </a:defRPr>
     </a:lvl5pPr>
-    <a:lvl6pPr marL="2286000" algn="l" defTabSz="914400" rtl="0" eaLnBrk="1" latinLnBrk="0" hangingPunct="1">
-      <a:defRPr sz="1800" kern="1200">
+    <a:lvl6pPr marL="3047924" algn="l" defTabSz="1219170" rtl="0" eaLnBrk="1" latinLnBrk="0" hangingPunct="1">
+      <a:defRPr sz="2400" kern="1200">
         <a:solidFill>
           <a:schemeClr val="tx1"/>
         </a:solidFill>
@@ -83,8 +91,8 @@
         <a:cs typeface="+mn-cs"/>
       </a:defRPr>
     </a:lvl6pPr>
-    <a:lvl7pPr marL="2743200" algn="l" defTabSz="914400" rtl="0" eaLnBrk="1" latinLnBrk="0" hangingPunct="1">
-      <a:defRPr sz="1800" kern="1200">
+    <a:lvl7pPr marL="3657509" algn="l" defTabSz="1219170" rtl="0" eaLnBrk="1" latinLnBrk="0" hangingPunct="1">
+      <a:defRPr sz="2400" kern="1200">
         <a:solidFill>
           <a:schemeClr val="tx1"/>
         </a:solidFill>
@@ -93,8 +101,8 @@
         <a:cs typeface="+mn-cs"/>
       </a:defRPr>
     </a:lvl7pPr>
-    <a:lvl8pPr marL="3200400" algn="l" defTabSz="914400" rtl="0" eaLnBrk="1" latinLnBrk="0" hangingPunct="1">
-      <a:defRPr sz="1800" kern="1200">
+    <a:lvl8pPr marL="4267093" algn="l" defTabSz="1219170" rtl="0" eaLnBrk="1" latinLnBrk="0" hangingPunct="1">
+      <a:defRPr sz="2400" kern="1200">
         <a:solidFill>
           <a:schemeClr val="tx1"/>
         </a:solidFill>
@@ -103,8 +111,8 @@
         <a:cs typeface="+mn-cs"/>
       </a:defRPr>
     </a:lvl8pPr>
-    <a:lvl9pPr marL="3657600" algn="l" defTabSz="914400" rtl="0" eaLnBrk="1" latinLnBrk="0" hangingPunct="1">
-      <a:defRPr sz="1800" kern="1200">
+    <a:lvl9pPr marL="4876678" algn="l" defTabSz="1219170" rtl="0" eaLnBrk="1" latinLnBrk="0" hangingPunct="1">
+      <a:defRPr sz="2400" kern="1200">
         <a:solidFill>
           <a:schemeClr val="tx1"/>
         </a:solidFill>
@@ -115,11 +123,62 @@
     </a:lvl9pPr>
   </p:defaultTextStyle>
   <p:extLst>
+    <p:ext uri="{521415D9-36F7-43E2-AB2F-B90AF26B5E84}">
+      <p14:sectionLst xmlns:p14="http://schemas.microsoft.com/office/powerpoint/2010/main">
+        <p14:section name="MDMI" id="{79B2EF0E-84F9-4912-980A-D987AB12F4F6}">
+          <p14:sldIdLst>
+            <p14:sldId id="1216"/>
+            <p14:sldId id="1217"/>
+            <p14:sldId id="1218"/>
+            <p14:sldId id="1219"/>
+            <p14:sldId id="1220"/>
+            <p14:sldId id="1221"/>
+            <p14:sldId id="1222"/>
+            <p14:sldId id="258"/>
+            <p14:sldId id="261"/>
+            <p14:sldId id="263"/>
+            <p14:sldId id="259"/>
+            <p14:sldId id="264"/>
+            <p14:sldId id="265"/>
+          </p14:sldIdLst>
+        </p14:section>
+      </p14:sectionLst>
+    </p:ext>
     <p:ext uri="{EFAFB233-063F-42B5-8137-9DF3F51BA10A}">
       <p15:sldGuideLst xmlns:p15="http://schemas.microsoft.com/office/powerpoint/2012/main"/>
     </p:ext>
+    <p:ext uri="{2D200454-40CA-4A62-9FC3-DE9A4176ACB9}">
+      <p15:notesGuideLst xmlns:p15="http://schemas.microsoft.com/office/powerpoint/2012/main"/>
+    </p:ext>
   </p:extLst>
 </p:presentation>
+</file>
+
+<file path=ppt/commentAuthors.xml><?xml version="1.0" encoding="utf-8"?>
+<p:cmAuthorLst xmlns:a="http://schemas.openxmlformats.org/drawingml/2006/main" xmlns:r="http://schemas.openxmlformats.org/officeDocument/2006/relationships" xmlns:p="http://schemas.openxmlformats.org/presentationml/2006/main">
+  <p:cmAuthor id="1" name="Administrator" initials="A" lastIdx="96" clrIdx="0">
+    <p:extLst>
+      <p:ext uri="{19B8F6BF-5375-455C-9EA6-DF929625EA0E}">
+        <p15:presenceInfo xmlns:p15="http://schemas.microsoft.com/office/powerpoint/2012/main" userId="Administrator" providerId="None"/>
+      </p:ext>
+    </p:extLst>
+  </p:cmAuthor>
+  <p:cmAuthor id="2" name="Connelly, Sarah" initials="SC" lastIdx="20" clrIdx="1">
+    <p:extLst>
+      <p:ext uri="{19B8F6BF-5375-455C-9EA6-DF929625EA0E}">
+        <p15:presenceInfo xmlns:p15="http://schemas.microsoft.com/office/powerpoint/2012/main" userId="Connelly, Sarah" providerId="None"/>
+      </p:ext>
+    </p:extLst>
+  </p:cmAuthor>
+  <p:cmAuthor id="3" name="susan Castillo" initials="sC" lastIdx="2" clrIdx="2"/>
+  <p:cmAuthor id="4" name="Wang, Andy Chen" initials="ACW" lastIdx="42" clrIdx="3">
+    <p:extLst>
+      <p:ext uri="{19B8F6BF-5375-455C-9EA6-DF929625EA0E}">
+        <p15:presenceInfo xmlns:p15="http://schemas.microsoft.com/office/powerpoint/2012/main" userId="Wang, Andy Chen" providerId="None"/>
+      </p:ext>
+    </p:extLst>
+  </p:cmAuthor>
+</p:cmAuthorLst>
 </file>
 
 <file path=ppt/diagrams/colors1.xml><?xml version="1.0" encoding="utf-8"?>
@@ -1233,7 +1292,7 @@
       <dgm:spPr/>
     </dgm:pt>
     <dgm:pt modelId="{EDBDD64B-DAF4-4196-BD5D-1FC0C69E646F}" type="pres">
-      <dgm:prSet presAssocID="{27FC4288-B873-492A-807A-1D58635F4AED}" presName="item2" presStyleLbl="node1" presStyleIdx="1" presStyleCnt="3">
+      <dgm:prSet presAssocID="{27FC4288-B873-492A-807A-1D58635F4AED}" presName="item2" presStyleLbl="node1" presStyleIdx="1" presStyleCnt="3" custLinFactNeighborY="-10908">
         <dgm:presLayoutVars>
           <dgm:bulletEnabled val="1"/>
         </dgm:presLayoutVars>
@@ -1411,12 +1470,12 @@
         <a:fontRef idx="minor"/>
       </dsp:style>
       <dsp:txBody>
-        <a:bodyPr spcFirstLastPara="0" vert="horz" wrap="square" lIns="227584" tIns="227584" rIns="227584" bIns="227584" numCol="1" spcCol="1270" anchor="ctr" anchorCtr="0">
+        <a:bodyPr spcFirstLastPara="0" vert="horz" wrap="square" lIns="206248" tIns="206248" rIns="206248" bIns="206248" numCol="1" spcCol="1270" anchor="ctr" anchorCtr="0">
           <a:noAutofit/>
         </a:bodyPr>
         <a:lstStyle/>
         <a:p>
-          <a:pPr marL="0" lvl="0" indent="0" algn="ctr" defTabSz="1422400">
+          <a:pPr marL="0" lvl="0" indent="0" algn="ctr" defTabSz="1289050">
             <a:lnSpc>
               <a:spcPct val="90000"/>
             </a:lnSpc>
@@ -1429,7 +1488,7 @@
             <a:buNone/>
           </a:pPr>
           <a:r>
-            <a:rPr lang="en-US" sz="3200" kern="1200" dirty="0"/>
+            <a:rPr lang="en-US" sz="2900" kern="1200" dirty="0"/>
             <a:t>Analysis Normal Form</a:t>
           </a:r>
         </a:p>
@@ -1489,12 +1548,12 @@
         </a:fontRef>
       </dsp:style>
       <dsp:txBody>
-        <a:bodyPr spcFirstLastPara="0" vert="horz" wrap="square" lIns="20320" tIns="20320" rIns="20320" bIns="20320" numCol="1" spcCol="1270" anchor="ctr" anchorCtr="0">
+        <a:bodyPr spcFirstLastPara="0" vert="horz" wrap="square" lIns="19050" tIns="19050" rIns="19050" bIns="19050" numCol="1" spcCol="1270" anchor="ctr" anchorCtr="0">
           <a:noAutofit/>
         </a:bodyPr>
         <a:lstStyle/>
         <a:p>
-          <a:pPr marL="0" lvl="0" indent="0" algn="ctr" defTabSz="711200">
+          <a:pPr marL="0" lvl="0" indent="0" algn="ctr" defTabSz="666750">
             <a:lnSpc>
               <a:spcPct val="90000"/>
             </a:lnSpc>
@@ -1507,7 +1566,7 @@
             <a:buNone/>
           </a:pPr>
           <a:r>
-            <a:rPr lang="en-US" sz="1600" kern="1200" dirty="0"/>
+            <a:rPr lang="en-US" sz="1500" kern="1200" dirty="0"/>
             <a:t>Vital Signs Observation</a:t>
           </a:r>
         </a:p>
@@ -1524,7 +1583,7 @@
       </dsp:nvSpPr>
       <dsp:spPr>
         <a:xfrm>
-          <a:off x="2370666" y="711200"/>
+          <a:off x="2370666" y="544962"/>
           <a:ext cx="1524000" cy="1524000"/>
         </a:xfrm>
         <a:prstGeom prst="ellipse">
@@ -1567,12 +1626,12 @@
         </a:fontRef>
       </dsp:style>
       <dsp:txBody>
-        <a:bodyPr spcFirstLastPara="0" vert="horz" wrap="square" lIns="20320" tIns="20320" rIns="20320" bIns="20320" numCol="1" spcCol="1270" anchor="ctr" anchorCtr="0">
+        <a:bodyPr spcFirstLastPara="0" vert="horz" wrap="square" lIns="19050" tIns="19050" rIns="19050" bIns="19050" numCol="1" spcCol="1270" anchor="ctr" anchorCtr="0">
           <a:noAutofit/>
         </a:bodyPr>
         <a:lstStyle/>
         <a:p>
-          <a:pPr marL="0" lvl="0" indent="0" algn="ctr" defTabSz="711200">
+          <a:pPr marL="0" lvl="0" indent="0" algn="ctr" defTabSz="666750">
             <a:lnSpc>
               <a:spcPct val="90000"/>
             </a:lnSpc>
@@ -1585,13 +1644,13 @@
             <a:buNone/>
           </a:pPr>
           <a:r>
-            <a:rPr lang="en-US" sz="1600" kern="1200" dirty="0"/>
+            <a:rPr lang="en-US" sz="1500" kern="1200" dirty="0"/>
             <a:t>Medication Request</a:t>
           </a:r>
         </a:p>
       </dsp:txBody>
       <dsp:txXfrm>
-        <a:off x="2593851" y="934385"/>
+        <a:off x="2593851" y="768147"/>
         <a:ext cx="1077630" cy="1077630"/>
       </dsp:txXfrm>
     </dsp:sp>
@@ -1645,12 +1704,12 @@
         </a:fontRef>
       </dsp:style>
       <dsp:txBody>
-        <a:bodyPr spcFirstLastPara="0" vert="horz" wrap="square" lIns="20320" tIns="20320" rIns="20320" bIns="20320" numCol="1" spcCol="1270" anchor="ctr" anchorCtr="0">
+        <a:bodyPr spcFirstLastPara="0" vert="horz" wrap="square" lIns="19050" tIns="19050" rIns="19050" bIns="19050" numCol="1" spcCol="1270" anchor="ctr" anchorCtr="0">
           <a:noAutofit/>
         </a:bodyPr>
         <a:lstStyle/>
         <a:p>
-          <a:pPr marL="0" lvl="0" indent="0" algn="ctr" defTabSz="711200">
+          <a:pPr marL="0" lvl="0" indent="0" algn="ctr" defTabSz="666750">
             <a:lnSpc>
               <a:spcPct val="90000"/>
             </a:lnSpc>
@@ -1663,7 +1722,7 @@
             <a:buNone/>
           </a:pPr>
           <a:r>
-            <a:rPr lang="en-US" sz="1600" kern="1200" dirty="0"/>
+            <a:rPr lang="en-US" sz="1500" kern="1200" dirty="0"/>
             <a:t>Condition</a:t>
           </a:r>
         </a:p>
@@ -3078,9 +3137,14 @@
 </dgm:styleDef>
 </file>
 
-<file path=ppt/slideLayouts/slideLayout1.xml><?xml version="1.0" encoding="utf-8"?>
-<p:sldLayout xmlns:a="http://schemas.openxmlformats.org/drawingml/2006/main" xmlns:r="http://schemas.openxmlformats.org/officeDocument/2006/relationships" xmlns:p="http://schemas.openxmlformats.org/presentationml/2006/main" type="title" preserve="1">
-  <p:cSld name="Title Slide">
+<file path=ppt/handoutMasters/handoutMaster1.xml><?xml version="1.0" encoding="utf-8"?>
+<p:handoutMaster xmlns:a="http://schemas.openxmlformats.org/drawingml/2006/main" xmlns:r="http://schemas.openxmlformats.org/officeDocument/2006/relationships" xmlns:p="http://schemas.openxmlformats.org/presentationml/2006/main">
+  <p:cSld>
+    <p:bg>
+      <p:bgRef idx="1001">
+        <a:schemeClr val="bg1"/>
+      </p:bgRef>
+    </p:bg>
     <p:spTree>
       <p:nvGrpSpPr>
         <p:cNvPr id="1" name=""/>
@@ -3097,10 +3161,10 @@
       </p:grpSpPr>
       <p:sp>
         <p:nvSpPr>
-          <p:cNvPr id="2" name="Title 1">
+          <p:cNvPr id="2" name="Header Placeholder 1">
             <a:extLst>
               <a:ext uri="{FF2B5EF4-FFF2-40B4-BE49-F238E27FC236}">
-                <a16:creationId xmlns:a16="http://schemas.microsoft.com/office/drawing/2014/main" id="{DDA58C19-8F03-4BFA-8AB9-D93BAEBE635E}"/>
+                <a16:creationId xmlns:a16="http://schemas.microsoft.com/office/drawing/2014/main" id="{DB89DA80-89A2-4E5F-B878-A2B000F55BF4}"/>
               </a:ext>
             </a:extLst>
           </p:cNvPr>
@@ -3108,36 +3172,36 @@
             <a:spLocks noGrp="1"/>
           </p:cNvSpPr>
           <p:nvPr>
-            <p:ph type="ctrTitle"/>
+            <p:ph type="hdr" sz="quarter"/>
           </p:nvPr>
         </p:nvSpPr>
         <p:spPr>
           <a:xfrm>
-            <a:off x="1524000" y="1122363"/>
-            <a:ext cx="9144000" cy="2387600"/>
+            <a:off x="0" y="0"/>
+            <a:ext cx="2971800" cy="458788"/>
           </a:xfrm>
+          <a:prstGeom prst="rect">
+            <a:avLst/>
+          </a:prstGeom>
         </p:spPr>
         <p:txBody>
-          <a:bodyPr anchor="b"/>
+          <a:bodyPr vert="horz" lIns="91440" tIns="45720" rIns="91440" bIns="45720" rtlCol="0"/>
           <a:lstStyle>
-            <a:lvl1pPr algn="ctr">
-              <a:defRPr sz="6000"/>
+            <a:lvl1pPr algn="l">
+              <a:defRPr sz="1200"/>
             </a:lvl1pPr>
           </a:lstStyle>
           <a:p>
-            <a:r>
-              <a:rPr lang="en-US"/>
-              <a:t>Click to edit Master title style</a:t>
-            </a:r>
+            <a:endParaRPr lang="en-US"/>
           </a:p>
         </p:txBody>
       </p:sp>
       <p:sp>
         <p:nvSpPr>
-          <p:cNvPr id="3" name="Subtitle 2">
+          <p:cNvPr id="3" name="Date Placeholder 2">
             <a:extLst>
               <a:ext uri="{FF2B5EF4-FFF2-40B4-BE49-F238E27FC236}">
-                <a16:creationId xmlns:a16="http://schemas.microsoft.com/office/drawing/2014/main" id="{971D8DA8-1CEF-4D97-99A8-CE47522B4368}"/>
+                <a16:creationId xmlns:a16="http://schemas.microsoft.com/office/drawing/2014/main" id="{1EF785FE-DCAF-4BF3-A890-60D24B51ACCC}"/>
               </a:ext>
             </a:extLst>
           </p:cNvPr>
@@ -3145,85 +3209,27 @@
             <a:spLocks noGrp="1"/>
           </p:cNvSpPr>
           <p:nvPr>
-            <p:ph type="subTitle" idx="1"/>
+            <p:ph type="dt" sz="quarter" idx="1"/>
           </p:nvPr>
         </p:nvSpPr>
         <p:spPr>
           <a:xfrm>
-            <a:off x="1524000" y="3602038"/>
-            <a:ext cx="9144000" cy="1655762"/>
+            <a:off x="3884613" y="0"/>
+            <a:ext cx="2971800" cy="458788"/>
           </a:xfrm>
+          <a:prstGeom prst="rect">
+            <a:avLst/>
+          </a:prstGeom>
         </p:spPr>
         <p:txBody>
-          <a:bodyPr/>
+          <a:bodyPr vert="horz" lIns="91440" tIns="45720" rIns="91440" bIns="45720" rtlCol="0"/>
           <a:lstStyle>
-            <a:lvl1pPr marL="0" indent="0" algn="ctr">
-              <a:buNone/>
-              <a:defRPr sz="2400"/>
+            <a:lvl1pPr algn="r">
+              <a:defRPr sz="1200"/>
             </a:lvl1pPr>
-            <a:lvl2pPr marL="457200" indent="0" algn="ctr">
-              <a:buNone/>
-              <a:defRPr sz="2000"/>
-            </a:lvl2pPr>
-            <a:lvl3pPr marL="914400" indent="0" algn="ctr">
-              <a:buNone/>
-              <a:defRPr sz="1800"/>
-            </a:lvl3pPr>
-            <a:lvl4pPr marL="1371600" indent="0" algn="ctr">
-              <a:buNone/>
-              <a:defRPr sz="1600"/>
-            </a:lvl4pPr>
-            <a:lvl5pPr marL="1828800" indent="0" algn="ctr">
-              <a:buNone/>
-              <a:defRPr sz="1600"/>
-            </a:lvl5pPr>
-            <a:lvl6pPr marL="2286000" indent="0" algn="ctr">
-              <a:buNone/>
-              <a:defRPr sz="1600"/>
-            </a:lvl6pPr>
-            <a:lvl7pPr marL="2743200" indent="0" algn="ctr">
-              <a:buNone/>
-              <a:defRPr sz="1600"/>
-            </a:lvl7pPr>
-            <a:lvl8pPr marL="3200400" indent="0" algn="ctr">
-              <a:buNone/>
-              <a:defRPr sz="1600"/>
-            </a:lvl8pPr>
-            <a:lvl9pPr marL="3657600" indent="0" algn="ctr">
-              <a:buNone/>
-              <a:defRPr sz="1600"/>
-            </a:lvl9pPr>
           </a:lstStyle>
           <a:p>
-            <a:r>
-              <a:rPr lang="en-US"/>
-              <a:t>Click to edit Master subtitle style</a:t>
-            </a:r>
-          </a:p>
-        </p:txBody>
-      </p:sp>
-      <p:sp>
-        <p:nvSpPr>
-          <p:cNvPr id="4" name="Date Placeholder 3">
-            <a:extLst>
-              <a:ext uri="{FF2B5EF4-FFF2-40B4-BE49-F238E27FC236}">
-                <a16:creationId xmlns:a16="http://schemas.microsoft.com/office/drawing/2014/main" id="{7D326748-3A28-4CC9-A102-C8050C5A5A72}"/>
-              </a:ext>
-            </a:extLst>
-          </p:cNvPr>
-          <p:cNvSpPr>
-            <a:spLocks noGrp="1"/>
-          </p:cNvSpPr>
-          <p:nvPr>
-            <p:ph type="dt" sz="half" idx="10"/>
-          </p:nvPr>
-        </p:nvSpPr>
-        <p:spPr/>
-        <p:txBody>
-          <a:bodyPr/>
-          <a:lstStyle/>
-          <a:p>
-            <a:fld id="{CA2E3467-0D89-4ADB-A534-234A23CA62FE}" type="datetimeFigureOut">
+            <a:fld id="{AD676DAC-E5AA-4AEA-9200-196682C1EB3D}" type="datetimeFigureOut">
               <a:rPr lang="en-US" smtClean="0"/>
               <a:t>6/19/2019</a:t>
             </a:fld>
@@ -3233,10 +3239,10 @@
       </p:sp>
       <p:sp>
         <p:nvSpPr>
-          <p:cNvPr id="5" name="Footer Placeholder 4">
+          <p:cNvPr id="4" name="Footer Placeholder 3">
             <a:extLst>
               <a:ext uri="{FF2B5EF4-FFF2-40B4-BE49-F238E27FC236}">
-                <a16:creationId xmlns:a16="http://schemas.microsoft.com/office/drawing/2014/main" id="{540E810F-A508-4852-B851-07A311551B0E}"/>
+                <a16:creationId xmlns:a16="http://schemas.microsoft.com/office/drawing/2014/main" id="{73F1D84A-A320-441D-BECD-E2F7D847F799}"/>
               </a:ext>
             </a:extLst>
           </p:cNvPr>
@@ -3244,13 +3250,25 @@
             <a:spLocks noGrp="1"/>
           </p:cNvSpPr>
           <p:nvPr>
-            <p:ph type="ftr" sz="quarter" idx="11"/>
+            <p:ph type="ftr" sz="quarter" idx="2"/>
           </p:nvPr>
         </p:nvSpPr>
-        <p:spPr/>
+        <p:spPr>
+          <a:xfrm>
+            <a:off x="0" y="8685213"/>
+            <a:ext cx="2971800" cy="458787"/>
+          </a:xfrm>
+          <a:prstGeom prst="rect">
+            <a:avLst/>
+          </a:prstGeom>
+        </p:spPr>
         <p:txBody>
-          <a:bodyPr/>
-          <a:lstStyle/>
+          <a:bodyPr vert="horz" lIns="91440" tIns="45720" rIns="91440" bIns="45720" rtlCol="0" anchor="b"/>
+          <a:lstStyle>
+            <a:lvl1pPr algn="l">
+              <a:defRPr sz="1200"/>
+            </a:lvl1pPr>
+          </a:lstStyle>
           <a:p>
             <a:endParaRPr lang="en-US"/>
           </a:p>
@@ -3258,10 +3276,10 @@
       </p:sp>
       <p:sp>
         <p:nvSpPr>
-          <p:cNvPr id="6" name="Slide Number Placeholder 5">
+          <p:cNvPr id="5" name="Slide Number Placeholder 4">
             <a:extLst>
               <a:ext uri="{FF2B5EF4-FFF2-40B4-BE49-F238E27FC236}">
-                <a16:creationId xmlns:a16="http://schemas.microsoft.com/office/drawing/2014/main" id="{395B2815-32B6-410A-A32F-DF1060237419}"/>
+                <a16:creationId xmlns:a16="http://schemas.microsoft.com/office/drawing/2014/main" id="{DCCFF514-0F3D-4926-8BF0-9C5B9CF1EA17}"/>
               </a:ext>
             </a:extLst>
           </p:cNvPr>
@@ -3269,15 +3287,27 @@
             <a:spLocks noGrp="1"/>
           </p:cNvSpPr>
           <p:nvPr>
-            <p:ph type="sldNum" sz="quarter" idx="12"/>
+            <p:ph type="sldNum" sz="quarter" idx="3"/>
           </p:nvPr>
         </p:nvSpPr>
-        <p:spPr/>
+        <p:spPr>
+          <a:xfrm>
+            <a:off x="3884613" y="8685213"/>
+            <a:ext cx="2971800" cy="458787"/>
+          </a:xfrm>
+          <a:prstGeom prst="rect">
+            <a:avLst/>
+          </a:prstGeom>
+        </p:spPr>
         <p:txBody>
-          <a:bodyPr/>
-          <a:lstStyle/>
+          <a:bodyPr vert="horz" lIns="91440" tIns="45720" rIns="91440" bIns="45720" rtlCol="0" anchor="b"/>
+          <a:lstStyle>
+            <a:lvl1pPr algn="r">
+              <a:defRPr sz="1200"/>
+            </a:lvl1pPr>
+          </a:lstStyle>
           <a:p>
-            <a:fld id="{B2C7D7B1-EA59-4F88-954B-4C4A650A8C83}" type="slidenum">
+            <a:fld id="{85A4C032-4705-48DD-B04A-065FA3408510}" type="slidenum">
               <a:rPr lang="en-US" smtClean="0"/>
               <a:t>‹#›</a:t>
             </a:fld>
@@ -3288,19 +3318,22 @@
     </p:spTree>
     <p:extLst>
       <p:ext uri="{BB962C8B-B14F-4D97-AF65-F5344CB8AC3E}">
-        <p14:creationId xmlns:p14="http://schemas.microsoft.com/office/powerpoint/2010/main" val="1451463112"/>
+        <p14:creationId xmlns:p14="http://schemas.microsoft.com/office/powerpoint/2010/main" val="914867615"/>
       </p:ext>
     </p:extLst>
   </p:cSld>
-  <p:clrMapOvr>
-    <a:masterClrMapping/>
-  </p:clrMapOvr>
-</p:sldLayout>
+  <p:clrMap bg1="lt1" tx1="dk1" bg2="lt2" tx2="dk2" accent1="accent1" accent2="accent2" accent3="accent3" accent4="accent4" accent5="accent5" accent6="accent6" hlink="hlink" folHlink="folHlink"/>
+</p:handoutMaster>
 </file>
 
-<file path=ppt/slideLayouts/slideLayout10.xml><?xml version="1.0" encoding="utf-8"?>
-<p:sldLayout xmlns:a="http://schemas.openxmlformats.org/drawingml/2006/main" xmlns:r="http://schemas.openxmlformats.org/officeDocument/2006/relationships" xmlns:p="http://schemas.openxmlformats.org/presentationml/2006/main" type="vertTx" preserve="1">
-  <p:cSld name="Title and Vertical Text">
+<file path=ppt/notesMasters/notesMaster1.xml><?xml version="1.0" encoding="utf-8"?>
+<p:notesMaster xmlns:a="http://schemas.openxmlformats.org/drawingml/2006/main" xmlns:r="http://schemas.openxmlformats.org/officeDocument/2006/relationships" xmlns:p="http://schemas.openxmlformats.org/presentationml/2006/main">
+  <p:cSld>
+    <p:bg>
+      <p:bgRef idx="1001">
+        <a:schemeClr val="bg1"/>
+      </p:bgRef>
+    </p:bg>
     <p:spTree>
       <p:nvGrpSpPr>
         <p:cNvPr id="1" name=""/>
@@ -3317,51 +3350,124 @@
       </p:grpSpPr>
       <p:sp>
         <p:nvSpPr>
-          <p:cNvPr id="2" name="Title 1">
-            <a:extLst>
-              <a:ext uri="{FF2B5EF4-FFF2-40B4-BE49-F238E27FC236}">
-                <a16:creationId xmlns:a16="http://schemas.microsoft.com/office/drawing/2014/main" id="{E57802EF-9654-4DC2-8E6C-8D1879415341}"/>
-              </a:ext>
-            </a:extLst>
-          </p:cNvPr>
+          <p:cNvPr id="2" name="Header Placeholder 1"/>
           <p:cNvSpPr>
             <a:spLocks noGrp="1"/>
           </p:cNvSpPr>
           <p:nvPr>
-            <p:ph type="title"/>
+            <p:ph type="hdr" sz="quarter"/>
           </p:nvPr>
         </p:nvSpPr>
-        <p:spPr/>
+        <p:spPr>
+          <a:xfrm>
+            <a:off x="0" y="0"/>
+            <a:ext cx="2971800" cy="458788"/>
+          </a:xfrm>
+          <a:prstGeom prst="rect">
+            <a:avLst/>
+          </a:prstGeom>
+        </p:spPr>
         <p:txBody>
-          <a:bodyPr/>
-          <a:lstStyle/>
+          <a:bodyPr vert="horz" lIns="91440" tIns="45720" rIns="91440" bIns="45720" rtlCol="0"/>
+          <a:lstStyle>
+            <a:lvl1pPr algn="l">
+              <a:defRPr sz="1200"/>
+            </a:lvl1pPr>
+          </a:lstStyle>
           <a:p>
-            <a:r>
-              <a:rPr lang="en-US"/>
-              <a:t>Click to edit Master title style</a:t>
-            </a:r>
+            <a:endParaRPr lang="en-US"/>
           </a:p>
         </p:txBody>
       </p:sp>
       <p:sp>
         <p:nvSpPr>
-          <p:cNvPr id="3" name="Vertical Text Placeholder 2">
-            <a:extLst>
-              <a:ext uri="{FF2B5EF4-FFF2-40B4-BE49-F238E27FC236}">
-                <a16:creationId xmlns:a16="http://schemas.microsoft.com/office/drawing/2014/main" id="{94C14E52-63F9-4C29-BD6B-E51EED857B84}"/>
-              </a:ext>
-            </a:extLst>
-          </p:cNvPr>
+          <p:cNvPr id="3" name="Date Placeholder 2"/>
           <p:cNvSpPr>
             <a:spLocks noGrp="1"/>
           </p:cNvSpPr>
           <p:nvPr>
-            <p:ph type="body" orient="vert" idx="1"/>
+            <p:ph type="dt" idx="1"/>
           </p:nvPr>
         </p:nvSpPr>
-        <p:spPr/>
+        <p:spPr>
+          <a:xfrm>
+            <a:off x="3884613" y="0"/>
+            <a:ext cx="2971800" cy="458788"/>
+          </a:xfrm>
+          <a:prstGeom prst="rect">
+            <a:avLst/>
+          </a:prstGeom>
+        </p:spPr>
         <p:txBody>
-          <a:bodyPr vert="eaVert"/>
+          <a:bodyPr vert="horz" lIns="91440" tIns="45720" rIns="91440" bIns="45720" rtlCol="0"/>
+          <a:lstStyle>
+            <a:lvl1pPr algn="r">
+              <a:defRPr sz="1200"/>
+            </a:lvl1pPr>
+          </a:lstStyle>
+          <a:p>
+            <a:fld id="{440FB706-3D14-4F98-8C5D-05C6738AC3A2}" type="datetimeFigureOut">
+              <a:rPr lang="en-US" smtClean="0"/>
+              <a:t>6/19/2019</a:t>
+            </a:fld>
+            <a:endParaRPr lang="en-US"/>
+          </a:p>
+        </p:txBody>
+      </p:sp>
+      <p:sp>
+        <p:nvSpPr>
+          <p:cNvPr id="4" name="Slide Image Placeholder 3"/>
+          <p:cNvSpPr>
+            <a:spLocks noGrp="1" noRot="1" noChangeAspect="1"/>
+          </p:cNvSpPr>
+          <p:nvPr>
+            <p:ph type="sldImg" idx="2"/>
+          </p:nvPr>
+        </p:nvSpPr>
+        <p:spPr>
+          <a:xfrm>
+            <a:off x="685800" y="1143000"/>
+            <a:ext cx="5486400" cy="3086100"/>
+          </a:xfrm>
+          <a:prstGeom prst="rect">
+            <a:avLst/>
+          </a:prstGeom>
+          <a:noFill/>
+          <a:ln w="12700">
+            <a:solidFill>
+              <a:prstClr val="black"/>
+            </a:solidFill>
+          </a:ln>
+        </p:spPr>
+        <p:txBody>
+          <a:bodyPr vert="horz" lIns="91440" tIns="45720" rIns="91440" bIns="45720" rtlCol="0" anchor="ctr"/>
+          <a:lstStyle/>
+          <a:p>
+            <a:endParaRPr lang="en-US"/>
+          </a:p>
+        </p:txBody>
+      </p:sp>
+      <p:sp>
+        <p:nvSpPr>
+          <p:cNvPr id="5" name="Notes Placeholder 4"/>
+          <p:cNvSpPr>
+            <a:spLocks noGrp="1"/>
+          </p:cNvSpPr>
+          <p:nvPr>
+            <p:ph type="body" sz="quarter" idx="3"/>
+          </p:nvPr>
+        </p:nvSpPr>
+        <p:spPr>
+          <a:xfrm>
+            <a:off x="685800" y="4400550"/>
+            <a:ext cx="5486400" cy="3600450"/>
+          </a:xfrm>
+          <a:prstGeom prst="rect">
+            <a:avLst/>
+          </a:prstGeom>
+        </p:spPr>
+        <p:txBody>
+          <a:bodyPr vert="horz" lIns="91440" tIns="45720" rIns="91440" bIns="45720" rtlCol="0"/>
           <a:lstStyle/>
           <a:p>
             <a:pPr lvl="0"/>
@@ -3402,10 +3508,671 @@
       </p:sp>
       <p:sp>
         <p:nvSpPr>
-          <p:cNvPr id="4" name="Date Placeholder 3">
+          <p:cNvPr id="6" name="Footer Placeholder 5"/>
+          <p:cNvSpPr>
+            <a:spLocks noGrp="1"/>
+          </p:cNvSpPr>
+          <p:nvPr>
+            <p:ph type="ftr" sz="quarter" idx="4"/>
+          </p:nvPr>
+        </p:nvSpPr>
+        <p:spPr>
+          <a:xfrm>
+            <a:off x="0" y="8685213"/>
+            <a:ext cx="2971800" cy="458787"/>
+          </a:xfrm>
+          <a:prstGeom prst="rect">
+            <a:avLst/>
+          </a:prstGeom>
+        </p:spPr>
+        <p:txBody>
+          <a:bodyPr vert="horz" lIns="91440" tIns="45720" rIns="91440" bIns="45720" rtlCol="0" anchor="b"/>
+          <a:lstStyle>
+            <a:lvl1pPr algn="l">
+              <a:defRPr sz="1200"/>
+            </a:lvl1pPr>
+          </a:lstStyle>
+          <a:p>
+            <a:endParaRPr lang="en-US"/>
+          </a:p>
+        </p:txBody>
+      </p:sp>
+      <p:sp>
+        <p:nvSpPr>
+          <p:cNvPr id="7" name="Slide Number Placeholder 6"/>
+          <p:cNvSpPr>
+            <a:spLocks noGrp="1"/>
+          </p:cNvSpPr>
+          <p:nvPr>
+            <p:ph type="sldNum" sz="quarter" idx="5"/>
+          </p:nvPr>
+        </p:nvSpPr>
+        <p:spPr>
+          <a:xfrm>
+            <a:off x="3884613" y="8685213"/>
+            <a:ext cx="2971800" cy="458787"/>
+          </a:xfrm>
+          <a:prstGeom prst="rect">
+            <a:avLst/>
+          </a:prstGeom>
+        </p:spPr>
+        <p:txBody>
+          <a:bodyPr vert="horz" lIns="91440" tIns="45720" rIns="91440" bIns="45720" rtlCol="0" anchor="b"/>
+          <a:lstStyle>
+            <a:lvl1pPr algn="r">
+              <a:defRPr sz="1200"/>
+            </a:lvl1pPr>
+          </a:lstStyle>
+          <a:p>
+            <a:fld id="{4743EA63-3CB8-4406-9D50-49514CF4CF93}" type="slidenum">
+              <a:rPr lang="en-US" smtClean="0"/>
+              <a:t>‹#›</a:t>
+            </a:fld>
+            <a:endParaRPr lang="en-US"/>
+          </a:p>
+        </p:txBody>
+      </p:sp>
+    </p:spTree>
+    <p:extLst>
+      <p:ext uri="{BB962C8B-B14F-4D97-AF65-F5344CB8AC3E}">
+        <p14:creationId xmlns:p14="http://schemas.microsoft.com/office/powerpoint/2010/main" val="849432295"/>
+      </p:ext>
+    </p:extLst>
+  </p:cSld>
+  <p:clrMap bg1="lt1" tx1="dk1" bg2="lt2" tx2="dk2" accent1="accent1" accent2="accent2" accent3="accent3" accent4="accent4" accent5="accent5" accent6="accent6" hlink="hlink" folHlink="folHlink"/>
+  <p:notesStyle>
+    <a:lvl1pPr marL="0" algn="l" defTabSz="914400" rtl="0" eaLnBrk="1" latinLnBrk="0" hangingPunct="1">
+      <a:defRPr sz="1200" kern="1200">
+        <a:solidFill>
+          <a:schemeClr val="tx1"/>
+        </a:solidFill>
+        <a:latin typeface="+mn-lt"/>
+        <a:ea typeface="+mn-ea"/>
+        <a:cs typeface="+mn-cs"/>
+      </a:defRPr>
+    </a:lvl1pPr>
+    <a:lvl2pPr marL="457200" algn="l" defTabSz="914400" rtl="0" eaLnBrk="1" latinLnBrk="0" hangingPunct="1">
+      <a:defRPr sz="1200" kern="1200">
+        <a:solidFill>
+          <a:schemeClr val="tx1"/>
+        </a:solidFill>
+        <a:latin typeface="+mn-lt"/>
+        <a:ea typeface="+mn-ea"/>
+        <a:cs typeface="+mn-cs"/>
+      </a:defRPr>
+    </a:lvl2pPr>
+    <a:lvl3pPr marL="914400" algn="l" defTabSz="914400" rtl="0" eaLnBrk="1" latinLnBrk="0" hangingPunct="1">
+      <a:defRPr sz="1200" kern="1200">
+        <a:solidFill>
+          <a:schemeClr val="tx1"/>
+        </a:solidFill>
+        <a:latin typeface="+mn-lt"/>
+        <a:ea typeface="+mn-ea"/>
+        <a:cs typeface="+mn-cs"/>
+      </a:defRPr>
+    </a:lvl3pPr>
+    <a:lvl4pPr marL="1371600" algn="l" defTabSz="914400" rtl="0" eaLnBrk="1" latinLnBrk="0" hangingPunct="1">
+      <a:defRPr sz="1200" kern="1200">
+        <a:solidFill>
+          <a:schemeClr val="tx1"/>
+        </a:solidFill>
+        <a:latin typeface="+mn-lt"/>
+        <a:ea typeface="+mn-ea"/>
+        <a:cs typeface="+mn-cs"/>
+      </a:defRPr>
+    </a:lvl4pPr>
+    <a:lvl5pPr marL="1828800" algn="l" defTabSz="914400" rtl="0" eaLnBrk="1" latinLnBrk="0" hangingPunct="1">
+      <a:defRPr sz="1200" kern="1200">
+        <a:solidFill>
+          <a:schemeClr val="tx1"/>
+        </a:solidFill>
+        <a:latin typeface="+mn-lt"/>
+        <a:ea typeface="+mn-ea"/>
+        <a:cs typeface="+mn-cs"/>
+      </a:defRPr>
+    </a:lvl5pPr>
+    <a:lvl6pPr marL="2286000" algn="l" defTabSz="914400" rtl="0" eaLnBrk="1" latinLnBrk="0" hangingPunct="1">
+      <a:defRPr sz="1200" kern="1200">
+        <a:solidFill>
+          <a:schemeClr val="tx1"/>
+        </a:solidFill>
+        <a:latin typeface="+mn-lt"/>
+        <a:ea typeface="+mn-ea"/>
+        <a:cs typeface="+mn-cs"/>
+      </a:defRPr>
+    </a:lvl6pPr>
+    <a:lvl7pPr marL="2743200" algn="l" defTabSz="914400" rtl="0" eaLnBrk="1" latinLnBrk="0" hangingPunct="1">
+      <a:defRPr sz="1200" kern="1200">
+        <a:solidFill>
+          <a:schemeClr val="tx1"/>
+        </a:solidFill>
+        <a:latin typeface="+mn-lt"/>
+        <a:ea typeface="+mn-ea"/>
+        <a:cs typeface="+mn-cs"/>
+      </a:defRPr>
+    </a:lvl7pPr>
+    <a:lvl8pPr marL="3200400" algn="l" defTabSz="914400" rtl="0" eaLnBrk="1" latinLnBrk="0" hangingPunct="1">
+      <a:defRPr sz="1200" kern="1200">
+        <a:solidFill>
+          <a:schemeClr val="tx1"/>
+        </a:solidFill>
+        <a:latin typeface="+mn-lt"/>
+        <a:ea typeface="+mn-ea"/>
+        <a:cs typeface="+mn-cs"/>
+      </a:defRPr>
+    </a:lvl8pPr>
+    <a:lvl9pPr marL="3657600" algn="l" defTabSz="914400" rtl="0" eaLnBrk="1" latinLnBrk="0" hangingPunct="1">
+      <a:defRPr sz="1200" kern="1200">
+        <a:solidFill>
+          <a:schemeClr val="tx1"/>
+        </a:solidFill>
+        <a:latin typeface="+mn-lt"/>
+        <a:ea typeface="+mn-ea"/>
+        <a:cs typeface="+mn-cs"/>
+      </a:defRPr>
+    </a:lvl9pPr>
+  </p:notesStyle>
+</p:notesMaster>
+</file>
+
+<file path=ppt/slideLayouts/slideLayout1.xml><?xml version="1.0" encoding="utf-8"?>
+<p:sldLayout xmlns:a="http://schemas.openxmlformats.org/drawingml/2006/main" xmlns:r="http://schemas.openxmlformats.org/officeDocument/2006/relationships" xmlns:p="http://schemas.openxmlformats.org/presentationml/2006/main" type="secHead">
+  <p:cSld name="Section Header">
+    <p:spTree>
+      <p:nvGrpSpPr>
+        <p:cNvPr id="1" name=""/>
+        <p:cNvGrpSpPr/>
+        <p:nvPr/>
+      </p:nvGrpSpPr>
+      <p:grpSpPr>
+        <a:xfrm>
+          <a:off x="0" y="0"/>
+          <a:ext cx="0" cy="0"/>
+          <a:chOff x="0" y="0"/>
+          <a:chExt cx="0" cy="0"/>
+        </a:xfrm>
+      </p:grpSpPr>
+      <p:pic>
+        <p:nvPicPr>
+          <p:cNvPr id="7" name="Picture 6"/>
+          <p:cNvPicPr>
+            <a:picLocks noChangeAspect="1"/>
+          </p:cNvPicPr>
+          <p:nvPr userDrawn="1"/>
+        </p:nvPicPr>
+        <p:blipFill>
+          <a:blip r:embed="rId2">
+            <a:extLst>
+              <a:ext uri="{28A0092B-C50C-407E-A947-70E740481C1C}">
+                <a14:useLocalDpi xmlns:a14="http://schemas.microsoft.com/office/drawing/2010/main" val="0"/>
+              </a:ext>
+            </a:extLst>
+          </a:blip>
+          <a:stretch>
+            <a:fillRect/>
+          </a:stretch>
+        </p:blipFill>
+        <p:spPr>
+          <a:xfrm>
+            <a:off x="0" y="0"/>
+            <a:ext cx="12192000" cy="6858000"/>
+          </a:xfrm>
+          <a:prstGeom prst="rect">
+            <a:avLst/>
+          </a:prstGeom>
+        </p:spPr>
+      </p:pic>
+      <p:sp>
+        <p:nvSpPr>
+          <p:cNvPr id="2" name="Title 1"/>
+          <p:cNvSpPr>
+            <a:spLocks noGrp="1"/>
+          </p:cNvSpPr>
+          <p:nvPr>
+            <p:ph type="title"/>
+          </p:nvPr>
+        </p:nvSpPr>
+        <p:spPr>
+          <a:xfrm>
+            <a:off x="831850" y="1096675"/>
+            <a:ext cx="7865341" cy="2747961"/>
+          </a:xfrm>
+        </p:spPr>
+        <p:txBody>
+          <a:bodyPr anchor="b"/>
+          <a:lstStyle>
+            <a:lvl1pPr>
+              <a:defRPr sz="4000" b="1">
+                <a:solidFill>
+                  <a:schemeClr val="bg1"/>
+                </a:solidFill>
+                <a:latin typeface="+mn-lt"/>
+              </a:defRPr>
+            </a:lvl1pPr>
+          </a:lstStyle>
+          <a:p>
+            <a:r>
+              <a:rPr lang="en-US" dirty="0"/>
+              <a:t>Click to edit Master title style</a:t>
+            </a:r>
+          </a:p>
+        </p:txBody>
+      </p:sp>
+      <p:sp>
+        <p:nvSpPr>
+          <p:cNvPr id="3" name="Text Placeholder 2"/>
+          <p:cNvSpPr>
+            <a:spLocks noGrp="1"/>
+          </p:cNvSpPr>
+          <p:nvPr>
+            <p:ph type="body" idx="1"/>
+          </p:nvPr>
+        </p:nvSpPr>
+        <p:spPr>
+          <a:xfrm>
+            <a:off x="831850" y="3976400"/>
+            <a:ext cx="7865341" cy="1312574"/>
+          </a:xfrm>
+        </p:spPr>
+        <p:txBody>
+          <a:bodyPr/>
+          <a:lstStyle>
+            <a:lvl1pPr marL="0" indent="0">
+              <a:buNone/>
+              <a:defRPr sz="2400">
+                <a:solidFill>
+                  <a:schemeClr val="bg1"/>
+                </a:solidFill>
+              </a:defRPr>
+            </a:lvl1pPr>
+            <a:lvl2pPr marL="457192" indent="0">
+              <a:buNone/>
+              <a:defRPr sz="2000">
+                <a:solidFill>
+                  <a:schemeClr val="tx1">
+                    <a:tint val="75000"/>
+                  </a:schemeClr>
+                </a:solidFill>
+              </a:defRPr>
+            </a:lvl2pPr>
+            <a:lvl3pPr marL="914384" indent="0">
+              <a:buNone/>
+              <a:defRPr sz="1800">
+                <a:solidFill>
+                  <a:schemeClr val="tx1">
+                    <a:tint val="75000"/>
+                  </a:schemeClr>
+                </a:solidFill>
+              </a:defRPr>
+            </a:lvl3pPr>
+            <a:lvl4pPr marL="1371576" indent="0">
+              <a:buNone/>
+              <a:defRPr sz="1600">
+                <a:solidFill>
+                  <a:schemeClr val="tx1">
+                    <a:tint val="75000"/>
+                  </a:schemeClr>
+                </a:solidFill>
+              </a:defRPr>
+            </a:lvl4pPr>
+            <a:lvl5pPr marL="1828768" indent="0">
+              <a:buNone/>
+              <a:defRPr sz="1600">
+                <a:solidFill>
+                  <a:schemeClr val="tx1">
+                    <a:tint val="75000"/>
+                  </a:schemeClr>
+                </a:solidFill>
+              </a:defRPr>
+            </a:lvl5pPr>
+            <a:lvl6pPr marL="2285960" indent="0">
+              <a:buNone/>
+              <a:defRPr sz="1600">
+                <a:solidFill>
+                  <a:schemeClr val="tx1">
+                    <a:tint val="75000"/>
+                  </a:schemeClr>
+                </a:solidFill>
+              </a:defRPr>
+            </a:lvl6pPr>
+            <a:lvl7pPr marL="2743152" indent="0">
+              <a:buNone/>
+              <a:defRPr sz="1600">
+                <a:solidFill>
+                  <a:schemeClr val="tx1">
+                    <a:tint val="75000"/>
+                  </a:schemeClr>
+                </a:solidFill>
+              </a:defRPr>
+            </a:lvl7pPr>
+            <a:lvl8pPr marL="3200344" indent="0">
+              <a:buNone/>
+              <a:defRPr sz="1600">
+                <a:solidFill>
+                  <a:schemeClr val="tx1">
+                    <a:tint val="75000"/>
+                  </a:schemeClr>
+                </a:solidFill>
+              </a:defRPr>
+            </a:lvl8pPr>
+            <a:lvl9pPr marL="3657536" indent="0">
+              <a:buNone/>
+              <a:defRPr sz="1600">
+                <a:solidFill>
+                  <a:schemeClr val="tx1">
+                    <a:tint val="75000"/>
+                  </a:schemeClr>
+                </a:solidFill>
+              </a:defRPr>
+            </a:lvl9pPr>
+          </a:lstStyle>
+          <a:p>
+            <a:pPr lvl="0"/>
+            <a:r>
+              <a:rPr lang="en-US" dirty="0"/>
+              <a:t>Click to edit Master text styles</a:t>
+            </a:r>
+          </a:p>
+        </p:txBody>
+      </p:sp>
+      <p:sp>
+        <p:nvSpPr>
+          <p:cNvPr id="6" name="Slide Number Placeholder 5"/>
+          <p:cNvSpPr>
+            <a:spLocks noGrp="1"/>
+          </p:cNvSpPr>
+          <p:nvPr>
+            <p:ph type="sldNum" sz="quarter" idx="12"/>
+          </p:nvPr>
+        </p:nvSpPr>
+        <p:spPr/>
+        <p:txBody>
+          <a:bodyPr/>
+          <a:lstStyle/>
+          <a:p>
+            <a:fld id="{88B1D514-9158-7143-952E-69DC611F0F0B}" type="slidenum">
+              <a:rPr lang="en-US" smtClean="0"/>
+              <a:t>‹#›</a:t>
+            </a:fld>
+            <a:endParaRPr lang="en-US"/>
+          </a:p>
+        </p:txBody>
+      </p:sp>
+    </p:spTree>
+    <p:extLst>
+      <p:ext uri="{BB962C8B-B14F-4D97-AF65-F5344CB8AC3E}">
+        <p14:creationId xmlns:p14="http://schemas.microsoft.com/office/powerpoint/2010/main" val="1537482913"/>
+      </p:ext>
+    </p:extLst>
+  </p:cSld>
+  <p:clrMapOvr>
+    <a:masterClrMapping/>
+  </p:clrMapOvr>
+</p:sldLayout>
+</file>
+
+<file path=ppt/slideLayouts/slideLayout2.xml><?xml version="1.0" encoding="utf-8"?>
+<p:sldLayout xmlns:a="http://schemas.openxmlformats.org/drawingml/2006/main" xmlns:r="http://schemas.openxmlformats.org/officeDocument/2006/relationships" xmlns:p="http://schemas.openxmlformats.org/presentationml/2006/main" type="obj">
+  <p:cSld name="Title and Content">
+    <p:spTree>
+      <p:nvGrpSpPr>
+        <p:cNvPr id="1" name=""/>
+        <p:cNvGrpSpPr/>
+        <p:nvPr/>
+      </p:nvGrpSpPr>
+      <p:grpSpPr>
+        <a:xfrm>
+          <a:off x="0" y="0"/>
+          <a:ext cx="0" cy="0"/>
+          <a:chOff x="0" y="0"/>
+          <a:chExt cx="0" cy="0"/>
+        </a:xfrm>
+      </p:grpSpPr>
+      <p:sp>
+        <p:nvSpPr>
+          <p:cNvPr id="2" name="Title 1"/>
+          <p:cNvSpPr>
+            <a:spLocks noGrp="1"/>
+          </p:cNvSpPr>
+          <p:nvPr>
+            <p:ph type="title" hasCustomPrompt="1"/>
+          </p:nvPr>
+        </p:nvSpPr>
+        <p:spPr/>
+        <p:txBody>
+          <a:bodyPr anchor="ctr"/>
+          <a:lstStyle>
+            <a:lvl1pPr>
+              <a:defRPr>
+                <a:solidFill>
+                  <a:srgbClr val="2972FF"/>
+                </a:solidFill>
+              </a:defRPr>
+            </a:lvl1pPr>
+          </a:lstStyle>
+          <a:p>
+            <a:r>
+              <a:rPr lang="en-US" dirty="0"/>
+              <a:t>Click To Edit Title</a:t>
+            </a:r>
+          </a:p>
+        </p:txBody>
+      </p:sp>
+      <p:sp>
+        <p:nvSpPr>
+          <p:cNvPr id="3" name="Content Placeholder 2"/>
+          <p:cNvSpPr>
+            <a:spLocks noGrp="1"/>
+          </p:cNvSpPr>
+          <p:nvPr>
+            <p:ph idx="1"/>
+          </p:nvPr>
+        </p:nvSpPr>
+        <p:spPr/>
+        <p:txBody>
+          <a:bodyPr/>
+          <a:lstStyle>
+            <a:lvl1pPr>
+              <a:buSzPct val="100000"/>
+              <a:defRPr baseline="0"/>
+            </a:lvl1pPr>
+            <a:lvl2pPr>
+              <a:buSzPct val="100000"/>
+              <a:defRPr baseline="0"/>
+            </a:lvl2pPr>
+            <a:lvl3pPr>
+              <a:buSzPct val="100000"/>
+              <a:defRPr baseline="0"/>
+            </a:lvl3pPr>
+            <a:lvl4pPr>
+              <a:buSzPct val="100000"/>
+              <a:defRPr baseline="0"/>
+            </a:lvl4pPr>
+            <a:lvl5pPr>
+              <a:buSzPct val="100000"/>
+              <a:defRPr baseline="0"/>
+            </a:lvl5pPr>
+          </a:lstStyle>
+          <a:p>
+            <a:pPr lvl="0"/>
+            <a:r>
+              <a:rPr lang="en-US" dirty="0"/>
+              <a:t>Click to edit Master text styles</a:t>
+            </a:r>
+          </a:p>
+          <a:p>
+            <a:pPr lvl="1"/>
+            <a:r>
+              <a:rPr lang="en-US" dirty="0"/>
+              <a:t>Second level</a:t>
+            </a:r>
+          </a:p>
+          <a:p>
+            <a:pPr lvl="2"/>
+            <a:r>
+              <a:rPr lang="en-US" dirty="0"/>
+              <a:t>Third level</a:t>
+            </a:r>
+          </a:p>
+          <a:p>
+            <a:pPr lvl="3"/>
+            <a:r>
+              <a:rPr lang="en-US" dirty="0"/>
+              <a:t>Fourth level</a:t>
+            </a:r>
+          </a:p>
+          <a:p>
+            <a:pPr lvl="4"/>
+            <a:r>
+              <a:rPr lang="en-US" dirty="0"/>
+              <a:t>Fifth level</a:t>
+            </a:r>
+          </a:p>
+        </p:txBody>
+      </p:sp>
+      <p:sp>
+        <p:nvSpPr>
+          <p:cNvPr id="6" name="Slide Number Placeholder 5"/>
+          <p:cNvSpPr>
+            <a:spLocks noGrp="1"/>
+          </p:cNvSpPr>
+          <p:nvPr>
+            <p:ph type="sldNum" sz="quarter" idx="12"/>
+          </p:nvPr>
+        </p:nvSpPr>
+        <p:spPr/>
+        <p:txBody>
+          <a:bodyPr/>
+          <a:lstStyle/>
+          <a:p>
+            <a:fld id="{88B1D514-9158-7143-952E-69DC611F0F0B}" type="slidenum">
+              <a:rPr lang="en-US" smtClean="0"/>
+              <a:t>‹#›</a:t>
+            </a:fld>
+            <a:endParaRPr lang="en-US"/>
+          </a:p>
+        </p:txBody>
+      </p:sp>
+    </p:spTree>
+    <p:extLst>
+      <p:ext uri="{BB962C8B-B14F-4D97-AF65-F5344CB8AC3E}">
+        <p14:creationId xmlns:p14="http://schemas.microsoft.com/office/powerpoint/2010/main" val="1525245346"/>
+      </p:ext>
+    </p:extLst>
+  </p:cSld>
+  <p:clrMapOvr>
+    <a:masterClrMapping/>
+  </p:clrMapOvr>
+</p:sldLayout>
+</file>
+
+<file path=ppt/slideLayouts/slideLayout3.xml><?xml version="1.0" encoding="utf-8"?>
+<p:sldLayout xmlns:a="http://schemas.openxmlformats.org/drawingml/2006/main" xmlns:r="http://schemas.openxmlformats.org/officeDocument/2006/relationships" xmlns:p="http://schemas.openxmlformats.org/presentationml/2006/main" type="titleOnly">
+  <p:cSld name="Title Only">
+    <p:spTree>
+      <p:nvGrpSpPr>
+        <p:cNvPr id="1" name=""/>
+        <p:cNvGrpSpPr/>
+        <p:nvPr/>
+      </p:nvGrpSpPr>
+      <p:grpSpPr>
+        <a:xfrm>
+          <a:off x="0" y="0"/>
+          <a:ext cx="0" cy="0"/>
+          <a:chOff x="0" y="0"/>
+          <a:chExt cx="0" cy="0"/>
+        </a:xfrm>
+      </p:grpSpPr>
+      <p:sp>
+        <p:nvSpPr>
+          <p:cNvPr id="2" name="Title 1"/>
+          <p:cNvSpPr>
+            <a:spLocks noGrp="1"/>
+          </p:cNvSpPr>
+          <p:nvPr>
+            <p:ph type="title" hasCustomPrompt="1"/>
+          </p:nvPr>
+        </p:nvSpPr>
+        <p:spPr>
+          <a:xfrm>
+            <a:off x="914400" y="374904"/>
+            <a:ext cx="9580880" cy="859536"/>
+          </a:xfrm>
+        </p:spPr>
+        <p:txBody>
+          <a:bodyPr anchor="ctr"/>
+          <a:lstStyle>
+            <a:lvl1pPr>
+              <a:defRPr/>
+            </a:lvl1pPr>
+          </a:lstStyle>
+          <a:p>
+            <a:r>
+              <a:rPr lang="en-US" dirty="0"/>
+              <a:t>Click To Edit Title</a:t>
+            </a:r>
+          </a:p>
+        </p:txBody>
+      </p:sp>
+      <p:sp>
+        <p:nvSpPr>
+          <p:cNvPr id="5" name="Slide Number Placeholder 4"/>
+          <p:cNvSpPr>
+            <a:spLocks noGrp="1"/>
+          </p:cNvSpPr>
+          <p:nvPr>
+            <p:ph type="sldNum" sz="quarter" idx="12"/>
+          </p:nvPr>
+        </p:nvSpPr>
+        <p:spPr/>
+        <p:txBody>
+          <a:bodyPr/>
+          <a:lstStyle/>
+          <a:p>
+            <a:fld id="{88B1D514-9158-7143-952E-69DC611F0F0B}" type="slidenum">
+              <a:rPr lang="en-US" smtClean="0"/>
+              <a:t>‹#›</a:t>
+            </a:fld>
+            <a:endParaRPr lang="en-US"/>
+          </a:p>
+        </p:txBody>
+      </p:sp>
+    </p:spTree>
+    <p:extLst>
+      <p:ext uri="{BB962C8B-B14F-4D97-AF65-F5344CB8AC3E}">
+        <p14:creationId xmlns:p14="http://schemas.microsoft.com/office/powerpoint/2010/main" val="1901935599"/>
+      </p:ext>
+    </p:extLst>
+  </p:cSld>
+  <p:clrMapOvr>
+    <a:masterClrMapping/>
+  </p:clrMapOvr>
+</p:sldLayout>
+</file>
+
+<file path=ppt/slideLayouts/slideLayout4.xml><?xml version="1.0" encoding="utf-8"?>
+<p:sldLayout xmlns:a="http://schemas.openxmlformats.org/drawingml/2006/main" xmlns:r="http://schemas.openxmlformats.org/officeDocument/2006/relationships" xmlns:p="http://schemas.openxmlformats.org/presentationml/2006/main" type="blank">
+  <p:cSld name="Blank">
+    <p:spTree>
+      <p:nvGrpSpPr>
+        <p:cNvPr id="1" name=""/>
+        <p:cNvGrpSpPr/>
+        <p:nvPr/>
+      </p:nvGrpSpPr>
+      <p:grpSpPr>
+        <a:xfrm>
+          <a:off x="0" y="0"/>
+          <a:ext cx="0" cy="0"/>
+          <a:chOff x="0" y="0"/>
+          <a:chExt cx="0" cy="0"/>
+        </a:xfrm>
+      </p:grpSpPr>
+      <p:sp>
+        <p:nvSpPr>
+          <p:cNvPr id="2" name="Date Placeholder 1">
             <a:extLst>
               <a:ext uri="{FF2B5EF4-FFF2-40B4-BE49-F238E27FC236}">
-                <a16:creationId xmlns:a16="http://schemas.microsoft.com/office/drawing/2014/main" id="{367C49C2-60D9-4AC8-AC22-4943D1F81FAE}"/>
+                <a16:creationId xmlns:a16="http://schemas.microsoft.com/office/drawing/2014/main" id="{968D97EB-5D28-4AE3-99B6-D07974E439A7}"/>
               </a:ext>
             </a:extLst>
           </p:cNvPr>
@@ -3431,10 +4198,10 @@
       </p:sp>
       <p:sp>
         <p:nvSpPr>
-          <p:cNvPr id="5" name="Footer Placeholder 4">
+          <p:cNvPr id="3" name="Footer Placeholder 2">
             <a:extLst>
               <a:ext uri="{FF2B5EF4-FFF2-40B4-BE49-F238E27FC236}">
-                <a16:creationId xmlns:a16="http://schemas.microsoft.com/office/drawing/2014/main" id="{C46F405D-0F8F-4C18-A907-173EAA339F99}"/>
+                <a16:creationId xmlns:a16="http://schemas.microsoft.com/office/drawing/2014/main" id="{5581CFC7-DB8B-42BD-9090-5549297DEB72}"/>
               </a:ext>
             </a:extLst>
           </p:cNvPr>
@@ -3456,10 +4223,10 @@
       </p:sp>
       <p:sp>
         <p:nvSpPr>
-          <p:cNvPr id="6" name="Slide Number Placeholder 5">
+          <p:cNvPr id="4" name="Slide Number Placeholder 3">
             <a:extLst>
               <a:ext uri="{FF2B5EF4-FFF2-40B4-BE49-F238E27FC236}">
-                <a16:creationId xmlns:a16="http://schemas.microsoft.com/office/drawing/2014/main" id="{97ABD30D-FCE2-4F9E-9963-8F4EC7CBCF21}"/>
+                <a16:creationId xmlns:a16="http://schemas.microsoft.com/office/drawing/2014/main" id="{7861951F-C436-4A5C-AFAE-C133B0793B4E}"/>
               </a:ext>
             </a:extLst>
           </p:cNvPr>
@@ -3486,2218 +4253,7 @@
     </p:spTree>
     <p:extLst>
       <p:ext uri="{BB962C8B-B14F-4D97-AF65-F5344CB8AC3E}">
-        <p14:creationId xmlns:p14="http://schemas.microsoft.com/office/powerpoint/2010/main" val="1640976625"/>
-      </p:ext>
-    </p:extLst>
-  </p:cSld>
-  <p:clrMapOvr>
-    <a:masterClrMapping/>
-  </p:clrMapOvr>
-</p:sldLayout>
-</file>
-
-<file path=ppt/slideLayouts/slideLayout11.xml><?xml version="1.0" encoding="utf-8"?>
-<p:sldLayout xmlns:a="http://schemas.openxmlformats.org/drawingml/2006/main" xmlns:r="http://schemas.openxmlformats.org/officeDocument/2006/relationships" xmlns:p="http://schemas.openxmlformats.org/presentationml/2006/main" type="vertTitleAndTx" preserve="1">
-  <p:cSld name="Vertical Title and Text">
-    <p:spTree>
-      <p:nvGrpSpPr>
-        <p:cNvPr id="1" name=""/>
-        <p:cNvGrpSpPr/>
-        <p:nvPr/>
-      </p:nvGrpSpPr>
-      <p:grpSpPr>
-        <a:xfrm>
-          <a:off x="0" y="0"/>
-          <a:ext cx="0" cy="0"/>
-          <a:chOff x="0" y="0"/>
-          <a:chExt cx="0" cy="0"/>
-        </a:xfrm>
-      </p:grpSpPr>
-      <p:sp>
-        <p:nvSpPr>
-          <p:cNvPr id="2" name="Vertical Title 1">
-            <a:extLst>
-              <a:ext uri="{FF2B5EF4-FFF2-40B4-BE49-F238E27FC236}">
-                <a16:creationId xmlns:a16="http://schemas.microsoft.com/office/drawing/2014/main" id="{52D3D7FA-78DD-42C1-9B7E-BCAAB32642D4}"/>
-              </a:ext>
-            </a:extLst>
-          </p:cNvPr>
-          <p:cNvSpPr>
-            <a:spLocks noGrp="1"/>
-          </p:cNvSpPr>
-          <p:nvPr>
-            <p:ph type="title" orient="vert"/>
-          </p:nvPr>
-        </p:nvSpPr>
-        <p:spPr>
-          <a:xfrm>
-            <a:off x="8724900" y="365125"/>
-            <a:ext cx="2628900" cy="5811838"/>
-          </a:xfrm>
-        </p:spPr>
-        <p:txBody>
-          <a:bodyPr vert="eaVert"/>
-          <a:lstStyle/>
-          <a:p>
-            <a:r>
-              <a:rPr lang="en-US"/>
-              <a:t>Click to edit Master title style</a:t>
-            </a:r>
-          </a:p>
-        </p:txBody>
-      </p:sp>
-      <p:sp>
-        <p:nvSpPr>
-          <p:cNvPr id="3" name="Vertical Text Placeholder 2">
-            <a:extLst>
-              <a:ext uri="{FF2B5EF4-FFF2-40B4-BE49-F238E27FC236}">
-                <a16:creationId xmlns:a16="http://schemas.microsoft.com/office/drawing/2014/main" id="{A1A05EED-807B-4B5C-A439-3E236D36564F}"/>
-              </a:ext>
-            </a:extLst>
-          </p:cNvPr>
-          <p:cNvSpPr>
-            <a:spLocks noGrp="1"/>
-          </p:cNvSpPr>
-          <p:nvPr>
-            <p:ph type="body" orient="vert" idx="1"/>
-          </p:nvPr>
-        </p:nvSpPr>
-        <p:spPr>
-          <a:xfrm>
-            <a:off x="838200" y="365125"/>
-            <a:ext cx="7734300" cy="5811838"/>
-          </a:xfrm>
-        </p:spPr>
-        <p:txBody>
-          <a:bodyPr vert="eaVert"/>
-          <a:lstStyle/>
-          <a:p>
-            <a:pPr lvl="0"/>
-            <a:r>
-              <a:rPr lang="en-US"/>
-              <a:t>Edit Master text styles</a:t>
-            </a:r>
-          </a:p>
-          <a:p>
-            <a:pPr lvl="1"/>
-            <a:r>
-              <a:rPr lang="en-US"/>
-              <a:t>Second level</a:t>
-            </a:r>
-          </a:p>
-          <a:p>
-            <a:pPr lvl="2"/>
-            <a:r>
-              <a:rPr lang="en-US"/>
-              <a:t>Third level</a:t>
-            </a:r>
-          </a:p>
-          <a:p>
-            <a:pPr lvl="3"/>
-            <a:r>
-              <a:rPr lang="en-US"/>
-              <a:t>Fourth level</a:t>
-            </a:r>
-          </a:p>
-          <a:p>
-            <a:pPr lvl="4"/>
-            <a:r>
-              <a:rPr lang="en-US"/>
-              <a:t>Fifth level</a:t>
-            </a:r>
-          </a:p>
-        </p:txBody>
-      </p:sp>
-      <p:sp>
-        <p:nvSpPr>
-          <p:cNvPr id="4" name="Date Placeholder 3">
-            <a:extLst>
-              <a:ext uri="{FF2B5EF4-FFF2-40B4-BE49-F238E27FC236}">
-                <a16:creationId xmlns:a16="http://schemas.microsoft.com/office/drawing/2014/main" id="{0B09B367-03A3-4992-8EAF-80CEB5B28437}"/>
-              </a:ext>
-            </a:extLst>
-          </p:cNvPr>
-          <p:cNvSpPr>
-            <a:spLocks noGrp="1"/>
-          </p:cNvSpPr>
-          <p:nvPr>
-            <p:ph type="dt" sz="half" idx="10"/>
-          </p:nvPr>
-        </p:nvSpPr>
-        <p:spPr/>
-        <p:txBody>
-          <a:bodyPr/>
-          <a:lstStyle/>
-          <a:p>
-            <a:fld id="{CA2E3467-0D89-4ADB-A534-234A23CA62FE}" type="datetimeFigureOut">
-              <a:rPr lang="en-US" smtClean="0"/>
-              <a:t>6/19/2019</a:t>
-            </a:fld>
-            <a:endParaRPr lang="en-US"/>
-          </a:p>
-        </p:txBody>
-      </p:sp>
-      <p:sp>
-        <p:nvSpPr>
-          <p:cNvPr id="5" name="Footer Placeholder 4">
-            <a:extLst>
-              <a:ext uri="{FF2B5EF4-FFF2-40B4-BE49-F238E27FC236}">
-                <a16:creationId xmlns:a16="http://schemas.microsoft.com/office/drawing/2014/main" id="{7625099E-8305-4AA0-84B8-7AE28E34B519}"/>
-              </a:ext>
-            </a:extLst>
-          </p:cNvPr>
-          <p:cNvSpPr>
-            <a:spLocks noGrp="1"/>
-          </p:cNvSpPr>
-          <p:nvPr>
-            <p:ph type="ftr" sz="quarter" idx="11"/>
-          </p:nvPr>
-        </p:nvSpPr>
-        <p:spPr/>
-        <p:txBody>
-          <a:bodyPr/>
-          <a:lstStyle/>
-          <a:p>
-            <a:endParaRPr lang="en-US"/>
-          </a:p>
-        </p:txBody>
-      </p:sp>
-      <p:sp>
-        <p:nvSpPr>
-          <p:cNvPr id="6" name="Slide Number Placeholder 5">
-            <a:extLst>
-              <a:ext uri="{FF2B5EF4-FFF2-40B4-BE49-F238E27FC236}">
-                <a16:creationId xmlns:a16="http://schemas.microsoft.com/office/drawing/2014/main" id="{E053DF9E-845C-42FB-84A6-633CC2E2455B}"/>
-              </a:ext>
-            </a:extLst>
-          </p:cNvPr>
-          <p:cNvSpPr>
-            <a:spLocks noGrp="1"/>
-          </p:cNvSpPr>
-          <p:nvPr>
-            <p:ph type="sldNum" sz="quarter" idx="12"/>
-          </p:nvPr>
-        </p:nvSpPr>
-        <p:spPr/>
-        <p:txBody>
-          <a:bodyPr/>
-          <a:lstStyle/>
-          <a:p>
-            <a:fld id="{B2C7D7B1-EA59-4F88-954B-4C4A650A8C83}" type="slidenum">
-              <a:rPr lang="en-US" smtClean="0"/>
-              <a:t>‹#›</a:t>
-            </a:fld>
-            <a:endParaRPr lang="en-US"/>
-          </a:p>
-        </p:txBody>
-      </p:sp>
-    </p:spTree>
-    <p:extLst>
-      <p:ext uri="{BB962C8B-B14F-4D97-AF65-F5344CB8AC3E}">
-        <p14:creationId xmlns:p14="http://schemas.microsoft.com/office/powerpoint/2010/main" val="718384846"/>
-      </p:ext>
-    </p:extLst>
-  </p:cSld>
-  <p:clrMapOvr>
-    <a:masterClrMapping/>
-  </p:clrMapOvr>
-</p:sldLayout>
-</file>
-
-<file path=ppt/slideLayouts/slideLayout2.xml><?xml version="1.0" encoding="utf-8"?>
-<p:sldLayout xmlns:a="http://schemas.openxmlformats.org/drawingml/2006/main" xmlns:r="http://schemas.openxmlformats.org/officeDocument/2006/relationships" xmlns:p="http://schemas.openxmlformats.org/presentationml/2006/main" type="obj" preserve="1">
-  <p:cSld name="Title and Content">
-    <p:spTree>
-      <p:nvGrpSpPr>
-        <p:cNvPr id="1" name=""/>
-        <p:cNvGrpSpPr/>
-        <p:nvPr/>
-      </p:nvGrpSpPr>
-      <p:grpSpPr>
-        <a:xfrm>
-          <a:off x="0" y="0"/>
-          <a:ext cx="0" cy="0"/>
-          <a:chOff x="0" y="0"/>
-          <a:chExt cx="0" cy="0"/>
-        </a:xfrm>
-      </p:grpSpPr>
-      <p:sp>
-        <p:nvSpPr>
-          <p:cNvPr id="2" name="Title 1">
-            <a:extLst>
-              <a:ext uri="{FF2B5EF4-FFF2-40B4-BE49-F238E27FC236}">
-                <a16:creationId xmlns:a16="http://schemas.microsoft.com/office/drawing/2014/main" id="{2ACD8D8A-6A60-4F56-B59A-B8483C1561FF}"/>
-              </a:ext>
-            </a:extLst>
-          </p:cNvPr>
-          <p:cNvSpPr>
-            <a:spLocks noGrp="1"/>
-          </p:cNvSpPr>
-          <p:nvPr>
-            <p:ph type="title"/>
-          </p:nvPr>
-        </p:nvSpPr>
-        <p:spPr/>
-        <p:txBody>
-          <a:bodyPr/>
-          <a:lstStyle/>
-          <a:p>
-            <a:r>
-              <a:rPr lang="en-US"/>
-              <a:t>Click to edit Master title style</a:t>
-            </a:r>
-          </a:p>
-        </p:txBody>
-      </p:sp>
-      <p:sp>
-        <p:nvSpPr>
-          <p:cNvPr id="3" name="Content Placeholder 2">
-            <a:extLst>
-              <a:ext uri="{FF2B5EF4-FFF2-40B4-BE49-F238E27FC236}">
-                <a16:creationId xmlns:a16="http://schemas.microsoft.com/office/drawing/2014/main" id="{25896832-DBC9-488E-80CB-51872E03B4CB}"/>
-              </a:ext>
-            </a:extLst>
-          </p:cNvPr>
-          <p:cNvSpPr>
-            <a:spLocks noGrp="1"/>
-          </p:cNvSpPr>
-          <p:nvPr>
-            <p:ph idx="1"/>
-          </p:nvPr>
-        </p:nvSpPr>
-        <p:spPr/>
-        <p:txBody>
-          <a:bodyPr/>
-          <a:lstStyle/>
-          <a:p>
-            <a:pPr lvl="0"/>
-            <a:r>
-              <a:rPr lang="en-US"/>
-              <a:t>Edit Master text styles</a:t>
-            </a:r>
-          </a:p>
-          <a:p>
-            <a:pPr lvl="1"/>
-            <a:r>
-              <a:rPr lang="en-US"/>
-              <a:t>Second level</a:t>
-            </a:r>
-          </a:p>
-          <a:p>
-            <a:pPr lvl="2"/>
-            <a:r>
-              <a:rPr lang="en-US"/>
-              <a:t>Third level</a:t>
-            </a:r>
-          </a:p>
-          <a:p>
-            <a:pPr lvl="3"/>
-            <a:r>
-              <a:rPr lang="en-US"/>
-              <a:t>Fourth level</a:t>
-            </a:r>
-          </a:p>
-          <a:p>
-            <a:pPr lvl="4"/>
-            <a:r>
-              <a:rPr lang="en-US"/>
-              <a:t>Fifth level</a:t>
-            </a:r>
-          </a:p>
-        </p:txBody>
-      </p:sp>
-      <p:sp>
-        <p:nvSpPr>
-          <p:cNvPr id="4" name="Date Placeholder 3">
-            <a:extLst>
-              <a:ext uri="{FF2B5EF4-FFF2-40B4-BE49-F238E27FC236}">
-                <a16:creationId xmlns:a16="http://schemas.microsoft.com/office/drawing/2014/main" id="{DAB2DFF3-3A52-414E-90F8-509C9799D1AC}"/>
-              </a:ext>
-            </a:extLst>
-          </p:cNvPr>
-          <p:cNvSpPr>
-            <a:spLocks noGrp="1"/>
-          </p:cNvSpPr>
-          <p:nvPr>
-            <p:ph type="dt" sz="half" idx="10"/>
-          </p:nvPr>
-        </p:nvSpPr>
-        <p:spPr/>
-        <p:txBody>
-          <a:bodyPr/>
-          <a:lstStyle/>
-          <a:p>
-            <a:fld id="{CA2E3467-0D89-4ADB-A534-234A23CA62FE}" type="datetimeFigureOut">
-              <a:rPr lang="en-US" smtClean="0"/>
-              <a:t>6/19/2019</a:t>
-            </a:fld>
-            <a:endParaRPr lang="en-US"/>
-          </a:p>
-        </p:txBody>
-      </p:sp>
-      <p:sp>
-        <p:nvSpPr>
-          <p:cNvPr id="5" name="Footer Placeholder 4">
-            <a:extLst>
-              <a:ext uri="{FF2B5EF4-FFF2-40B4-BE49-F238E27FC236}">
-                <a16:creationId xmlns:a16="http://schemas.microsoft.com/office/drawing/2014/main" id="{C081736B-5D0F-421A-BC3E-754A8BDDA2B3}"/>
-              </a:ext>
-            </a:extLst>
-          </p:cNvPr>
-          <p:cNvSpPr>
-            <a:spLocks noGrp="1"/>
-          </p:cNvSpPr>
-          <p:nvPr>
-            <p:ph type="ftr" sz="quarter" idx="11"/>
-          </p:nvPr>
-        </p:nvSpPr>
-        <p:spPr/>
-        <p:txBody>
-          <a:bodyPr/>
-          <a:lstStyle/>
-          <a:p>
-            <a:endParaRPr lang="en-US"/>
-          </a:p>
-        </p:txBody>
-      </p:sp>
-      <p:sp>
-        <p:nvSpPr>
-          <p:cNvPr id="6" name="Slide Number Placeholder 5">
-            <a:extLst>
-              <a:ext uri="{FF2B5EF4-FFF2-40B4-BE49-F238E27FC236}">
-                <a16:creationId xmlns:a16="http://schemas.microsoft.com/office/drawing/2014/main" id="{1B5057C4-993E-44F7-A60F-F54D02F11FF9}"/>
-              </a:ext>
-            </a:extLst>
-          </p:cNvPr>
-          <p:cNvSpPr>
-            <a:spLocks noGrp="1"/>
-          </p:cNvSpPr>
-          <p:nvPr>
-            <p:ph type="sldNum" sz="quarter" idx="12"/>
-          </p:nvPr>
-        </p:nvSpPr>
-        <p:spPr/>
-        <p:txBody>
-          <a:bodyPr/>
-          <a:lstStyle/>
-          <a:p>
-            <a:fld id="{B2C7D7B1-EA59-4F88-954B-4C4A650A8C83}" type="slidenum">
-              <a:rPr lang="en-US" smtClean="0"/>
-              <a:t>‹#›</a:t>
-            </a:fld>
-            <a:endParaRPr lang="en-US"/>
-          </a:p>
-        </p:txBody>
-      </p:sp>
-    </p:spTree>
-    <p:extLst>
-      <p:ext uri="{BB962C8B-B14F-4D97-AF65-F5344CB8AC3E}">
-        <p14:creationId xmlns:p14="http://schemas.microsoft.com/office/powerpoint/2010/main" val="2986145069"/>
-      </p:ext>
-    </p:extLst>
-  </p:cSld>
-  <p:clrMapOvr>
-    <a:masterClrMapping/>
-  </p:clrMapOvr>
-</p:sldLayout>
-</file>
-
-<file path=ppt/slideLayouts/slideLayout3.xml><?xml version="1.0" encoding="utf-8"?>
-<p:sldLayout xmlns:a="http://schemas.openxmlformats.org/drawingml/2006/main" xmlns:r="http://schemas.openxmlformats.org/officeDocument/2006/relationships" xmlns:p="http://schemas.openxmlformats.org/presentationml/2006/main" type="secHead" preserve="1">
-  <p:cSld name="Section Header">
-    <p:spTree>
-      <p:nvGrpSpPr>
-        <p:cNvPr id="1" name=""/>
-        <p:cNvGrpSpPr/>
-        <p:nvPr/>
-      </p:nvGrpSpPr>
-      <p:grpSpPr>
-        <a:xfrm>
-          <a:off x="0" y="0"/>
-          <a:ext cx="0" cy="0"/>
-          <a:chOff x="0" y="0"/>
-          <a:chExt cx="0" cy="0"/>
-        </a:xfrm>
-      </p:grpSpPr>
-      <p:sp>
-        <p:nvSpPr>
-          <p:cNvPr id="2" name="Title 1">
-            <a:extLst>
-              <a:ext uri="{FF2B5EF4-FFF2-40B4-BE49-F238E27FC236}">
-                <a16:creationId xmlns:a16="http://schemas.microsoft.com/office/drawing/2014/main" id="{F368AC9B-1983-4DC9-A334-30645EA1D243}"/>
-              </a:ext>
-            </a:extLst>
-          </p:cNvPr>
-          <p:cNvSpPr>
-            <a:spLocks noGrp="1"/>
-          </p:cNvSpPr>
-          <p:nvPr>
-            <p:ph type="title"/>
-          </p:nvPr>
-        </p:nvSpPr>
-        <p:spPr>
-          <a:xfrm>
-            <a:off x="831850" y="1709738"/>
-            <a:ext cx="10515600" cy="2852737"/>
-          </a:xfrm>
-        </p:spPr>
-        <p:txBody>
-          <a:bodyPr anchor="b"/>
-          <a:lstStyle>
-            <a:lvl1pPr>
-              <a:defRPr sz="6000"/>
-            </a:lvl1pPr>
-          </a:lstStyle>
-          <a:p>
-            <a:r>
-              <a:rPr lang="en-US"/>
-              <a:t>Click to edit Master title style</a:t>
-            </a:r>
-          </a:p>
-        </p:txBody>
-      </p:sp>
-      <p:sp>
-        <p:nvSpPr>
-          <p:cNvPr id="3" name="Text Placeholder 2">
-            <a:extLst>
-              <a:ext uri="{FF2B5EF4-FFF2-40B4-BE49-F238E27FC236}">
-                <a16:creationId xmlns:a16="http://schemas.microsoft.com/office/drawing/2014/main" id="{F6555D9E-585B-4B7B-8F8D-DC1ED635DB91}"/>
-              </a:ext>
-            </a:extLst>
-          </p:cNvPr>
-          <p:cNvSpPr>
-            <a:spLocks noGrp="1"/>
-          </p:cNvSpPr>
-          <p:nvPr>
-            <p:ph type="body" idx="1"/>
-          </p:nvPr>
-        </p:nvSpPr>
-        <p:spPr>
-          <a:xfrm>
-            <a:off x="831850" y="4589463"/>
-            <a:ext cx="10515600" cy="1500187"/>
-          </a:xfrm>
-        </p:spPr>
-        <p:txBody>
-          <a:bodyPr/>
-          <a:lstStyle>
-            <a:lvl1pPr marL="0" indent="0">
-              <a:buNone/>
-              <a:defRPr sz="2400">
-                <a:solidFill>
-                  <a:schemeClr val="tx1">
-                    <a:tint val="75000"/>
-                  </a:schemeClr>
-                </a:solidFill>
-              </a:defRPr>
-            </a:lvl1pPr>
-            <a:lvl2pPr marL="457200" indent="0">
-              <a:buNone/>
-              <a:defRPr sz="2000">
-                <a:solidFill>
-                  <a:schemeClr val="tx1">
-                    <a:tint val="75000"/>
-                  </a:schemeClr>
-                </a:solidFill>
-              </a:defRPr>
-            </a:lvl2pPr>
-            <a:lvl3pPr marL="914400" indent="0">
-              <a:buNone/>
-              <a:defRPr sz="1800">
-                <a:solidFill>
-                  <a:schemeClr val="tx1">
-                    <a:tint val="75000"/>
-                  </a:schemeClr>
-                </a:solidFill>
-              </a:defRPr>
-            </a:lvl3pPr>
-            <a:lvl4pPr marL="1371600" indent="0">
-              <a:buNone/>
-              <a:defRPr sz="1600">
-                <a:solidFill>
-                  <a:schemeClr val="tx1">
-                    <a:tint val="75000"/>
-                  </a:schemeClr>
-                </a:solidFill>
-              </a:defRPr>
-            </a:lvl4pPr>
-            <a:lvl5pPr marL="1828800" indent="0">
-              <a:buNone/>
-              <a:defRPr sz="1600">
-                <a:solidFill>
-                  <a:schemeClr val="tx1">
-                    <a:tint val="75000"/>
-                  </a:schemeClr>
-                </a:solidFill>
-              </a:defRPr>
-            </a:lvl5pPr>
-            <a:lvl6pPr marL="2286000" indent="0">
-              <a:buNone/>
-              <a:defRPr sz="1600">
-                <a:solidFill>
-                  <a:schemeClr val="tx1">
-                    <a:tint val="75000"/>
-                  </a:schemeClr>
-                </a:solidFill>
-              </a:defRPr>
-            </a:lvl6pPr>
-            <a:lvl7pPr marL="2743200" indent="0">
-              <a:buNone/>
-              <a:defRPr sz="1600">
-                <a:solidFill>
-                  <a:schemeClr val="tx1">
-                    <a:tint val="75000"/>
-                  </a:schemeClr>
-                </a:solidFill>
-              </a:defRPr>
-            </a:lvl7pPr>
-            <a:lvl8pPr marL="3200400" indent="0">
-              <a:buNone/>
-              <a:defRPr sz="1600">
-                <a:solidFill>
-                  <a:schemeClr val="tx1">
-                    <a:tint val="75000"/>
-                  </a:schemeClr>
-                </a:solidFill>
-              </a:defRPr>
-            </a:lvl8pPr>
-            <a:lvl9pPr marL="3657600" indent="0">
-              <a:buNone/>
-              <a:defRPr sz="1600">
-                <a:solidFill>
-                  <a:schemeClr val="tx1">
-                    <a:tint val="75000"/>
-                  </a:schemeClr>
-                </a:solidFill>
-              </a:defRPr>
-            </a:lvl9pPr>
-          </a:lstStyle>
-          <a:p>
-            <a:pPr lvl="0"/>
-            <a:r>
-              <a:rPr lang="en-US"/>
-              <a:t>Edit Master text styles</a:t>
-            </a:r>
-          </a:p>
-        </p:txBody>
-      </p:sp>
-      <p:sp>
-        <p:nvSpPr>
-          <p:cNvPr id="4" name="Date Placeholder 3">
-            <a:extLst>
-              <a:ext uri="{FF2B5EF4-FFF2-40B4-BE49-F238E27FC236}">
-                <a16:creationId xmlns:a16="http://schemas.microsoft.com/office/drawing/2014/main" id="{136781E7-B330-4DFD-B7E7-0F8837457EB3}"/>
-              </a:ext>
-            </a:extLst>
-          </p:cNvPr>
-          <p:cNvSpPr>
-            <a:spLocks noGrp="1"/>
-          </p:cNvSpPr>
-          <p:nvPr>
-            <p:ph type="dt" sz="half" idx="10"/>
-          </p:nvPr>
-        </p:nvSpPr>
-        <p:spPr/>
-        <p:txBody>
-          <a:bodyPr/>
-          <a:lstStyle/>
-          <a:p>
-            <a:fld id="{CA2E3467-0D89-4ADB-A534-234A23CA62FE}" type="datetimeFigureOut">
-              <a:rPr lang="en-US" smtClean="0"/>
-              <a:t>6/19/2019</a:t>
-            </a:fld>
-            <a:endParaRPr lang="en-US"/>
-          </a:p>
-        </p:txBody>
-      </p:sp>
-      <p:sp>
-        <p:nvSpPr>
-          <p:cNvPr id="5" name="Footer Placeholder 4">
-            <a:extLst>
-              <a:ext uri="{FF2B5EF4-FFF2-40B4-BE49-F238E27FC236}">
-                <a16:creationId xmlns:a16="http://schemas.microsoft.com/office/drawing/2014/main" id="{71A1CD29-CE92-48FF-BE98-6BAF33CC8E19}"/>
-              </a:ext>
-            </a:extLst>
-          </p:cNvPr>
-          <p:cNvSpPr>
-            <a:spLocks noGrp="1"/>
-          </p:cNvSpPr>
-          <p:nvPr>
-            <p:ph type="ftr" sz="quarter" idx="11"/>
-          </p:nvPr>
-        </p:nvSpPr>
-        <p:spPr/>
-        <p:txBody>
-          <a:bodyPr/>
-          <a:lstStyle/>
-          <a:p>
-            <a:endParaRPr lang="en-US"/>
-          </a:p>
-        </p:txBody>
-      </p:sp>
-      <p:sp>
-        <p:nvSpPr>
-          <p:cNvPr id="6" name="Slide Number Placeholder 5">
-            <a:extLst>
-              <a:ext uri="{FF2B5EF4-FFF2-40B4-BE49-F238E27FC236}">
-                <a16:creationId xmlns:a16="http://schemas.microsoft.com/office/drawing/2014/main" id="{AE49048A-5FDC-4701-ADA8-486353D2BFFC}"/>
-              </a:ext>
-            </a:extLst>
-          </p:cNvPr>
-          <p:cNvSpPr>
-            <a:spLocks noGrp="1"/>
-          </p:cNvSpPr>
-          <p:nvPr>
-            <p:ph type="sldNum" sz="quarter" idx="12"/>
-          </p:nvPr>
-        </p:nvSpPr>
-        <p:spPr/>
-        <p:txBody>
-          <a:bodyPr/>
-          <a:lstStyle/>
-          <a:p>
-            <a:fld id="{B2C7D7B1-EA59-4F88-954B-4C4A650A8C83}" type="slidenum">
-              <a:rPr lang="en-US" smtClean="0"/>
-              <a:t>‹#›</a:t>
-            </a:fld>
-            <a:endParaRPr lang="en-US"/>
-          </a:p>
-        </p:txBody>
-      </p:sp>
-    </p:spTree>
-    <p:extLst>
-      <p:ext uri="{BB962C8B-B14F-4D97-AF65-F5344CB8AC3E}">
-        <p14:creationId xmlns:p14="http://schemas.microsoft.com/office/powerpoint/2010/main" val="487564625"/>
-      </p:ext>
-    </p:extLst>
-  </p:cSld>
-  <p:clrMapOvr>
-    <a:masterClrMapping/>
-  </p:clrMapOvr>
-</p:sldLayout>
-</file>
-
-<file path=ppt/slideLayouts/slideLayout4.xml><?xml version="1.0" encoding="utf-8"?>
-<p:sldLayout xmlns:a="http://schemas.openxmlformats.org/drawingml/2006/main" xmlns:r="http://schemas.openxmlformats.org/officeDocument/2006/relationships" xmlns:p="http://schemas.openxmlformats.org/presentationml/2006/main" type="twoObj" preserve="1">
-  <p:cSld name="Two Content">
-    <p:spTree>
-      <p:nvGrpSpPr>
-        <p:cNvPr id="1" name=""/>
-        <p:cNvGrpSpPr/>
-        <p:nvPr/>
-      </p:nvGrpSpPr>
-      <p:grpSpPr>
-        <a:xfrm>
-          <a:off x="0" y="0"/>
-          <a:ext cx="0" cy="0"/>
-          <a:chOff x="0" y="0"/>
-          <a:chExt cx="0" cy="0"/>
-        </a:xfrm>
-      </p:grpSpPr>
-      <p:sp>
-        <p:nvSpPr>
-          <p:cNvPr id="2" name="Title 1">
-            <a:extLst>
-              <a:ext uri="{FF2B5EF4-FFF2-40B4-BE49-F238E27FC236}">
-                <a16:creationId xmlns:a16="http://schemas.microsoft.com/office/drawing/2014/main" id="{33D73394-1875-4AB4-A724-D52E06A262E6}"/>
-              </a:ext>
-            </a:extLst>
-          </p:cNvPr>
-          <p:cNvSpPr>
-            <a:spLocks noGrp="1"/>
-          </p:cNvSpPr>
-          <p:nvPr>
-            <p:ph type="title"/>
-          </p:nvPr>
-        </p:nvSpPr>
-        <p:spPr/>
-        <p:txBody>
-          <a:bodyPr/>
-          <a:lstStyle/>
-          <a:p>
-            <a:r>
-              <a:rPr lang="en-US"/>
-              <a:t>Click to edit Master title style</a:t>
-            </a:r>
-          </a:p>
-        </p:txBody>
-      </p:sp>
-      <p:sp>
-        <p:nvSpPr>
-          <p:cNvPr id="3" name="Content Placeholder 2">
-            <a:extLst>
-              <a:ext uri="{FF2B5EF4-FFF2-40B4-BE49-F238E27FC236}">
-                <a16:creationId xmlns:a16="http://schemas.microsoft.com/office/drawing/2014/main" id="{C665476E-0A6E-4F56-A078-BB88E5CD67D7}"/>
-              </a:ext>
-            </a:extLst>
-          </p:cNvPr>
-          <p:cNvSpPr>
-            <a:spLocks noGrp="1"/>
-          </p:cNvSpPr>
-          <p:nvPr>
-            <p:ph sz="half" idx="1"/>
-          </p:nvPr>
-        </p:nvSpPr>
-        <p:spPr>
-          <a:xfrm>
-            <a:off x="838200" y="1825625"/>
-            <a:ext cx="5181600" cy="4351338"/>
-          </a:xfrm>
-        </p:spPr>
-        <p:txBody>
-          <a:bodyPr/>
-          <a:lstStyle/>
-          <a:p>
-            <a:pPr lvl="0"/>
-            <a:r>
-              <a:rPr lang="en-US"/>
-              <a:t>Edit Master text styles</a:t>
-            </a:r>
-          </a:p>
-          <a:p>
-            <a:pPr lvl="1"/>
-            <a:r>
-              <a:rPr lang="en-US"/>
-              <a:t>Second level</a:t>
-            </a:r>
-          </a:p>
-          <a:p>
-            <a:pPr lvl="2"/>
-            <a:r>
-              <a:rPr lang="en-US"/>
-              <a:t>Third level</a:t>
-            </a:r>
-          </a:p>
-          <a:p>
-            <a:pPr lvl="3"/>
-            <a:r>
-              <a:rPr lang="en-US"/>
-              <a:t>Fourth level</a:t>
-            </a:r>
-          </a:p>
-          <a:p>
-            <a:pPr lvl="4"/>
-            <a:r>
-              <a:rPr lang="en-US"/>
-              <a:t>Fifth level</a:t>
-            </a:r>
-          </a:p>
-        </p:txBody>
-      </p:sp>
-      <p:sp>
-        <p:nvSpPr>
-          <p:cNvPr id="4" name="Content Placeholder 3">
-            <a:extLst>
-              <a:ext uri="{FF2B5EF4-FFF2-40B4-BE49-F238E27FC236}">
-                <a16:creationId xmlns:a16="http://schemas.microsoft.com/office/drawing/2014/main" id="{1C5D4252-3964-4A1B-9CB3-38CF210EA970}"/>
-              </a:ext>
-            </a:extLst>
-          </p:cNvPr>
-          <p:cNvSpPr>
-            <a:spLocks noGrp="1"/>
-          </p:cNvSpPr>
-          <p:nvPr>
-            <p:ph sz="half" idx="2"/>
-          </p:nvPr>
-        </p:nvSpPr>
-        <p:spPr>
-          <a:xfrm>
-            <a:off x="6172200" y="1825625"/>
-            <a:ext cx="5181600" cy="4351338"/>
-          </a:xfrm>
-        </p:spPr>
-        <p:txBody>
-          <a:bodyPr/>
-          <a:lstStyle/>
-          <a:p>
-            <a:pPr lvl="0"/>
-            <a:r>
-              <a:rPr lang="en-US"/>
-              <a:t>Edit Master text styles</a:t>
-            </a:r>
-          </a:p>
-          <a:p>
-            <a:pPr lvl="1"/>
-            <a:r>
-              <a:rPr lang="en-US"/>
-              <a:t>Second level</a:t>
-            </a:r>
-          </a:p>
-          <a:p>
-            <a:pPr lvl="2"/>
-            <a:r>
-              <a:rPr lang="en-US"/>
-              <a:t>Third level</a:t>
-            </a:r>
-          </a:p>
-          <a:p>
-            <a:pPr lvl="3"/>
-            <a:r>
-              <a:rPr lang="en-US"/>
-              <a:t>Fourth level</a:t>
-            </a:r>
-          </a:p>
-          <a:p>
-            <a:pPr lvl="4"/>
-            <a:r>
-              <a:rPr lang="en-US"/>
-              <a:t>Fifth level</a:t>
-            </a:r>
-          </a:p>
-        </p:txBody>
-      </p:sp>
-      <p:sp>
-        <p:nvSpPr>
-          <p:cNvPr id="5" name="Date Placeholder 4">
-            <a:extLst>
-              <a:ext uri="{FF2B5EF4-FFF2-40B4-BE49-F238E27FC236}">
-                <a16:creationId xmlns:a16="http://schemas.microsoft.com/office/drawing/2014/main" id="{AFF3B3D6-BB27-4D9A-BE92-075D846DD7D6}"/>
-              </a:ext>
-            </a:extLst>
-          </p:cNvPr>
-          <p:cNvSpPr>
-            <a:spLocks noGrp="1"/>
-          </p:cNvSpPr>
-          <p:nvPr>
-            <p:ph type="dt" sz="half" idx="10"/>
-          </p:nvPr>
-        </p:nvSpPr>
-        <p:spPr/>
-        <p:txBody>
-          <a:bodyPr/>
-          <a:lstStyle/>
-          <a:p>
-            <a:fld id="{CA2E3467-0D89-4ADB-A534-234A23CA62FE}" type="datetimeFigureOut">
-              <a:rPr lang="en-US" smtClean="0"/>
-              <a:t>6/19/2019</a:t>
-            </a:fld>
-            <a:endParaRPr lang="en-US"/>
-          </a:p>
-        </p:txBody>
-      </p:sp>
-      <p:sp>
-        <p:nvSpPr>
-          <p:cNvPr id="6" name="Footer Placeholder 5">
-            <a:extLst>
-              <a:ext uri="{FF2B5EF4-FFF2-40B4-BE49-F238E27FC236}">
-                <a16:creationId xmlns:a16="http://schemas.microsoft.com/office/drawing/2014/main" id="{D073637A-1FB5-4871-AE91-1588638DF56F}"/>
-              </a:ext>
-            </a:extLst>
-          </p:cNvPr>
-          <p:cNvSpPr>
-            <a:spLocks noGrp="1"/>
-          </p:cNvSpPr>
-          <p:nvPr>
-            <p:ph type="ftr" sz="quarter" idx="11"/>
-          </p:nvPr>
-        </p:nvSpPr>
-        <p:spPr/>
-        <p:txBody>
-          <a:bodyPr/>
-          <a:lstStyle/>
-          <a:p>
-            <a:endParaRPr lang="en-US"/>
-          </a:p>
-        </p:txBody>
-      </p:sp>
-      <p:sp>
-        <p:nvSpPr>
-          <p:cNvPr id="7" name="Slide Number Placeholder 6">
-            <a:extLst>
-              <a:ext uri="{FF2B5EF4-FFF2-40B4-BE49-F238E27FC236}">
-                <a16:creationId xmlns:a16="http://schemas.microsoft.com/office/drawing/2014/main" id="{BA1E38E0-44C1-4588-8EE9-03EF727C03A9}"/>
-              </a:ext>
-            </a:extLst>
-          </p:cNvPr>
-          <p:cNvSpPr>
-            <a:spLocks noGrp="1"/>
-          </p:cNvSpPr>
-          <p:nvPr>
-            <p:ph type="sldNum" sz="quarter" idx="12"/>
-          </p:nvPr>
-        </p:nvSpPr>
-        <p:spPr/>
-        <p:txBody>
-          <a:bodyPr/>
-          <a:lstStyle/>
-          <a:p>
-            <a:fld id="{B2C7D7B1-EA59-4F88-954B-4C4A650A8C83}" type="slidenum">
-              <a:rPr lang="en-US" smtClean="0"/>
-              <a:t>‹#›</a:t>
-            </a:fld>
-            <a:endParaRPr lang="en-US"/>
-          </a:p>
-        </p:txBody>
-      </p:sp>
-    </p:spTree>
-    <p:extLst>
-      <p:ext uri="{BB962C8B-B14F-4D97-AF65-F5344CB8AC3E}">
-        <p14:creationId xmlns:p14="http://schemas.microsoft.com/office/powerpoint/2010/main" val="4084787795"/>
-      </p:ext>
-    </p:extLst>
-  </p:cSld>
-  <p:clrMapOvr>
-    <a:masterClrMapping/>
-  </p:clrMapOvr>
-</p:sldLayout>
-</file>
-
-<file path=ppt/slideLayouts/slideLayout5.xml><?xml version="1.0" encoding="utf-8"?>
-<p:sldLayout xmlns:a="http://schemas.openxmlformats.org/drawingml/2006/main" xmlns:r="http://schemas.openxmlformats.org/officeDocument/2006/relationships" xmlns:p="http://schemas.openxmlformats.org/presentationml/2006/main" type="twoTxTwoObj" preserve="1">
-  <p:cSld name="Comparison">
-    <p:spTree>
-      <p:nvGrpSpPr>
-        <p:cNvPr id="1" name=""/>
-        <p:cNvGrpSpPr/>
-        <p:nvPr/>
-      </p:nvGrpSpPr>
-      <p:grpSpPr>
-        <a:xfrm>
-          <a:off x="0" y="0"/>
-          <a:ext cx="0" cy="0"/>
-          <a:chOff x="0" y="0"/>
-          <a:chExt cx="0" cy="0"/>
-        </a:xfrm>
-      </p:grpSpPr>
-      <p:sp>
-        <p:nvSpPr>
-          <p:cNvPr id="2" name="Title 1">
-            <a:extLst>
-              <a:ext uri="{FF2B5EF4-FFF2-40B4-BE49-F238E27FC236}">
-                <a16:creationId xmlns:a16="http://schemas.microsoft.com/office/drawing/2014/main" id="{4D7EB49B-C765-4E52-8C57-B2D1E0874366}"/>
-              </a:ext>
-            </a:extLst>
-          </p:cNvPr>
-          <p:cNvSpPr>
-            <a:spLocks noGrp="1"/>
-          </p:cNvSpPr>
-          <p:nvPr>
-            <p:ph type="title"/>
-          </p:nvPr>
-        </p:nvSpPr>
-        <p:spPr>
-          <a:xfrm>
-            <a:off x="839788" y="365125"/>
-            <a:ext cx="10515600" cy="1325563"/>
-          </a:xfrm>
-        </p:spPr>
-        <p:txBody>
-          <a:bodyPr/>
-          <a:lstStyle/>
-          <a:p>
-            <a:r>
-              <a:rPr lang="en-US"/>
-              <a:t>Click to edit Master title style</a:t>
-            </a:r>
-          </a:p>
-        </p:txBody>
-      </p:sp>
-      <p:sp>
-        <p:nvSpPr>
-          <p:cNvPr id="3" name="Text Placeholder 2">
-            <a:extLst>
-              <a:ext uri="{FF2B5EF4-FFF2-40B4-BE49-F238E27FC236}">
-                <a16:creationId xmlns:a16="http://schemas.microsoft.com/office/drawing/2014/main" id="{8A5D6EDE-3456-4EEA-BE8F-3A6402364956}"/>
-              </a:ext>
-            </a:extLst>
-          </p:cNvPr>
-          <p:cNvSpPr>
-            <a:spLocks noGrp="1"/>
-          </p:cNvSpPr>
-          <p:nvPr>
-            <p:ph type="body" idx="1"/>
-          </p:nvPr>
-        </p:nvSpPr>
-        <p:spPr>
-          <a:xfrm>
-            <a:off x="839788" y="1681163"/>
-            <a:ext cx="5157787" cy="823912"/>
-          </a:xfrm>
-        </p:spPr>
-        <p:txBody>
-          <a:bodyPr anchor="b"/>
-          <a:lstStyle>
-            <a:lvl1pPr marL="0" indent="0">
-              <a:buNone/>
-              <a:defRPr sz="2400" b="1"/>
-            </a:lvl1pPr>
-            <a:lvl2pPr marL="457200" indent="0">
-              <a:buNone/>
-              <a:defRPr sz="2000" b="1"/>
-            </a:lvl2pPr>
-            <a:lvl3pPr marL="914400" indent="0">
-              <a:buNone/>
-              <a:defRPr sz="1800" b="1"/>
-            </a:lvl3pPr>
-            <a:lvl4pPr marL="1371600" indent="0">
-              <a:buNone/>
-              <a:defRPr sz="1600" b="1"/>
-            </a:lvl4pPr>
-            <a:lvl5pPr marL="1828800" indent="0">
-              <a:buNone/>
-              <a:defRPr sz="1600" b="1"/>
-            </a:lvl5pPr>
-            <a:lvl6pPr marL="2286000" indent="0">
-              <a:buNone/>
-              <a:defRPr sz="1600" b="1"/>
-            </a:lvl6pPr>
-            <a:lvl7pPr marL="2743200" indent="0">
-              <a:buNone/>
-              <a:defRPr sz="1600" b="1"/>
-            </a:lvl7pPr>
-            <a:lvl8pPr marL="3200400" indent="0">
-              <a:buNone/>
-              <a:defRPr sz="1600" b="1"/>
-            </a:lvl8pPr>
-            <a:lvl9pPr marL="3657600" indent="0">
-              <a:buNone/>
-              <a:defRPr sz="1600" b="1"/>
-            </a:lvl9pPr>
-          </a:lstStyle>
-          <a:p>
-            <a:pPr lvl="0"/>
-            <a:r>
-              <a:rPr lang="en-US"/>
-              <a:t>Edit Master text styles</a:t>
-            </a:r>
-          </a:p>
-        </p:txBody>
-      </p:sp>
-      <p:sp>
-        <p:nvSpPr>
-          <p:cNvPr id="4" name="Content Placeholder 3">
-            <a:extLst>
-              <a:ext uri="{FF2B5EF4-FFF2-40B4-BE49-F238E27FC236}">
-                <a16:creationId xmlns:a16="http://schemas.microsoft.com/office/drawing/2014/main" id="{FA5D85F3-FAD0-4250-90CE-E8CE89817646}"/>
-              </a:ext>
-            </a:extLst>
-          </p:cNvPr>
-          <p:cNvSpPr>
-            <a:spLocks noGrp="1"/>
-          </p:cNvSpPr>
-          <p:nvPr>
-            <p:ph sz="half" idx="2"/>
-          </p:nvPr>
-        </p:nvSpPr>
-        <p:spPr>
-          <a:xfrm>
-            <a:off x="839788" y="2505075"/>
-            <a:ext cx="5157787" cy="3684588"/>
-          </a:xfrm>
-        </p:spPr>
-        <p:txBody>
-          <a:bodyPr/>
-          <a:lstStyle/>
-          <a:p>
-            <a:pPr lvl="0"/>
-            <a:r>
-              <a:rPr lang="en-US"/>
-              <a:t>Edit Master text styles</a:t>
-            </a:r>
-          </a:p>
-          <a:p>
-            <a:pPr lvl="1"/>
-            <a:r>
-              <a:rPr lang="en-US"/>
-              <a:t>Second level</a:t>
-            </a:r>
-          </a:p>
-          <a:p>
-            <a:pPr lvl="2"/>
-            <a:r>
-              <a:rPr lang="en-US"/>
-              <a:t>Third level</a:t>
-            </a:r>
-          </a:p>
-          <a:p>
-            <a:pPr lvl="3"/>
-            <a:r>
-              <a:rPr lang="en-US"/>
-              <a:t>Fourth level</a:t>
-            </a:r>
-          </a:p>
-          <a:p>
-            <a:pPr lvl="4"/>
-            <a:r>
-              <a:rPr lang="en-US"/>
-              <a:t>Fifth level</a:t>
-            </a:r>
-          </a:p>
-        </p:txBody>
-      </p:sp>
-      <p:sp>
-        <p:nvSpPr>
-          <p:cNvPr id="5" name="Text Placeholder 4">
-            <a:extLst>
-              <a:ext uri="{FF2B5EF4-FFF2-40B4-BE49-F238E27FC236}">
-                <a16:creationId xmlns:a16="http://schemas.microsoft.com/office/drawing/2014/main" id="{F7287DB7-9EFC-4396-9A4F-BC835B64C6FB}"/>
-              </a:ext>
-            </a:extLst>
-          </p:cNvPr>
-          <p:cNvSpPr>
-            <a:spLocks noGrp="1"/>
-          </p:cNvSpPr>
-          <p:nvPr>
-            <p:ph type="body" sz="quarter" idx="3"/>
-          </p:nvPr>
-        </p:nvSpPr>
-        <p:spPr>
-          <a:xfrm>
-            <a:off x="6172200" y="1681163"/>
-            <a:ext cx="5183188" cy="823912"/>
-          </a:xfrm>
-        </p:spPr>
-        <p:txBody>
-          <a:bodyPr anchor="b"/>
-          <a:lstStyle>
-            <a:lvl1pPr marL="0" indent="0">
-              <a:buNone/>
-              <a:defRPr sz="2400" b="1"/>
-            </a:lvl1pPr>
-            <a:lvl2pPr marL="457200" indent="0">
-              <a:buNone/>
-              <a:defRPr sz="2000" b="1"/>
-            </a:lvl2pPr>
-            <a:lvl3pPr marL="914400" indent="0">
-              <a:buNone/>
-              <a:defRPr sz="1800" b="1"/>
-            </a:lvl3pPr>
-            <a:lvl4pPr marL="1371600" indent="0">
-              <a:buNone/>
-              <a:defRPr sz="1600" b="1"/>
-            </a:lvl4pPr>
-            <a:lvl5pPr marL="1828800" indent="0">
-              <a:buNone/>
-              <a:defRPr sz="1600" b="1"/>
-            </a:lvl5pPr>
-            <a:lvl6pPr marL="2286000" indent="0">
-              <a:buNone/>
-              <a:defRPr sz="1600" b="1"/>
-            </a:lvl6pPr>
-            <a:lvl7pPr marL="2743200" indent="0">
-              <a:buNone/>
-              <a:defRPr sz="1600" b="1"/>
-            </a:lvl7pPr>
-            <a:lvl8pPr marL="3200400" indent="0">
-              <a:buNone/>
-              <a:defRPr sz="1600" b="1"/>
-            </a:lvl8pPr>
-            <a:lvl9pPr marL="3657600" indent="0">
-              <a:buNone/>
-              <a:defRPr sz="1600" b="1"/>
-            </a:lvl9pPr>
-          </a:lstStyle>
-          <a:p>
-            <a:pPr lvl="0"/>
-            <a:r>
-              <a:rPr lang="en-US"/>
-              <a:t>Edit Master text styles</a:t>
-            </a:r>
-          </a:p>
-        </p:txBody>
-      </p:sp>
-      <p:sp>
-        <p:nvSpPr>
-          <p:cNvPr id="6" name="Content Placeholder 5">
-            <a:extLst>
-              <a:ext uri="{FF2B5EF4-FFF2-40B4-BE49-F238E27FC236}">
-                <a16:creationId xmlns:a16="http://schemas.microsoft.com/office/drawing/2014/main" id="{C6DBC05D-584E-49C5-887D-889BC29A6AEF}"/>
-              </a:ext>
-            </a:extLst>
-          </p:cNvPr>
-          <p:cNvSpPr>
-            <a:spLocks noGrp="1"/>
-          </p:cNvSpPr>
-          <p:nvPr>
-            <p:ph sz="quarter" idx="4"/>
-          </p:nvPr>
-        </p:nvSpPr>
-        <p:spPr>
-          <a:xfrm>
-            <a:off x="6172200" y="2505075"/>
-            <a:ext cx="5183188" cy="3684588"/>
-          </a:xfrm>
-        </p:spPr>
-        <p:txBody>
-          <a:bodyPr/>
-          <a:lstStyle/>
-          <a:p>
-            <a:pPr lvl="0"/>
-            <a:r>
-              <a:rPr lang="en-US"/>
-              <a:t>Edit Master text styles</a:t>
-            </a:r>
-          </a:p>
-          <a:p>
-            <a:pPr lvl="1"/>
-            <a:r>
-              <a:rPr lang="en-US"/>
-              <a:t>Second level</a:t>
-            </a:r>
-          </a:p>
-          <a:p>
-            <a:pPr lvl="2"/>
-            <a:r>
-              <a:rPr lang="en-US"/>
-              <a:t>Third level</a:t>
-            </a:r>
-          </a:p>
-          <a:p>
-            <a:pPr lvl="3"/>
-            <a:r>
-              <a:rPr lang="en-US"/>
-              <a:t>Fourth level</a:t>
-            </a:r>
-          </a:p>
-          <a:p>
-            <a:pPr lvl="4"/>
-            <a:r>
-              <a:rPr lang="en-US"/>
-              <a:t>Fifth level</a:t>
-            </a:r>
-          </a:p>
-        </p:txBody>
-      </p:sp>
-      <p:sp>
-        <p:nvSpPr>
-          <p:cNvPr id="7" name="Date Placeholder 6">
-            <a:extLst>
-              <a:ext uri="{FF2B5EF4-FFF2-40B4-BE49-F238E27FC236}">
-                <a16:creationId xmlns:a16="http://schemas.microsoft.com/office/drawing/2014/main" id="{F170B713-7631-444F-B760-EC5D9422C120}"/>
-              </a:ext>
-            </a:extLst>
-          </p:cNvPr>
-          <p:cNvSpPr>
-            <a:spLocks noGrp="1"/>
-          </p:cNvSpPr>
-          <p:nvPr>
-            <p:ph type="dt" sz="half" idx="10"/>
-          </p:nvPr>
-        </p:nvSpPr>
-        <p:spPr/>
-        <p:txBody>
-          <a:bodyPr/>
-          <a:lstStyle/>
-          <a:p>
-            <a:fld id="{CA2E3467-0D89-4ADB-A534-234A23CA62FE}" type="datetimeFigureOut">
-              <a:rPr lang="en-US" smtClean="0"/>
-              <a:t>6/19/2019</a:t>
-            </a:fld>
-            <a:endParaRPr lang="en-US"/>
-          </a:p>
-        </p:txBody>
-      </p:sp>
-      <p:sp>
-        <p:nvSpPr>
-          <p:cNvPr id="8" name="Footer Placeholder 7">
-            <a:extLst>
-              <a:ext uri="{FF2B5EF4-FFF2-40B4-BE49-F238E27FC236}">
-                <a16:creationId xmlns:a16="http://schemas.microsoft.com/office/drawing/2014/main" id="{831A5253-18FF-417A-8537-B3FB666FD452}"/>
-              </a:ext>
-            </a:extLst>
-          </p:cNvPr>
-          <p:cNvSpPr>
-            <a:spLocks noGrp="1"/>
-          </p:cNvSpPr>
-          <p:nvPr>
-            <p:ph type="ftr" sz="quarter" idx="11"/>
-          </p:nvPr>
-        </p:nvSpPr>
-        <p:spPr/>
-        <p:txBody>
-          <a:bodyPr/>
-          <a:lstStyle/>
-          <a:p>
-            <a:endParaRPr lang="en-US"/>
-          </a:p>
-        </p:txBody>
-      </p:sp>
-      <p:sp>
-        <p:nvSpPr>
-          <p:cNvPr id="9" name="Slide Number Placeholder 8">
-            <a:extLst>
-              <a:ext uri="{FF2B5EF4-FFF2-40B4-BE49-F238E27FC236}">
-                <a16:creationId xmlns:a16="http://schemas.microsoft.com/office/drawing/2014/main" id="{D85F0116-94AB-4DE7-8D0D-F597FBAB10A9}"/>
-              </a:ext>
-            </a:extLst>
-          </p:cNvPr>
-          <p:cNvSpPr>
-            <a:spLocks noGrp="1"/>
-          </p:cNvSpPr>
-          <p:nvPr>
-            <p:ph type="sldNum" sz="quarter" idx="12"/>
-          </p:nvPr>
-        </p:nvSpPr>
-        <p:spPr/>
-        <p:txBody>
-          <a:bodyPr/>
-          <a:lstStyle/>
-          <a:p>
-            <a:fld id="{B2C7D7B1-EA59-4F88-954B-4C4A650A8C83}" type="slidenum">
-              <a:rPr lang="en-US" smtClean="0"/>
-              <a:t>‹#›</a:t>
-            </a:fld>
-            <a:endParaRPr lang="en-US"/>
-          </a:p>
-        </p:txBody>
-      </p:sp>
-    </p:spTree>
-    <p:extLst>
-      <p:ext uri="{BB962C8B-B14F-4D97-AF65-F5344CB8AC3E}">
-        <p14:creationId xmlns:p14="http://schemas.microsoft.com/office/powerpoint/2010/main" val="226213612"/>
-      </p:ext>
-    </p:extLst>
-  </p:cSld>
-  <p:clrMapOvr>
-    <a:masterClrMapping/>
-  </p:clrMapOvr>
-</p:sldLayout>
-</file>
-
-<file path=ppt/slideLayouts/slideLayout6.xml><?xml version="1.0" encoding="utf-8"?>
-<p:sldLayout xmlns:a="http://schemas.openxmlformats.org/drawingml/2006/main" xmlns:r="http://schemas.openxmlformats.org/officeDocument/2006/relationships" xmlns:p="http://schemas.openxmlformats.org/presentationml/2006/main" type="titleOnly" preserve="1">
-  <p:cSld name="Title Only">
-    <p:spTree>
-      <p:nvGrpSpPr>
-        <p:cNvPr id="1" name=""/>
-        <p:cNvGrpSpPr/>
-        <p:nvPr/>
-      </p:nvGrpSpPr>
-      <p:grpSpPr>
-        <a:xfrm>
-          <a:off x="0" y="0"/>
-          <a:ext cx="0" cy="0"/>
-          <a:chOff x="0" y="0"/>
-          <a:chExt cx="0" cy="0"/>
-        </a:xfrm>
-      </p:grpSpPr>
-      <p:sp>
-        <p:nvSpPr>
-          <p:cNvPr id="2" name="Title 1">
-            <a:extLst>
-              <a:ext uri="{FF2B5EF4-FFF2-40B4-BE49-F238E27FC236}">
-                <a16:creationId xmlns:a16="http://schemas.microsoft.com/office/drawing/2014/main" id="{457A06E3-534B-49C4-A509-E19D95FF6C60}"/>
-              </a:ext>
-            </a:extLst>
-          </p:cNvPr>
-          <p:cNvSpPr>
-            <a:spLocks noGrp="1"/>
-          </p:cNvSpPr>
-          <p:nvPr>
-            <p:ph type="title"/>
-          </p:nvPr>
-        </p:nvSpPr>
-        <p:spPr/>
-        <p:txBody>
-          <a:bodyPr/>
-          <a:lstStyle/>
-          <a:p>
-            <a:r>
-              <a:rPr lang="en-US"/>
-              <a:t>Click to edit Master title style</a:t>
-            </a:r>
-          </a:p>
-        </p:txBody>
-      </p:sp>
-      <p:sp>
-        <p:nvSpPr>
-          <p:cNvPr id="3" name="Date Placeholder 2">
-            <a:extLst>
-              <a:ext uri="{FF2B5EF4-FFF2-40B4-BE49-F238E27FC236}">
-                <a16:creationId xmlns:a16="http://schemas.microsoft.com/office/drawing/2014/main" id="{646F005B-A3A8-41C3-B61A-6F7DA446B68C}"/>
-              </a:ext>
-            </a:extLst>
-          </p:cNvPr>
-          <p:cNvSpPr>
-            <a:spLocks noGrp="1"/>
-          </p:cNvSpPr>
-          <p:nvPr>
-            <p:ph type="dt" sz="half" idx="10"/>
-          </p:nvPr>
-        </p:nvSpPr>
-        <p:spPr/>
-        <p:txBody>
-          <a:bodyPr/>
-          <a:lstStyle/>
-          <a:p>
-            <a:fld id="{CA2E3467-0D89-4ADB-A534-234A23CA62FE}" type="datetimeFigureOut">
-              <a:rPr lang="en-US" smtClean="0"/>
-              <a:t>6/19/2019</a:t>
-            </a:fld>
-            <a:endParaRPr lang="en-US"/>
-          </a:p>
-        </p:txBody>
-      </p:sp>
-      <p:sp>
-        <p:nvSpPr>
-          <p:cNvPr id="4" name="Footer Placeholder 3">
-            <a:extLst>
-              <a:ext uri="{FF2B5EF4-FFF2-40B4-BE49-F238E27FC236}">
-                <a16:creationId xmlns:a16="http://schemas.microsoft.com/office/drawing/2014/main" id="{37D4B837-106D-42BC-A123-FEE839A2CA9C}"/>
-              </a:ext>
-            </a:extLst>
-          </p:cNvPr>
-          <p:cNvSpPr>
-            <a:spLocks noGrp="1"/>
-          </p:cNvSpPr>
-          <p:nvPr>
-            <p:ph type="ftr" sz="quarter" idx="11"/>
-          </p:nvPr>
-        </p:nvSpPr>
-        <p:spPr/>
-        <p:txBody>
-          <a:bodyPr/>
-          <a:lstStyle/>
-          <a:p>
-            <a:endParaRPr lang="en-US"/>
-          </a:p>
-        </p:txBody>
-      </p:sp>
-      <p:sp>
-        <p:nvSpPr>
-          <p:cNvPr id="5" name="Slide Number Placeholder 4">
-            <a:extLst>
-              <a:ext uri="{FF2B5EF4-FFF2-40B4-BE49-F238E27FC236}">
-                <a16:creationId xmlns:a16="http://schemas.microsoft.com/office/drawing/2014/main" id="{0E9CFE0D-0BA9-47D9-A60A-A3CCC7DE6147}"/>
-              </a:ext>
-            </a:extLst>
-          </p:cNvPr>
-          <p:cNvSpPr>
-            <a:spLocks noGrp="1"/>
-          </p:cNvSpPr>
-          <p:nvPr>
-            <p:ph type="sldNum" sz="quarter" idx="12"/>
-          </p:nvPr>
-        </p:nvSpPr>
-        <p:spPr/>
-        <p:txBody>
-          <a:bodyPr/>
-          <a:lstStyle/>
-          <a:p>
-            <a:fld id="{B2C7D7B1-EA59-4F88-954B-4C4A650A8C83}" type="slidenum">
-              <a:rPr lang="en-US" smtClean="0"/>
-              <a:t>‹#›</a:t>
-            </a:fld>
-            <a:endParaRPr lang="en-US"/>
-          </a:p>
-        </p:txBody>
-      </p:sp>
-    </p:spTree>
-    <p:extLst>
-      <p:ext uri="{BB962C8B-B14F-4D97-AF65-F5344CB8AC3E}">
-        <p14:creationId xmlns:p14="http://schemas.microsoft.com/office/powerpoint/2010/main" val="2306363567"/>
-      </p:ext>
-    </p:extLst>
-  </p:cSld>
-  <p:clrMapOvr>
-    <a:masterClrMapping/>
-  </p:clrMapOvr>
-</p:sldLayout>
-</file>
-
-<file path=ppt/slideLayouts/slideLayout7.xml><?xml version="1.0" encoding="utf-8"?>
-<p:sldLayout xmlns:a="http://schemas.openxmlformats.org/drawingml/2006/main" xmlns:r="http://schemas.openxmlformats.org/officeDocument/2006/relationships" xmlns:p="http://schemas.openxmlformats.org/presentationml/2006/main" type="blank" preserve="1">
-  <p:cSld name="Blank">
-    <p:spTree>
-      <p:nvGrpSpPr>
-        <p:cNvPr id="1" name=""/>
-        <p:cNvGrpSpPr/>
-        <p:nvPr/>
-      </p:nvGrpSpPr>
-      <p:grpSpPr>
-        <a:xfrm>
-          <a:off x="0" y="0"/>
-          <a:ext cx="0" cy="0"/>
-          <a:chOff x="0" y="0"/>
-          <a:chExt cx="0" cy="0"/>
-        </a:xfrm>
-      </p:grpSpPr>
-      <p:sp>
-        <p:nvSpPr>
-          <p:cNvPr id="2" name="Date Placeholder 1">
-            <a:extLst>
-              <a:ext uri="{FF2B5EF4-FFF2-40B4-BE49-F238E27FC236}">
-                <a16:creationId xmlns:a16="http://schemas.microsoft.com/office/drawing/2014/main" id="{968D97EB-5D28-4AE3-99B6-D07974E439A7}"/>
-              </a:ext>
-            </a:extLst>
-          </p:cNvPr>
-          <p:cNvSpPr>
-            <a:spLocks noGrp="1"/>
-          </p:cNvSpPr>
-          <p:nvPr>
-            <p:ph type="dt" sz="half" idx="10"/>
-          </p:nvPr>
-        </p:nvSpPr>
-        <p:spPr/>
-        <p:txBody>
-          <a:bodyPr/>
-          <a:lstStyle/>
-          <a:p>
-            <a:fld id="{CA2E3467-0D89-4ADB-A534-234A23CA62FE}" type="datetimeFigureOut">
-              <a:rPr lang="en-US" smtClean="0"/>
-              <a:t>6/19/2019</a:t>
-            </a:fld>
-            <a:endParaRPr lang="en-US"/>
-          </a:p>
-        </p:txBody>
-      </p:sp>
-      <p:sp>
-        <p:nvSpPr>
-          <p:cNvPr id="3" name="Footer Placeholder 2">
-            <a:extLst>
-              <a:ext uri="{FF2B5EF4-FFF2-40B4-BE49-F238E27FC236}">
-                <a16:creationId xmlns:a16="http://schemas.microsoft.com/office/drawing/2014/main" id="{5581CFC7-DB8B-42BD-9090-5549297DEB72}"/>
-              </a:ext>
-            </a:extLst>
-          </p:cNvPr>
-          <p:cNvSpPr>
-            <a:spLocks noGrp="1"/>
-          </p:cNvSpPr>
-          <p:nvPr>
-            <p:ph type="ftr" sz="quarter" idx="11"/>
-          </p:nvPr>
-        </p:nvSpPr>
-        <p:spPr/>
-        <p:txBody>
-          <a:bodyPr/>
-          <a:lstStyle/>
-          <a:p>
-            <a:endParaRPr lang="en-US"/>
-          </a:p>
-        </p:txBody>
-      </p:sp>
-      <p:sp>
-        <p:nvSpPr>
-          <p:cNvPr id="4" name="Slide Number Placeholder 3">
-            <a:extLst>
-              <a:ext uri="{FF2B5EF4-FFF2-40B4-BE49-F238E27FC236}">
-                <a16:creationId xmlns:a16="http://schemas.microsoft.com/office/drawing/2014/main" id="{7861951F-C436-4A5C-AFAE-C133B0793B4E}"/>
-              </a:ext>
-            </a:extLst>
-          </p:cNvPr>
-          <p:cNvSpPr>
-            <a:spLocks noGrp="1"/>
-          </p:cNvSpPr>
-          <p:nvPr>
-            <p:ph type="sldNum" sz="quarter" idx="12"/>
-          </p:nvPr>
-        </p:nvSpPr>
-        <p:spPr/>
-        <p:txBody>
-          <a:bodyPr/>
-          <a:lstStyle/>
-          <a:p>
-            <a:fld id="{B2C7D7B1-EA59-4F88-954B-4C4A650A8C83}" type="slidenum">
-              <a:rPr lang="en-US" smtClean="0"/>
-              <a:t>‹#›</a:t>
-            </a:fld>
-            <a:endParaRPr lang="en-US"/>
-          </a:p>
-        </p:txBody>
-      </p:sp>
-    </p:spTree>
-    <p:extLst>
-      <p:ext uri="{BB962C8B-B14F-4D97-AF65-F5344CB8AC3E}">
-        <p14:creationId xmlns:p14="http://schemas.microsoft.com/office/powerpoint/2010/main" val="2716147327"/>
-      </p:ext>
-    </p:extLst>
-  </p:cSld>
-  <p:clrMapOvr>
-    <a:masterClrMapping/>
-  </p:clrMapOvr>
-</p:sldLayout>
-</file>
-
-<file path=ppt/slideLayouts/slideLayout8.xml><?xml version="1.0" encoding="utf-8"?>
-<p:sldLayout xmlns:a="http://schemas.openxmlformats.org/drawingml/2006/main" xmlns:r="http://schemas.openxmlformats.org/officeDocument/2006/relationships" xmlns:p="http://schemas.openxmlformats.org/presentationml/2006/main" type="objTx" preserve="1">
-  <p:cSld name="Content with Caption">
-    <p:spTree>
-      <p:nvGrpSpPr>
-        <p:cNvPr id="1" name=""/>
-        <p:cNvGrpSpPr/>
-        <p:nvPr/>
-      </p:nvGrpSpPr>
-      <p:grpSpPr>
-        <a:xfrm>
-          <a:off x="0" y="0"/>
-          <a:ext cx="0" cy="0"/>
-          <a:chOff x="0" y="0"/>
-          <a:chExt cx="0" cy="0"/>
-        </a:xfrm>
-      </p:grpSpPr>
-      <p:sp>
-        <p:nvSpPr>
-          <p:cNvPr id="2" name="Title 1">
-            <a:extLst>
-              <a:ext uri="{FF2B5EF4-FFF2-40B4-BE49-F238E27FC236}">
-                <a16:creationId xmlns:a16="http://schemas.microsoft.com/office/drawing/2014/main" id="{7A52EA5E-7C0D-42DC-AA83-E74831B469AB}"/>
-              </a:ext>
-            </a:extLst>
-          </p:cNvPr>
-          <p:cNvSpPr>
-            <a:spLocks noGrp="1"/>
-          </p:cNvSpPr>
-          <p:nvPr>
-            <p:ph type="title"/>
-          </p:nvPr>
-        </p:nvSpPr>
-        <p:spPr>
-          <a:xfrm>
-            <a:off x="839788" y="457200"/>
-            <a:ext cx="3932237" cy="1600200"/>
-          </a:xfrm>
-        </p:spPr>
-        <p:txBody>
-          <a:bodyPr anchor="b"/>
-          <a:lstStyle>
-            <a:lvl1pPr>
-              <a:defRPr sz="3200"/>
-            </a:lvl1pPr>
-          </a:lstStyle>
-          <a:p>
-            <a:r>
-              <a:rPr lang="en-US"/>
-              <a:t>Click to edit Master title style</a:t>
-            </a:r>
-          </a:p>
-        </p:txBody>
-      </p:sp>
-      <p:sp>
-        <p:nvSpPr>
-          <p:cNvPr id="3" name="Content Placeholder 2">
-            <a:extLst>
-              <a:ext uri="{FF2B5EF4-FFF2-40B4-BE49-F238E27FC236}">
-                <a16:creationId xmlns:a16="http://schemas.microsoft.com/office/drawing/2014/main" id="{1475A193-5A42-4142-B78E-9941B0FC5CCB}"/>
-              </a:ext>
-            </a:extLst>
-          </p:cNvPr>
-          <p:cNvSpPr>
-            <a:spLocks noGrp="1"/>
-          </p:cNvSpPr>
-          <p:nvPr>
-            <p:ph idx="1"/>
-          </p:nvPr>
-        </p:nvSpPr>
-        <p:spPr>
-          <a:xfrm>
-            <a:off x="5183188" y="987425"/>
-            <a:ext cx="6172200" cy="4873625"/>
-          </a:xfrm>
-        </p:spPr>
-        <p:txBody>
-          <a:bodyPr/>
-          <a:lstStyle>
-            <a:lvl1pPr>
-              <a:defRPr sz="3200"/>
-            </a:lvl1pPr>
-            <a:lvl2pPr>
-              <a:defRPr sz="2800"/>
-            </a:lvl2pPr>
-            <a:lvl3pPr>
-              <a:defRPr sz="2400"/>
-            </a:lvl3pPr>
-            <a:lvl4pPr>
-              <a:defRPr sz="2000"/>
-            </a:lvl4pPr>
-            <a:lvl5pPr>
-              <a:defRPr sz="2000"/>
-            </a:lvl5pPr>
-            <a:lvl6pPr>
-              <a:defRPr sz="2000"/>
-            </a:lvl6pPr>
-            <a:lvl7pPr>
-              <a:defRPr sz="2000"/>
-            </a:lvl7pPr>
-            <a:lvl8pPr>
-              <a:defRPr sz="2000"/>
-            </a:lvl8pPr>
-            <a:lvl9pPr>
-              <a:defRPr sz="2000"/>
-            </a:lvl9pPr>
-          </a:lstStyle>
-          <a:p>
-            <a:pPr lvl="0"/>
-            <a:r>
-              <a:rPr lang="en-US"/>
-              <a:t>Edit Master text styles</a:t>
-            </a:r>
-          </a:p>
-          <a:p>
-            <a:pPr lvl="1"/>
-            <a:r>
-              <a:rPr lang="en-US"/>
-              <a:t>Second level</a:t>
-            </a:r>
-          </a:p>
-          <a:p>
-            <a:pPr lvl="2"/>
-            <a:r>
-              <a:rPr lang="en-US"/>
-              <a:t>Third level</a:t>
-            </a:r>
-          </a:p>
-          <a:p>
-            <a:pPr lvl="3"/>
-            <a:r>
-              <a:rPr lang="en-US"/>
-              <a:t>Fourth level</a:t>
-            </a:r>
-          </a:p>
-          <a:p>
-            <a:pPr lvl="4"/>
-            <a:r>
-              <a:rPr lang="en-US"/>
-              <a:t>Fifth level</a:t>
-            </a:r>
-          </a:p>
-        </p:txBody>
-      </p:sp>
-      <p:sp>
-        <p:nvSpPr>
-          <p:cNvPr id="4" name="Text Placeholder 3">
-            <a:extLst>
-              <a:ext uri="{FF2B5EF4-FFF2-40B4-BE49-F238E27FC236}">
-                <a16:creationId xmlns:a16="http://schemas.microsoft.com/office/drawing/2014/main" id="{09BF2E07-7EDE-468F-893C-4BE03AB404BC}"/>
-              </a:ext>
-            </a:extLst>
-          </p:cNvPr>
-          <p:cNvSpPr>
-            <a:spLocks noGrp="1"/>
-          </p:cNvSpPr>
-          <p:nvPr>
-            <p:ph type="body" sz="half" idx="2"/>
-          </p:nvPr>
-        </p:nvSpPr>
-        <p:spPr>
-          <a:xfrm>
-            <a:off x="839788" y="2057400"/>
-            <a:ext cx="3932237" cy="3811588"/>
-          </a:xfrm>
-        </p:spPr>
-        <p:txBody>
-          <a:bodyPr/>
-          <a:lstStyle>
-            <a:lvl1pPr marL="0" indent="0">
-              <a:buNone/>
-              <a:defRPr sz="1600"/>
-            </a:lvl1pPr>
-            <a:lvl2pPr marL="457200" indent="0">
-              <a:buNone/>
-              <a:defRPr sz="1400"/>
-            </a:lvl2pPr>
-            <a:lvl3pPr marL="914400" indent="0">
-              <a:buNone/>
-              <a:defRPr sz="1200"/>
-            </a:lvl3pPr>
-            <a:lvl4pPr marL="1371600" indent="0">
-              <a:buNone/>
-              <a:defRPr sz="1000"/>
-            </a:lvl4pPr>
-            <a:lvl5pPr marL="1828800" indent="0">
-              <a:buNone/>
-              <a:defRPr sz="1000"/>
-            </a:lvl5pPr>
-            <a:lvl6pPr marL="2286000" indent="0">
-              <a:buNone/>
-              <a:defRPr sz="1000"/>
-            </a:lvl6pPr>
-            <a:lvl7pPr marL="2743200" indent="0">
-              <a:buNone/>
-              <a:defRPr sz="1000"/>
-            </a:lvl7pPr>
-            <a:lvl8pPr marL="3200400" indent="0">
-              <a:buNone/>
-              <a:defRPr sz="1000"/>
-            </a:lvl8pPr>
-            <a:lvl9pPr marL="3657600" indent="0">
-              <a:buNone/>
-              <a:defRPr sz="1000"/>
-            </a:lvl9pPr>
-          </a:lstStyle>
-          <a:p>
-            <a:pPr lvl="0"/>
-            <a:r>
-              <a:rPr lang="en-US"/>
-              <a:t>Edit Master text styles</a:t>
-            </a:r>
-          </a:p>
-        </p:txBody>
-      </p:sp>
-      <p:sp>
-        <p:nvSpPr>
-          <p:cNvPr id="5" name="Date Placeholder 4">
-            <a:extLst>
-              <a:ext uri="{FF2B5EF4-FFF2-40B4-BE49-F238E27FC236}">
-                <a16:creationId xmlns:a16="http://schemas.microsoft.com/office/drawing/2014/main" id="{71209F15-12B4-4074-8128-5E95A4D2950B}"/>
-              </a:ext>
-            </a:extLst>
-          </p:cNvPr>
-          <p:cNvSpPr>
-            <a:spLocks noGrp="1"/>
-          </p:cNvSpPr>
-          <p:nvPr>
-            <p:ph type="dt" sz="half" idx="10"/>
-          </p:nvPr>
-        </p:nvSpPr>
-        <p:spPr/>
-        <p:txBody>
-          <a:bodyPr/>
-          <a:lstStyle/>
-          <a:p>
-            <a:fld id="{CA2E3467-0D89-4ADB-A534-234A23CA62FE}" type="datetimeFigureOut">
-              <a:rPr lang="en-US" smtClean="0"/>
-              <a:t>6/19/2019</a:t>
-            </a:fld>
-            <a:endParaRPr lang="en-US"/>
-          </a:p>
-        </p:txBody>
-      </p:sp>
-      <p:sp>
-        <p:nvSpPr>
-          <p:cNvPr id="6" name="Footer Placeholder 5">
-            <a:extLst>
-              <a:ext uri="{FF2B5EF4-FFF2-40B4-BE49-F238E27FC236}">
-                <a16:creationId xmlns:a16="http://schemas.microsoft.com/office/drawing/2014/main" id="{D1AF48A0-DB5C-4D22-BD7C-1BDDC63DC8E6}"/>
-              </a:ext>
-            </a:extLst>
-          </p:cNvPr>
-          <p:cNvSpPr>
-            <a:spLocks noGrp="1"/>
-          </p:cNvSpPr>
-          <p:nvPr>
-            <p:ph type="ftr" sz="quarter" idx="11"/>
-          </p:nvPr>
-        </p:nvSpPr>
-        <p:spPr/>
-        <p:txBody>
-          <a:bodyPr/>
-          <a:lstStyle/>
-          <a:p>
-            <a:endParaRPr lang="en-US"/>
-          </a:p>
-        </p:txBody>
-      </p:sp>
-      <p:sp>
-        <p:nvSpPr>
-          <p:cNvPr id="7" name="Slide Number Placeholder 6">
-            <a:extLst>
-              <a:ext uri="{FF2B5EF4-FFF2-40B4-BE49-F238E27FC236}">
-                <a16:creationId xmlns:a16="http://schemas.microsoft.com/office/drawing/2014/main" id="{2B1CD1A0-44F0-4A3F-ACB8-778DD428F31F}"/>
-              </a:ext>
-            </a:extLst>
-          </p:cNvPr>
-          <p:cNvSpPr>
-            <a:spLocks noGrp="1"/>
-          </p:cNvSpPr>
-          <p:nvPr>
-            <p:ph type="sldNum" sz="quarter" idx="12"/>
-          </p:nvPr>
-        </p:nvSpPr>
-        <p:spPr/>
-        <p:txBody>
-          <a:bodyPr/>
-          <a:lstStyle/>
-          <a:p>
-            <a:fld id="{B2C7D7B1-EA59-4F88-954B-4C4A650A8C83}" type="slidenum">
-              <a:rPr lang="en-US" smtClean="0"/>
-              <a:t>‹#›</a:t>
-            </a:fld>
-            <a:endParaRPr lang="en-US"/>
-          </a:p>
-        </p:txBody>
-      </p:sp>
-    </p:spTree>
-    <p:extLst>
-      <p:ext uri="{BB962C8B-B14F-4D97-AF65-F5344CB8AC3E}">
-        <p14:creationId xmlns:p14="http://schemas.microsoft.com/office/powerpoint/2010/main" val="2248611915"/>
-      </p:ext>
-    </p:extLst>
-  </p:cSld>
-  <p:clrMapOvr>
-    <a:masterClrMapping/>
-  </p:clrMapOvr>
-</p:sldLayout>
-</file>
-
-<file path=ppt/slideLayouts/slideLayout9.xml><?xml version="1.0" encoding="utf-8"?>
-<p:sldLayout xmlns:a="http://schemas.openxmlformats.org/drawingml/2006/main" xmlns:r="http://schemas.openxmlformats.org/officeDocument/2006/relationships" xmlns:p="http://schemas.openxmlformats.org/presentationml/2006/main" type="picTx" preserve="1">
-  <p:cSld name="Picture with Caption">
-    <p:spTree>
-      <p:nvGrpSpPr>
-        <p:cNvPr id="1" name=""/>
-        <p:cNvGrpSpPr/>
-        <p:nvPr/>
-      </p:nvGrpSpPr>
-      <p:grpSpPr>
-        <a:xfrm>
-          <a:off x="0" y="0"/>
-          <a:ext cx="0" cy="0"/>
-          <a:chOff x="0" y="0"/>
-          <a:chExt cx="0" cy="0"/>
-        </a:xfrm>
-      </p:grpSpPr>
-      <p:sp>
-        <p:nvSpPr>
-          <p:cNvPr id="2" name="Title 1">
-            <a:extLst>
-              <a:ext uri="{FF2B5EF4-FFF2-40B4-BE49-F238E27FC236}">
-                <a16:creationId xmlns:a16="http://schemas.microsoft.com/office/drawing/2014/main" id="{DC8B4E2F-8591-4CBC-B251-98464E75A520}"/>
-              </a:ext>
-            </a:extLst>
-          </p:cNvPr>
-          <p:cNvSpPr>
-            <a:spLocks noGrp="1"/>
-          </p:cNvSpPr>
-          <p:nvPr>
-            <p:ph type="title"/>
-          </p:nvPr>
-        </p:nvSpPr>
-        <p:spPr>
-          <a:xfrm>
-            <a:off x="839788" y="457200"/>
-            <a:ext cx="3932237" cy="1600200"/>
-          </a:xfrm>
-        </p:spPr>
-        <p:txBody>
-          <a:bodyPr anchor="b"/>
-          <a:lstStyle>
-            <a:lvl1pPr>
-              <a:defRPr sz="3200"/>
-            </a:lvl1pPr>
-          </a:lstStyle>
-          <a:p>
-            <a:r>
-              <a:rPr lang="en-US"/>
-              <a:t>Click to edit Master title style</a:t>
-            </a:r>
-          </a:p>
-        </p:txBody>
-      </p:sp>
-      <p:sp>
-        <p:nvSpPr>
-          <p:cNvPr id="3" name="Picture Placeholder 2">
-            <a:extLst>
-              <a:ext uri="{FF2B5EF4-FFF2-40B4-BE49-F238E27FC236}">
-                <a16:creationId xmlns:a16="http://schemas.microsoft.com/office/drawing/2014/main" id="{E4571D89-B5E7-4AE2-B07F-06A84E1D162A}"/>
-              </a:ext>
-            </a:extLst>
-          </p:cNvPr>
-          <p:cNvSpPr>
-            <a:spLocks noGrp="1"/>
-          </p:cNvSpPr>
-          <p:nvPr>
-            <p:ph type="pic" idx="1"/>
-          </p:nvPr>
-        </p:nvSpPr>
-        <p:spPr>
-          <a:xfrm>
-            <a:off x="5183188" y="987425"/>
-            <a:ext cx="6172200" cy="4873625"/>
-          </a:xfrm>
-        </p:spPr>
-        <p:txBody>
-          <a:bodyPr/>
-          <a:lstStyle>
-            <a:lvl1pPr marL="0" indent="0">
-              <a:buNone/>
-              <a:defRPr sz="3200"/>
-            </a:lvl1pPr>
-            <a:lvl2pPr marL="457200" indent="0">
-              <a:buNone/>
-              <a:defRPr sz="2800"/>
-            </a:lvl2pPr>
-            <a:lvl3pPr marL="914400" indent="0">
-              <a:buNone/>
-              <a:defRPr sz="2400"/>
-            </a:lvl3pPr>
-            <a:lvl4pPr marL="1371600" indent="0">
-              <a:buNone/>
-              <a:defRPr sz="2000"/>
-            </a:lvl4pPr>
-            <a:lvl5pPr marL="1828800" indent="0">
-              <a:buNone/>
-              <a:defRPr sz="2000"/>
-            </a:lvl5pPr>
-            <a:lvl6pPr marL="2286000" indent="0">
-              <a:buNone/>
-              <a:defRPr sz="2000"/>
-            </a:lvl6pPr>
-            <a:lvl7pPr marL="2743200" indent="0">
-              <a:buNone/>
-              <a:defRPr sz="2000"/>
-            </a:lvl7pPr>
-            <a:lvl8pPr marL="3200400" indent="0">
-              <a:buNone/>
-              <a:defRPr sz="2000"/>
-            </a:lvl8pPr>
-            <a:lvl9pPr marL="3657600" indent="0">
-              <a:buNone/>
-              <a:defRPr sz="2000"/>
-            </a:lvl9pPr>
-          </a:lstStyle>
-          <a:p>
-            <a:endParaRPr lang="en-US"/>
-          </a:p>
-        </p:txBody>
-      </p:sp>
-      <p:sp>
-        <p:nvSpPr>
-          <p:cNvPr id="4" name="Text Placeholder 3">
-            <a:extLst>
-              <a:ext uri="{FF2B5EF4-FFF2-40B4-BE49-F238E27FC236}">
-                <a16:creationId xmlns:a16="http://schemas.microsoft.com/office/drawing/2014/main" id="{827329BF-841A-4BCA-8CE9-F0C356A9FB77}"/>
-              </a:ext>
-            </a:extLst>
-          </p:cNvPr>
-          <p:cNvSpPr>
-            <a:spLocks noGrp="1"/>
-          </p:cNvSpPr>
-          <p:nvPr>
-            <p:ph type="body" sz="half" idx="2"/>
-          </p:nvPr>
-        </p:nvSpPr>
-        <p:spPr>
-          <a:xfrm>
-            <a:off x="839788" y="2057400"/>
-            <a:ext cx="3932237" cy="3811588"/>
-          </a:xfrm>
-        </p:spPr>
-        <p:txBody>
-          <a:bodyPr/>
-          <a:lstStyle>
-            <a:lvl1pPr marL="0" indent="0">
-              <a:buNone/>
-              <a:defRPr sz="1600"/>
-            </a:lvl1pPr>
-            <a:lvl2pPr marL="457200" indent="0">
-              <a:buNone/>
-              <a:defRPr sz="1400"/>
-            </a:lvl2pPr>
-            <a:lvl3pPr marL="914400" indent="0">
-              <a:buNone/>
-              <a:defRPr sz="1200"/>
-            </a:lvl3pPr>
-            <a:lvl4pPr marL="1371600" indent="0">
-              <a:buNone/>
-              <a:defRPr sz="1000"/>
-            </a:lvl4pPr>
-            <a:lvl5pPr marL="1828800" indent="0">
-              <a:buNone/>
-              <a:defRPr sz="1000"/>
-            </a:lvl5pPr>
-            <a:lvl6pPr marL="2286000" indent="0">
-              <a:buNone/>
-              <a:defRPr sz="1000"/>
-            </a:lvl6pPr>
-            <a:lvl7pPr marL="2743200" indent="0">
-              <a:buNone/>
-              <a:defRPr sz="1000"/>
-            </a:lvl7pPr>
-            <a:lvl8pPr marL="3200400" indent="0">
-              <a:buNone/>
-              <a:defRPr sz="1000"/>
-            </a:lvl8pPr>
-            <a:lvl9pPr marL="3657600" indent="0">
-              <a:buNone/>
-              <a:defRPr sz="1000"/>
-            </a:lvl9pPr>
-          </a:lstStyle>
-          <a:p>
-            <a:pPr lvl="0"/>
-            <a:r>
-              <a:rPr lang="en-US"/>
-              <a:t>Edit Master text styles</a:t>
-            </a:r>
-          </a:p>
-        </p:txBody>
-      </p:sp>
-      <p:sp>
-        <p:nvSpPr>
-          <p:cNvPr id="5" name="Date Placeholder 4">
-            <a:extLst>
-              <a:ext uri="{FF2B5EF4-FFF2-40B4-BE49-F238E27FC236}">
-                <a16:creationId xmlns:a16="http://schemas.microsoft.com/office/drawing/2014/main" id="{12186E5D-6B7A-4436-8DC9-B6A1A885D27C}"/>
-              </a:ext>
-            </a:extLst>
-          </p:cNvPr>
-          <p:cNvSpPr>
-            <a:spLocks noGrp="1"/>
-          </p:cNvSpPr>
-          <p:nvPr>
-            <p:ph type="dt" sz="half" idx="10"/>
-          </p:nvPr>
-        </p:nvSpPr>
-        <p:spPr/>
-        <p:txBody>
-          <a:bodyPr/>
-          <a:lstStyle/>
-          <a:p>
-            <a:fld id="{CA2E3467-0D89-4ADB-A534-234A23CA62FE}" type="datetimeFigureOut">
-              <a:rPr lang="en-US" smtClean="0"/>
-              <a:t>6/19/2019</a:t>
-            </a:fld>
-            <a:endParaRPr lang="en-US"/>
-          </a:p>
-        </p:txBody>
-      </p:sp>
-      <p:sp>
-        <p:nvSpPr>
-          <p:cNvPr id="6" name="Footer Placeholder 5">
-            <a:extLst>
-              <a:ext uri="{FF2B5EF4-FFF2-40B4-BE49-F238E27FC236}">
-                <a16:creationId xmlns:a16="http://schemas.microsoft.com/office/drawing/2014/main" id="{A3EC9586-7677-4214-B133-30CABD4A9AB9}"/>
-              </a:ext>
-            </a:extLst>
-          </p:cNvPr>
-          <p:cNvSpPr>
-            <a:spLocks noGrp="1"/>
-          </p:cNvSpPr>
-          <p:nvPr>
-            <p:ph type="ftr" sz="quarter" idx="11"/>
-          </p:nvPr>
-        </p:nvSpPr>
-        <p:spPr/>
-        <p:txBody>
-          <a:bodyPr/>
-          <a:lstStyle/>
-          <a:p>
-            <a:endParaRPr lang="en-US"/>
-          </a:p>
-        </p:txBody>
-      </p:sp>
-      <p:sp>
-        <p:nvSpPr>
-          <p:cNvPr id="7" name="Slide Number Placeholder 6">
-            <a:extLst>
-              <a:ext uri="{FF2B5EF4-FFF2-40B4-BE49-F238E27FC236}">
-                <a16:creationId xmlns:a16="http://schemas.microsoft.com/office/drawing/2014/main" id="{3B1704A0-3DDB-47C5-B343-3FD12990AD23}"/>
-              </a:ext>
-            </a:extLst>
-          </p:cNvPr>
-          <p:cNvSpPr>
-            <a:spLocks noGrp="1"/>
-          </p:cNvSpPr>
-          <p:nvPr>
-            <p:ph type="sldNum" sz="quarter" idx="12"/>
-          </p:nvPr>
-        </p:nvSpPr>
-        <p:spPr/>
-        <p:txBody>
-          <a:bodyPr/>
-          <a:lstStyle/>
-          <a:p>
-            <a:fld id="{B2C7D7B1-EA59-4F88-954B-4C4A650A8C83}" type="slidenum">
-              <a:rPr lang="en-US" smtClean="0"/>
-              <a:t>‹#›</a:t>
-            </a:fld>
-            <a:endParaRPr lang="en-US"/>
-          </a:p>
-        </p:txBody>
-      </p:sp>
-    </p:spTree>
-    <p:extLst>
-      <p:ext uri="{BB962C8B-B14F-4D97-AF65-F5344CB8AC3E}">
-        <p14:creationId xmlns:p14="http://schemas.microsoft.com/office/powerpoint/2010/main" val="2025117210"/>
+        <p14:creationId xmlns:p14="http://schemas.microsoft.com/office/powerpoint/2010/main" val="3200762159"/>
       </p:ext>
     </p:extLst>
   </p:cSld>
@@ -5711,9 +4267,12 @@
 <p:sldMaster xmlns:a="http://schemas.openxmlformats.org/drawingml/2006/main" xmlns:r="http://schemas.openxmlformats.org/officeDocument/2006/relationships" xmlns:p="http://schemas.openxmlformats.org/presentationml/2006/main">
   <p:cSld>
     <p:bg>
-      <p:bgRef idx="1001">
-        <a:schemeClr val="bg1"/>
-      </p:bgRef>
+      <p:bgPr>
+        <a:solidFill>
+          <a:schemeClr val="bg1"/>
+        </a:solidFill>
+        <a:effectLst/>
+      </p:bgPr>
     </p:bg>
     <p:spTree>
       <p:nvGrpSpPr>
@@ -5731,13 +4290,68 @@
       </p:grpSpPr>
       <p:sp>
         <p:nvSpPr>
-          <p:cNvPr id="2" name="Title Placeholder 1">
-            <a:extLst>
-              <a:ext uri="{FF2B5EF4-FFF2-40B4-BE49-F238E27FC236}">
-                <a16:creationId xmlns:a16="http://schemas.microsoft.com/office/drawing/2014/main" id="{A1856696-84B5-4180-8E8C-2A4D8A992F82}"/>
-              </a:ext>
-            </a:extLst>
-          </p:cNvPr>
+          <p:cNvPr id="3" name="Text Placeholder 2"/>
+          <p:cNvSpPr>
+            <a:spLocks noGrp="1"/>
+          </p:cNvSpPr>
+          <p:nvPr>
+            <p:ph type="body" idx="1"/>
+          </p:nvPr>
+        </p:nvSpPr>
+        <p:spPr>
+          <a:xfrm>
+            <a:off x="914400" y="1417320"/>
+            <a:ext cx="10363200" cy="4614129"/>
+          </a:xfrm>
+          <a:prstGeom prst="rect">
+            <a:avLst/>
+          </a:prstGeom>
+        </p:spPr>
+        <p:txBody>
+          <a:bodyPr vert="horz" lIns="0" tIns="0" rIns="0" bIns="0" rtlCol="0">
+            <a:noAutofit/>
+          </a:bodyPr>
+          <a:lstStyle/>
+          <a:p>
+            <a:pPr lvl="0"/>
+            <a:r>
+              <a:rPr lang="en-US" dirty="0"/>
+              <a:t>Edit Master text styles</a:t>
+            </a:r>
+          </a:p>
+          <a:p>
+            <a:pPr lvl="1"/>
+            <a:r>
+              <a:rPr lang="en-US" dirty="0"/>
+              <a:t>Second level</a:t>
+            </a:r>
+          </a:p>
+          <a:p>
+            <a:pPr lvl="2"/>
+            <a:r>
+              <a:rPr lang="en-US" dirty="0"/>
+              <a:t>Third level</a:t>
+            </a:r>
+          </a:p>
+          <a:p>
+            <a:pPr lvl="3"/>
+            <a:r>
+              <a:rPr lang="en-US" dirty="0"/>
+              <a:t>Fourth level</a:t>
+            </a:r>
+          </a:p>
+          <a:p>
+            <a:pPr lvl="4"/>
+            <a:r>
+              <a:rPr lang="en-US" dirty="0"/>
+              <a:t>Fifth level</a:t>
+            </a:r>
+          </a:p>
+        </p:txBody>
+      </p:sp>
+      <p:sp>
+        <p:nvSpPr>
+          <p:cNvPr id="2" name="Title Placeholder 1"/>
           <p:cNvSpPr>
             <a:spLocks noGrp="1"/>
           </p:cNvSpPr>
@@ -5747,189 +4361,32 @@
         </p:nvSpPr>
         <p:spPr>
           <a:xfrm>
-            <a:off x="838200" y="365125"/>
-            <a:ext cx="10515600" cy="1325563"/>
+            <a:off x="914400" y="374904"/>
+            <a:ext cx="9636252" cy="859536"/>
           </a:xfrm>
           <a:prstGeom prst="rect">
             <a:avLst/>
           </a:prstGeom>
         </p:spPr>
         <p:txBody>
-          <a:bodyPr vert="horz" lIns="91440" tIns="45720" rIns="91440" bIns="45720" rtlCol="0" anchor="ctr">
-            <a:normAutofit/>
+          <a:bodyPr vert="horz" lIns="0" tIns="45720" rIns="91440" bIns="0" rtlCol="0" anchor="ctr" anchorCtr="0">
+            <a:noAutofit/>
           </a:bodyPr>
           <a:lstStyle/>
           <a:p>
             <a:r>
-              <a:rPr lang="en-US"/>
-              <a:t>Click to edit Master title style</a:t>
+              <a:rPr lang="en-US" dirty="0"/>
+              <a:t>Click To Edit Master Title</a:t>
             </a:r>
           </a:p>
         </p:txBody>
       </p:sp>
       <p:sp>
         <p:nvSpPr>
-          <p:cNvPr id="3" name="Text Placeholder 2">
+          <p:cNvPr id="5" name="Slide Number Placeholder 4">
             <a:extLst>
               <a:ext uri="{FF2B5EF4-FFF2-40B4-BE49-F238E27FC236}">
-                <a16:creationId xmlns:a16="http://schemas.microsoft.com/office/drawing/2014/main" id="{186106B3-EBD7-4340-8427-E05163854A67}"/>
-              </a:ext>
-            </a:extLst>
-          </p:cNvPr>
-          <p:cNvSpPr>
-            <a:spLocks noGrp="1"/>
-          </p:cNvSpPr>
-          <p:nvPr>
-            <p:ph type="body" idx="1"/>
-          </p:nvPr>
-        </p:nvSpPr>
-        <p:spPr>
-          <a:xfrm>
-            <a:off x="838200" y="1825625"/>
-            <a:ext cx="10515600" cy="4351338"/>
-          </a:xfrm>
-          <a:prstGeom prst="rect">
-            <a:avLst/>
-          </a:prstGeom>
-        </p:spPr>
-        <p:txBody>
-          <a:bodyPr vert="horz" lIns="91440" tIns="45720" rIns="91440" bIns="45720" rtlCol="0">
-            <a:normAutofit/>
-          </a:bodyPr>
-          <a:lstStyle/>
-          <a:p>
-            <a:pPr lvl="0"/>
-            <a:r>
-              <a:rPr lang="en-US"/>
-              <a:t>Edit Master text styles</a:t>
-            </a:r>
-          </a:p>
-          <a:p>
-            <a:pPr lvl="1"/>
-            <a:r>
-              <a:rPr lang="en-US"/>
-              <a:t>Second level</a:t>
-            </a:r>
-          </a:p>
-          <a:p>
-            <a:pPr lvl="2"/>
-            <a:r>
-              <a:rPr lang="en-US"/>
-              <a:t>Third level</a:t>
-            </a:r>
-          </a:p>
-          <a:p>
-            <a:pPr lvl="3"/>
-            <a:r>
-              <a:rPr lang="en-US"/>
-              <a:t>Fourth level</a:t>
-            </a:r>
-          </a:p>
-          <a:p>
-            <a:pPr lvl="4"/>
-            <a:r>
-              <a:rPr lang="en-US"/>
-              <a:t>Fifth level</a:t>
-            </a:r>
-          </a:p>
-        </p:txBody>
-      </p:sp>
-      <p:sp>
-        <p:nvSpPr>
-          <p:cNvPr id="4" name="Date Placeholder 3">
-            <a:extLst>
-              <a:ext uri="{FF2B5EF4-FFF2-40B4-BE49-F238E27FC236}">
-                <a16:creationId xmlns:a16="http://schemas.microsoft.com/office/drawing/2014/main" id="{7EF84FBF-6ACA-4AA4-9FFD-A6B9D5335922}"/>
-              </a:ext>
-            </a:extLst>
-          </p:cNvPr>
-          <p:cNvSpPr>
-            <a:spLocks noGrp="1"/>
-          </p:cNvSpPr>
-          <p:nvPr>
-            <p:ph type="dt" sz="half" idx="2"/>
-          </p:nvPr>
-        </p:nvSpPr>
-        <p:spPr>
-          <a:xfrm>
-            <a:off x="838200" y="6356350"/>
-            <a:ext cx="2743200" cy="365125"/>
-          </a:xfrm>
-          <a:prstGeom prst="rect">
-            <a:avLst/>
-          </a:prstGeom>
-        </p:spPr>
-        <p:txBody>
-          <a:bodyPr vert="horz" lIns="91440" tIns="45720" rIns="91440" bIns="45720" rtlCol="0" anchor="ctr"/>
-          <a:lstStyle>
-            <a:lvl1pPr algn="l">
-              <a:defRPr sz="1200">
-                <a:solidFill>
-                  <a:schemeClr val="tx1">
-                    <a:tint val="75000"/>
-                  </a:schemeClr>
-                </a:solidFill>
-              </a:defRPr>
-            </a:lvl1pPr>
-          </a:lstStyle>
-          <a:p>
-            <a:fld id="{CA2E3467-0D89-4ADB-A534-234A23CA62FE}" type="datetimeFigureOut">
-              <a:rPr lang="en-US" smtClean="0"/>
-              <a:t>6/19/2019</a:t>
-            </a:fld>
-            <a:endParaRPr lang="en-US"/>
-          </a:p>
-        </p:txBody>
-      </p:sp>
-      <p:sp>
-        <p:nvSpPr>
-          <p:cNvPr id="5" name="Footer Placeholder 4">
-            <a:extLst>
-              <a:ext uri="{FF2B5EF4-FFF2-40B4-BE49-F238E27FC236}">
-                <a16:creationId xmlns:a16="http://schemas.microsoft.com/office/drawing/2014/main" id="{5A7966E2-FB82-4113-89FC-99ACDBAEB9F3}"/>
-              </a:ext>
-            </a:extLst>
-          </p:cNvPr>
-          <p:cNvSpPr>
-            <a:spLocks noGrp="1"/>
-          </p:cNvSpPr>
-          <p:nvPr>
-            <p:ph type="ftr" sz="quarter" idx="3"/>
-          </p:nvPr>
-        </p:nvSpPr>
-        <p:spPr>
-          <a:xfrm>
-            <a:off x="4038600" y="6356350"/>
-            <a:ext cx="4114800" cy="365125"/>
-          </a:xfrm>
-          <a:prstGeom prst="rect">
-            <a:avLst/>
-          </a:prstGeom>
-        </p:spPr>
-        <p:txBody>
-          <a:bodyPr vert="horz" lIns="91440" tIns="45720" rIns="91440" bIns="45720" rtlCol="0" anchor="ctr"/>
-          <a:lstStyle>
-            <a:lvl1pPr algn="ctr">
-              <a:defRPr sz="1200">
-                <a:solidFill>
-                  <a:schemeClr val="tx1">
-                    <a:tint val="75000"/>
-                  </a:schemeClr>
-                </a:solidFill>
-              </a:defRPr>
-            </a:lvl1pPr>
-          </a:lstStyle>
-          <a:p>
-            <a:endParaRPr lang="en-US"/>
-          </a:p>
-        </p:txBody>
-      </p:sp>
-      <p:sp>
-        <p:nvSpPr>
-          <p:cNvPr id="6" name="Slide Number Placeholder 5">
-            <a:extLst>
-              <a:ext uri="{FF2B5EF4-FFF2-40B4-BE49-F238E27FC236}">
-                <a16:creationId xmlns:a16="http://schemas.microsoft.com/office/drawing/2014/main" id="{5AA767B6-7C1A-4573-9351-2406FEA52350}"/>
+                <a16:creationId xmlns:a16="http://schemas.microsoft.com/office/drawing/2014/main" id="{3C6459E9-663E-41BF-8DE0-27BE15FC68DE}"/>
               </a:ext>
             </a:extLst>
           </p:cNvPr>
@@ -5953,7 +4410,7 @@
           <a:bodyPr vert="horz" lIns="91440" tIns="45720" rIns="91440" bIns="45720" rtlCol="0" anchor="ctr"/>
           <a:lstStyle>
             <a:lvl1pPr algn="r">
-              <a:defRPr sz="1200">
+              <a:defRPr sz="1000">
                 <a:solidFill>
                   <a:schemeClr val="tx1">
                     <a:tint val="75000"/>
@@ -5963,144 +4420,174 @@
             </a:lvl1pPr>
           </a:lstStyle>
           <a:p>
-            <a:fld id="{B2C7D7B1-EA59-4F88-954B-4C4A650A8C83}" type="slidenum">
+            <a:fld id="{A53EF5BF-C1E8-43D9-8EF0-2263DAD7867F}" type="slidenum">
               <a:rPr lang="en-US" smtClean="0"/>
+              <a:pPr/>
               <a:t>‹#›</a:t>
             </a:fld>
-            <a:endParaRPr lang="en-US"/>
+            <a:endParaRPr lang="en-US" dirty="0"/>
           </a:p>
         </p:txBody>
       </p:sp>
     </p:spTree>
     <p:extLst>
       <p:ext uri="{BB962C8B-B14F-4D97-AF65-F5344CB8AC3E}">
-        <p14:creationId xmlns:p14="http://schemas.microsoft.com/office/powerpoint/2010/main" val="1387452321"/>
+        <p14:creationId xmlns:p14="http://schemas.microsoft.com/office/powerpoint/2010/main" val="2049207633"/>
       </p:ext>
     </p:extLst>
   </p:cSld>
   <p:clrMap bg1="lt1" tx1="dk1" bg2="lt2" tx2="dk2" accent1="accent1" accent2="accent2" accent3="accent3" accent4="accent4" accent5="accent5" accent6="accent6" hlink="hlink" folHlink="folHlink"/>
   <p:sldLayoutIdLst>
-    <p:sldLayoutId id="2147483649" r:id="rId1"/>
-    <p:sldLayoutId id="2147483650" r:id="rId2"/>
-    <p:sldLayoutId id="2147483651" r:id="rId3"/>
-    <p:sldLayoutId id="2147483652" r:id="rId4"/>
-    <p:sldLayoutId id="2147483653" r:id="rId5"/>
-    <p:sldLayoutId id="2147483654" r:id="rId6"/>
-    <p:sldLayoutId id="2147483655" r:id="rId7"/>
-    <p:sldLayoutId id="2147483656" r:id="rId8"/>
-    <p:sldLayoutId id="2147483657" r:id="rId9"/>
-    <p:sldLayoutId id="2147483658" r:id="rId10"/>
-    <p:sldLayoutId id="2147483659" r:id="rId11"/>
+    <p:sldLayoutId id="2147483733" r:id="rId1"/>
+    <p:sldLayoutId id="2147483732" r:id="rId2"/>
+    <p:sldLayoutId id="2147483735" r:id="rId3"/>
+    <p:sldLayoutId id="2147483736" r:id="rId4"/>
   </p:sldLayoutIdLst>
+  <p:hf hdr="0" ftr="0" dt="0"/>
   <p:txStyles>
     <p:titleStyle>
       <a:lvl1pPr algn="l" defTabSz="914400" rtl="0" eaLnBrk="1" latinLnBrk="0" hangingPunct="1">
         <a:lnSpc>
-          <a:spcPct val="90000"/>
+          <a:spcPct val="80000"/>
         </a:lnSpc>
         <a:spcBef>
           <a:spcPct val="0"/>
         </a:spcBef>
         <a:buNone/>
-        <a:defRPr sz="4400" kern="1200">
+        <a:defRPr lang="en-US" sz="3200" b="1" i="0" kern="1200" cap="none" spc="0" baseline="0" dirty="0">
           <a:solidFill>
-            <a:schemeClr val="tx1"/>
+            <a:schemeClr val="accent1"/>
           </a:solidFill>
-          <a:latin typeface="+mj-lt"/>
-          <a:ea typeface="+mj-ea"/>
-          <a:cs typeface="+mj-cs"/>
+          <a:latin typeface="+mn-lt"/>
+          <a:ea typeface="Open Sans Semibold" panose="020B0706030804020204" pitchFamily="34" charset="0"/>
+          <a:cs typeface="Open Sans Semibold" panose="020B0706030804020204" pitchFamily="34" charset="0"/>
         </a:defRPr>
       </a:lvl1pPr>
     </p:titleStyle>
     <p:bodyStyle>
       <a:lvl1pPr marL="228600" indent="-228600" algn="l" defTabSz="914400" rtl="0" eaLnBrk="1" latinLnBrk="0" hangingPunct="1">
         <a:lnSpc>
-          <a:spcPct val="90000"/>
+          <a:spcPct val="100000"/>
         </a:lnSpc>
         <a:spcBef>
           <a:spcPts val="1000"/>
         </a:spcBef>
+        <a:spcAft>
+          <a:spcPts val="500"/>
+        </a:spcAft>
+        <a:buClr>
+          <a:schemeClr val="accent1"/>
+        </a:buClr>
+        <a:buSzPct val="100000"/>
         <a:buFont typeface="Arial" panose="020B0604020202020204" pitchFamily="34" charset="0"/>
         <a:buChar char="•"/>
-        <a:defRPr sz="2800" kern="1200">
+        <a:defRPr sz="2400" kern="1200" spc="0" baseline="0">
           <a:solidFill>
             <a:schemeClr val="tx1"/>
           </a:solidFill>
           <a:latin typeface="+mn-lt"/>
-          <a:ea typeface="+mn-ea"/>
-          <a:cs typeface="+mn-cs"/>
+          <a:ea typeface="Open Sans" charset="0"/>
+          <a:cs typeface="Open Sans" charset="0"/>
         </a:defRPr>
       </a:lvl1pPr>
       <a:lvl2pPr marL="685800" indent="-228600" algn="l" defTabSz="914400" rtl="0" eaLnBrk="1" latinLnBrk="0" hangingPunct="1">
         <a:lnSpc>
-          <a:spcPct val="90000"/>
+          <a:spcPct val="100000"/>
         </a:lnSpc>
         <a:spcBef>
+          <a:spcPts val="1000"/>
+        </a:spcBef>
+        <a:spcAft>
           <a:spcPts val="500"/>
-        </a:spcBef>
+        </a:spcAft>
+        <a:buClr>
+          <a:schemeClr val="accent1"/>
+        </a:buClr>
+        <a:buSzPct val="100000"/>
         <a:buFont typeface="Arial" panose="020B0604020202020204" pitchFamily="34" charset="0"/>
         <a:buChar char="•"/>
-        <a:defRPr sz="2400" kern="1200">
+        <a:defRPr sz="2000" kern="1200" spc="0" baseline="0">
           <a:solidFill>
             <a:schemeClr val="tx1"/>
           </a:solidFill>
           <a:latin typeface="+mn-lt"/>
-          <a:ea typeface="+mn-ea"/>
-          <a:cs typeface="+mn-cs"/>
+          <a:ea typeface="Open Sans" charset="0"/>
+          <a:cs typeface="Open Sans" charset="0"/>
         </a:defRPr>
       </a:lvl2pPr>
       <a:lvl3pPr marL="1143000" indent="-228600" algn="l" defTabSz="914400" rtl="0" eaLnBrk="1" latinLnBrk="0" hangingPunct="1">
         <a:lnSpc>
-          <a:spcPct val="90000"/>
+          <a:spcPct val="100000"/>
         </a:lnSpc>
         <a:spcBef>
+          <a:spcPts val="1000"/>
+        </a:spcBef>
+        <a:spcAft>
           <a:spcPts val="500"/>
-        </a:spcBef>
+        </a:spcAft>
+        <a:buClr>
+          <a:schemeClr val="accent1"/>
+        </a:buClr>
+        <a:buSzPct val="100000"/>
         <a:buFont typeface="Arial" panose="020B0604020202020204" pitchFamily="34" charset="0"/>
         <a:buChar char="•"/>
-        <a:defRPr sz="2000" kern="1200">
+        <a:defRPr sz="1800" kern="1200" spc="0" baseline="0">
           <a:solidFill>
             <a:schemeClr val="tx1"/>
           </a:solidFill>
           <a:latin typeface="+mn-lt"/>
-          <a:ea typeface="+mn-ea"/>
-          <a:cs typeface="+mn-cs"/>
+          <a:ea typeface="Open Sans" charset="0"/>
+          <a:cs typeface="Open Sans" charset="0"/>
         </a:defRPr>
       </a:lvl3pPr>
       <a:lvl4pPr marL="1600200" indent="-228600" algn="l" defTabSz="914400" rtl="0" eaLnBrk="1" latinLnBrk="0" hangingPunct="1">
         <a:lnSpc>
-          <a:spcPct val="90000"/>
+          <a:spcPct val="100000"/>
         </a:lnSpc>
         <a:spcBef>
+          <a:spcPts val="1000"/>
+        </a:spcBef>
+        <a:spcAft>
           <a:spcPts val="500"/>
-        </a:spcBef>
+        </a:spcAft>
+        <a:buClr>
+          <a:schemeClr val="accent1"/>
+        </a:buClr>
+        <a:buSzPct val="100000"/>
         <a:buFont typeface="Arial" panose="020B0604020202020204" pitchFamily="34" charset="0"/>
         <a:buChar char="•"/>
-        <a:defRPr sz="1800" kern="1200">
+        <a:defRPr sz="1600" kern="1200" spc="0" baseline="0">
           <a:solidFill>
             <a:schemeClr val="tx1"/>
           </a:solidFill>
           <a:latin typeface="+mn-lt"/>
-          <a:ea typeface="+mn-ea"/>
-          <a:cs typeface="+mn-cs"/>
+          <a:ea typeface="Open Sans" charset="0"/>
+          <a:cs typeface="Open Sans" charset="0"/>
         </a:defRPr>
       </a:lvl4pPr>
       <a:lvl5pPr marL="2057400" indent="-228600" algn="l" defTabSz="914400" rtl="0" eaLnBrk="1" latinLnBrk="0" hangingPunct="1">
         <a:lnSpc>
-          <a:spcPct val="90000"/>
+          <a:spcPct val="100000"/>
         </a:lnSpc>
         <a:spcBef>
+          <a:spcPts val="1000"/>
+        </a:spcBef>
+        <a:spcAft>
           <a:spcPts val="500"/>
-        </a:spcBef>
+        </a:spcAft>
+        <a:buClr>
+          <a:schemeClr val="accent1"/>
+        </a:buClr>
+        <a:buSzPct val="100000"/>
         <a:buFont typeface="Arial" panose="020B0604020202020204" pitchFamily="34" charset="0"/>
         <a:buChar char="•"/>
-        <a:defRPr sz="1800" kern="1200">
+        <a:defRPr sz="1600" kern="1200" spc="0" baseline="0">
           <a:solidFill>
             <a:schemeClr val="tx1"/>
           </a:solidFill>
           <a:latin typeface="+mn-lt"/>
-          <a:ea typeface="+mn-ea"/>
-          <a:cs typeface="+mn-cs"/>
+          <a:ea typeface="Open Sans" charset="0"/>
+          <a:cs typeface="Open Sans" charset="0"/>
         </a:defRPr>
       </a:lvl5pPr>
       <a:lvl6pPr marL="2514600" indent="-228600" algn="l" defTabSz="914400" rtl="0" eaLnBrk="1" latinLnBrk="0" hangingPunct="1">
@@ -6272,6 +4759,37 @@
       </a:lvl9pPr>
     </p:otherStyle>
   </p:txStyles>
+  <p:extLst mod="1">
+    <p:ext uri="{27BBF7A9-308A-43DC-89C8-2F10F3537804}">
+      <p15:sldGuideLst xmlns:p15="http://schemas.microsoft.com/office/powerpoint/2012/main">
+        <p15:guide id="3" pos="576">
+          <p15:clr>
+            <a:srgbClr val="F26B43"/>
+          </p15:clr>
+        </p15:guide>
+        <p15:guide id="4" pos="7104">
+          <p15:clr>
+            <a:srgbClr val="F26B43"/>
+          </p15:clr>
+        </p15:guide>
+        <p15:guide id="5" pos="2976">
+          <p15:clr>
+            <a:srgbClr val="F26B43"/>
+          </p15:clr>
+        </p15:guide>
+        <p15:guide id="6" orient="horz" pos="1152">
+          <p15:clr>
+            <a:srgbClr val="F26B43"/>
+          </p15:clr>
+        </p15:guide>
+        <p15:guide id="7" pos="2688">
+          <p15:clr>
+            <a:srgbClr val="F26B43"/>
+          </p15:clr>
+        </p15:guide>
+      </p15:sldGuideLst>
+    </p:ext>
+  </p:extLst>
 </p:sldMaster>
 </file>
 
@@ -6292,38 +4810,68 @@
           <a:chExt cx="0" cy="0"/>
         </a:xfrm>
       </p:grpSpPr>
-      <p:graphicFrame>
-        <p:nvGraphicFramePr>
-          <p:cNvPr id="4" name="Diagram 3">
+      <p:sp>
+        <p:nvSpPr>
+          <p:cNvPr id="2" name="Title 1">
             <a:extLst>
               <a:ext uri="{FF2B5EF4-FFF2-40B4-BE49-F238E27FC236}">
-                <a16:creationId xmlns:a16="http://schemas.microsoft.com/office/drawing/2014/main" id="{24FB2063-A55B-43D9-A8F1-E97AB6A37C46}"/>
+                <a16:creationId xmlns:a16="http://schemas.microsoft.com/office/drawing/2014/main" id="{7894C1AF-C98F-4C55-B34E-9F22344D6D60}"/>
               </a:ext>
             </a:extLst>
           </p:cNvPr>
-          <p:cNvGraphicFramePr/>
+          <p:cNvSpPr>
+            <a:spLocks noGrp="1"/>
+          </p:cNvSpPr>
           <p:nvPr>
-            <p:extLst>
-              <p:ext uri="{D42A27DB-BD31-4B8C-83A1-F6EECF244321}">
-                <p14:modId xmlns:p14="http://schemas.microsoft.com/office/powerpoint/2010/main" val="2220589084"/>
-              </p:ext>
-            </p:extLst>
+            <p:ph type="title"/>
           </p:nvPr>
-        </p:nvGraphicFramePr>
-        <p:xfrm>
-          <a:off x="2032000" y="719666"/>
-          <a:ext cx="8128000" cy="5418667"/>
-        </p:xfrm>
-        <a:graphic>
-          <a:graphicData uri="http://schemas.openxmlformats.org/drawingml/2006/diagram">
-            <dgm:relIds xmlns:dgm="http://schemas.openxmlformats.org/drawingml/2006/diagram" xmlns:r="http://schemas.openxmlformats.org/officeDocument/2006/relationships" r:dm="rId2" r:lo="rId3" r:qs="rId4" r:cs="rId5"/>
-          </a:graphicData>
-        </a:graphic>
-      </p:graphicFrame>
+        </p:nvSpPr>
+        <p:spPr/>
+        <p:txBody>
+          <a:bodyPr/>
+          <a:lstStyle/>
+          <a:p>
+            <a:r>
+              <a:rPr lang="en-US" dirty="0"/>
+              <a:t>ANF Reference Model</a:t>
+            </a:r>
+          </a:p>
+        </p:txBody>
+      </p:sp>
+      <p:sp>
+        <p:nvSpPr>
+          <p:cNvPr id="4" name="Slide Number Placeholder 3">
+            <a:extLst>
+              <a:ext uri="{FF2B5EF4-FFF2-40B4-BE49-F238E27FC236}">
+                <a16:creationId xmlns:a16="http://schemas.microsoft.com/office/drawing/2014/main" id="{C724BFC2-BABE-4C58-A22F-793F61C10177}"/>
+              </a:ext>
+            </a:extLst>
+          </p:cNvPr>
+          <p:cNvSpPr>
+            <a:spLocks noGrp="1"/>
+          </p:cNvSpPr>
+          <p:nvPr>
+            <p:ph type="sldNum" sz="quarter" idx="12"/>
+          </p:nvPr>
+        </p:nvSpPr>
+        <p:spPr/>
+        <p:txBody>
+          <a:bodyPr/>
+          <a:lstStyle/>
+          <a:p>
+            <a:fld id="{88B1D514-9158-7143-952E-69DC611F0F0B}" type="slidenum">
+              <a:rPr lang="en-US" smtClean="0"/>
+              <a:pPr/>
+              <a:t>1</a:t>
+            </a:fld>
+            <a:endParaRPr lang="en-US"/>
+          </a:p>
+        </p:txBody>
+      </p:sp>
     </p:spTree>
     <p:extLst>
       <p:ext uri="{BB962C8B-B14F-4D97-AF65-F5344CB8AC3E}">
-        <p14:creationId xmlns:p14="http://schemas.microsoft.com/office/powerpoint/2010/main" val="642079773"/>
+        <p14:creationId xmlns:p14="http://schemas.microsoft.com/office/powerpoint/2010/main" val="3189603609"/>
       </p:ext>
     </p:extLst>
   </p:cSld>
@@ -6355,7 +4903,7 @@
           <p:cNvPr id="15" name="Picture 14" descr="A screenshot of a social media post&#10;&#10;Description generated with very high confidence">
             <a:extLst>
               <a:ext uri="{FF2B5EF4-FFF2-40B4-BE49-F238E27FC236}">
-                <a16:creationId xmlns:a16="http://schemas.microsoft.com/office/drawing/2014/main" id="{39BB4977-5279-484E-8DA5-8A04DB6D62A5}"/>
+                <a16:creationId xmlns:a16="http://schemas.microsoft.com/office/drawing/2014/main" id="{66D43B52-3837-4750-85C2-031F353E7A7C}"/>
               </a:ext>
             </a:extLst>
           </p:cNvPr>
@@ -6672,6 +5220,1415 @@
         </p:nvSpPr>
         <p:spPr>
           <a:xfrm>
+            <a:off x="3945581" y="5938223"/>
+            <a:ext cx="1881964" cy="832894"/>
+          </a:xfrm>
+          <a:prstGeom prst="roundRect">
+            <a:avLst/>
+          </a:prstGeom>
+          <a:noFill/>
+          <a:ln w="38100">
+            <a:solidFill>
+              <a:srgbClr val="002060"/>
+            </a:solidFill>
+          </a:ln>
+        </p:spPr>
+        <p:style>
+          <a:lnRef idx="2">
+            <a:schemeClr val="accent1">
+              <a:shade val="50000"/>
+            </a:schemeClr>
+          </a:lnRef>
+          <a:fillRef idx="1">
+            <a:schemeClr val="accent1"/>
+          </a:fillRef>
+          <a:effectRef idx="0">
+            <a:schemeClr val="accent1"/>
+          </a:effectRef>
+          <a:fontRef idx="minor">
+            <a:schemeClr val="lt1"/>
+          </a:fontRef>
+        </p:style>
+        <p:txBody>
+          <a:bodyPr rtlCol="0" anchor="ctr"/>
+          <a:lstStyle/>
+          <a:p>
+            <a:pPr algn="ctr"/>
+            <a:endParaRPr lang="en-US">
+              <a:solidFill>
+                <a:srgbClr val="002060"/>
+              </a:solidFill>
+            </a:endParaRPr>
+          </a:p>
+        </p:txBody>
+      </p:sp>
+      <p:cxnSp>
+        <p:nvCxnSpPr>
+          <p:cNvPr id="11" name="Connector: Elbow 10">
+            <a:extLst>
+              <a:ext uri="{FF2B5EF4-FFF2-40B4-BE49-F238E27FC236}">
+                <a16:creationId xmlns:a16="http://schemas.microsoft.com/office/drawing/2014/main" id="{A594CB4E-40C0-4C53-8167-48B971BE635A}"/>
+              </a:ext>
+            </a:extLst>
+          </p:cNvPr>
+          <p:cNvCxnSpPr>
+            <a:cxnSpLocks/>
+          </p:cNvCxnSpPr>
+          <p:nvPr/>
+        </p:nvCxnSpPr>
+        <p:spPr>
+          <a:xfrm flipV="1">
+            <a:off x="4423067" y="1444252"/>
+            <a:ext cx="1275983" cy="303028"/>
+          </a:xfrm>
+          <a:prstGeom prst="bentConnector3">
+            <a:avLst/>
+          </a:prstGeom>
+          <a:ln w="38100">
+            <a:prstDash val="sysDash"/>
+            <a:tailEnd type="triangle"/>
+          </a:ln>
+        </p:spPr>
+        <p:style>
+          <a:lnRef idx="3">
+            <a:schemeClr val="dk1"/>
+          </a:lnRef>
+          <a:fillRef idx="0">
+            <a:schemeClr val="dk1"/>
+          </a:fillRef>
+          <a:effectRef idx="2">
+            <a:schemeClr val="dk1"/>
+          </a:effectRef>
+          <a:fontRef idx="minor">
+            <a:schemeClr val="tx1"/>
+          </a:fontRef>
+        </p:style>
+      </p:cxnSp>
+      <p:cxnSp>
+        <p:nvCxnSpPr>
+          <p:cNvPr id="12" name="Connector: Elbow 11">
+            <a:extLst>
+              <a:ext uri="{FF2B5EF4-FFF2-40B4-BE49-F238E27FC236}">
+                <a16:creationId xmlns:a16="http://schemas.microsoft.com/office/drawing/2014/main" id="{41796064-19BF-4507-8E24-6F3869496D8E}"/>
+              </a:ext>
+            </a:extLst>
+          </p:cNvPr>
+          <p:cNvCxnSpPr>
+            <a:cxnSpLocks/>
+            <a:stCxn id="4" idx="2"/>
+            <a:endCxn id="6" idx="0"/>
+          </p:cNvCxnSpPr>
+          <p:nvPr/>
+        </p:nvCxnSpPr>
+        <p:spPr>
+          <a:xfrm rot="5400000">
+            <a:off x="4485849" y="922166"/>
+            <a:ext cx="1081352" cy="2631592"/>
+          </a:xfrm>
+          <a:prstGeom prst="bentConnector3">
+            <a:avLst>
+              <a:gd name="adj1" fmla="val 50000"/>
+            </a:avLst>
+          </a:prstGeom>
+          <a:ln w="38100">
+            <a:prstDash val="sysDash"/>
+            <a:tailEnd type="triangle"/>
+          </a:ln>
+        </p:spPr>
+        <p:style>
+          <a:lnRef idx="3">
+            <a:schemeClr val="dk1"/>
+          </a:lnRef>
+          <a:fillRef idx="0">
+            <a:schemeClr val="dk1"/>
+          </a:fillRef>
+          <a:effectRef idx="2">
+            <a:schemeClr val="dk1"/>
+          </a:effectRef>
+          <a:fontRef idx="minor">
+            <a:schemeClr val="tx1"/>
+          </a:fontRef>
+        </p:style>
+      </p:cxnSp>
+      <p:cxnSp>
+        <p:nvCxnSpPr>
+          <p:cNvPr id="18" name="Connector: Elbow 17">
+            <a:extLst>
+              <a:ext uri="{FF2B5EF4-FFF2-40B4-BE49-F238E27FC236}">
+                <a16:creationId xmlns:a16="http://schemas.microsoft.com/office/drawing/2014/main" id="{BAF8BD80-015F-4ECE-A5A8-EC79AD47B07A}"/>
+              </a:ext>
+            </a:extLst>
+          </p:cNvPr>
+          <p:cNvCxnSpPr>
+            <a:cxnSpLocks/>
+            <a:endCxn id="8" idx="3"/>
+          </p:cNvCxnSpPr>
+          <p:nvPr/>
+        </p:nvCxnSpPr>
+        <p:spPr>
+          <a:xfrm rot="5400000">
+            <a:off x="3743411" y="3999090"/>
+            <a:ext cx="1365881" cy="176531"/>
+          </a:xfrm>
+          <a:prstGeom prst="bentConnector2">
+            <a:avLst/>
+          </a:prstGeom>
+          <a:ln w="38100">
+            <a:prstDash val="sysDash"/>
+            <a:tailEnd type="triangle"/>
+          </a:ln>
+        </p:spPr>
+        <p:style>
+          <a:lnRef idx="3">
+            <a:schemeClr val="dk1"/>
+          </a:lnRef>
+          <a:fillRef idx="0">
+            <a:schemeClr val="dk1"/>
+          </a:fillRef>
+          <a:effectRef idx="2">
+            <a:schemeClr val="dk1"/>
+          </a:effectRef>
+          <a:fontRef idx="minor">
+            <a:schemeClr val="tx1"/>
+          </a:fontRef>
+        </p:style>
+      </p:cxnSp>
+      <p:cxnSp>
+        <p:nvCxnSpPr>
+          <p:cNvPr id="21" name="Connector: Elbow 20">
+            <a:extLst>
+              <a:ext uri="{FF2B5EF4-FFF2-40B4-BE49-F238E27FC236}">
+                <a16:creationId xmlns:a16="http://schemas.microsoft.com/office/drawing/2014/main" id="{C9BC00D1-5D5C-49FA-99A0-988A75985179}"/>
+              </a:ext>
+            </a:extLst>
+          </p:cNvPr>
+          <p:cNvCxnSpPr>
+            <a:cxnSpLocks/>
+            <a:stCxn id="8" idx="2"/>
+            <a:endCxn id="9" idx="0"/>
+          </p:cNvCxnSpPr>
+          <p:nvPr/>
+        </p:nvCxnSpPr>
+        <p:spPr>
+          <a:xfrm rot="16200000" flipH="1">
+            <a:off x="3887381" y="4939040"/>
+            <a:ext cx="941289" cy="1057075"/>
+          </a:xfrm>
+          <a:prstGeom prst="bentConnector3">
+            <a:avLst>
+              <a:gd name="adj1" fmla="val 50000"/>
+            </a:avLst>
+          </a:prstGeom>
+          <a:ln w="38100">
+            <a:prstDash val="sysDash"/>
+            <a:tailEnd type="triangle"/>
+          </a:ln>
+        </p:spPr>
+        <p:style>
+          <a:lnRef idx="3">
+            <a:schemeClr val="dk1"/>
+          </a:lnRef>
+          <a:fillRef idx="0">
+            <a:schemeClr val="dk1"/>
+          </a:fillRef>
+          <a:effectRef idx="2">
+            <a:schemeClr val="dk1"/>
+          </a:effectRef>
+          <a:fontRef idx="minor">
+            <a:schemeClr val="tx1"/>
+          </a:fontRef>
+        </p:style>
+      </p:cxnSp>
+      <p:sp>
+        <p:nvSpPr>
+          <p:cNvPr id="24" name="TextBox 23">
+            <a:extLst>
+              <a:ext uri="{FF2B5EF4-FFF2-40B4-BE49-F238E27FC236}">
+                <a16:creationId xmlns:a16="http://schemas.microsoft.com/office/drawing/2014/main" id="{012F60C4-17CA-4690-BC9D-05D848E4CD30}"/>
+              </a:ext>
+            </a:extLst>
+          </p:cNvPr>
+          <p:cNvSpPr txBox="1"/>
+          <p:nvPr/>
+        </p:nvSpPr>
+        <p:spPr>
+          <a:xfrm>
+            <a:off x="5252224" y="5208803"/>
+            <a:ext cx="6805663" cy="461665"/>
+          </a:xfrm>
+          <a:prstGeom prst="rect">
+            <a:avLst/>
+          </a:prstGeom>
+          <a:solidFill>
+            <a:schemeClr val="accent1">
+              <a:lumMod val="40000"/>
+              <a:lumOff val="60000"/>
+            </a:schemeClr>
+          </a:solidFill>
+        </p:spPr>
+        <p:txBody>
+          <a:bodyPr wrap="square" rtlCol="0">
+            <a:spAutoFit/>
+          </a:bodyPr>
+          <a:lstStyle/>
+          <a:p>
+            <a:r>
+              <a:rPr lang="en-US" sz="2400" dirty="0"/>
+              <a:t>Statement </a:t>
+            </a:r>
+            <a:r>
+              <a:rPr lang="en-US" sz="2400" dirty="0">
+                <a:sym typeface="Wingdings" panose="05000000000000000000" pitchFamily="2" charset="2"/>
+              </a:rPr>
+              <a:t> </a:t>
+            </a:r>
+            <a:r>
+              <a:rPr lang="en-US" sz="2400" dirty="0"/>
+              <a:t>Performance </a:t>
+            </a:r>
+            <a:r>
+              <a:rPr lang="en-US" sz="2400" dirty="0">
+                <a:sym typeface="Wingdings" panose="05000000000000000000" pitchFamily="2" charset="2"/>
+              </a:rPr>
+              <a:t> Observation Result</a:t>
+            </a:r>
+            <a:endParaRPr lang="en-US" sz="2400" dirty="0"/>
+          </a:p>
+        </p:txBody>
+      </p:sp>
+      <p:sp>
+        <p:nvSpPr>
+          <p:cNvPr id="25" name="TextBox 24">
+            <a:extLst>
+              <a:ext uri="{FF2B5EF4-FFF2-40B4-BE49-F238E27FC236}">
+                <a16:creationId xmlns:a16="http://schemas.microsoft.com/office/drawing/2014/main" id="{CA744A28-B806-4EA1-AEFE-B0F151795FF8}"/>
+              </a:ext>
+            </a:extLst>
+          </p:cNvPr>
+          <p:cNvSpPr txBox="1"/>
+          <p:nvPr/>
+        </p:nvSpPr>
+        <p:spPr>
+          <a:xfrm>
+            <a:off x="5440472" y="4674816"/>
+            <a:ext cx="3100657" cy="400110"/>
+          </a:xfrm>
+          <a:prstGeom prst="rect">
+            <a:avLst/>
+          </a:prstGeom>
+          <a:noFill/>
+        </p:spPr>
+        <p:txBody>
+          <a:bodyPr wrap="none" rtlCol="0">
+            <a:spAutoFit/>
+          </a:bodyPr>
+          <a:lstStyle/>
+          <a:p>
+            <a:r>
+              <a:rPr lang="en-US" sz="2000" b="1" dirty="0"/>
+              <a:t>Systolic blood pressure: </a:t>
+            </a:r>
+          </a:p>
+        </p:txBody>
+      </p:sp>
+      <p:sp>
+        <p:nvSpPr>
+          <p:cNvPr id="16" name="Title 1">
+            <a:extLst>
+              <a:ext uri="{FF2B5EF4-FFF2-40B4-BE49-F238E27FC236}">
+                <a16:creationId xmlns:a16="http://schemas.microsoft.com/office/drawing/2014/main" id="{22488746-4B01-4D33-A5EF-333C93F59191}"/>
+              </a:ext>
+            </a:extLst>
+          </p:cNvPr>
+          <p:cNvSpPr txBox="1">
+            <a:spLocks/>
+          </p:cNvSpPr>
+          <p:nvPr/>
+        </p:nvSpPr>
+        <p:spPr>
+          <a:xfrm>
+            <a:off x="5320290" y="-217117"/>
+            <a:ext cx="5542155" cy="859536"/>
+          </a:xfrm>
+          <a:prstGeom prst="rect">
+            <a:avLst/>
+          </a:prstGeom>
+        </p:spPr>
+        <p:txBody>
+          <a:bodyPr/>
+          <a:lstStyle>
+            <a:lvl1pPr algn="l" defTabSz="914400" rtl="0" eaLnBrk="1" latinLnBrk="0" hangingPunct="1">
+              <a:lnSpc>
+                <a:spcPct val="80000"/>
+              </a:lnSpc>
+              <a:spcBef>
+                <a:spcPct val="0"/>
+              </a:spcBef>
+              <a:buNone/>
+              <a:defRPr lang="en-US" sz="3200" b="1" i="0" kern="1200" cap="none" spc="0" baseline="0" dirty="0">
+                <a:solidFill>
+                  <a:schemeClr val="accent1"/>
+                </a:solidFill>
+                <a:latin typeface="+mn-lt"/>
+                <a:ea typeface="Open Sans Semibold" panose="020B0706030804020204" pitchFamily="34" charset="0"/>
+                <a:cs typeface="Open Sans Semibold" panose="020B0706030804020204" pitchFamily="34" charset="0"/>
+              </a:defRPr>
+            </a:lvl1pPr>
+          </a:lstStyle>
+          <a:p>
+            <a:r>
+              <a:rPr lang="en-US" dirty="0"/>
+              <a:t>                                         Example: </a:t>
+            </a:r>
+            <a:br>
+              <a:rPr lang="en-US" dirty="0"/>
+            </a:br>
+            <a:r>
+              <a:rPr lang="en-US" dirty="0"/>
+              <a:t>Vital signs result completed</a:t>
+            </a:r>
+          </a:p>
+        </p:txBody>
+      </p:sp>
+    </p:spTree>
+    <p:extLst>
+      <p:ext uri="{BB962C8B-B14F-4D97-AF65-F5344CB8AC3E}">
+        <p14:creationId xmlns:p14="http://schemas.microsoft.com/office/powerpoint/2010/main" val="1062278037"/>
+      </p:ext>
+    </p:extLst>
+  </p:cSld>
+  <p:clrMapOvr>
+    <a:masterClrMapping/>
+  </p:clrMapOvr>
+</p:sld>
+</file>
+
+<file path=ppt/slides/slide11.xml><?xml version="1.0" encoding="utf-8"?>
+<p:sld xmlns:a="http://schemas.openxmlformats.org/drawingml/2006/main" xmlns:r="http://schemas.openxmlformats.org/officeDocument/2006/relationships" xmlns:p="http://schemas.openxmlformats.org/presentationml/2006/main">
+  <p:cSld>
+    <p:spTree>
+      <p:nvGrpSpPr>
+        <p:cNvPr id="1" name=""/>
+        <p:cNvGrpSpPr/>
+        <p:nvPr/>
+      </p:nvGrpSpPr>
+      <p:grpSpPr>
+        <a:xfrm>
+          <a:off x="0" y="0"/>
+          <a:ext cx="0" cy="0"/>
+          <a:chOff x="0" y="0"/>
+          <a:chExt cx="0" cy="0"/>
+        </a:xfrm>
+      </p:grpSpPr>
+      <p:pic>
+        <p:nvPicPr>
+          <p:cNvPr id="15" name="Picture 14" descr="A screenshot of a social media post&#10;&#10;Description generated with very high confidence">
+            <a:extLst>
+              <a:ext uri="{FF2B5EF4-FFF2-40B4-BE49-F238E27FC236}">
+                <a16:creationId xmlns:a16="http://schemas.microsoft.com/office/drawing/2014/main" id="{B7DD0E73-2720-4549-A56D-E451A8329867}"/>
+              </a:ext>
+            </a:extLst>
+          </p:cNvPr>
+          <p:cNvPicPr>
+            <a:picLocks noChangeAspect="1"/>
+          </p:cNvPicPr>
+          <p:nvPr/>
+        </p:nvPicPr>
+        <p:blipFill>
+          <a:blip r:embed="rId2">
+            <a:extLst>
+              <a:ext uri="{28A0092B-C50C-407E-A947-70E740481C1C}">
+                <a14:useLocalDpi xmlns:a14="http://schemas.microsoft.com/office/drawing/2010/main" val="0"/>
+              </a:ext>
+            </a:extLst>
+          </a:blip>
+          <a:stretch>
+            <a:fillRect/>
+          </a:stretch>
+        </p:blipFill>
+        <p:spPr>
+          <a:xfrm>
+            <a:off x="1727025" y="-145650"/>
+            <a:ext cx="8819751" cy="7177603"/>
+          </a:xfrm>
+          <a:prstGeom prst="rect">
+            <a:avLst/>
+          </a:prstGeom>
+        </p:spPr>
+      </p:pic>
+      <p:sp>
+        <p:nvSpPr>
+          <p:cNvPr id="3" name="Rectangle: Rounded Corners 2">
+            <a:extLst>
+              <a:ext uri="{FF2B5EF4-FFF2-40B4-BE49-F238E27FC236}">
+                <a16:creationId xmlns:a16="http://schemas.microsoft.com/office/drawing/2014/main" id="{DF369671-F1BF-4F3B-97B8-296885F5351D}"/>
+              </a:ext>
+            </a:extLst>
+          </p:cNvPr>
+          <p:cNvSpPr/>
+          <p:nvPr/>
+        </p:nvSpPr>
+        <p:spPr>
+          <a:xfrm>
+            <a:off x="2365667" y="1674961"/>
+            <a:ext cx="2057400" cy="197429"/>
+          </a:xfrm>
+          <a:prstGeom prst="roundRect">
+            <a:avLst/>
+          </a:prstGeom>
+          <a:noFill/>
+          <a:ln w="38100">
+            <a:solidFill>
+              <a:srgbClr val="002060"/>
+            </a:solidFill>
+          </a:ln>
+        </p:spPr>
+        <p:style>
+          <a:lnRef idx="2">
+            <a:schemeClr val="accent1">
+              <a:shade val="50000"/>
+            </a:schemeClr>
+          </a:lnRef>
+          <a:fillRef idx="1">
+            <a:schemeClr val="accent1"/>
+          </a:fillRef>
+          <a:effectRef idx="0">
+            <a:schemeClr val="accent1"/>
+          </a:effectRef>
+          <a:fontRef idx="minor">
+            <a:schemeClr val="lt1"/>
+          </a:fontRef>
+        </p:style>
+        <p:txBody>
+          <a:bodyPr rtlCol="0" anchor="ctr"/>
+          <a:lstStyle/>
+          <a:p>
+            <a:pPr algn="ctr"/>
+            <a:endParaRPr lang="en-US"/>
+          </a:p>
+        </p:txBody>
+      </p:sp>
+      <p:sp>
+        <p:nvSpPr>
+          <p:cNvPr id="4" name="Rectangle: Rounded Corners 3">
+            <a:extLst>
+              <a:ext uri="{FF2B5EF4-FFF2-40B4-BE49-F238E27FC236}">
+                <a16:creationId xmlns:a16="http://schemas.microsoft.com/office/drawing/2014/main" id="{B12FBBB4-8510-4746-BBDE-3D14A3A18498}"/>
+              </a:ext>
+            </a:extLst>
+          </p:cNvPr>
+          <p:cNvSpPr/>
+          <p:nvPr/>
+        </p:nvSpPr>
+        <p:spPr>
+          <a:xfrm>
+            <a:off x="5699050" y="1244009"/>
+            <a:ext cx="1286541" cy="453277"/>
+          </a:xfrm>
+          <a:prstGeom prst="roundRect">
+            <a:avLst/>
+          </a:prstGeom>
+          <a:noFill/>
+          <a:ln w="38100">
+            <a:solidFill>
+              <a:srgbClr val="002060"/>
+            </a:solidFill>
+          </a:ln>
+        </p:spPr>
+        <p:style>
+          <a:lnRef idx="2">
+            <a:schemeClr val="accent1">
+              <a:shade val="50000"/>
+            </a:schemeClr>
+          </a:lnRef>
+          <a:fillRef idx="1">
+            <a:schemeClr val="accent1"/>
+          </a:fillRef>
+          <a:effectRef idx="0">
+            <a:schemeClr val="accent1"/>
+          </a:effectRef>
+          <a:fontRef idx="minor">
+            <a:schemeClr val="lt1"/>
+          </a:fontRef>
+        </p:style>
+        <p:txBody>
+          <a:bodyPr rtlCol="0" anchor="ctr"/>
+          <a:lstStyle/>
+          <a:p>
+            <a:pPr algn="ctr"/>
+            <a:endParaRPr lang="en-US">
+              <a:solidFill>
+                <a:srgbClr val="002060"/>
+              </a:solidFill>
+            </a:endParaRPr>
+          </a:p>
+        </p:txBody>
+      </p:sp>
+      <p:sp>
+        <p:nvSpPr>
+          <p:cNvPr id="6" name="Rectangle: Rounded Corners 5">
+            <a:extLst>
+              <a:ext uri="{FF2B5EF4-FFF2-40B4-BE49-F238E27FC236}">
+                <a16:creationId xmlns:a16="http://schemas.microsoft.com/office/drawing/2014/main" id="{82635947-4049-4804-92F8-19B982DC3FBA}"/>
+              </a:ext>
+            </a:extLst>
+          </p:cNvPr>
+          <p:cNvSpPr/>
+          <p:nvPr/>
+        </p:nvSpPr>
+        <p:spPr>
+          <a:xfrm>
+            <a:off x="4997303" y="2778638"/>
+            <a:ext cx="2892056" cy="1644506"/>
+          </a:xfrm>
+          <a:prstGeom prst="roundRect">
+            <a:avLst/>
+          </a:prstGeom>
+          <a:noFill/>
+          <a:ln w="38100">
+            <a:solidFill>
+              <a:srgbClr val="002060"/>
+            </a:solidFill>
+          </a:ln>
+        </p:spPr>
+        <p:style>
+          <a:lnRef idx="2">
+            <a:schemeClr val="accent1">
+              <a:shade val="50000"/>
+            </a:schemeClr>
+          </a:lnRef>
+          <a:fillRef idx="1">
+            <a:schemeClr val="accent1"/>
+          </a:fillRef>
+          <a:effectRef idx="0">
+            <a:schemeClr val="accent1"/>
+          </a:effectRef>
+          <a:fontRef idx="minor">
+            <a:schemeClr val="lt1"/>
+          </a:fontRef>
+        </p:style>
+        <p:txBody>
+          <a:bodyPr rtlCol="0" anchor="ctr"/>
+          <a:lstStyle/>
+          <a:p>
+            <a:pPr algn="ctr"/>
+            <a:endParaRPr lang="en-US">
+              <a:solidFill>
+                <a:srgbClr val="002060"/>
+              </a:solidFill>
+            </a:endParaRPr>
+          </a:p>
+        </p:txBody>
+      </p:sp>
+      <p:sp>
+        <p:nvSpPr>
+          <p:cNvPr id="7" name="Rectangle: Rounded Corners 6">
+            <a:extLst>
+              <a:ext uri="{FF2B5EF4-FFF2-40B4-BE49-F238E27FC236}">
+                <a16:creationId xmlns:a16="http://schemas.microsoft.com/office/drawing/2014/main" id="{8BEB8229-8746-44FB-A582-D477E3E53494}"/>
+              </a:ext>
+            </a:extLst>
+          </p:cNvPr>
+          <p:cNvSpPr/>
+          <p:nvPr/>
+        </p:nvSpPr>
+        <p:spPr>
+          <a:xfrm>
+            <a:off x="5103627" y="3730589"/>
+            <a:ext cx="1881964" cy="160927"/>
+          </a:xfrm>
+          <a:prstGeom prst="roundRect">
+            <a:avLst/>
+          </a:prstGeom>
+          <a:noFill/>
+          <a:ln w="38100">
+            <a:solidFill>
+              <a:srgbClr val="002060"/>
+            </a:solidFill>
+          </a:ln>
+        </p:spPr>
+        <p:style>
+          <a:lnRef idx="2">
+            <a:schemeClr val="accent1">
+              <a:shade val="50000"/>
+            </a:schemeClr>
+          </a:lnRef>
+          <a:fillRef idx="1">
+            <a:schemeClr val="accent1"/>
+          </a:fillRef>
+          <a:effectRef idx="0">
+            <a:schemeClr val="accent1"/>
+          </a:effectRef>
+          <a:fontRef idx="minor">
+            <a:schemeClr val="lt1"/>
+          </a:fontRef>
+        </p:style>
+        <p:txBody>
+          <a:bodyPr rtlCol="0" anchor="ctr"/>
+          <a:lstStyle/>
+          <a:p>
+            <a:pPr algn="ctr"/>
+            <a:endParaRPr lang="en-US"/>
+          </a:p>
+        </p:txBody>
+      </p:sp>
+      <p:sp>
+        <p:nvSpPr>
+          <p:cNvPr id="8" name="Rectangle: Rounded Corners 7">
+            <a:extLst>
+              <a:ext uri="{FF2B5EF4-FFF2-40B4-BE49-F238E27FC236}">
+                <a16:creationId xmlns:a16="http://schemas.microsoft.com/office/drawing/2014/main" id="{1539C67D-058F-42DE-9636-C63489F48301}"/>
+              </a:ext>
+            </a:extLst>
+          </p:cNvPr>
+          <p:cNvSpPr/>
+          <p:nvPr/>
+        </p:nvSpPr>
+        <p:spPr>
+          <a:xfrm>
+            <a:off x="3320891" y="4543657"/>
+            <a:ext cx="1017194" cy="453277"/>
+          </a:xfrm>
+          <a:prstGeom prst="roundRect">
+            <a:avLst/>
+          </a:prstGeom>
+          <a:noFill/>
+          <a:ln w="38100">
+            <a:solidFill>
+              <a:srgbClr val="002060"/>
+            </a:solidFill>
+          </a:ln>
+        </p:spPr>
+        <p:style>
+          <a:lnRef idx="2">
+            <a:schemeClr val="accent1">
+              <a:shade val="50000"/>
+            </a:schemeClr>
+          </a:lnRef>
+          <a:fillRef idx="1">
+            <a:schemeClr val="accent1"/>
+          </a:fillRef>
+          <a:effectRef idx="0">
+            <a:schemeClr val="accent1"/>
+          </a:effectRef>
+          <a:fontRef idx="minor">
+            <a:schemeClr val="lt1"/>
+          </a:fontRef>
+        </p:style>
+        <p:txBody>
+          <a:bodyPr rtlCol="0" anchor="ctr"/>
+          <a:lstStyle/>
+          <a:p>
+            <a:pPr algn="ctr"/>
+            <a:endParaRPr lang="en-US">
+              <a:solidFill>
+                <a:srgbClr val="002060"/>
+              </a:solidFill>
+            </a:endParaRPr>
+          </a:p>
+        </p:txBody>
+      </p:sp>
+      <p:sp>
+        <p:nvSpPr>
+          <p:cNvPr id="9" name="Rectangle: Rounded Corners 8">
+            <a:extLst>
+              <a:ext uri="{FF2B5EF4-FFF2-40B4-BE49-F238E27FC236}">
+                <a16:creationId xmlns:a16="http://schemas.microsoft.com/office/drawing/2014/main" id="{6B2C2670-8544-49DE-8B2D-07FE8CA53FA0}"/>
+              </a:ext>
+            </a:extLst>
+          </p:cNvPr>
+          <p:cNvSpPr/>
+          <p:nvPr/>
+        </p:nvSpPr>
+        <p:spPr>
+          <a:xfrm>
+            <a:off x="1881814" y="5954233"/>
+            <a:ext cx="1881964" cy="832894"/>
+          </a:xfrm>
+          <a:prstGeom prst="roundRect">
+            <a:avLst/>
+          </a:prstGeom>
+          <a:noFill/>
+          <a:ln w="38100">
+            <a:solidFill>
+              <a:srgbClr val="002060"/>
+            </a:solidFill>
+          </a:ln>
+        </p:spPr>
+        <p:style>
+          <a:lnRef idx="2">
+            <a:schemeClr val="accent1">
+              <a:shade val="50000"/>
+            </a:schemeClr>
+          </a:lnRef>
+          <a:fillRef idx="1">
+            <a:schemeClr val="accent1"/>
+          </a:fillRef>
+          <a:effectRef idx="0">
+            <a:schemeClr val="accent1"/>
+          </a:effectRef>
+          <a:fontRef idx="minor">
+            <a:schemeClr val="lt1"/>
+          </a:fontRef>
+        </p:style>
+        <p:txBody>
+          <a:bodyPr rtlCol="0" anchor="ctr"/>
+          <a:lstStyle/>
+          <a:p>
+            <a:pPr algn="ctr"/>
+            <a:endParaRPr lang="en-US">
+              <a:solidFill>
+                <a:srgbClr val="002060"/>
+              </a:solidFill>
+            </a:endParaRPr>
+          </a:p>
+        </p:txBody>
+      </p:sp>
+      <p:cxnSp>
+        <p:nvCxnSpPr>
+          <p:cNvPr id="11" name="Connector: Elbow 10">
+            <a:extLst>
+              <a:ext uri="{FF2B5EF4-FFF2-40B4-BE49-F238E27FC236}">
+                <a16:creationId xmlns:a16="http://schemas.microsoft.com/office/drawing/2014/main" id="{A594CB4E-40C0-4C53-8167-48B971BE635A}"/>
+              </a:ext>
+            </a:extLst>
+          </p:cNvPr>
+          <p:cNvCxnSpPr>
+            <a:cxnSpLocks/>
+          </p:cNvCxnSpPr>
+          <p:nvPr/>
+        </p:nvCxnSpPr>
+        <p:spPr>
+          <a:xfrm flipV="1">
+            <a:off x="4423067" y="1444252"/>
+            <a:ext cx="1275983" cy="303028"/>
+          </a:xfrm>
+          <a:prstGeom prst="bentConnector3">
+            <a:avLst/>
+          </a:prstGeom>
+          <a:ln w="38100">
+            <a:prstDash val="sysDash"/>
+            <a:tailEnd type="triangle"/>
+          </a:ln>
+        </p:spPr>
+        <p:style>
+          <a:lnRef idx="3">
+            <a:schemeClr val="dk1"/>
+          </a:lnRef>
+          <a:fillRef idx="0">
+            <a:schemeClr val="dk1"/>
+          </a:fillRef>
+          <a:effectRef idx="2">
+            <a:schemeClr val="dk1"/>
+          </a:effectRef>
+          <a:fontRef idx="minor">
+            <a:schemeClr val="tx1"/>
+          </a:fontRef>
+        </p:style>
+      </p:cxnSp>
+      <p:cxnSp>
+        <p:nvCxnSpPr>
+          <p:cNvPr id="12" name="Connector: Elbow 11">
+            <a:extLst>
+              <a:ext uri="{FF2B5EF4-FFF2-40B4-BE49-F238E27FC236}">
+                <a16:creationId xmlns:a16="http://schemas.microsoft.com/office/drawing/2014/main" id="{41796064-19BF-4507-8E24-6F3869496D8E}"/>
+              </a:ext>
+            </a:extLst>
+          </p:cNvPr>
+          <p:cNvCxnSpPr>
+            <a:cxnSpLocks/>
+            <a:stCxn id="4" idx="2"/>
+          </p:cNvCxnSpPr>
+          <p:nvPr/>
+        </p:nvCxnSpPr>
+        <p:spPr>
+          <a:xfrm rot="5400000">
+            <a:off x="5801645" y="2237962"/>
+            <a:ext cx="1081352" cy="12700"/>
+          </a:xfrm>
+          <a:prstGeom prst="bentConnector3">
+            <a:avLst>
+              <a:gd name="adj1" fmla="val 50000"/>
+            </a:avLst>
+          </a:prstGeom>
+          <a:ln w="38100">
+            <a:prstDash val="sysDash"/>
+            <a:tailEnd type="triangle"/>
+          </a:ln>
+        </p:spPr>
+        <p:style>
+          <a:lnRef idx="3">
+            <a:schemeClr val="dk1"/>
+          </a:lnRef>
+          <a:fillRef idx="0">
+            <a:schemeClr val="dk1"/>
+          </a:fillRef>
+          <a:effectRef idx="2">
+            <a:schemeClr val="dk1"/>
+          </a:effectRef>
+          <a:fontRef idx="minor">
+            <a:schemeClr val="tx1"/>
+          </a:fontRef>
+        </p:style>
+      </p:cxnSp>
+      <p:cxnSp>
+        <p:nvCxnSpPr>
+          <p:cNvPr id="18" name="Connector: Elbow 17">
+            <a:extLst>
+              <a:ext uri="{FF2B5EF4-FFF2-40B4-BE49-F238E27FC236}">
+                <a16:creationId xmlns:a16="http://schemas.microsoft.com/office/drawing/2014/main" id="{BAF8BD80-015F-4ECE-A5A8-EC79AD47B07A}"/>
+              </a:ext>
+            </a:extLst>
+          </p:cNvPr>
+          <p:cNvCxnSpPr>
+            <a:cxnSpLocks/>
+            <a:stCxn id="7" idx="1"/>
+            <a:endCxn id="8" idx="3"/>
+          </p:cNvCxnSpPr>
+          <p:nvPr/>
+        </p:nvCxnSpPr>
+        <p:spPr>
+          <a:xfrm rot="10800000" flipV="1">
+            <a:off x="4338085" y="3811052"/>
+            <a:ext cx="765542" cy="959243"/>
+          </a:xfrm>
+          <a:prstGeom prst="bentConnector3">
+            <a:avLst>
+              <a:gd name="adj1" fmla="val 50000"/>
+            </a:avLst>
+          </a:prstGeom>
+          <a:ln w="38100">
+            <a:prstDash val="sysDash"/>
+            <a:tailEnd type="triangle"/>
+          </a:ln>
+        </p:spPr>
+        <p:style>
+          <a:lnRef idx="3">
+            <a:schemeClr val="dk1"/>
+          </a:lnRef>
+          <a:fillRef idx="0">
+            <a:schemeClr val="dk1"/>
+          </a:fillRef>
+          <a:effectRef idx="2">
+            <a:schemeClr val="dk1"/>
+          </a:effectRef>
+          <a:fontRef idx="minor">
+            <a:schemeClr val="tx1"/>
+          </a:fontRef>
+        </p:style>
+      </p:cxnSp>
+      <p:cxnSp>
+        <p:nvCxnSpPr>
+          <p:cNvPr id="21" name="Connector: Elbow 20">
+            <a:extLst>
+              <a:ext uri="{FF2B5EF4-FFF2-40B4-BE49-F238E27FC236}">
+                <a16:creationId xmlns:a16="http://schemas.microsoft.com/office/drawing/2014/main" id="{C9BC00D1-5D5C-49FA-99A0-988A75985179}"/>
+              </a:ext>
+            </a:extLst>
+          </p:cNvPr>
+          <p:cNvCxnSpPr>
+            <a:cxnSpLocks/>
+            <a:stCxn id="8" idx="1"/>
+            <a:endCxn id="9" idx="0"/>
+          </p:cNvCxnSpPr>
+          <p:nvPr/>
+        </p:nvCxnSpPr>
+        <p:spPr>
+          <a:xfrm rot="10800000" flipV="1">
+            <a:off x="2822797" y="4770295"/>
+            <a:ext cx="498095" cy="1183937"/>
+          </a:xfrm>
+          <a:prstGeom prst="bentConnector2">
+            <a:avLst/>
+          </a:prstGeom>
+          <a:ln w="38100">
+            <a:prstDash val="sysDash"/>
+            <a:tailEnd type="triangle"/>
+          </a:ln>
+        </p:spPr>
+        <p:style>
+          <a:lnRef idx="3">
+            <a:schemeClr val="dk1"/>
+          </a:lnRef>
+          <a:fillRef idx="0">
+            <a:schemeClr val="dk1"/>
+          </a:fillRef>
+          <a:effectRef idx="2">
+            <a:schemeClr val="dk1"/>
+          </a:effectRef>
+          <a:fontRef idx="minor">
+            <a:schemeClr val="tx1"/>
+          </a:fontRef>
+        </p:style>
+      </p:cxnSp>
+      <p:sp>
+        <p:nvSpPr>
+          <p:cNvPr id="24" name="TextBox 23">
+            <a:extLst>
+              <a:ext uri="{FF2B5EF4-FFF2-40B4-BE49-F238E27FC236}">
+                <a16:creationId xmlns:a16="http://schemas.microsoft.com/office/drawing/2014/main" id="{012F60C4-17CA-4690-BC9D-05D848E4CD30}"/>
+              </a:ext>
+            </a:extLst>
+          </p:cNvPr>
+          <p:cNvSpPr txBox="1"/>
+          <p:nvPr/>
+        </p:nvSpPr>
+        <p:spPr>
+          <a:xfrm>
+            <a:off x="5582716" y="5208803"/>
+            <a:ext cx="6243525" cy="461665"/>
+          </a:xfrm>
+          <a:prstGeom prst="rect">
+            <a:avLst/>
+          </a:prstGeom>
+          <a:solidFill>
+            <a:schemeClr val="accent1">
+              <a:lumMod val="40000"/>
+              <a:lumOff val="60000"/>
+            </a:schemeClr>
+          </a:solidFill>
+        </p:spPr>
+        <p:txBody>
+          <a:bodyPr wrap="square" rtlCol="0">
+            <a:spAutoFit/>
+          </a:bodyPr>
+          <a:lstStyle/>
+          <a:p>
+            <a:r>
+              <a:rPr lang="en-US" sz="2400" dirty="0"/>
+              <a:t>Statement </a:t>
+            </a:r>
+            <a:r>
+              <a:rPr lang="en-US" sz="2400" dirty="0">
+                <a:sym typeface="Wingdings" panose="05000000000000000000" pitchFamily="2" charset="2"/>
+              </a:rPr>
+              <a:t> </a:t>
+            </a:r>
+            <a:r>
+              <a:rPr lang="en-US" sz="2400" dirty="0"/>
+              <a:t>Request </a:t>
+            </a:r>
+            <a:r>
+              <a:rPr lang="en-US" sz="2400" dirty="0">
+                <a:sym typeface="Wingdings" panose="05000000000000000000" pitchFamily="2" charset="2"/>
+              </a:rPr>
+              <a:t> Intervention Result</a:t>
+            </a:r>
+            <a:endParaRPr lang="en-US" sz="2400" dirty="0"/>
+          </a:p>
+        </p:txBody>
+      </p:sp>
+      <p:sp>
+        <p:nvSpPr>
+          <p:cNvPr id="16" name="Title 1">
+            <a:extLst>
+              <a:ext uri="{FF2B5EF4-FFF2-40B4-BE49-F238E27FC236}">
+                <a16:creationId xmlns:a16="http://schemas.microsoft.com/office/drawing/2014/main" id="{2D1888F4-3585-4D7D-98B6-528F61B6061B}"/>
+              </a:ext>
+            </a:extLst>
+          </p:cNvPr>
+          <p:cNvSpPr txBox="1">
+            <a:spLocks/>
+          </p:cNvSpPr>
+          <p:nvPr/>
+        </p:nvSpPr>
+        <p:spPr>
+          <a:xfrm>
+            <a:off x="5320290" y="-217117"/>
+            <a:ext cx="6243525" cy="859536"/>
+          </a:xfrm>
+          <a:prstGeom prst="rect">
+            <a:avLst/>
+          </a:prstGeom>
+        </p:spPr>
+        <p:txBody>
+          <a:bodyPr/>
+          <a:lstStyle>
+            <a:lvl1pPr algn="l" defTabSz="914400" rtl="0" eaLnBrk="1" latinLnBrk="0" hangingPunct="1">
+              <a:lnSpc>
+                <a:spcPct val="80000"/>
+              </a:lnSpc>
+              <a:spcBef>
+                <a:spcPct val="0"/>
+              </a:spcBef>
+              <a:buNone/>
+              <a:defRPr lang="en-US" sz="3200" b="1" i="0" kern="1200" cap="none" spc="0" baseline="0" dirty="0">
+                <a:solidFill>
+                  <a:schemeClr val="accent1"/>
+                </a:solidFill>
+                <a:latin typeface="+mn-lt"/>
+                <a:ea typeface="Open Sans Semibold" panose="020B0706030804020204" pitchFamily="34" charset="0"/>
+                <a:cs typeface="Open Sans Semibold" panose="020B0706030804020204" pitchFamily="34" charset="0"/>
+              </a:defRPr>
+            </a:lvl1pPr>
+          </a:lstStyle>
+          <a:p>
+            <a:r>
+              <a:rPr lang="en-US" dirty="0"/>
+              <a:t>                                         Example: </a:t>
+            </a:r>
+            <a:br>
+              <a:rPr lang="en-US" dirty="0"/>
+            </a:br>
+            <a:r>
+              <a:rPr lang="en-US" dirty="0"/>
+              <a:t>Discharge medications ordered</a:t>
+            </a:r>
+          </a:p>
+        </p:txBody>
+      </p:sp>
+    </p:spTree>
+    <p:extLst>
+      <p:ext uri="{BB962C8B-B14F-4D97-AF65-F5344CB8AC3E}">
+        <p14:creationId xmlns:p14="http://schemas.microsoft.com/office/powerpoint/2010/main" val="378032692"/>
+      </p:ext>
+    </p:extLst>
+  </p:cSld>
+  <p:clrMapOvr>
+    <a:masterClrMapping/>
+  </p:clrMapOvr>
+</p:sld>
+</file>
+
+<file path=ppt/slides/slide12.xml><?xml version="1.0" encoding="utf-8"?>
+<p:sld xmlns:a="http://schemas.openxmlformats.org/drawingml/2006/main" xmlns:r="http://schemas.openxmlformats.org/officeDocument/2006/relationships" xmlns:p="http://schemas.openxmlformats.org/presentationml/2006/main">
+  <p:cSld>
+    <p:spTree>
+      <p:nvGrpSpPr>
+        <p:cNvPr id="1" name=""/>
+        <p:cNvGrpSpPr/>
+        <p:nvPr/>
+      </p:nvGrpSpPr>
+      <p:grpSpPr>
+        <a:xfrm>
+          <a:off x="0" y="0"/>
+          <a:ext cx="0" cy="0"/>
+          <a:chOff x="0" y="0"/>
+          <a:chExt cx="0" cy="0"/>
+        </a:xfrm>
+      </p:grpSpPr>
+      <p:pic>
+        <p:nvPicPr>
+          <p:cNvPr id="15" name="Picture 14" descr="A screenshot of a social media post&#10;&#10;Description generated with very high confidence">
+            <a:extLst>
+              <a:ext uri="{FF2B5EF4-FFF2-40B4-BE49-F238E27FC236}">
+                <a16:creationId xmlns:a16="http://schemas.microsoft.com/office/drawing/2014/main" id="{39BB4977-5279-484E-8DA5-8A04DB6D62A5}"/>
+              </a:ext>
+            </a:extLst>
+          </p:cNvPr>
+          <p:cNvPicPr>
+            <a:picLocks noChangeAspect="1"/>
+          </p:cNvPicPr>
+          <p:nvPr/>
+        </p:nvPicPr>
+        <p:blipFill>
+          <a:blip r:embed="rId2">
+            <a:extLst>
+              <a:ext uri="{28A0092B-C50C-407E-A947-70E740481C1C}">
+                <a14:useLocalDpi xmlns:a14="http://schemas.microsoft.com/office/drawing/2010/main" val="0"/>
+              </a:ext>
+            </a:extLst>
+          </a:blip>
+          <a:stretch>
+            <a:fillRect/>
+          </a:stretch>
+        </p:blipFill>
+        <p:spPr>
+          <a:xfrm>
+            <a:off x="1727025" y="-145650"/>
+            <a:ext cx="8819751" cy="7177603"/>
+          </a:xfrm>
+          <a:prstGeom prst="rect">
+            <a:avLst/>
+          </a:prstGeom>
+        </p:spPr>
+      </p:pic>
+      <p:sp>
+        <p:nvSpPr>
+          <p:cNvPr id="3" name="Rectangle: Rounded Corners 2">
+            <a:extLst>
+              <a:ext uri="{FF2B5EF4-FFF2-40B4-BE49-F238E27FC236}">
+                <a16:creationId xmlns:a16="http://schemas.microsoft.com/office/drawing/2014/main" id="{DF369671-F1BF-4F3B-97B8-296885F5351D}"/>
+              </a:ext>
+            </a:extLst>
+          </p:cNvPr>
+          <p:cNvSpPr/>
+          <p:nvPr/>
+        </p:nvSpPr>
+        <p:spPr>
+          <a:xfrm>
+            <a:off x="2365667" y="1674961"/>
+            <a:ext cx="2057400" cy="197429"/>
+          </a:xfrm>
+          <a:prstGeom prst="roundRect">
+            <a:avLst/>
+          </a:prstGeom>
+          <a:noFill/>
+          <a:ln w="38100">
+            <a:solidFill>
+              <a:srgbClr val="002060"/>
+            </a:solidFill>
+          </a:ln>
+        </p:spPr>
+        <p:style>
+          <a:lnRef idx="2">
+            <a:schemeClr val="accent1">
+              <a:shade val="50000"/>
+            </a:schemeClr>
+          </a:lnRef>
+          <a:fillRef idx="1">
+            <a:schemeClr val="accent1"/>
+          </a:fillRef>
+          <a:effectRef idx="0">
+            <a:schemeClr val="accent1"/>
+          </a:effectRef>
+          <a:fontRef idx="minor">
+            <a:schemeClr val="lt1"/>
+          </a:fontRef>
+        </p:style>
+        <p:txBody>
+          <a:bodyPr rtlCol="0" anchor="ctr"/>
+          <a:lstStyle/>
+          <a:p>
+            <a:pPr algn="ctr"/>
+            <a:endParaRPr lang="en-US"/>
+          </a:p>
+        </p:txBody>
+      </p:sp>
+      <p:sp>
+        <p:nvSpPr>
+          <p:cNvPr id="4" name="Rectangle: Rounded Corners 3">
+            <a:extLst>
+              <a:ext uri="{FF2B5EF4-FFF2-40B4-BE49-F238E27FC236}">
+                <a16:creationId xmlns:a16="http://schemas.microsoft.com/office/drawing/2014/main" id="{B12FBBB4-8510-4746-BBDE-3D14A3A18498}"/>
+              </a:ext>
+            </a:extLst>
+          </p:cNvPr>
+          <p:cNvSpPr/>
+          <p:nvPr/>
+        </p:nvSpPr>
+        <p:spPr>
+          <a:xfrm>
+            <a:off x="5699050" y="1244009"/>
+            <a:ext cx="1286541" cy="453277"/>
+          </a:xfrm>
+          <a:prstGeom prst="roundRect">
+            <a:avLst/>
+          </a:prstGeom>
+          <a:noFill/>
+          <a:ln w="38100">
+            <a:solidFill>
+              <a:srgbClr val="002060"/>
+            </a:solidFill>
+          </a:ln>
+        </p:spPr>
+        <p:style>
+          <a:lnRef idx="2">
+            <a:schemeClr val="accent1">
+              <a:shade val="50000"/>
+            </a:schemeClr>
+          </a:lnRef>
+          <a:fillRef idx="1">
+            <a:schemeClr val="accent1"/>
+          </a:fillRef>
+          <a:effectRef idx="0">
+            <a:schemeClr val="accent1"/>
+          </a:effectRef>
+          <a:fontRef idx="minor">
+            <a:schemeClr val="lt1"/>
+          </a:fontRef>
+        </p:style>
+        <p:txBody>
+          <a:bodyPr rtlCol="0" anchor="ctr"/>
+          <a:lstStyle/>
+          <a:p>
+            <a:pPr algn="ctr"/>
+            <a:endParaRPr lang="en-US">
+              <a:solidFill>
+                <a:srgbClr val="002060"/>
+              </a:solidFill>
+            </a:endParaRPr>
+          </a:p>
+        </p:txBody>
+      </p:sp>
+      <p:sp>
+        <p:nvSpPr>
+          <p:cNvPr id="6" name="Rectangle: Rounded Corners 5">
+            <a:extLst>
+              <a:ext uri="{FF2B5EF4-FFF2-40B4-BE49-F238E27FC236}">
+                <a16:creationId xmlns:a16="http://schemas.microsoft.com/office/drawing/2014/main" id="{82635947-4049-4804-92F8-19B982DC3FBA}"/>
+              </a:ext>
+            </a:extLst>
+          </p:cNvPr>
+          <p:cNvSpPr/>
+          <p:nvPr/>
+        </p:nvSpPr>
+        <p:spPr>
+          <a:xfrm>
+            <a:off x="2510135" y="2778638"/>
+            <a:ext cx="2401188" cy="1167930"/>
+          </a:xfrm>
+          <a:prstGeom prst="roundRect">
+            <a:avLst/>
+          </a:prstGeom>
+          <a:noFill/>
+          <a:ln w="38100">
+            <a:solidFill>
+              <a:srgbClr val="002060"/>
+            </a:solidFill>
+          </a:ln>
+        </p:spPr>
+        <p:style>
+          <a:lnRef idx="2">
+            <a:schemeClr val="accent1">
+              <a:shade val="50000"/>
+            </a:schemeClr>
+          </a:lnRef>
+          <a:fillRef idx="1">
+            <a:schemeClr val="accent1"/>
+          </a:fillRef>
+          <a:effectRef idx="0">
+            <a:schemeClr val="accent1"/>
+          </a:effectRef>
+          <a:fontRef idx="minor">
+            <a:schemeClr val="lt1"/>
+          </a:fontRef>
+        </p:style>
+        <p:txBody>
+          <a:bodyPr rtlCol="0" anchor="ctr"/>
+          <a:lstStyle/>
+          <a:p>
+            <a:pPr algn="ctr"/>
+            <a:endParaRPr lang="en-US">
+              <a:solidFill>
+                <a:srgbClr val="002060"/>
+              </a:solidFill>
+            </a:endParaRPr>
+          </a:p>
+        </p:txBody>
+      </p:sp>
+      <p:sp>
+        <p:nvSpPr>
+          <p:cNvPr id="7" name="Rectangle: Rounded Corners 6">
+            <a:extLst>
+              <a:ext uri="{FF2B5EF4-FFF2-40B4-BE49-F238E27FC236}">
+                <a16:creationId xmlns:a16="http://schemas.microsoft.com/office/drawing/2014/main" id="{8BEB8229-8746-44FB-A582-D477E3E53494}"/>
+              </a:ext>
+            </a:extLst>
+          </p:cNvPr>
+          <p:cNvSpPr/>
+          <p:nvPr/>
+        </p:nvSpPr>
+        <p:spPr>
+          <a:xfrm>
+            <a:off x="2604267" y="3352637"/>
+            <a:ext cx="1881964" cy="160927"/>
+          </a:xfrm>
+          <a:prstGeom prst="roundRect">
+            <a:avLst/>
+          </a:prstGeom>
+          <a:noFill/>
+          <a:ln w="38100">
+            <a:solidFill>
+              <a:srgbClr val="002060"/>
+            </a:solidFill>
+          </a:ln>
+        </p:spPr>
+        <p:style>
+          <a:lnRef idx="2">
+            <a:schemeClr val="accent1">
+              <a:shade val="50000"/>
+            </a:schemeClr>
+          </a:lnRef>
+          <a:fillRef idx="1">
+            <a:schemeClr val="accent1"/>
+          </a:fillRef>
+          <a:effectRef idx="0">
+            <a:schemeClr val="accent1"/>
+          </a:effectRef>
+          <a:fontRef idx="minor">
+            <a:schemeClr val="lt1"/>
+          </a:fontRef>
+        </p:style>
+        <p:txBody>
+          <a:bodyPr rtlCol="0" anchor="ctr"/>
+          <a:lstStyle/>
+          <a:p>
+            <a:pPr algn="ctr"/>
+            <a:endParaRPr lang="en-US"/>
+          </a:p>
+        </p:txBody>
+      </p:sp>
+      <p:sp>
+        <p:nvSpPr>
+          <p:cNvPr id="8" name="Rectangle: Rounded Corners 7">
+            <a:extLst>
+              <a:ext uri="{FF2B5EF4-FFF2-40B4-BE49-F238E27FC236}">
+                <a16:creationId xmlns:a16="http://schemas.microsoft.com/office/drawing/2014/main" id="{1539C67D-058F-42DE-9636-C63489F48301}"/>
+              </a:ext>
+            </a:extLst>
+          </p:cNvPr>
+          <p:cNvSpPr/>
+          <p:nvPr/>
+        </p:nvSpPr>
+        <p:spPr>
+          <a:xfrm>
+            <a:off x="3320891" y="4543657"/>
+            <a:ext cx="1017194" cy="453277"/>
+          </a:xfrm>
+          <a:prstGeom prst="roundRect">
+            <a:avLst/>
+          </a:prstGeom>
+          <a:noFill/>
+          <a:ln w="38100">
+            <a:solidFill>
+              <a:srgbClr val="002060"/>
+            </a:solidFill>
+          </a:ln>
+        </p:spPr>
+        <p:style>
+          <a:lnRef idx="2">
+            <a:schemeClr val="accent1">
+              <a:shade val="50000"/>
+            </a:schemeClr>
+          </a:lnRef>
+          <a:fillRef idx="1">
+            <a:schemeClr val="accent1"/>
+          </a:fillRef>
+          <a:effectRef idx="0">
+            <a:schemeClr val="accent1"/>
+          </a:effectRef>
+          <a:fontRef idx="minor">
+            <a:schemeClr val="lt1"/>
+          </a:fontRef>
+        </p:style>
+        <p:txBody>
+          <a:bodyPr rtlCol="0" anchor="ctr"/>
+          <a:lstStyle/>
+          <a:p>
+            <a:pPr algn="ctr"/>
+            <a:endParaRPr lang="en-US">
+              <a:solidFill>
+                <a:srgbClr val="002060"/>
+              </a:solidFill>
+            </a:endParaRPr>
+          </a:p>
+        </p:txBody>
+      </p:sp>
+      <p:sp>
+        <p:nvSpPr>
+          <p:cNvPr id="9" name="Rectangle: Rounded Corners 8">
+            <a:extLst>
+              <a:ext uri="{FF2B5EF4-FFF2-40B4-BE49-F238E27FC236}">
+                <a16:creationId xmlns:a16="http://schemas.microsoft.com/office/drawing/2014/main" id="{6B2C2670-8544-49DE-8B2D-07FE8CA53FA0}"/>
+              </a:ext>
+            </a:extLst>
+          </p:cNvPr>
+          <p:cNvSpPr/>
+          <p:nvPr/>
+        </p:nvSpPr>
+        <p:spPr>
+          <a:xfrm>
             <a:off x="1897325" y="5938223"/>
             <a:ext cx="1881964" cy="832894"/>
           </a:xfrm>
@@ -6948,35 +6905,59 @@
       </p:sp>
       <p:sp>
         <p:nvSpPr>
-          <p:cNvPr id="25" name="TextBox 24">
+          <p:cNvPr id="16" name="Title 1">
             <a:extLst>
               <a:ext uri="{FF2B5EF4-FFF2-40B4-BE49-F238E27FC236}">
-                <a16:creationId xmlns:a16="http://schemas.microsoft.com/office/drawing/2014/main" id="{CA744A28-B806-4EA1-AEFE-B0F151795FF8}"/>
+                <a16:creationId xmlns:a16="http://schemas.microsoft.com/office/drawing/2014/main" id="{44FB6B0B-6C69-4006-9FD4-1C6B509C4E5B}"/>
               </a:ext>
             </a:extLst>
           </p:cNvPr>
-          <p:cNvSpPr txBox="1"/>
+          <p:cNvSpPr txBox="1">
+            <a:spLocks/>
+          </p:cNvSpPr>
           <p:nvPr/>
         </p:nvSpPr>
         <p:spPr>
           <a:xfrm>
-            <a:off x="5376045" y="4708857"/>
-            <a:ext cx="2988382" cy="400110"/>
+            <a:off x="5320290" y="-217117"/>
+            <a:ext cx="5542155" cy="859536"/>
           </a:xfrm>
           <a:prstGeom prst="rect">
             <a:avLst/>
           </a:prstGeom>
-          <a:noFill/>
         </p:spPr>
         <p:txBody>
-          <a:bodyPr wrap="none" rtlCol="0">
-            <a:spAutoFit/>
-          </a:bodyPr>
-          <a:lstStyle/>
+          <a:bodyPr/>
+          <a:lstStyle>
+            <a:lvl1pPr algn="l" defTabSz="914400" rtl="0" eaLnBrk="1" latinLnBrk="0" hangingPunct="1">
+              <a:lnSpc>
+                <a:spcPct val="80000"/>
+              </a:lnSpc>
+              <a:spcBef>
+                <a:spcPct val="0"/>
+              </a:spcBef>
+              <a:buNone/>
+              <a:defRPr lang="en-US" sz="3200" b="1" i="0" kern="1200" cap="none" spc="0" baseline="0" dirty="0">
+                <a:solidFill>
+                  <a:schemeClr val="accent1"/>
+                </a:solidFill>
+                <a:latin typeface="+mn-lt"/>
+                <a:ea typeface="Open Sans Semibold" panose="020B0706030804020204" pitchFamily="34" charset="0"/>
+                <a:cs typeface="Open Sans Semibold" panose="020B0706030804020204" pitchFamily="34" charset="0"/>
+              </a:defRPr>
+            </a:lvl1pPr>
+          </a:lstStyle>
           <a:p>
             <a:r>
-              <a:rPr lang="en-US" sz="2000" b="1" dirty="0"/>
-              <a:t>Medication administered: </a:t>
+              <a:rPr lang="en-US" dirty="0"/>
+              <a:t>                                         Example: </a:t>
+            </a:r>
+            <a:br>
+              <a:rPr lang="en-US" dirty="0"/>
+            </a:br>
+            <a:r>
+              <a:rPr lang="en-US" dirty="0"/>
+              <a:t>Medications administered</a:t>
             </a:r>
           </a:p>
         </p:txBody>
@@ -6994,7 +6975,7 @@
 </p:sld>
 </file>
 
-<file path=ppt/slides/slide11.xml><?xml version="1.0" encoding="utf-8"?>
+<file path=ppt/slides/slide13.xml><?xml version="1.0" encoding="utf-8"?>
 <p:sld xmlns:a="http://schemas.openxmlformats.org/drawingml/2006/main" xmlns:r="http://schemas.openxmlformats.org/officeDocument/2006/relationships" xmlns:p="http://schemas.openxmlformats.org/presentationml/2006/main">
   <p:cSld>
     <p:spTree>
@@ -7609,35 +7590,59 @@
       </p:sp>
       <p:sp>
         <p:nvSpPr>
-          <p:cNvPr id="25" name="TextBox 24">
+          <p:cNvPr id="16" name="Title 1">
             <a:extLst>
               <a:ext uri="{FF2B5EF4-FFF2-40B4-BE49-F238E27FC236}">
-                <a16:creationId xmlns:a16="http://schemas.microsoft.com/office/drawing/2014/main" id="{CA744A28-B806-4EA1-AEFE-B0F151795FF8}"/>
+                <a16:creationId xmlns:a16="http://schemas.microsoft.com/office/drawing/2014/main" id="{FA6BBED4-AA69-4C5B-869D-48F47D0ED76E}"/>
               </a:ext>
             </a:extLst>
           </p:cNvPr>
-          <p:cNvSpPr txBox="1"/>
+          <p:cNvSpPr txBox="1">
+            <a:spLocks/>
+          </p:cNvSpPr>
           <p:nvPr/>
         </p:nvSpPr>
         <p:spPr>
           <a:xfrm>
-            <a:off x="5376045" y="4708857"/>
-            <a:ext cx="2583464" cy="400110"/>
+            <a:off x="5320290" y="-217117"/>
+            <a:ext cx="5542155" cy="859536"/>
           </a:xfrm>
           <a:prstGeom prst="rect">
             <a:avLst/>
           </a:prstGeom>
-          <a:noFill/>
         </p:spPr>
         <p:txBody>
-          <a:bodyPr wrap="none" rtlCol="0">
-            <a:spAutoFit/>
-          </a:bodyPr>
-          <a:lstStyle/>
+          <a:bodyPr/>
+          <a:lstStyle>
+            <a:lvl1pPr algn="l" defTabSz="914400" rtl="0" eaLnBrk="1" latinLnBrk="0" hangingPunct="1">
+              <a:lnSpc>
+                <a:spcPct val="80000"/>
+              </a:lnSpc>
+              <a:spcBef>
+                <a:spcPct val="0"/>
+              </a:spcBef>
+              <a:buNone/>
+              <a:defRPr lang="en-US" sz="3200" b="1" i="0" kern="1200" cap="none" spc="0" baseline="0" dirty="0">
+                <a:solidFill>
+                  <a:schemeClr val="accent1"/>
+                </a:solidFill>
+                <a:latin typeface="+mn-lt"/>
+                <a:ea typeface="Open Sans Semibold" panose="020B0706030804020204" pitchFamily="34" charset="0"/>
+                <a:cs typeface="Open Sans Semibold" panose="020B0706030804020204" pitchFamily="34" charset="0"/>
+              </a:defRPr>
+            </a:lvl1pPr>
+          </a:lstStyle>
           <a:p>
             <a:r>
-              <a:rPr lang="en-US" sz="2000" b="1" dirty="0"/>
-              <a:t>Administered dialysis: </a:t>
+              <a:rPr lang="en-US" dirty="0"/>
+              <a:t>                                         Example: </a:t>
+            </a:r>
+            <a:br>
+              <a:rPr lang="en-US" dirty="0"/>
+            </a:br>
+            <a:r>
+              <a:rPr lang="en-US" dirty="0"/>
+              <a:t>Dialysis completed</a:t>
             </a:r>
           </a:p>
         </p:txBody>
@@ -7658,14 +7663,6 @@
 <file path=ppt/slides/slide2.xml><?xml version="1.0" encoding="utf-8"?>
 <p:sld xmlns:a="http://schemas.openxmlformats.org/drawingml/2006/main" xmlns:r="http://schemas.openxmlformats.org/officeDocument/2006/relationships" xmlns:p="http://schemas.openxmlformats.org/presentationml/2006/main">
   <p:cSld>
-    <p:bg>
-      <p:bgPr>
-        <a:solidFill>
-          <a:schemeClr val="bg1"/>
-        </a:solidFill>
-        <a:effectLst/>
-      </p:bgPr>
-    </p:bg>
     <p:spTree>
       <p:nvGrpSpPr>
         <p:cNvPr id="1" name=""/>
@@ -7680,592 +7677,284 @@
           <a:chExt cx="0" cy="0"/>
         </a:xfrm>
       </p:grpSpPr>
-      <p:pic>
-        <p:nvPicPr>
-          <p:cNvPr id="6" name="Picture 5" descr="A screenshot of a social media post&#10;&#10;Description generated with very high confidence">
-            <a:extLst>
-              <a:ext uri="{FF2B5EF4-FFF2-40B4-BE49-F238E27FC236}">
-                <a16:creationId xmlns:a16="http://schemas.microsoft.com/office/drawing/2014/main" id="{C6FBB73C-EF4E-4680-AB51-AA18DE939150}"/>
-              </a:ext>
-            </a:extLst>
-          </p:cNvPr>
-          <p:cNvPicPr>
-            <a:picLocks noChangeAspect="1"/>
-          </p:cNvPicPr>
-          <p:nvPr/>
-        </p:nvPicPr>
-        <p:blipFill>
-          <a:blip r:embed="rId2">
-            <a:extLst>
-              <a:ext uri="{28A0092B-C50C-407E-A947-70E740481C1C}">
-                <a14:useLocalDpi xmlns:a14="http://schemas.microsoft.com/office/drawing/2010/main" val="0"/>
-              </a:ext>
-            </a:extLst>
-          </a:blip>
-          <a:stretch>
-            <a:fillRect/>
-          </a:stretch>
-        </p:blipFill>
-        <p:spPr>
-          <a:xfrm>
-            <a:off x="1727025" y="-145650"/>
-            <a:ext cx="8819751" cy="7177603"/>
-          </a:xfrm>
-          <a:prstGeom prst="rect">
-            <a:avLst/>
-          </a:prstGeom>
-        </p:spPr>
-      </p:pic>
       <p:sp>
         <p:nvSpPr>
-          <p:cNvPr id="4" name="Speech Bubble: Rectangle 3">
-            <a:extLst>
-              <a:ext uri="{FF2B5EF4-FFF2-40B4-BE49-F238E27FC236}">
-                <a16:creationId xmlns:a16="http://schemas.microsoft.com/office/drawing/2014/main" id="{A66D82D0-DB17-403F-AEC9-7D3A0E7F76F7}"/>
-              </a:ext>
-            </a:extLst>
-          </p:cNvPr>
-          <p:cNvSpPr/>
-          <p:nvPr/>
+          <p:cNvPr id="2" name="Title 1"/>
+          <p:cNvSpPr>
+            <a:spLocks noGrp="1"/>
+          </p:cNvSpPr>
+          <p:nvPr>
+            <p:ph type="title"/>
+          </p:nvPr>
         </p:nvSpPr>
-        <p:spPr>
-          <a:xfrm>
-            <a:off x="7381496" y="1394268"/>
-            <a:ext cx="1405267" cy="561386"/>
-          </a:xfrm>
-          <a:prstGeom prst="wedgeRectCallout">
-            <a:avLst>
-              <a:gd name="adj1" fmla="val -150559"/>
-              <a:gd name="adj2" fmla="val 143467"/>
-            </a:avLst>
-          </a:prstGeom>
-        </p:spPr>
-        <p:style>
-          <a:lnRef idx="2">
-            <a:schemeClr val="accent1">
-              <a:shade val="50000"/>
-            </a:schemeClr>
-          </a:lnRef>
-          <a:fillRef idx="1">
-            <a:schemeClr val="accent1"/>
-          </a:fillRef>
-          <a:effectRef idx="0">
-            <a:schemeClr val="accent1"/>
-          </a:effectRef>
-          <a:fontRef idx="minor">
-            <a:schemeClr val="lt1"/>
-          </a:fontRef>
-        </p:style>
+        <p:spPr/>
         <p:txBody>
-          <a:bodyPr rtlCol="0" anchor="ctr"/>
+          <a:bodyPr/>
           <a:lstStyle/>
           <a:p>
-            <a:pPr algn="ctr"/>
             <a:r>
               <a:rPr lang="en-US" dirty="0"/>
-              <a:t>Exclusive OR </a:t>
+              <a:t>ANF Reference Model Overview</a:t>
             </a:r>
           </a:p>
         </p:txBody>
       </p:sp>
       <p:sp>
         <p:nvSpPr>
-          <p:cNvPr id="9" name="Speech Bubble: Rectangle 8">
-            <a:extLst>
-              <a:ext uri="{FF2B5EF4-FFF2-40B4-BE49-F238E27FC236}">
-                <a16:creationId xmlns:a16="http://schemas.microsoft.com/office/drawing/2014/main" id="{32902093-9691-4C7D-961B-F6B9D0D98048}"/>
-              </a:ext>
-            </a:extLst>
-          </p:cNvPr>
-          <p:cNvSpPr/>
-          <p:nvPr/>
+          <p:cNvPr id="5" name="Slide Number Placeholder 4"/>
+          <p:cNvSpPr>
+            <a:spLocks noGrp="1"/>
+          </p:cNvSpPr>
+          <p:nvPr>
+            <p:ph type="sldNum" sz="quarter" idx="12"/>
+          </p:nvPr>
         </p:nvSpPr>
         <p:spPr>
           <a:xfrm>
-            <a:off x="1773883" y="4507299"/>
-            <a:ext cx="1405267" cy="561386"/>
+            <a:off x="8610600" y="6356350"/>
+            <a:ext cx="2743200" cy="365125"/>
           </a:xfrm>
-          <a:prstGeom prst="wedgeRectCallout">
-            <a:avLst>
-              <a:gd name="adj1" fmla="val 77752"/>
-              <a:gd name="adj2" fmla="val 124743"/>
-            </a:avLst>
-          </a:prstGeom>
         </p:spPr>
-        <p:style>
-          <a:lnRef idx="2">
-            <a:schemeClr val="accent1">
-              <a:shade val="50000"/>
-            </a:schemeClr>
-          </a:lnRef>
-          <a:fillRef idx="1">
-            <a:schemeClr val="accent1"/>
-          </a:fillRef>
-          <a:effectRef idx="0">
-            <a:schemeClr val="accent1"/>
-          </a:effectRef>
-          <a:fontRef idx="minor">
-            <a:schemeClr val="lt1"/>
-          </a:fontRef>
-        </p:style>
         <p:txBody>
-          <a:bodyPr rtlCol="0" anchor="ctr"/>
+          <a:bodyPr/>
           <a:lstStyle/>
           <a:p>
-            <a:pPr algn="ctr"/>
-            <a:r>
-              <a:rPr lang="en-US" dirty="0"/>
-              <a:t>Exclusive OR </a:t>
-            </a:r>
+            <a:fld id="{3519D20D-F37E-4BB9-9384-79154AD1BAC7}" type="slidenum">
+              <a:rPr lang="en-US" smtClean="0"/>
+              <a:pPr/>
+              <a:t>2</a:t>
+            </a:fld>
+            <a:endParaRPr lang="en-US" dirty="0"/>
           </a:p>
         </p:txBody>
       </p:sp>
       <p:sp>
         <p:nvSpPr>
-          <p:cNvPr id="11" name="Speech Bubble: Rectangle 10">
+          <p:cNvPr id="26" name="TextBox 25">
             <a:extLst>
               <a:ext uri="{FF2B5EF4-FFF2-40B4-BE49-F238E27FC236}">
-                <a16:creationId xmlns:a16="http://schemas.microsoft.com/office/drawing/2014/main" id="{CDDABB59-D2D3-420F-A58B-52933C5D7F60}"/>
+                <a16:creationId xmlns:a16="http://schemas.microsoft.com/office/drawing/2014/main" id="{BAA8DD5D-F62B-41A9-B6BC-253E66787772}"/>
               </a:ext>
             </a:extLst>
           </p:cNvPr>
-          <p:cNvSpPr/>
+          <p:cNvSpPr txBox="1"/>
           <p:nvPr/>
         </p:nvSpPr>
         <p:spPr>
           <a:xfrm>
-            <a:off x="10546776" y="2878282"/>
-            <a:ext cx="1316180" cy="550718"/>
+            <a:off x="1091347" y="3383313"/>
+            <a:ext cx="4916245" cy="3451201"/>
           </a:xfrm>
-          <a:prstGeom prst="wedgeRectCallout">
-            <a:avLst>
-              <a:gd name="adj1" fmla="val -83684"/>
-              <a:gd name="adj2" fmla="val 49543"/>
-            </a:avLst>
+          <a:prstGeom prst="rect">
+            <a:avLst/>
           </a:prstGeom>
         </p:spPr>
-        <p:style>
-          <a:lnRef idx="0">
-            <a:schemeClr val="accent6"/>
-          </a:lnRef>
-          <a:fillRef idx="3">
-            <a:schemeClr val="accent6"/>
-          </a:fillRef>
-          <a:effectRef idx="3">
-            <a:schemeClr val="accent6"/>
-          </a:effectRef>
-          <a:fontRef idx="minor">
-            <a:schemeClr val="lt1"/>
-          </a:fontRef>
-        </p:style>
         <p:txBody>
-          <a:bodyPr rtlCol="0" anchor="ctr"/>
-          <a:lstStyle/>
+          <a:bodyPr vert="horz" lIns="91440" tIns="45720" rIns="91440" bIns="45720" rtlCol="0">
+            <a:normAutofit/>
+          </a:bodyPr>
+          <a:lstStyle>
+            <a:lvl1pPr indent="0" defTabSz="914384">
+              <a:lnSpc>
+                <a:spcPct val="90000"/>
+              </a:lnSpc>
+              <a:spcBef>
+                <a:spcPts val="1000"/>
+              </a:spcBef>
+              <a:buClr>
+                <a:srgbClr val="2972FF"/>
+              </a:buClr>
+              <a:buFont typeface="Arial"/>
+              <a:buNone/>
+              <a:defRPr sz="2800" b="0" i="0">
+                <a:solidFill>
+                  <a:schemeClr val="bg2">
+                    <a:lumMod val="25000"/>
+                  </a:schemeClr>
+                </a:solidFill>
+                <a:latin typeface="Avenir Book" charset="0"/>
+                <a:ea typeface="Avenir Book" charset="0"/>
+                <a:cs typeface="Avenir Book" charset="0"/>
+              </a:defRPr>
+            </a:lvl1pPr>
+            <a:lvl2pPr marL="685788" indent="-228596" defTabSz="914384">
+              <a:lnSpc>
+                <a:spcPct val="90000"/>
+              </a:lnSpc>
+              <a:spcBef>
+                <a:spcPts val="500"/>
+              </a:spcBef>
+              <a:buClr>
+                <a:srgbClr val="2972FF"/>
+              </a:buClr>
+              <a:buFont typeface="Arial"/>
+              <a:buChar char="•"/>
+              <a:defRPr b="0" i="0">
+                <a:solidFill>
+                  <a:schemeClr val="bg2">
+                    <a:lumMod val="25000"/>
+                  </a:schemeClr>
+                </a:solidFill>
+                <a:latin typeface="Avenir Book" charset="0"/>
+                <a:ea typeface="Avenir Book" charset="0"/>
+                <a:cs typeface="Avenir Book" charset="0"/>
+              </a:defRPr>
+            </a:lvl2pPr>
+            <a:lvl3pPr marL="1142980" indent="-228596" defTabSz="914384">
+              <a:lnSpc>
+                <a:spcPct val="90000"/>
+              </a:lnSpc>
+              <a:spcBef>
+                <a:spcPts val="500"/>
+              </a:spcBef>
+              <a:buClr>
+                <a:srgbClr val="2972FF"/>
+              </a:buClr>
+              <a:buFont typeface="Arial"/>
+              <a:buChar char="•"/>
+              <a:defRPr sz="2000" b="0" i="0">
+                <a:solidFill>
+                  <a:schemeClr val="bg2">
+                    <a:lumMod val="25000"/>
+                  </a:schemeClr>
+                </a:solidFill>
+                <a:latin typeface="Avenir Book" charset="0"/>
+                <a:ea typeface="Avenir Book" charset="0"/>
+                <a:cs typeface="Avenir Book" charset="0"/>
+              </a:defRPr>
+            </a:lvl3pPr>
+            <a:lvl4pPr marL="1600172" indent="-228596" defTabSz="914384">
+              <a:lnSpc>
+                <a:spcPct val="90000"/>
+              </a:lnSpc>
+              <a:spcBef>
+                <a:spcPts val="500"/>
+              </a:spcBef>
+              <a:buClr>
+                <a:srgbClr val="2972FF"/>
+              </a:buClr>
+              <a:buFont typeface="Arial"/>
+              <a:buChar char="•"/>
+              <a:defRPr sz="1800" b="0" i="0">
+                <a:solidFill>
+                  <a:schemeClr val="bg2">
+                    <a:lumMod val="25000"/>
+                  </a:schemeClr>
+                </a:solidFill>
+                <a:latin typeface="Avenir Book" charset="0"/>
+                <a:ea typeface="Avenir Book" charset="0"/>
+                <a:cs typeface="Avenir Book" charset="0"/>
+              </a:defRPr>
+            </a:lvl4pPr>
+            <a:lvl5pPr marL="2057364" indent="-228596" defTabSz="914384">
+              <a:lnSpc>
+                <a:spcPct val="90000"/>
+              </a:lnSpc>
+              <a:spcBef>
+                <a:spcPts val="500"/>
+              </a:spcBef>
+              <a:buClr>
+                <a:srgbClr val="2972FF"/>
+              </a:buClr>
+              <a:buFont typeface="Arial"/>
+              <a:buChar char="•"/>
+              <a:defRPr sz="1800" b="0" i="0">
+                <a:solidFill>
+                  <a:schemeClr val="bg2">
+                    <a:lumMod val="25000"/>
+                  </a:schemeClr>
+                </a:solidFill>
+                <a:latin typeface="Avenir Book" charset="0"/>
+                <a:ea typeface="Avenir Book" charset="0"/>
+                <a:cs typeface="Avenir Book" charset="0"/>
+              </a:defRPr>
+            </a:lvl5pPr>
+            <a:lvl6pPr marL="2514556" indent="-228596" defTabSz="914384">
+              <a:lnSpc>
+                <a:spcPct val="90000"/>
+              </a:lnSpc>
+              <a:spcBef>
+                <a:spcPts val="500"/>
+              </a:spcBef>
+              <a:buFont typeface="Arial"/>
+              <a:buChar char="•"/>
+              <a:defRPr sz="1800"/>
+            </a:lvl6pPr>
+            <a:lvl7pPr marL="2971748" indent="-228596" defTabSz="914384">
+              <a:lnSpc>
+                <a:spcPct val="90000"/>
+              </a:lnSpc>
+              <a:spcBef>
+                <a:spcPts val="500"/>
+              </a:spcBef>
+              <a:buFont typeface="Arial"/>
+              <a:buChar char="•"/>
+              <a:defRPr sz="1800"/>
+            </a:lvl7pPr>
+            <a:lvl8pPr marL="3428940" indent="-228596" defTabSz="914384">
+              <a:lnSpc>
+                <a:spcPct val="90000"/>
+              </a:lnSpc>
+              <a:spcBef>
+                <a:spcPts val="500"/>
+              </a:spcBef>
+              <a:buFont typeface="Arial"/>
+              <a:buChar char="•"/>
+              <a:defRPr sz="1800"/>
+            </a:lvl8pPr>
+            <a:lvl9pPr marL="3886132" indent="-228596" defTabSz="914384">
+              <a:lnSpc>
+                <a:spcPct val="90000"/>
+              </a:lnSpc>
+              <a:spcBef>
+                <a:spcPts val="500"/>
+              </a:spcBef>
+              <a:buFont typeface="Arial"/>
+              <a:buChar char="•"/>
+              <a:defRPr sz="1800"/>
+            </a:lvl9pPr>
+          </a:lstStyle>
           <a:p>
-            <a:pPr algn="ctr"/>
-            <a:r>
-              <a:rPr lang="en-US" dirty="0"/>
-              <a:t>Inherited attributes</a:t>
-            </a:r>
+            <a:pPr marL="457200" indent="-457200">
+              <a:buFont typeface="Arial" panose="020B0604020202020204" pitchFamily="34" charset="0"/>
+              <a:buChar char="•"/>
+            </a:pPr>
+            <a:endParaRPr lang="en-US" sz="2400" dirty="0"/>
           </a:p>
         </p:txBody>
       </p:sp>
-      <p:sp>
-        <p:nvSpPr>
-          <p:cNvPr id="5" name="Rectangle: Rounded Corners 4">
+      <p:graphicFrame>
+        <p:nvGraphicFramePr>
+          <p:cNvPr id="23" name="Diagram 22">
             <a:extLst>
               <a:ext uri="{FF2B5EF4-FFF2-40B4-BE49-F238E27FC236}">
-                <a16:creationId xmlns:a16="http://schemas.microsoft.com/office/drawing/2014/main" id="{33A4A965-2098-4314-A0DC-5AF82D1E17F9}"/>
+                <a16:creationId xmlns:a16="http://schemas.microsoft.com/office/drawing/2014/main" id="{ED0CBBFC-AC2D-44E3-BFB9-9875742AD67C}"/>
               </a:ext>
             </a:extLst>
           </p:cNvPr>
-          <p:cNvSpPr/>
-          <p:nvPr/>
-        </p:nvSpPr>
-        <p:spPr>
-          <a:xfrm>
-            <a:off x="8084130" y="3377323"/>
-            <a:ext cx="2057400" cy="488095"/>
-          </a:xfrm>
-          <a:prstGeom prst="roundRect">
-            <a:avLst/>
-          </a:prstGeom>
-          <a:noFill/>
-          <a:ln w="38100"/>
-        </p:spPr>
-        <p:style>
-          <a:lnRef idx="2">
-            <a:schemeClr val="accent1">
-              <a:shade val="50000"/>
-            </a:schemeClr>
-          </a:lnRef>
-          <a:fillRef idx="1">
-            <a:schemeClr val="accent1"/>
-          </a:fillRef>
-          <a:effectRef idx="0">
-            <a:schemeClr val="accent1"/>
-          </a:effectRef>
-          <a:fontRef idx="minor">
-            <a:schemeClr val="lt1"/>
-          </a:fontRef>
-        </p:style>
-        <p:txBody>
-          <a:bodyPr rtlCol="0" anchor="ctr"/>
-          <a:lstStyle/>
-          <a:p>
-            <a:pPr algn="ctr"/>
-            <a:endParaRPr lang="en-US"/>
-          </a:p>
-        </p:txBody>
-      </p:sp>
-      <p:sp>
-        <p:nvSpPr>
-          <p:cNvPr id="13" name="Speech Bubble: Rectangle 12">
-            <a:extLst>
-              <a:ext uri="{FF2B5EF4-FFF2-40B4-BE49-F238E27FC236}">
-                <a16:creationId xmlns:a16="http://schemas.microsoft.com/office/drawing/2014/main" id="{C851ECF5-DE86-46AB-BA45-21AC43CF6676}"/>
-              </a:ext>
-            </a:extLst>
-          </p:cNvPr>
-          <p:cNvSpPr/>
-          <p:nvPr/>
-        </p:nvSpPr>
-        <p:spPr>
-          <a:xfrm>
-            <a:off x="426030" y="5539774"/>
-            <a:ext cx="1523403" cy="561386"/>
-          </a:xfrm>
-          <a:prstGeom prst="wedgeRectCallout">
-            <a:avLst>
-              <a:gd name="adj1" fmla="val 61983"/>
-              <a:gd name="adj2" fmla="val 132835"/>
-            </a:avLst>
-          </a:prstGeom>
-        </p:spPr>
-        <p:style>
-          <a:lnRef idx="0">
-            <a:schemeClr val="accent1"/>
-          </a:lnRef>
-          <a:fillRef idx="3">
-            <a:schemeClr val="accent1"/>
-          </a:fillRef>
-          <a:effectRef idx="3">
-            <a:schemeClr val="accent1"/>
-          </a:effectRef>
-          <a:fontRef idx="minor">
-            <a:schemeClr val="lt1"/>
-          </a:fontRef>
-        </p:style>
-        <p:txBody>
-          <a:bodyPr rtlCol="0" anchor="ctr"/>
-          <a:lstStyle/>
-          <a:p>
-            <a:pPr algn="ctr"/>
-            <a:r>
-              <a:rPr lang="en-US" dirty="0"/>
-              <a:t>Encapsulated “measure”</a:t>
-            </a:r>
-          </a:p>
-        </p:txBody>
-      </p:sp>
-      <p:sp>
-        <p:nvSpPr>
-          <p:cNvPr id="14" name="Rectangle: Rounded Corners 13">
-            <a:extLst>
-              <a:ext uri="{FF2B5EF4-FFF2-40B4-BE49-F238E27FC236}">
-                <a16:creationId xmlns:a16="http://schemas.microsoft.com/office/drawing/2014/main" id="{16C4B821-B3F0-4089-944B-196CDFAC69B3}"/>
-              </a:ext>
-            </a:extLst>
-          </p:cNvPr>
-          <p:cNvSpPr/>
-          <p:nvPr/>
-        </p:nvSpPr>
-        <p:spPr>
-          <a:xfrm>
-            <a:off x="2117255" y="6478731"/>
-            <a:ext cx="1405267" cy="197428"/>
-          </a:xfrm>
-          <a:prstGeom prst="roundRect">
-            <a:avLst/>
-          </a:prstGeom>
-          <a:noFill/>
-          <a:ln w="38100"/>
-        </p:spPr>
-        <p:style>
-          <a:lnRef idx="2">
-            <a:schemeClr val="accent1">
-              <a:shade val="50000"/>
-            </a:schemeClr>
-          </a:lnRef>
-          <a:fillRef idx="1">
-            <a:schemeClr val="accent1"/>
-          </a:fillRef>
-          <a:effectRef idx="0">
-            <a:schemeClr val="accent1"/>
-          </a:effectRef>
-          <a:fontRef idx="minor">
-            <a:schemeClr val="lt1"/>
-          </a:fontRef>
-        </p:style>
-        <p:txBody>
-          <a:bodyPr rtlCol="0" anchor="ctr"/>
-          <a:lstStyle/>
-          <a:p>
-            <a:pPr algn="ctr"/>
-            <a:endParaRPr lang="en-US"/>
-          </a:p>
-        </p:txBody>
-      </p:sp>
-      <p:sp>
-        <p:nvSpPr>
-          <p:cNvPr id="15" name="Rectangle: Rounded Corners 14">
-            <a:extLst>
-              <a:ext uri="{FF2B5EF4-FFF2-40B4-BE49-F238E27FC236}">
-                <a16:creationId xmlns:a16="http://schemas.microsoft.com/office/drawing/2014/main" id="{4B9AFF3B-1C61-468F-9483-9570DE838562}"/>
-              </a:ext>
-            </a:extLst>
-          </p:cNvPr>
-          <p:cNvSpPr/>
-          <p:nvPr/>
-        </p:nvSpPr>
-        <p:spPr>
-          <a:xfrm>
-            <a:off x="2365667" y="1674961"/>
-            <a:ext cx="2057400" cy="197429"/>
-          </a:xfrm>
-          <a:prstGeom prst="roundRect">
-            <a:avLst/>
-          </a:prstGeom>
-          <a:noFill/>
-          <a:ln w="38100"/>
-        </p:spPr>
-        <p:style>
-          <a:lnRef idx="2">
-            <a:schemeClr val="accent1">
-              <a:shade val="50000"/>
-            </a:schemeClr>
-          </a:lnRef>
-          <a:fillRef idx="1">
-            <a:schemeClr val="accent1"/>
-          </a:fillRef>
-          <a:effectRef idx="0">
-            <a:schemeClr val="accent1"/>
-          </a:effectRef>
-          <a:fontRef idx="minor">
-            <a:schemeClr val="lt1"/>
-          </a:fontRef>
-        </p:style>
-        <p:txBody>
-          <a:bodyPr rtlCol="0" anchor="ctr"/>
-          <a:lstStyle/>
-          <a:p>
-            <a:pPr algn="ctr"/>
-            <a:endParaRPr lang="en-US"/>
-          </a:p>
-        </p:txBody>
-      </p:sp>
-      <p:sp>
-        <p:nvSpPr>
-          <p:cNvPr id="17" name="Speech Bubble: Rectangle 16">
-            <a:extLst>
-              <a:ext uri="{FF2B5EF4-FFF2-40B4-BE49-F238E27FC236}">
-                <a16:creationId xmlns:a16="http://schemas.microsoft.com/office/drawing/2014/main" id="{595A9A5A-112C-433A-AFBC-5D56706BF458}"/>
-              </a:ext>
-            </a:extLst>
-          </p:cNvPr>
-          <p:cNvSpPr/>
-          <p:nvPr/>
-        </p:nvSpPr>
-        <p:spPr>
-          <a:xfrm>
-            <a:off x="544167" y="862445"/>
-            <a:ext cx="1609622" cy="685799"/>
-          </a:xfrm>
-          <a:prstGeom prst="wedgeRectCallout">
-            <a:avLst>
-              <a:gd name="adj1" fmla="val 62629"/>
-              <a:gd name="adj2" fmla="val 72465"/>
-            </a:avLst>
-          </a:prstGeom>
-        </p:spPr>
-        <p:style>
-          <a:lnRef idx="0">
-            <a:schemeClr val="accent1"/>
-          </a:lnRef>
-          <a:fillRef idx="3">
-            <a:schemeClr val="accent1"/>
-          </a:fillRef>
-          <a:effectRef idx="3">
-            <a:schemeClr val="accent1"/>
-          </a:effectRef>
-          <a:fontRef idx="minor">
-            <a:schemeClr val="lt1"/>
-          </a:fontRef>
-        </p:style>
-        <p:txBody>
-          <a:bodyPr rtlCol="0" anchor="ctr"/>
-          <a:lstStyle/>
-          <a:p>
-            <a:pPr algn="ctr"/>
-            <a:r>
-              <a:rPr lang="en-US" dirty="0"/>
-              <a:t>“circumstance” choice</a:t>
-            </a:r>
-          </a:p>
-        </p:txBody>
-      </p:sp>
-      <p:sp>
-        <p:nvSpPr>
-          <p:cNvPr id="21" name="Rectangle: Rounded Corners 20">
-            <a:extLst>
-              <a:ext uri="{FF2B5EF4-FFF2-40B4-BE49-F238E27FC236}">
-                <a16:creationId xmlns:a16="http://schemas.microsoft.com/office/drawing/2014/main" id="{FD1A2259-8EF9-4FE8-8784-5F2882EF107D}"/>
-              </a:ext>
-            </a:extLst>
-          </p:cNvPr>
-          <p:cNvSpPr/>
-          <p:nvPr/>
-        </p:nvSpPr>
-        <p:spPr>
-          <a:xfrm>
-            <a:off x="2549240" y="3344438"/>
-            <a:ext cx="1405267" cy="197428"/>
-          </a:xfrm>
-          <a:prstGeom prst="roundRect">
-            <a:avLst/>
-          </a:prstGeom>
-          <a:noFill/>
-          <a:ln w="38100"/>
-        </p:spPr>
-        <p:style>
-          <a:lnRef idx="2">
-            <a:schemeClr val="accent1">
-              <a:shade val="50000"/>
-            </a:schemeClr>
-          </a:lnRef>
-          <a:fillRef idx="1">
-            <a:schemeClr val="accent1"/>
-          </a:fillRef>
-          <a:effectRef idx="0">
-            <a:schemeClr val="accent1"/>
-          </a:effectRef>
-          <a:fontRef idx="minor">
-            <a:schemeClr val="lt1"/>
-          </a:fontRef>
-        </p:style>
-        <p:txBody>
-          <a:bodyPr rtlCol="0" anchor="ctr"/>
-          <a:lstStyle/>
-          <a:p>
-            <a:pPr algn="ctr"/>
-            <a:endParaRPr lang="en-US"/>
-          </a:p>
-        </p:txBody>
-      </p:sp>
-      <p:sp>
-        <p:nvSpPr>
-          <p:cNvPr id="22" name="Speech Bubble: Rectangle 21">
-            <a:extLst>
-              <a:ext uri="{FF2B5EF4-FFF2-40B4-BE49-F238E27FC236}">
-                <a16:creationId xmlns:a16="http://schemas.microsoft.com/office/drawing/2014/main" id="{FCC24258-58B4-4656-AE20-E3BC0695EEA8}"/>
-              </a:ext>
-            </a:extLst>
-          </p:cNvPr>
-          <p:cNvSpPr/>
-          <p:nvPr/>
-        </p:nvSpPr>
-        <p:spPr>
-          <a:xfrm>
-            <a:off x="544166" y="2398091"/>
-            <a:ext cx="1405267" cy="791753"/>
-          </a:xfrm>
-          <a:prstGeom prst="wedgeRectCallout">
-            <a:avLst>
-              <a:gd name="adj1" fmla="val 97440"/>
-              <a:gd name="adj2" fmla="val 81652"/>
-            </a:avLst>
-          </a:prstGeom>
-        </p:spPr>
-        <p:style>
-          <a:lnRef idx="0">
-            <a:schemeClr val="accent1"/>
-          </a:lnRef>
-          <a:fillRef idx="3">
-            <a:schemeClr val="accent1"/>
-          </a:fillRef>
-          <a:effectRef idx="3">
-            <a:schemeClr val="accent1"/>
-          </a:effectRef>
-          <a:fontRef idx="minor">
-            <a:schemeClr val="lt1"/>
-          </a:fontRef>
-        </p:style>
-        <p:txBody>
-          <a:bodyPr rtlCol="0" anchor="ctr"/>
-          <a:lstStyle/>
-          <a:p>
-            <a:pPr algn="ctr"/>
-            <a:r>
-              <a:rPr lang="en-US" dirty="0"/>
-              <a:t> “result” choice</a:t>
-            </a:r>
-          </a:p>
-        </p:txBody>
-      </p:sp>
-      <p:sp>
-        <p:nvSpPr>
-          <p:cNvPr id="24" name="Speech Bubble: Rectangle 23">
-            <a:extLst>
-              <a:ext uri="{FF2B5EF4-FFF2-40B4-BE49-F238E27FC236}">
-                <a16:creationId xmlns:a16="http://schemas.microsoft.com/office/drawing/2014/main" id="{E0E51628-FD66-4DB6-9AC5-A17F93C99EBF}"/>
-              </a:ext>
-            </a:extLst>
-          </p:cNvPr>
-          <p:cNvSpPr/>
-          <p:nvPr/>
-        </p:nvSpPr>
-        <p:spPr>
-          <a:xfrm>
-            <a:off x="10590008" y="2122732"/>
-            <a:ext cx="1316180" cy="550718"/>
-          </a:xfrm>
-          <a:prstGeom prst="wedgeRectCallout">
-            <a:avLst>
-              <a:gd name="adj1" fmla="val -83684"/>
-              <a:gd name="adj2" fmla="val 80434"/>
-            </a:avLst>
-          </a:prstGeom>
-        </p:spPr>
-        <p:style>
-          <a:lnRef idx="0">
-            <a:schemeClr val="accent6"/>
-          </a:lnRef>
-          <a:fillRef idx="3">
-            <a:schemeClr val="accent6"/>
-          </a:fillRef>
-          <a:effectRef idx="3">
-            <a:schemeClr val="accent6"/>
-          </a:effectRef>
-          <a:fontRef idx="minor">
-            <a:schemeClr val="lt1"/>
-          </a:fontRef>
-        </p:style>
-        <p:txBody>
-          <a:bodyPr rtlCol="0" anchor="ctr"/>
-          <a:lstStyle/>
-          <a:p>
-            <a:pPr algn="ctr"/>
-            <a:r>
-              <a:rPr lang="en-US" dirty="0"/>
-              <a:t>Base class</a:t>
-            </a:r>
-          </a:p>
-        </p:txBody>
-      </p:sp>
+          <p:cNvGraphicFramePr/>
+          <p:nvPr>
+            <p:extLst>
+              <p:ext uri="{D42A27DB-BD31-4B8C-83A1-F6EECF244321}">
+                <p14:modId xmlns:p14="http://schemas.microsoft.com/office/powerpoint/2010/main" val="2183053963"/>
+              </p:ext>
+            </p:extLst>
+          </p:nvPr>
+        </p:nvGraphicFramePr>
+        <p:xfrm>
+          <a:off x="2032000" y="1120245"/>
+          <a:ext cx="8128000" cy="5418667"/>
+        </p:xfrm>
+        <a:graphic>
+          <a:graphicData uri="http://schemas.openxmlformats.org/drawingml/2006/diagram">
+            <dgm:relIds xmlns:dgm="http://schemas.openxmlformats.org/drawingml/2006/diagram" xmlns:r="http://schemas.openxmlformats.org/officeDocument/2006/relationships" r:dm="rId2" r:lo="rId3" r:qs="rId4" r:cs="rId5"/>
+          </a:graphicData>
+        </a:graphic>
+      </p:graphicFrame>
     </p:spTree>
     <p:extLst>
       <p:ext uri="{BB962C8B-B14F-4D97-AF65-F5344CB8AC3E}">
-        <p14:creationId xmlns:p14="http://schemas.microsoft.com/office/powerpoint/2010/main" val="1294682116"/>
+        <p14:creationId xmlns:p14="http://schemas.microsoft.com/office/powerpoint/2010/main" val="3806675034"/>
       </p:ext>
     </p:extLst>
   </p:cSld>
@@ -8297,7 +7986,7 @@
           <p:cNvPr id="2" name="Title 1">
             <a:extLst>
               <a:ext uri="{FF2B5EF4-FFF2-40B4-BE49-F238E27FC236}">
-                <a16:creationId xmlns:a16="http://schemas.microsoft.com/office/drawing/2014/main" id="{0CD7168D-D521-4D6B-96FE-6D20129E9173}"/>
+                <a16:creationId xmlns:a16="http://schemas.microsoft.com/office/drawing/2014/main" id="{5A443450-AA7F-44F3-A809-A96B32068173}"/>
               </a:ext>
             </a:extLst>
           </p:cNvPr>
@@ -8308,58 +7997,665 @@
             <p:ph type="title"/>
           </p:nvPr>
         </p:nvSpPr>
-        <p:spPr/>
+        <p:spPr>
+          <a:xfrm>
+            <a:off x="914400" y="374904"/>
+            <a:ext cx="9636252" cy="859536"/>
+          </a:xfrm>
+        </p:spPr>
         <p:txBody>
           <a:bodyPr/>
           <a:lstStyle/>
           <a:p>
             <a:r>
               <a:rPr lang="en-US" dirty="0"/>
-              <a:t>Building blocks</a:t>
+              <a:t>ANF Clinical Statement</a:t>
             </a:r>
           </a:p>
         </p:txBody>
       </p:sp>
-      <p:pic>
-        <p:nvPicPr>
-          <p:cNvPr id="4" name="Picture 3" descr="A screenshot of a social media post&#10;&#10;Description generated with very high confidence">
+      <p:sp>
+        <p:nvSpPr>
+          <p:cNvPr id="4" name="Slide Number Placeholder 3">
             <a:extLst>
               <a:ext uri="{FF2B5EF4-FFF2-40B4-BE49-F238E27FC236}">
-                <a16:creationId xmlns:a16="http://schemas.microsoft.com/office/drawing/2014/main" id="{DD36B71D-C4A4-4453-9EA4-67140E8013EE}"/>
+                <a16:creationId xmlns:a16="http://schemas.microsoft.com/office/drawing/2014/main" id="{D4BD1BF1-97E3-44C9-85AD-3C9C6602AA1F}"/>
               </a:ext>
             </a:extLst>
           </p:cNvPr>
-          <p:cNvPicPr>
-            <a:picLocks noChangeAspect="1"/>
-          </p:cNvPicPr>
-          <p:nvPr/>
-        </p:nvPicPr>
-        <p:blipFill>
-          <a:blip r:embed="rId2">
-            <a:extLst>
-              <a:ext uri="{28A0092B-C50C-407E-A947-70E740481C1C}">
-                <a14:useLocalDpi xmlns:a14="http://schemas.microsoft.com/office/drawing/2010/main" val="0"/>
-              </a:ext>
-            </a:extLst>
-          </a:blip>
-          <a:stretch>
-            <a:fillRect/>
-          </a:stretch>
-        </p:blipFill>
+          <p:cNvSpPr>
+            <a:spLocks noGrp="1"/>
+          </p:cNvSpPr>
+          <p:nvPr>
+            <p:ph type="sldNum" sz="quarter" idx="12"/>
+          </p:nvPr>
+        </p:nvSpPr>
         <p:spPr>
           <a:xfrm>
-            <a:off x="887952" y="1981857"/>
-            <a:ext cx="9830340" cy="3882916"/>
+            <a:off x="8610600" y="6356350"/>
+            <a:ext cx="2743200" cy="365125"/>
           </a:xfrm>
-          <a:prstGeom prst="rect">
-            <a:avLst/>
-          </a:prstGeom>
         </p:spPr>
-      </p:pic>
+        <p:txBody>
+          <a:bodyPr/>
+          <a:lstStyle/>
+          <a:p>
+            <a:fld id="{88B1D514-9158-7143-952E-69DC611F0F0B}" type="slidenum">
+              <a:rPr lang="en-US" smtClean="0"/>
+              <a:pPr/>
+              <a:t>3</a:t>
+            </a:fld>
+            <a:endParaRPr lang="en-US"/>
+          </a:p>
+        </p:txBody>
+      </p:sp>
+      <p:grpSp>
+        <p:nvGrpSpPr>
+          <p:cNvPr id="19" name="Group 18">
+            <a:extLst>
+              <a:ext uri="{FF2B5EF4-FFF2-40B4-BE49-F238E27FC236}">
+                <a16:creationId xmlns:a16="http://schemas.microsoft.com/office/drawing/2014/main" id="{01EF4843-89BB-4921-A514-2CDA9ACE56D8}"/>
+              </a:ext>
+            </a:extLst>
+          </p:cNvPr>
+          <p:cNvGrpSpPr/>
+          <p:nvPr/>
+        </p:nvGrpSpPr>
+        <p:grpSpPr>
+          <a:xfrm>
+            <a:off x="1767614" y="1025545"/>
+            <a:ext cx="9475352" cy="5804747"/>
+            <a:chOff x="426030" y="-181187"/>
+            <a:chExt cx="11480158" cy="7220374"/>
+          </a:xfrm>
+        </p:grpSpPr>
+        <p:pic>
+          <p:nvPicPr>
+            <p:cNvPr id="7" name="Picture 6" descr="A screenshot of a cell phone&#10;&#10;Description generated with very high confidence">
+              <a:extLst>
+                <a:ext uri="{FF2B5EF4-FFF2-40B4-BE49-F238E27FC236}">
+                  <a16:creationId xmlns:a16="http://schemas.microsoft.com/office/drawing/2014/main" id="{C39EA8ED-3A10-4C4A-85E3-4FD1C530C716}"/>
+                </a:ext>
+              </a:extLst>
+            </p:cNvPr>
+            <p:cNvPicPr>
+              <a:picLocks noChangeAspect="1"/>
+            </p:cNvPicPr>
+            <p:nvPr/>
+          </p:nvPicPr>
+          <p:blipFill>
+            <a:blip r:embed="rId2">
+              <a:extLst>
+                <a:ext uri="{28A0092B-C50C-407E-A947-70E740481C1C}">
+                  <a14:useLocalDpi xmlns:a14="http://schemas.microsoft.com/office/drawing/2010/main" val="0"/>
+                </a:ext>
+              </a:extLst>
+            </a:blip>
+            <a:stretch>
+              <a:fillRect/>
+            </a:stretch>
+          </p:blipFill>
+          <p:spPr>
+            <a:xfrm>
+              <a:off x="1773883" y="-181187"/>
+              <a:ext cx="8859356" cy="7220374"/>
+            </a:xfrm>
+            <a:prstGeom prst="rect">
+              <a:avLst/>
+            </a:prstGeom>
+          </p:spPr>
+        </p:pic>
+        <p:sp>
+          <p:nvSpPr>
+            <p:cNvPr id="8" name="Speech Bubble: Rectangle 7">
+              <a:extLst>
+                <a:ext uri="{FF2B5EF4-FFF2-40B4-BE49-F238E27FC236}">
+                  <a16:creationId xmlns:a16="http://schemas.microsoft.com/office/drawing/2014/main" id="{96692273-C61B-4E50-A2AF-E12746FAC19C}"/>
+                </a:ext>
+              </a:extLst>
+            </p:cNvPr>
+            <p:cNvSpPr/>
+            <p:nvPr/>
+          </p:nvSpPr>
+          <p:spPr>
+            <a:xfrm>
+              <a:off x="7381496" y="1394268"/>
+              <a:ext cx="1405267" cy="561386"/>
+            </a:xfrm>
+            <a:prstGeom prst="wedgeRectCallout">
+              <a:avLst>
+                <a:gd name="adj1" fmla="val -150559"/>
+                <a:gd name="adj2" fmla="val 143467"/>
+              </a:avLst>
+            </a:prstGeom>
+          </p:spPr>
+          <p:style>
+            <a:lnRef idx="2">
+              <a:schemeClr val="accent1">
+                <a:shade val="50000"/>
+              </a:schemeClr>
+            </a:lnRef>
+            <a:fillRef idx="1">
+              <a:schemeClr val="accent1"/>
+            </a:fillRef>
+            <a:effectRef idx="0">
+              <a:schemeClr val="accent1"/>
+            </a:effectRef>
+            <a:fontRef idx="minor">
+              <a:schemeClr val="lt1"/>
+            </a:fontRef>
+          </p:style>
+          <p:txBody>
+            <a:bodyPr rtlCol="0" anchor="ctr"/>
+            <a:lstStyle/>
+            <a:p>
+              <a:pPr algn="ctr"/>
+              <a:r>
+                <a:rPr lang="en-US" sz="1200" dirty="0"/>
+                <a:t>Exclusive OR </a:t>
+              </a:r>
+            </a:p>
+          </p:txBody>
+        </p:sp>
+        <p:sp>
+          <p:nvSpPr>
+            <p:cNvPr id="9" name="Speech Bubble: Rectangle 8">
+              <a:extLst>
+                <a:ext uri="{FF2B5EF4-FFF2-40B4-BE49-F238E27FC236}">
+                  <a16:creationId xmlns:a16="http://schemas.microsoft.com/office/drawing/2014/main" id="{19B220E3-1DF1-4EAD-8A47-30B72203F8F5}"/>
+                </a:ext>
+              </a:extLst>
+            </p:cNvPr>
+            <p:cNvSpPr/>
+            <p:nvPr/>
+          </p:nvSpPr>
+          <p:spPr>
+            <a:xfrm>
+              <a:off x="1773883" y="4507299"/>
+              <a:ext cx="1405267" cy="561386"/>
+            </a:xfrm>
+            <a:prstGeom prst="wedgeRectCallout">
+              <a:avLst>
+                <a:gd name="adj1" fmla="val 77752"/>
+                <a:gd name="adj2" fmla="val 124743"/>
+              </a:avLst>
+            </a:prstGeom>
+          </p:spPr>
+          <p:style>
+            <a:lnRef idx="2">
+              <a:schemeClr val="accent1">
+                <a:shade val="50000"/>
+              </a:schemeClr>
+            </a:lnRef>
+            <a:fillRef idx="1">
+              <a:schemeClr val="accent1"/>
+            </a:fillRef>
+            <a:effectRef idx="0">
+              <a:schemeClr val="accent1"/>
+            </a:effectRef>
+            <a:fontRef idx="minor">
+              <a:schemeClr val="lt1"/>
+            </a:fontRef>
+          </p:style>
+          <p:txBody>
+            <a:bodyPr rtlCol="0" anchor="ctr"/>
+            <a:lstStyle/>
+            <a:p>
+              <a:pPr algn="ctr"/>
+              <a:r>
+                <a:rPr lang="en-US" sz="1200" dirty="0"/>
+                <a:t>Exclusive OR </a:t>
+              </a:r>
+            </a:p>
+          </p:txBody>
+        </p:sp>
+        <p:sp>
+          <p:nvSpPr>
+            <p:cNvPr id="10" name="Speech Bubble: Rectangle 9">
+              <a:extLst>
+                <a:ext uri="{FF2B5EF4-FFF2-40B4-BE49-F238E27FC236}">
+                  <a16:creationId xmlns:a16="http://schemas.microsoft.com/office/drawing/2014/main" id="{31BC17A5-F4BE-4786-A501-2C22652B877A}"/>
+                </a:ext>
+              </a:extLst>
+            </p:cNvPr>
+            <p:cNvSpPr/>
+            <p:nvPr/>
+          </p:nvSpPr>
+          <p:spPr>
+            <a:xfrm>
+              <a:off x="10546776" y="2878282"/>
+              <a:ext cx="1316180" cy="550718"/>
+            </a:xfrm>
+            <a:prstGeom prst="wedgeRectCallout">
+              <a:avLst>
+                <a:gd name="adj1" fmla="val -83684"/>
+                <a:gd name="adj2" fmla="val 49543"/>
+              </a:avLst>
+            </a:prstGeom>
+          </p:spPr>
+          <p:style>
+            <a:lnRef idx="0">
+              <a:schemeClr val="accent6"/>
+            </a:lnRef>
+            <a:fillRef idx="3">
+              <a:schemeClr val="accent6"/>
+            </a:fillRef>
+            <a:effectRef idx="3">
+              <a:schemeClr val="accent6"/>
+            </a:effectRef>
+            <a:fontRef idx="minor">
+              <a:schemeClr val="lt1"/>
+            </a:fontRef>
+          </p:style>
+          <p:txBody>
+            <a:bodyPr rtlCol="0" anchor="ctr"/>
+            <a:lstStyle/>
+            <a:p>
+              <a:pPr algn="ctr"/>
+              <a:r>
+                <a:rPr lang="en-US" sz="1200" dirty="0"/>
+                <a:t>Inherited attributes</a:t>
+              </a:r>
+            </a:p>
+          </p:txBody>
+        </p:sp>
+        <p:sp>
+          <p:nvSpPr>
+            <p:cNvPr id="11" name="Rectangle: Rounded Corners 10">
+              <a:extLst>
+                <a:ext uri="{FF2B5EF4-FFF2-40B4-BE49-F238E27FC236}">
+                  <a16:creationId xmlns:a16="http://schemas.microsoft.com/office/drawing/2014/main" id="{828BF5C9-63C4-4A20-9FAC-02E354C68983}"/>
+                </a:ext>
+              </a:extLst>
+            </p:cNvPr>
+            <p:cNvSpPr/>
+            <p:nvPr/>
+          </p:nvSpPr>
+          <p:spPr>
+            <a:xfrm>
+              <a:off x="8084130" y="3377323"/>
+              <a:ext cx="2057400" cy="488095"/>
+            </a:xfrm>
+            <a:prstGeom prst="roundRect">
+              <a:avLst/>
+            </a:prstGeom>
+            <a:noFill/>
+            <a:ln w="38100"/>
+          </p:spPr>
+          <p:style>
+            <a:lnRef idx="2">
+              <a:schemeClr val="accent1">
+                <a:shade val="50000"/>
+              </a:schemeClr>
+            </a:lnRef>
+            <a:fillRef idx="1">
+              <a:schemeClr val="accent1"/>
+            </a:fillRef>
+            <a:effectRef idx="0">
+              <a:schemeClr val="accent1"/>
+            </a:effectRef>
+            <a:fontRef idx="minor">
+              <a:schemeClr val="lt1"/>
+            </a:fontRef>
+          </p:style>
+          <p:txBody>
+            <a:bodyPr rtlCol="0" anchor="ctr"/>
+            <a:lstStyle/>
+            <a:p>
+              <a:pPr algn="ctr"/>
+              <a:endParaRPr lang="en-US" sz="1200"/>
+            </a:p>
+          </p:txBody>
+        </p:sp>
+        <p:sp>
+          <p:nvSpPr>
+            <p:cNvPr id="12" name="Speech Bubble: Rectangle 11">
+              <a:extLst>
+                <a:ext uri="{FF2B5EF4-FFF2-40B4-BE49-F238E27FC236}">
+                  <a16:creationId xmlns:a16="http://schemas.microsoft.com/office/drawing/2014/main" id="{7289D9FE-5B12-4EF8-9E9E-A74D0D25C792}"/>
+                </a:ext>
+              </a:extLst>
+            </p:cNvPr>
+            <p:cNvSpPr/>
+            <p:nvPr/>
+          </p:nvSpPr>
+          <p:spPr>
+            <a:xfrm>
+              <a:off x="426030" y="5539774"/>
+              <a:ext cx="1523403" cy="561386"/>
+            </a:xfrm>
+            <a:prstGeom prst="wedgeRectCallout">
+              <a:avLst>
+                <a:gd name="adj1" fmla="val 61983"/>
+                <a:gd name="adj2" fmla="val 132835"/>
+              </a:avLst>
+            </a:prstGeom>
+          </p:spPr>
+          <p:style>
+            <a:lnRef idx="0">
+              <a:schemeClr val="accent1"/>
+            </a:lnRef>
+            <a:fillRef idx="3">
+              <a:schemeClr val="accent1"/>
+            </a:fillRef>
+            <a:effectRef idx="3">
+              <a:schemeClr val="accent1"/>
+            </a:effectRef>
+            <a:fontRef idx="minor">
+              <a:schemeClr val="lt1"/>
+            </a:fontRef>
+          </p:style>
+          <p:txBody>
+            <a:bodyPr rtlCol="0" anchor="ctr"/>
+            <a:lstStyle/>
+            <a:p>
+              <a:pPr algn="ctr"/>
+              <a:r>
+                <a:rPr lang="en-US" sz="1200" dirty="0"/>
+                <a:t>Encapsulated “measure”</a:t>
+              </a:r>
+            </a:p>
+          </p:txBody>
+        </p:sp>
+        <p:sp>
+          <p:nvSpPr>
+            <p:cNvPr id="13" name="Rectangle: Rounded Corners 12">
+              <a:extLst>
+                <a:ext uri="{FF2B5EF4-FFF2-40B4-BE49-F238E27FC236}">
+                  <a16:creationId xmlns:a16="http://schemas.microsoft.com/office/drawing/2014/main" id="{4FC7080C-14D5-4BBB-8438-F52B0B480289}"/>
+                </a:ext>
+              </a:extLst>
+            </p:cNvPr>
+            <p:cNvSpPr/>
+            <p:nvPr/>
+          </p:nvSpPr>
+          <p:spPr>
+            <a:xfrm>
+              <a:off x="2117255" y="6478731"/>
+              <a:ext cx="1405267" cy="197428"/>
+            </a:xfrm>
+            <a:prstGeom prst="roundRect">
+              <a:avLst/>
+            </a:prstGeom>
+            <a:noFill/>
+            <a:ln w="38100"/>
+          </p:spPr>
+          <p:style>
+            <a:lnRef idx="2">
+              <a:schemeClr val="accent1">
+                <a:shade val="50000"/>
+              </a:schemeClr>
+            </a:lnRef>
+            <a:fillRef idx="1">
+              <a:schemeClr val="accent1"/>
+            </a:fillRef>
+            <a:effectRef idx="0">
+              <a:schemeClr val="accent1"/>
+            </a:effectRef>
+            <a:fontRef idx="minor">
+              <a:schemeClr val="lt1"/>
+            </a:fontRef>
+          </p:style>
+          <p:txBody>
+            <a:bodyPr rtlCol="0" anchor="ctr"/>
+            <a:lstStyle/>
+            <a:p>
+              <a:pPr algn="ctr"/>
+              <a:endParaRPr lang="en-US" sz="1200"/>
+            </a:p>
+          </p:txBody>
+        </p:sp>
+        <p:sp>
+          <p:nvSpPr>
+            <p:cNvPr id="14" name="Rectangle: Rounded Corners 13">
+              <a:extLst>
+                <a:ext uri="{FF2B5EF4-FFF2-40B4-BE49-F238E27FC236}">
+                  <a16:creationId xmlns:a16="http://schemas.microsoft.com/office/drawing/2014/main" id="{3EA175E5-13B2-4160-9E7A-90713A141998}"/>
+                </a:ext>
+              </a:extLst>
+            </p:cNvPr>
+            <p:cNvSpPr/>
+            <p:nvPr/>
+          </p:nvSpPr>
+          <p:spPr>
+            <a:xfrm>
+              <a:off x="2365667" y="1674961"/>
+              <a:ext cx="2057400" cy="197429"/>
+            </a:xfrm>
+            <a:prstGeom prst="roundRect">
+              <a:avLst/>
+            </a:prstGeom>
+            <a:noFill/>
+            <a:ln w="38100"/>
+          </p:spPr>
+          <p:style>
+            <a:lnRef idx="2">
+              <a:schemeClr val="accent1">
+                <a:shade val="50000"/>
+              </a:schemeClr>
+            </a:lnRef>
+            <a:fillRef idx="1">
+              <a:schemeClr val="accent1"/>
+            </a:fillRef>
+            <a:effectRef idx="0">
+              <a:schemeClr val="accent1"/>
+            </a:effectRef>
+            <a:fontRef idx="minor">
+              <a:schemeClr val="lt1"/>
+            </a:fontRef>
+          </p:style>
+          <p:txBody>
+            <a:bodyPr rtlCol="0" anchor="ctr"/>
+            <a:lstStyle/>
+            <a:p>
+              <a:pPr algn="ctr"/>
+              <a:endParaRPr lang="en-US" sz="1200"/>
+            </a:p>
+          </p:txBody>
+        </p:sp>
+        <p:sp>
+          <p:nvSpPr>
+            <p:cNvPr id="15" name="Speech Bubble: Rectangle 14">
+              <a:extLst>
+                <a:ext uri="{FF2B5EF4-FFF2-40B4-BE49-F238E27FC236}">
+                  <a16:creationId xmlns:a16="http://schemas.microsoft.com/office/drawing/2014/main" id="{287C145D-D1D7-4589-BDCA-20AE193527FA}"/>
+                </a:ext>
+              </a:extLst>
+            </p:cNvPr>
+            <p:cNvSpPr/>
+            <p:nvPr/>
+          </p:nvSpPr>
+          <p:spPr>
+            <a:xfrm>
+              <a:off x="544167" y="862445"/>
+              <a:ext cx="1609622" cy="685799"/>
+            </a:xfrm>
+            <a:prstGeom prst="wedgeRectCallout">
+              <a:avLst>
+                <a:gd name="adj1" fmla="val 62629"/>
+                <a:gd name="adj2" fmla="val 72465"/>
+              </a:avLst>
+            </a:prstGeom>
+          </p:spPr>
+          <p:style>
+            <a:lnRef idx="0">
+              <a:schemeClr val="accent1"/>
+            </a:lnRef>
+            <a:fillRef idx="3">
+              <a:schemeClr val="accent1"/>
+            </a:fillRef>
+            <a:effectRef idx="3">
+              <a:schemeClr val="accent1"/>
+            </a:effectRef>
+            <a:fontRef idx="minor">
+              <a:schemeClr val="lt1"/>
+            </a:fontRef>
+          </p:style>
+          <p:txBody>
+            <a:bodyPr rtlCol="0" anchor="ctr"/>
+            <a:lstStyle/>
+            <a:p>
+              <a:pPr algn="ctr"/>
+              <a:r>
+                <a:rPr lang="en-US" sz="1200" dirty="0"/>
+                <a:t>“circumstance” choice</a:t>
+              </a:r>
+            </a:p>
+          </p:txBody>
+        </p:sp>
+        <p:sp>
+          <p:nvSpPr>
+            <p:cNvPr id="16" name="Rectangle: Rounded Corners 15">
+              <a:extLst>
+                <a:ext uri="{FF2B5EF4-FFF2-40B4-BE49-F238E27FC236}">
+                  <a16:creationId xmlns:a16="http://schemas.microsoft.com/office/drawing/2014/main" id="{B577EC71-7B72-4B4A-9556-67963172B16C}"/>
+                </a:ext>
+              </a:extLst>
+            </p:cNvPr>
+            <p:cNvSpPr/>
+            <p:nvPr/>
+          </p:nvSpPr>
+          <p:spPr>
+            <a:xfrm>
+              <a:off x="2549240" y="3344438"/>
+              <a:ext cx="1405267" cy="197428"/>
+            </a:xfrm>
+            <a:prstGeom prst="roundRect">
+              <a:avLst/>
+            </a:prstGeom>
+            <a:noFill/>
+            <a:ln w="38100"/>
+          </p:spPr>
+          <p:style>
+            <a:lnRef idx="2">
+              <a:schemeClr val="accent1">
+                <a:shade val="50000"/>
+              </a:schemeClr>
+            </a:lnRef>
+            <a:fillRef idx="1">
+              <a:schemeClr val="accent1"/>
+            </a:fillRef>
+            <a:effectRef idx="0">
+              <a:schemeClr val="accent1"/>
+            </a:effectRef>
+            <a:fontRef idx="minor">
+              <a:schemeClr val="lt1"/>
+            </a:fontRef>
+          </p:style>
+          <p:txBody>
+            <a:bodyPr rtlCol="0" anchor="ctr"/>
+            <a:lstStyle/>
+            <a:p>
+              <a:pPr algn="ctr"/>
+              <a:endParaRPr lang="en-US" sz="1200"/>
+            </a:p>
+          </p:txBody>
+        </p:sp>
+        <p:sp>
+          <p:nvSpPr>
+            <p:cNvPr id="17" name="Speech Bubble: Rectangle 16">
+              <a:extLst>
+                <a:ext uri="{FF2B5EF4-FFF2-40B4-BE49-F238E27FC236}">
+                  <a16:creationId xmlns:a16="http://schemas.microsoft.com/office/drawing/2014/main" id="{BB372486-B679-4E28-B31C-01AD68A45268}"/>
+                </a:ext>
+              </a:extLst>
+            </p:cNvPr>
+            <p:cNvSpPr/>
+            <p:nvPr/>
+          </p:nvSpPr>
+          <p:spPr>
+            <a:xfrm>
+              <a:off x="544166" y="2398091"/>
+              <a:ext cx="1405267" cy="791753"/>
+            </a:xfrm>
+            <a:prstGeom prst="wedgeRectCallout">
+              <a:avLst>
+                <a:gd name="adj1" fmla="val 97440"/>
+                <a:gd name="adj2" fmla="val 81652"/>
+              </a:avLst>
+            </a:prstGeom>
+          </p:spPr>
+          <p:style>
+            <a:lnRef idx="0">
+              <a:schemeClr val="accent1"/>
+            </a:lnRef>
+            <a:fillRef idx="3">
+              <a:schemeClr val="accent1"/>
+            </a:fillRef>
+            <a:effectRef idx="3">
+              <a:schemeClr val="accent1"/>
+            </a:effectRef>
+            <a:fontRef idx="minor">
+              <a:schemeClr val="lt1"/>
+            </a:fontRef>
+          </p:style>
+          <p:txBody>
+            <a:bodyPr rtlCol="0" anchor="ctr"/>
+            <a:lstStyle/>
+            <a:p>
+              <a:pPr algn="ctr"/>
+              <a:r>
+                <a:rPr lang="en-US" sz="1200" dirty="0"/>
+                <a:t> “result” choice</a:t>
+              </a:r>
+            </a:p>
+          </p:txBody>
+        </p:sp>
+        <p:sp>
+          <p:nvSpPr>
+            <p:cNvPr id="18" name="Speech Bubble: Rectangle 17">
+              <a:extLst>
+                <a:ext uri="{FF2B5EF4-FFF2-40B4-BE49-F238E27FC236}">
+                  <a16:creationId xmlns:a16="http://schemas.microsoft.com/office/drawing/2014/main" id="{FADB2A93-241B-403E-86B7-42E3896B9631}"/>
+                </a:ext>
+              </a:extLst>
+            </p:cNvPr>
+            <p:cNvSpPr/>
+            <p:nvPr/>
+          </p:nvSpPr>
+          <p:spPr>
+            <a:xfrm>
+              <a:off x="10590008" y="2122732"/>
+              <a:ext cx="1316180" cy="550718"/>
+            </a:xfrm>
+            <a:prstGeom prst="wedgeRectCallout">
+              <a:avLst>
+                <a:gd name="adj1" fmla="val -83684"/>
+                <a:gd name="adj2" fmla="val 80434"/>
+              </a:avLst>
+            </a:prstGeom>
+          </p:spPr>
+          <p:style>
+            <a:lnRef idx="0">
+              <a:schemeClr val="accent6"/>
+            </a:lnRef>
+            <a:fillRef idx="3">
+              <a:schemeClr val="accent6"/>
+            </a:fillRef>
+            <a:effectRef idx="3">
+              <a:schemeClr val="accent6"/>
+            </a:effectRef>
+            <a:fontRef idx="minor">
+              <a:schemeClr val="lt1"/>
+            </a:fontRef>
+          </p:style>
+          <p:txBody>
+            <a:bodyPr rtlCol="0" anchor="ctr"/>
+            <a:lstStyle/>
+            <a:p>
+              <a:pPr algn="ctr"/>
+              <a:r>
+                <a:rPr lang="en-US" sz="1200" dirty="0"/>
+                <a:t>Base class</a:t>
+              </a:r>
+            </a:p>
+          </p:txBody>
+        </p:sp>
+      </p:grpSp>
     </p:spTree>
     <p:extLst>
       <p:ext uri="{BB962C8B-B14F-4D97-AF65-F5344CB8AC3E}">
-        <p14:creationId xmlns:p14="http://schemas.microsoft.com/office/powerpoint/2010/main" val="3781973173"/>
+        <p14:creationId xmlns:p14="http://schemas.microsoft.com/office/powerpoint/2010/main" val="3333498156"/>
       </p:ext>
     </p:extLst>
   </p:cSld>
@@ -8388,10 +8684,10 @@
       </p:grpSpPr>
       <p:sp>
         <p:nvSpPr>
-          <p:cNvPr id="2" name="Title 1">
+          <p:cNvPr id="5" name="Title 4">
             <a:extLst>
               <a:ext uri="{FF2B5EF4-FFF2-40B4-BE49-F238E27FC236}">
-                <a16:creationId xmlns:a16="http://schemas.microsoft.com/office/drawing/2014/main" id="{04CB89BB-77AD-4888-B09C-9F6395386889}"/>
+                <a16:creationId xmlns:a16="http://schemas.microsoft.com/office/drawing/2014/main" id="{994FB158-ADFF-4BA2-A46A-34294FE2461E}"/>
               </a:ext>
             </a:extLst>
           </p:cNvPr>
@@ -8409,17 +8705,46 @@
           <a:p>
             <a:r>
               <a:rPr lang="en-US" dirty="0"/>
-              <a:t>Polymorphic  structures: Circumstance</a:t>
+              <a:t>ANF Building Blocks</a:t>
             </a:r>
+          </a:p>
+        </p:txBody>
+      </p:sp>
+      <p:sp>
+        <p:nvSpPr>
+          <p:cNvPr id="4" name="Slide Number Placeholder 3">
+            <a:extLst>
+              <a:ext uri="{FF2B5EF4-FFF2-40B4-BE49-F238E27FC236}">
+                <a16:creationId xmlns:a16="http://schemas.microsoft.com/office/drawing/2014/main" id="{AD9AE9D3-C142-41CB-ADA0-735B4EBEB762}"/>
+              </a:ext>
+            </a:extLst>
+          </p:cNvPr>
+          <p:cNvSpPr>
+            <a:spLocks noGrp="1"/>
+          </p:cNvSpPr>
+          <p:nvPr>
+            <p:ph type="sldNum" sz="quarter" idx="12"/>
+          </p:nvPr>
+        </p:nvSpPr>
+        <p:spPr/>
+        <p:txBody>
+          <a:bodyPr/>
+          <a:lstStyle/>
+          <a:p>
+            <a:fld id="{88B1D514-9158-7143-952E-69DC611F0F0B}" type="slidenum">
+              <a:rPr lang="en-US" smtClean="0"/>
+              <a:t>4</a:t>
+            </a:fld>
+            <a:endParaRPr lang="en-US"/>
           </a:p>
         </p:txBody>
       </p:sp>
       <p:pic>
         <p:nvPicPr>
-          <p:cNvPr id="4" name="Picture 3" descr="A close up of a map&#10;&#10;Description generated with high confidence">
+          <p:cNvPr id="7" name="Picture 6" descr="A screenshot of a social media post&#10;&#10;Description generated with very high confidence">
             <a:extLst>
               <a:ext uri="{FF2B5EF4-FFF2-40B4-BE49-F238E27FC236}">
-                <a16:creationId xmlns:a16="http://schemas.microsoft.com/office/drawing/2014/main" id="{6E8666FB-BF65-4D25-8531-BD4F40AE13B7}"/>
+                <a16:creationId xmlns:a16="http://schemas.microsoft.com/office/drawing/2014/main" id="{78A265A5-E37F-432A-BB01-1E1FDA2544CB}"/>
               </a:ext>
             </a:extLst>
           </p:cNvPr>
@@ -8442,8 +8767,8 @@
         </p:blipFill>
         <p:spPr>
           <a:xfrm>
-            <a:off x="1939203" y="1409700"/>
-            <a:ext cx="7648575" cy="5448300"/>
+            <a:off x="887952" y="1981857"/>
+            <a:ext cx="9830340" cy="3882916"/>
           </a:xfrm>
           <a:prstGeom prst="rect">
             <a:avLst/>
@@ -8453,7 +8778,7 @@
     </p:spTree>
     <p:extLst>
       <p:ext uri="{BB962C8B-B14F-4D97-AF65-F5344CB8AC3E}">
-        <p14:creationId xmlns:p14="http://schemas.microsoft.com/office/powerpoint/2010/main" val="813989556"/>
+        <p14:creationId xmlns:p14="http://schemas.microsoft.com/office/powerpoint/2010/main" val="3364854667"/>
       </p:ext>
     </p:extLst>
   </p:cSld>
@@ -8482,10 +8807,10 @@
       </p:grpSpPr>
       <p:sp>
         <p:nvSpPr>
-          <p:cNvPr id="2" name="Title 1">
+          <p:cNvPr id="5" name="Title 4">
             <a:extLst>
               <a:ext uri="{FF2B5EF4-FFF2-40B4-BE49-F238E27FC236}">
-                <a16:creationId xmlns:a16="http://schemas.microsoft.com/office/drawing/2014/main" id="{04CB89BB-77AD-4888-B09C-9F6395386889}"/>
+                <a16:creationId xmlns:a16="http://schemas.microsoft.com/office/drawing/2014/main" id="{994FB158-ADFF-4BA2-A46A-34294FE2461E}"/>
               </a:ext>
             </a:extLst>
           </p:cNvPr>
@@ -8503,17 +8828,46 @@
           <a:p>
             <a:r>
               <a:rPr lang="en-US" dirty="0"/>
-              <a:t>Polymorphic  structures: Result</a:t>
+              <a:t>ANF Polymorphic Structures: Circumstance</a:t>
             </a:r>
+          </a:p>
+        </p:txBody>
+      </p:sp>
+      <p:sp>
+        <p:nvSpPr>
+          <p:cNvPr id="4" name="Slide Number Placeholder 3">
+            <a:extLst>
+              <a:ext uri="{FF2B5EF4-FFF2-40B4-BE49-F238E27FC236}">
+                <a16:creationId xmlns:a16="http://schemas.microsoft.com/office/drawing/2014/main" id="{AD9AE9D3-C142-41CB-ADA0-735B4EBEB762}"/>
+              </a:ext>
+            </a:extLst>
+          </p:cNvPr>
+          <p:cNvSpPr>
+            <a:spLocks noGrp="1"/>
+          </p:cNvSpPr>
+          <p:nvPr>
+            <p:ph type="sldNum" sz="quarter" idx="12"/>
+          </p:nvPr>
+        </p:nvSpPr>
+        <p:spPr/>
+        <p:txBody>
+          <a:bodyPr/>
+          <a:lstStyle/>
+          <a:p>
+            <a:fld id="{88B1D514-9158-7143-952E-69DC611F0F0B}" type="slidenum">
+              <a:rPr lang="en-US" smtClean="0"/>
+              <a:t>5</a:t>
+            </a:fld>
+            <a:endParaRPr lang="en-US"/>
           </a:p>
         </p:txBody>
       </p:sp>
       <p:pic>
         <p:nvPicPr>
-          <p:cNvPr id="5" name="Picture 4" descr="A close up of a map&#10;&#10;Description generated with very high confidence">
+          <p:cNvPr id="6" name="Picture 5" descr="A close up of a map&#10;&#10;Description generated with high confidence">
             <a:extLst>
               <a:ext uri="{FF2B5EF4-FFF2-40B4-BE49-F238E27FC236}">
-                <a16:creationId xmlns:a16="http://schemas.microsoft.com/office/drawing/2014/main" id="{821E985C-8F9D-46CF-AECD-8F50934F85D3}"/>
+                <a16:creationId xmlns:a16="http://schemas.microsoft.com/office/drawing/2014/main" id="{7ED8E24E-5807-41F8-BB37-78C604019937}"/>
               </a:ext>
             </a:extLst>
           </p:cNvPr>
@@ -8536,7 +8890,253 @@
         </p:blipFill>
         <p:spPr>
           <a:xfrm>
-            <a:off x="1719452" y="1499425"/>
+            <a:off x="1939203" y="1409700"/>
+            <a:ext cx="7648575" cy="5448300"/>
+          </a:xfrm>
+          <a:prstGeom prst="rect">
+            <a:avLst/>
+          </a:prstGeom>
+        </p:spPr>
+      </p:pic>
+    </p:spTree>
+    <p:extLst>
+      <p:ext uri="{BB962C8B-B14F-4D97-AF65-F5344CB8AC3E}">
+        <p14:creationId xmlns:p14="http://schemas.microsoft.com/office/powerpoint/2010/main" val="400432279"/>
+      </p:ext>
+    </p:extLst>
+  </p:cSld>
+  <p:clrMapOvr>
+    <a:masterClrMapping/>
+  </p:clrMapOvr>
+</p:sld>
+</file>
+
+<file path=ppt/slides/slide6.xml><?xml version="1.0" encoding="utf-8"?>
+<p:sld xmlns:a="http://schemas.openxmlformats.org/drawingml/2006/main" xmlns:r="http://schemas.openxmlformats.org/officeDocument/2006/relationships" xmlns:p="http://schemas.openxmlformats.org/presentationml/2006/main">
+  <p:cSld>
+    <p:spTree>
+      <p:nvGrpSpPr>
+        <p:cNvPr id="1" name=""/>
+        <p:cNvGrpSpPr/>
+        <p:nvPr/>
+      </p:nvGrpSpPr>
+      <p:grpSpPr>
+        <a:xfrm>
+          <a:off x="0" y="0"/>
+          <a:ext cx="0" cy="0"/>
+          <a:chOff x="0" y="0"/>
+          <a:chExt cx="0" cy="0"/>
+        </a:xfrm>
+      </p:grpSpPr>
+      <p:sp>
+        <p:nvSpPr>
+          <p:cNvPr id="5" name="Title 4">
+            <a:extLst>
+              <a:ext uri="{FF2B5EF4-FFF2-40B4-BE49-F238E27FC236}">
+                <a16:creationId xmlns:a16="http://schemas.microsoft.com/office/drawing/2014/main" id="{994FB158-ADFF-4BA2-A46A-34294FE2461E}"/>
+              </a:ext>
+            </a:extLst>
+          </p:cNvPr>
+          <p:cNvSpPr>
+            <a:spLocks noGrp="1"/>
+          </p:cNvSpPr>
+          <p:nvPr>
+            <p:ph type="title"/>
+          </p:nvPr>
+        </p:nvSpPr>
+        <p:spPr/>
+        <p:txBody>
+          <a:bodyPr/>
+          <a:lstStyle/>
+          <a:p>
+            <a:r>
+              <a:rPr lang="en-US" dirty="0"/>
+              <a:t>ANF Polymorphic Structures: Result</a:t>
+            </a:r>
+          </a:p>
+        </p:txBody>
+      </p:sp>
+      <p:sp>
+        <p:nvSpPr>
+          <p:cNvPr id="4" name="Slide Number Placeholder 3">
+            <a:extLst>
+              <a:ext uri="{FF2B5EF4-FFF2-40B4-BE49-F238E27FC236}">
+                <a16:creationId xmlns:a16="http://schemas.microsoft.com/office/drawing/2014/main" id="{AD9AE9D3-C142-41CB-ADA0-735B4EBEB762}"/>
+              </a:ext>
+            </a:extLst>
+          </p:cNvPr>
+          <p:cNvSpPr>
+            <a:spLocks noGrp="1"/>
+          </p:cNvSpPr>
+          <p:nvPr>
+            <p:ph type="sldNum" sz="quarter" idx="12"/>
+          </p:nvPr>
+        </p:nvSpPr>
+        <p:spPr/>
+        <p:txBody>
+          <a:bodyPr/>
+          <a:lstStyle/>
+          <a:p>
+            <a:fld id="{88B1D514-9158-7143-952E-69DC611F0F0B}" type="slidenum">
+              <a:rPr lang="en-US" smtClean="0"/>
+              <a:t>6</a:t>
+            </a:fld>
+            <a:endParaRPr lang="en-US"/>
+          </a:p>
+        </p:txBody>
+      </p:sp>
+      <p:pic>
+        <p:nvPicPr>
+          <p:cNvPr id="7" name="Picture 6" descr="A close up of a map&#10;&#10;Description generated with high confidence">
+            <a:extLst>
+              <a:ext uri="{FF2B5EF4-FFF2-40B4-BE49-F238E27FC236}">
+                <a16:creationId xmlns:a16="http://schemas.microsoft.com/office/drawing/2014/main" id="{CB961C2A-AE65-4220-AA1C-780F324DE6E8}"/>
+              </a:ext>
+            </a:extLst>
+          </p:cNvPr>
+          <p:cNvPicPr>
+            <a:picLocks noChangeAspect="1"/>
+          </p:cNvPicPr>
+          <p:nvPr/>
+        </p:nvPicPr>
+        <p:blipFill>
+          <a:blip r:embed="rId2">
+            <a:extLst>
+              <a:ext uri="{28A0092B-C50C-407E-A947-70E740481C1C}">
+                <a14:useLocalDpi xmlns:a14="http://schemas.microsoft.com/office/drawing/2010/main" val="0"/>
+              </a:ext>
+            </a:extLst>
+          </a:blip>
+          <a:stretch>
+            <a:fillRect/>
+          </a:stretch>
+        </p:blipFill>
+        <p:spPr>
+          <a:xfrm>
+            <a:off x="1939203" y="1409700"/>
+            <a:ext cx="7648575" cy="5448300"/>
+          </a:xfrm>
+          <a:prstGeom prst="rect">
+            <a:avLst/>
+          </a:prstGeom>
+        </p:spPr>
+      </p:pic>
+    </p:spTree>
+    <p:extLst>
+      <p:ext uri="{BB962C8B-B14F-4D97-AF65-F5344CB8AC3E}">
+        <p14:creationId xmlns:p14="http://schemas.microsoft.com/office/powerpoint/2010/main" val="2892127130"/>
+      </p:ext>
+    </p:extLst>
+  </p:cSld>
+  <p:clrMapOvr>
+    <a:masterClrMapping/>
+  </p:clrMapOvr>
+</p:sld>
+</file>
+
+<file path=ppt/slides/slide7.xml><?xml version="1.0" encoding="utf-8"?>
+<p:sld xmlns:a="http://schemas.openxmlformats.org/drawingml/2006/main" xmlns:r="http://schemas.openxmlformats.org/officeDocument/2006/relationships" xmlns:p="http://schemas.openxmlformats.org/presentationml/2006/main">
+  <p:cSld>
+    <p:spTree>
+      <p:nvGrpSpPr>
+        <p:cNvPr id="1" name=""/>
+        <p:cNvGrpSpPr/>
+        <p:nvPr/>
+      </p:nvGrpSpPr>
+      <p:grpSpPr>
+        <a:xfrm>
+          <a:off x="0" y="0"/>
+          <a:ext cx="0" cy="0"/>
+          <a:chOff x="0" y="0"/>
+          <a:chExt cx="0" cy="0"/>
+        </a:xfrm>
+      </p:grpSpPr>
+      <p:sp>
+        <p:nvSpPr>
+          <p:cNvPr id="2" name="Title 1">
+            <a:extLst>
+              <a:ext uri="{FF2B5EF4-FFF2-40B4-BE49-F238E27FC236}">
+                <a16:creationId xmlns:a16="http://schemas.microsoft.com/office/drawing/2014/main" id="{2BF60067-07BA-47F2-B2AB-DB466B1F86D9}"/>
+              </a:ext>
+            </a:extLst>
+          </p:cNvPr>
+          <p:cNvSpPr>
+            <a:spLocks noGrp="1"/>
+          </p:cNvSpPr>
+          <p:nvPr>
+            <p:ph type="title"/>
+          </p:nvPr>
+        </p:nvSpPr>
+        <p:spPr/>
+        <p:txBody>
+          <a:bodyPr/>
+          <a:lstStyle/>
+          <a:p>
+            <a:r>
+              <a:rPr lang="en-US" dirty="0"/>
+              <a:t>Example: Order Vital Signs Exam</a:t>
+            </a:r>
+          </a:p>
+        </p:txBody>
+      </p:sp>
+      <p:sp>
+        <p:nvSpPr>
+          <p:cNvPr id="3" name="Slide Number Placeholder 2">
+            <a:extLst>
+              <a:ext uri="{FF2B5EF4-FFF2-40B4-BE49-F238E27FC236}">
+                <a16:creationId xmlns:a16="http://schemas.microsoft.com/office/drawing/2014/main" id="{EE6449A5-CC92-47CA-813B-B0BF7C9F2A13}"/>
+              </a:ext>
+            </a:extLst>
+          </p:cNvPr>
+          <p:cNvSpPr>
+            <a:spLocks noGrp="1"/>
+          </p:cNvSpPr>
+          <p:nvPr>
+            <p:ph type="sldNum" sz="quarter" idx="12"/>
+          </p:nvPr>
+        </p:nvSpPr>
+        <p:spPr/>
+        <p:txBody>
+          <a:bodyPr/>
+          <a:lstStyle/>
+          <a:p>
+            <a:fld id="{88B1D514-9158-7143-952E-69DC611F0F0B}" type="slidenum">
+              <a:rPr lang="en-US" smtClean="0"/>
+              <a:t>7</a:t>
+            </a:fld>
+            <a:endParaRPr lang="en-US"/>
+          </a:p>
+        </p:txBody>
+      </p:sp>
+      <p:pic>
+        <p:nvPicPr>
+          <p:cNvPr id="18" name="Picture 17" descr="A close up of a map&#10;&#10;Description generated with very high confidence">
+            <a:extLst>
+              <a:ext uri="{FF2B5EF4-FFF2-40B4-BE49-F238E27FC236}">
+                <a16:creationId xmlns:a16="http://schemas.microsoft.com/office/drawing/2014/main" id="{AE183081-D23F-41D1-A070-6571BB3179D7}"/>
+              </a:ext>
+            </a:extLst>
+          </p:cNvPr>
+          <p:cNvPicPr>
+            <a:picLocks noChangeAspect="1"/>
+          </p:cNvPicPr>
+          <p:nvPr/>
+        </p:nvPicPr>
+        <p:blipFill>
+          <a:blip r:embed="rId2">
+            <a:extLst>
+              <a:ext uri="{28A0092B-C50C-407E-A947-70E740481C1C}">
+                <a14:useLocalDpi xmlns:a14="http://schemas.microsoft.com/office/drawing/2010/main" val="0"/>
+              </a:ext>
+            </a:extLst>
+          </a:blip>
+          <a:stretch>
+            <a:fillRect/>
+          </a:stretch>
+        </p:blipFill>
+        <p:spPr>
+          <a:xfrm>
+            <a:off x="1696720" y="1234440"/>
             <a:ext cx="8335561" cy="5358575"/>
           </a:xfrm>
           <a:prstGeom prst="rect">
@@ -8547,7 +9147,7 @@
     </p:spTree>
     <p:extLst>
       <p:ext uri="{BB962C8B-B14F-4D97-AF65-F5344CB8AC3E}">
-        <p14:creationId xmlns:p14="http://schemas.microsoft.com/office/powerpoint/2010/main" val="2527862498"/>
+        <p14:creationId xmlns:p14="http://schemas.microsoft.com/office/powerpoint/2010/main" val="1971417269"/>
       </p:ext>
     </p:extLst>
   </p:cSld>
@@ -8557,7 +9157,7 @@
 </p:sld>
 </file>
 
-<file path=ppt/slides/slide6.xml><?xml version="1.0" encoding="utf-8"?>
+<file path=ppt/slides/slide8.xml><?xml version="1.0" encoding="utf-8"?>
 <p:sld xmlns:a="http://schemas.openxmlformats.org/drawingml/2006/main" xmlns:r="http://schemas.openxmlformats.org/officeDocument/2006/relationships" xmlns:p="http://schemas.openxmlformats.org/presentationml/2006/main">
   <p:cSld>
     <p:spTree>
@@ -9174,35 +9774,40 @@
       </p:sp>
       <p:sp>
         <p:nvSpPr>
-          <p:cNvPr id="25" name="TextBox 24">
+          <p:cNvPr id="2" name="Title 1">
             <a:extLst>
               <a:ext uri="{FF2B5EF4-FFF2-40B4-BE49-F238E27FC236}">
-                <a16:creationId xmlns:a16="http://schemas.microsoft.com/office/drawing/2014/main" id="{CA744A28-B806-4EA1-AEFE-B0F151795FF8}"/>
+                <a16:creationId xmlns:a16="http://schemas.microsoft.com/office/drawing/2014/main" id="{E5765E27-EEBF-480A-807C-3EEE798D6703}"/>
               </a:ext>
             </a:extLst>
           </p:cNvPr>
-          <p:cNvSpPr txBox="1"/>
-          <p:nvPr/>
+          <p:cNvSpPr>
+            <a:spLocks noGrp="1"/>
+          </p:cNvSpPr>
+          <p:nvPr>
+            <p:ph type="title"/>
+          </p:nvPr>
         </p:nvSpPr>
         <p:spPr>
           <a:xfrm>
-            <a:off x="5768679" y="4677175"/>
-            <a:ext cx="2668423" cy="400110"/>
+            <a:off x="5564459" y="119412"/>
+            <a:ext cx="5062653" cy="859536"/>
           </a:xfrm>
-          <a:prstGeom prst="rect">
-            <a:avLst/>
-          </a:prstGeom>
-          <a:noFill/>
         </p:spPr>
         <p:txBody>
-          <a:bodyPr wrap="none" rtlCol="0">
-            <a:spAutoFit/>
-          </a:bodyPr>
+          <a:bodyPr/>
           <a:lstStyle/>
           <a:p>
             <a:r>
-              <a:rPr lang="en-US" sz="2000" b="1" dirty="0"/>
-              <a:t>Order vital signs exam: </a:t>
+              <a:rPr lang="en-US" dirty="0"/>
+              <a:t>                                         Example: </a:t>
+            </a:r>
+            <a:br>
+              <a:rPr lang="en-US" dirty="0"/>
+            </a:br>
+            <a:r>
+              <a:rPr lang="en-US" dirty="0"/>
+              <a:t>Order vital signs exam</a:t>
             </a:r>
           </a:p>
         </p:txBody>
@@ -9220,7 +9825,7 @@
 </p:sld>
 </file>
 
-<file path=ppt/slides/slide7.xml><?xml version="1.0" encoding="utf-8"?>
+<file path=ppt/slides/slide9.xml><?xml version="1.0" encoding="utf-8"?>
 <p:sld xmlns:a="http://schemas.openxmlformats.org/drawingml/2006/main" xmlns:r="http://schemas.openxmlformats.org/officeDocument/2006/relationships" xmlns:p="http://schemas.openxmlformats.org/presentationml/2006/main">
   <p:cSld>
     <p:spTree>
@@ -9790,8 +10395,8 @@
         </p:nvSpPr>
         <p:spPr>
           <a:xfrm>
-            <a:off x="5376672" y="5208803"/>
-            <a:ext cx="6681215" cy="461665"/>
+            <a:off x="5084956" y="5208803"/>
+            <a:ext cx="6972931" cy="461665"/>
           </a:xfrm>
           <a:prstGeom prst="rect">
             <a:avLst/>
@@ -9835,35 +10440,59 @@
       </p:sp>
       <p:sp>
         <p:nvSpPr>
-          <p:cNvPr id="25" name="TextBox 24">
+          <p:cNvPr id="17" name="Title 1">
             <a:extLst>
               <a:ext uri="{FF2B5EF4-FFF2-40B4-BE49-F238E27FC236}">
-                <a16:creationId xmlns:a16="http://schemas.microsoft.com/office/drawing/2014/main" id="{CA744A28-B806-4EA1-AEFE-B0F151795FF8}"/>
+                <a16:creationId xmlns:a16="http://schemas.microsoft.com/office/drawing/2014/main" id="{2ACBAC90-A9C2-4701-BF7F-0B80F666EBDF}"/>
               </a:ext>
             </a:extLst>
           </p:cNvPr>
-          <p:cNvSpPr txBox="1"/>
+          <p:cNvSpPr txBox="1">
+            <a:spLocks/>
+          </p:cNvSpPr>
           <p:nvPr/>
         </p:nvSpPr>
         <p:spPr>
           <a:xfrm>
-            <a:off x="5376045" y="4708857"/>
-            <a:ext cx="3979679" cy="400110"/>
+            <a:off x="5376045" y="-217117"/>
+            <a:ext cx="5542155" cy="859536"/>
           </a:xfrm>
           <a:prstGeom prst="rect">
             <a:avLst/>
           </a:prstGeom>
-          <a:noFill/>
         </p:spPr>
         <p:txBody>
-          <a:bodyPr wrap="none" rtlCol="0">
-            <a:spAutoFit/>
-          </a:bodyPr>
-          <a:lstStyle/>
+          <a:bodyPr/>
+          <a:lstStyle>
+            <a:lvl1pPr algn="l" defTabSz="914400" rtl="0" eaLnBrk="1" latinLnBrk="0" hangingPunct="1">
+              <a:lnSpc>
+                <a:spcPct val="80000"/>
+              </a:lnSpc>
+              <a:spcBef>
+                <a:spcPct val="0"/>
+              </a:spcBef>
+              <a:buNone/>
+              <a:defRPr lang="en-US" sz="3200" b="1" i="0" kern="1200" cap="none" spc="0" baseline="0" dirty="0">
+                <a:solidFill>
+                  <a:schemeClr val="accent1"/>
+                </a:solidFill>
+                <a:latin typeface="+mn-lt"/>
+                <a:ea typeface="Open Sans Semibold" panose="020B0706030804020204" pitchFamily="34" charset="0"/>
+                <a:cs typeface="Open Sans Semibold" panose="020B0706030804020204" pitchFamily="34" charset="0"/>
+              </a:defRPr>
+            </a:lvl1pPr>
+          </a:lstStyle>
           <a:p>
             <a:r>
-              <a:rPr lang="en-US" sz="2000" b="1" dirty="0"/>
-              <a:t>Record vital signs exam completed: </a:t>
+              <a:rPr lang="en-US" dirty="0"/>
+              <a:t>                                         Example: </a:t>
+            </a:r>
+            <a:br>
+              <a:rPr lang="en-US" dirty="0"/>
+            </a:br>
+            <a:r>
+              <a:rPr lang="en-US" dirty="0"/>
+              <a:t>Vital signs exam completed</a:t>
             </a:r>
           </a:p>
         </p:txBody>
@@ -9881,1333 +10510,469 @@
 </p:sld>
 </file>
 
-<file path=ppt/slides/slide8.xml><?xml version="1.0" encoding="utf-8"?>
-<p:sld xmlns:a="http://schemas.openxmlformats.org/drawingml/2006/main" xmlns:r="http://schemas.openxmlformats.org/officeDocument/2006/relationships" xmlns:p="http://schemas.openxmlformats.org/presentationml/2006/main">
-  <p:cSld>
-    <p:spTree>
-      <p:nvGrpSpPr>
-        <p:cNvPr id="1" name=""/>
-        <p:cNvGrpSpPr/>
-        <p:nvPr/>
-      </p:nvGrpSpPr>
-      <p:grpSpPr>
-        <a:xfrm>
-          <a:off x="0" y="0"/>
-          <a:ext cx="0" cy="0"/>
-          <a:chOff x="0" y="0"/>
-          <a:chExt cx="0" cy="0"/>
-        </a:xfrm>
-      </p:grpSpPr>
-      <p:pic>
-        <p:nvPicPr>
-          <p:cNvPr id="15" name="Picture 14" descr="A screenshot of a social media post&#10;&#10;Description generated with very high confidence">
-            <a:extLst>
-              <a:ext uri="{FF2B5EF4-FFF2-40B4-BE49-F238E27FC236}">
-                <a16:creationId xmlns:a16="http://schemas.microsoft.com/office/drawing/2014/main" id="{66D43B52-3837-4750-85C2-031F353E7A7C}"/>
-              </a:ext>
-            </a:extLst>
-          </p:cNvPr>
-          <p:cNvPicPr>
-            <a:picLocks noChangeAspect="1"/>
-          </p:cNvPicPr>
-          <p:nvPr/>
-        </p:nvPicPr>
-        <p:blipFill>
-          <a:blip r:embed="rId2">
-            <a:extLst>
-              <a:ext uri="{28A0092B-C50C-407E-A947-70E740481C1C}">
-                <a14:useLocalDpi xmlns:a14="http://schemas.microsoft.com/office/drawing/2010/main" val="0"/>
-              </a:ext>
-            </a:extLst>
-          </a:blip>
-          <a:stretch>
-            <a:fillRect/>
-          </a:stretch>
-        </p:blipFill>
-        <p:spPr>
-          <a:xfrm>
-            <a:off x="1727025" y="-145650"/>
-            <a:ext cx="8819751" cy="7177603"/>
-          </a:xfrm>
-          <a:prstGeom prst="rect">
-            <a:avLst/>
-          </a:prstGeom>
-        </p:spPr>
-      </p:pic>
-      <p:sp>
-        <p:nvSpPr>
-          <p:cNvPr id="3" name="Rectangle: Rounded Corners 2">
-            <a:extLst>
-              <a:ext uri="{FF2B5EF4-FFF2-40B4-BE49-F238E27FC236}">
-                <a16:creationId xmlns:a16="http://schemas.microsoft.com/office/drawing/2014/main" id="{DF369671-F1BF-4F3B-97B8-296885F5351D}"/>
-              </a:ext>
-            </a:extLst>
-          </p:cNvPr>
-          <p:cNvSpPr/>
-          <p:nvPr/>
-        </p:nvSpPr>
-        <p:spPr>
-          <a:xfrm>
-            <a:off x="2365667" y="1674961"/>
-            <a:ext cx="2057400" cy="197429"/>
-          </a:xfrm>
-          <a:prstGeom prst="roundRect">
-            <a:avLst/>
-          </a:prstGeom>
-          <a:noFill/>
-          <a:ln w="38100">
-            <a:solidFill>
-              <a:srgbClr val="002060"/>
-            </a:solidFill>
-          </a:ln>
-        </p:spPr>
-        <p:style>
-          <a:lnRef idx="2">
-            <a:schemeClr val="accent1">
-              <a:shade val="50000"/>
-            </a:schemeClr>
-          </a:lnRef>
-          <a:fillRef idx="1">
-            <a:schemeClr val="accent1"/>
-          </a:fillRef>
-          <a:effectRef idx="0">
-            <a:schemeClr val="accent1"/>
-          </a:effectRef>
-          <a:fontRef idx="minor">
-            <a:schemeClr val="lt1"/>
-          </a:fontRef>
-        </p:style>
-        <p:txBody>
-          <a:bodyPr rtlCol="0" anchor="ctr"/>
-          <a:lstStyle/>
-          <a:p>
-            <a:pPr algn="ctr"/>
-            <a:endParaRPr lang="en-US"/>
-          </a:p>
-        </p:txBody>
-      </p:sp>
-      <p:sp>
-        <p:nvSpPr>
-          <p:cNvPr id="4" name="Rectangle: Rounded Corners 3">
-            <a:extLst>
-              <a:ext uri="{FF2B5EF4-FFF2-40B4-BE49-F238E27FC236}">
-                <a16:creationId xmlns:a16="http://schemas.microsoft.com/office/drawing/2014/main" id="{B12FBBB4-8510-4746-BBDE-3D14A3A18498}"/>
-              </a:ext>
-            </a:extLst>
-          </p:cNvPr>
-          <p:cNvSpPr/>
-          <p:nvPr/>
-        </p:nvSpPr>
-        <p:spPr>
-          <a:xfrm>
-            <a:off x="5699050" y="1244009"/>
-            <a:ext cx="1286541" cy="453277"/>
-          </a:xfrm>
-          <a:prstGeom prst="roundRect">
-            <a:avLst/>
-          </a:prstGeom>
-          <a:noFill/>
-          <a:ln w="38100">
-            <a:solidFill>
-              <a:srgbClr val="002060"/>
-            </a:solidFill>
-          </a:ln>
-        </p:spPr>
-        <p:style>
-          <a:lnRef idx="2">
-            <a:schemeClr val="accent1">
-              <a:shade val="50000"/>
-            </a:schemeClr>
-          </a:lnRef>
-          <a:fillRef idx="1">
-            <a:schemeClr val="accent1"/>
-          </a:fillRef>
-          <a:effectRef idx="0">
-            <a:schemeClr val="accent1"/>
-          </a:effectRef>
-          <a:fontRef idx="minor">
-            <a:schemeClr val="lt1"/>
-          </a:fontRef>
-        </p:style>
-        <p:txBody>
-          <a:bodyPr rtlCol="0" anchor="ctr"/>
-          <a:lstStyle/>
-          <a:p>
-            <a:pPr algn="ctr"/>
-            <a:endParaRPr lang="en-US">
-              <a:solidFill>
-                <a:srgbClr val="002060"/>
-              </a:solidFill>
-            </a:endParaRPr>
-          </a:p>
-        </p:txBody>
-      </p:sp>
-      <p:sp>
-        <p:nvSpPr>
-          <p:cNvPr id="6" name="Rectangle: Rounded Corners 5">
-            <a:extLst>
-              <a:ext uri="{FF2B5EF4-FFF2-40B4-BE49-F238E27FC236}">
-                <a16:creationId xmlns:a16="http://schemas.microsoft.com/office/drawing/2014/main" id="{82635947-4049-4804-92F8-19B982DC3FBA}"/>
-              </a:ext>
-            </a:extLst>
-          </p:cNvPr>
-          <p:cNvSpPr/>
-          <p:nvPr/>
-        </p:nvSpPr>
-        <p:spPr>
-          <a:xfrm>
-            <a:off x="2510135" y="2778638"/>
-            <a:ext cx="2401188" cy="1167930"/>
-          </a:xfrm>
-          <a:prstGeom prst="roundRect">
-            <a:avLst/>
-          </a:prstGeom>
-          <a:noFill/>
-          <a:ln w="38100">
-            <a:solidFill>
-              <a:srgbClr val="002060"/>
-            </a:solidFill>
-          </a:ln>
-        </p:spPr>
-        <p:style>
-          <a:lnRef idx="2">
-            <a:schemeClr val="accent1">
-              <a:shade val="50000"/>
-            </a:schemeClr>
-          </a:lnRef>
-          <a:fillRef idx="1">
-            <a:schemeClr val="accent1"/>
-          </a:fillRef>
-          <a:effectRef idx="0">
-            <a:schemeClr val="accent1"/>
-          </a:effectRef>
-          <a:fontRef idx="minor">
-            <a:schemeClr val="lt1"/>
-          </a:fontRef>
-        </p:style>
-        <p:txBody>
-          <a:bodyPr rtlCol="0" anchor="ctr"/>
-          <a:lstStyle/>
-          <a:p>
-            <a:pPr algn="ctr"/>
-            <a:endParaRPr lang="en-US">
-              <a:solidFill>
-                <a:srgbClr val="002060"/>
-              </a:solidFill>
-            </a:endParaRPr>
-          </a:p>
-        </p:txBody>
-      </p:sp>
-      <p:sp>
-        <p:nvSpPr>
-          <p:cNvPr id="7" name="Rectangle: Rounded Corners 6">
-            <a:extLst>
-              <a:ext uri="{FF2B5EF4-FFF2-40B4-BE49-F238E27FC236}">
-                <a16:creationId xmlns:a16="http://schemas.microsoft.com/office/drawing/2014/main" id="{8BEB8229-8746-44FB-A582-D477E3E53494}"/>
-              </a:ext>
-            </a:extLst>
-          </p:cNvPr>
-          <p:cNvSpPr/>
-          <p:nvPr/>
-        </p:nvSpPr>
-        <p:spPr>
-          <a:xfrm>
-            <a:off x="2604267" y="3352637"/>
-            <a:ext cx="1881964" cy="160927"/>
-          </a:xfrm>
-          <a:prstGeom prst="roundRect">
-            <a:avLst/>
-          </a:prstGeom>
-          <a:noFill/>
-          <a:ln w="38100">
-            <a:solidFill>
-              <a:srgbClr val="002060"/>
-            </a:solidFill>
-          </a:ln>
-        </p:spPr>
-        <p:style>
-          <a:lnRef idx="2">
-            <a:schemeClr val="accent1">
-              <a:shade val="50000"/>
-            </a:schemeClr>
-          </a:lnRef>
-          <a:fillRef idx="1">
-            <a:schemeClr val="accent1"/>
-          </a:fillRef>
-          <a:effectRef idx="0">
-            <a:schemeClr val="accent1"/>
-          </a:effectRef>
-          <a:fontRef idx="minor">
-            <a:schemeClr val="lt1"/>
-          </a:fontRef>
-        </p:style>
-        <p:txBody>
-          <a:bodyPr rtlCol="0" anchor="ctr"/>
-          <a:lstStyle/>
-          <a:p>
-            <a:pPr algn="ctr"/>
-            <a:endParaRPr lang="en-US"/>
-          </a:p>
-        </p:txBody>
-      </p:sp>
-      <p:sp>
-        <p:nvSpPr>
-          <p:cNvPr id="8" name="Rectangle: Rounded Corners 7">
-            <a:extLst>
-              <a:ext uri="{FF2B5EF4-FFF2-40B4-BE49-F238E27FC236}">
-                <a16:creationId xmlns:a16="http://schemas.microsoft.com/office/drawing/2014/main" id="{1539C67D-058F-42DE-9636-C63489F48301}"/>
-              </a:ext>
-            </a:extLst>
-          </p:cNvPr>
-          <p:cNvSpPr/>
-          <p:nvPr/>
-        </p:nvSpPr>
-        <p:spPr>
-          <a:xfrm>
-            <a:off x="3320891" y="4543657"/>
-            <a:ext cx="1017194" cy="453277"/>
-          </a:xfrm>
-          <a:prstGeom prst="roundRect">
-            <a:avLst/>
-          </a:prstGeom>
-          <a:noFill/>
-          <a:ln w="38100">
-            <a:solidFill>
-              <a:srgbClr val="002060"/>
-            </a:solidFill>
-          </a:ln>
-        </p:spPr>
-        <p:style>
-          <a:lnRef idx="2">
-            <a:schemeClr val="accent1">
-              <a:shade val="50000"/>
-            </a:schemeClr>
-          </a:lnRef>
-          <a:fillRef idx="1">
-            <a:schemeClr val="accent1"/>
-          </a:fillRef>
-          <a:effectRef idx="0">
-            <a:schemeClr val="accent1"/>
-          </a:effectRef>
-          <a:fontRef idx="minor">
-            <a:schemeClr val="lt1"/>
-          </a:fontRef>
-        </p:style>
-        <p:txBody>
-          <a:bodyPr rtlCol="0" anchor="ctr"/>
-          <a:lstStyle/>
-          <a:p>
-            <a:pPr algn="ctr"/>
-            <a:endParaRPr lang="en-US">
-              <a:solidFill>
-                <a:srgbClr val="002060"/>
-              </a:solidFill>
-            </a:endParaRPr>
-          </a:p>
-        </p:txBody>
-      </p:sp>
-      <p:sp>
-        <p:nvSpPr>
-          <p:cNvPr id="9" name="Rectangle: Rounded Corners 8">
-            <a:extLst>
-              <a:ext uri="{FF2B5EF4-FFF2-40B4-BE49-F238E27FC236}">
-                <a16:creationId xmlns:a16="http://schemas.microsoft.com/office/drawing/2014/main" id="{6B2C2670-8544-49DE-8B2D-07FE8CA53FA0}"/>
-              </a:ext>
-            </a:extLst>
-          </p:cNvPr>
-          <p:cNvSpPr/>
-          <p:nvPr/>
-        </p:nvSpPr>
-        <p:spPr>
-          <a:xfrm>
-            <a:off x="3945581" y="5938223"/>
-            <a:ext cx="1881964" cy="832894"/>
-          </a:xfrm>
-          <a:prstGeom prst="roundRect">
-            <a:avLst/>
-          </a:prstGeom>
-          <a:noFill/>
-          <a:ln w="38100">
-            <a:solidFill>
-              <a:srgbClr val="002060"/>
-            </a:solidFill>
-          </a:ln>
-        </p:spPr>
-        <p:style>
-          <a:lnRef idx="2">
-            <a:schemeClr val="accent1">
-              <a:shade val="50000"/>
-            </a:schemeClr>
-          </a:lnRef>
-          <a:fillRef idx="1">
-            <a:schemeClr val="accent1"/>
-          </a:fillRef>
-          <a:effectRef idx="0">
-            <a:schemeClr val="accent1"/>
-          </a:effectRef>
-          <a:fontRef idx="minor">
-            <a:schemeClr val="lt1"/>
-          </a:fontRef>
-        </p:style>
-        <p:txBody>
-          <a:bodyPr rtlCol="0" anchor="ctr"/>
-          <a:lstStyle/>
-          <a:p>
-            <a:pPr algn="ctr"/>
-            <a:endParaRPr lang="en-US">
-              <a:solidFill>
-                <a:srgbClr val="002060"/>
-              </a:solidFill>
-            </a:endParaRPr>
-          </a:p>
-        </p:txBody>
-      </p:sp>
-      <p:cxnSp>
-        <p:nvCxnSpPr>
-          <p:cNvPr id="11" name="Connector: Elbow 10">
-            <a:extLst>
-              <a:ext uri="{FF2B5EF4-FFF2-40B4-BE49-F238E27FC236}">
-                <a16:creationId xmlns:a16="http://schemas.microsoft.com/office/drawing/2014/main" id="{A594CB4E-40C0-4C53-8167-48B971BE635A}"/>
-              </a:ext>
-            </a:extLst>
-          </p:cNvPr>
-          <p:cNvCxnSpPr>
-            <a:cxnSpLocks/>
-          </p:cNvCxnSpPr>
-          <p:nvPr/>
-        </p:nvCxnSpPr>
-        <p:spPr>
-          <a:xfrm flipV="1">
-            <a:off x="4423067" y="1444252"/>
-            <a:ext cx="1275983" cy="303028"/>
-          </a:xfrm>
-          <a:prstGeom prst="bentConnector3">
-            <a:avLst/>
-          </a:prstGeom>
-          <a:ln w="38100">
-            <a:prstDash val="sysDash"/>
-            <a:tailEnd type="triangle"/>
-          </a:ln>
-        </p:spPr>
-        <p:style>
-          <a:lnRef idx="3">
-            <a:schemeClr val="dk1"/>
-          </a:lnRef>
-          <a:fillRef idx="0">
-            <a:schemeClr val="dk1"/>
-          </a:fillRef>
-          <a:effectRef idx="2">
-            <a:schemeClr val="dk1"/>
-          </a:effectRef>
-          <a:fontRef idx="minor">
-            <a:schemeClr val="tx1"/>
-          </a:fontRef>
-        </p:style>
-      </p:cxnSp>
-      <p:cxnSp>
-        <p:nvCxnSpPr>
-          <p:cNvPr id="12" name="Connector: Elbow 11">
-            <a:extLst>
-              <a:ext uri="{FF2B5EF4-FFF2-40B4-BE49-F238E27FC236}">
-                <a16:creationId xmlns:a16="http://schemas.microsoft.com/office/drawing/2014/main" id="{41796064-19BF-4507-8E24-6F3869496D8E}"/>
-              </a:ext>
-            </a:extLst>
-          </p:cNvPr>
-          <p:cNvCxnSpPr>
-            <a:cxnSpLocks/>
-            <a:stCxn id="4" idx="2"/>
-            <a:endCxn id="6" idx="0"/>
-          </p:cNvCxnSpPr>
-          <p:nvPr/>
-        </p:nvCxnSpPr>
-        <p:spPr>
-          <a:xfrm rot="5400000">
-            <a:off x="4485849" y="922166"/>
-            <a:ext cx="1081352" cy="2631592"/>
-          </a:xfrm>
-          <a:prstGeom prst="bentConnector3">
-            <a:avLst>
-              <a:gd name="adj1" fmla="val 50000"/>
-            </a:avLst>
-          </a:prstGeom>
-          <a:ln w="38100">
-            <a:prstDash val="sysDash"/>
-            <a:tailEnd type="triangle"/>
-          </a:ln>
-        </p:spPr>
-        <p:style>
-          <a:lnRef idx="3">
-            <a:schemeClr val="dk1"/>
-          </a:lnRef>
-          <a:fillRef idx="0">
-            <a:schemeClr val="dk1"/>
-          </a:fillRef>
-          <a:effectRef idx="2">
-            <a:schemeClr val="dk1"/>
-          </a:effectRef>
-          <a:fontRef idx="minor">
-            <a:schemeClr val="tx1"/>
-          </a:fontRef>
-        </p:style>
-      </p:cxnSp>
-      <p:cxnSp>
-        <p:nvCxnSpPr>
-          <p:cNvPr id="18" name="Connector: Elbow 17">
-            <a:extLst>
-              <a:ext uri="{FF2B5EF4-FFF2-40B4-BE49-F238E27FC236}">
-                <a16:creationId xmlns:a16="http://schemas.microsoft.com/office/drawing/2014/main" id="{BAF8BD80-015F-4ECE-A5A8-EC79AD47B07A}"/>
-              </a:ext>
-            </a:extLst>
-          </p:cNvPr>
-          <p:cNvCxnSpPr>
-            <a:cxnSpLocks/>
-            <a:endCxn id="8" idx="3"/>
-          </p:cNvCxnSpPr>
-          <p:nvPr/>
-        </p:nvCxnSpPr>
-        <p:spPr>
-          <a:xfrm rot="5400000">
-            <a:off x="3743411" y="3999090"/>
-            <a:ext cx="1365881" cy="176531"/>
-          </a:xfrm>
-          <a:prstGeom prst="bentConnector2">
-            <a:avLst/>
-          </a:prstGeom>
-          <a:ln w="38100">
-            <a:prstDash val="sysDash"/>
-            <a:tailEnd type="triangle"/>
-          </a:ln>
-        </p:spPr>
-        <p:style>
-          <a:lnRef idx="3">
-            <a:schemeClr val="dk1"/>
-          </a:lnRef>
-          <a:fillRef idx="0">
-            <a:schemeClr val="dk1"/>
-          </a:fillRef>
-          <a:effectRef idx="2">
-            <a:schemeClr val="dk1"/>
-          </a:effectRef>
-          <a:fontRef idx="minor">
-            <a:schemeClr val="tx1"/>
-          </a:fontRef>
-        </p:style>
-      </p:cxnSp>
-      <p:cxnSp>
-        <p:nvCxnSpPr>
-          <p:cNvPr id="21" name="Connector: Elbow 20">
-            <a:extLst>
-              <a:ext uri="{FF2B5EF4-FFF2-40B4-BE49-F238E27FC236}">
-                <a16:creationId xmlns:a16="http://schemas.microsoft.com/office/drawing/2014/main" id="{C9BC00D1-5D5C-49FA-99A0-988A75985179}"/>
-              </a:ext>
-            </a:extLst>
-          </p:cNvPr>
-          <p:cNvCxnSpPr>
-            <a:cxnSpLocks/>
-            <a:stCxn id="8" idx="2"/>
-            <a:endCxn id="9" idx="0"/>
-          </p:cNvCxnSpPr>
-          <p:nvPr/>
-        </p:nvCxnSpPr>
-        <p:spPr>
-          <a:xfrm rot="16200000" flipH="1">
-            <a:off x="3887381" y="4939040"/>
-            <a:ext cx="941289" cy="1057075"/>
-          </a:xfrm>
-          <a:prstGeom prst="bentConnector3">
-            <a:avLst>
-              <a:gd name="adj1" fmla="val 50000"/>
-            </a:avLst>
-          </a:prstGeom>
-          <a:ln w="38100">
-            <a:prstDash val="sysDash"/>
-            <a:tailEnd type="triangle"/>
-          </a:ln>
-        </p:spPr>
-        <p:style>
-          <a:lnRef idx="3">
-            <a:schemeClr val="dk1"/>
-          </a:lnRef>
-          <a:fillRef idx="0">
-            <a:schemeClr val="dk1"/>
-          </a:fillRef>
-          <a:effectRef idx="2">
-            <a:schemeClr val="dk1"/>
-          </a:effectRef>
-          <a:fontRef idx="minor">
-            <a:schemeClr val="tx1"/>
-          </a:fontRef>
-        </p:style>
-      </p:cxnSp>
-      <p:sp>
-        <p:nvSpPr>
-          <p:cNvPr id="24" name="TextBox 23">
-            <a:extLst>
-              <a:ext uri="{FF2B5EF4-FFF2-40B4-BE49-F238E27FC236}">
-                <a16:creationId xmlns:a16="http://schemas.microsoft.com/office/drawing/2014/main" id="{012F60C4-17CA-4690-BC9D-05D848E4CD30}"/>
-              </a:ext>
-            </a:extLst>
-          </p:cNvPr>
-          <p:cNvSpPr txBox="1"/>
-          <p:nvPr/>
-        </p:nvSpPr>
-        <p:spPr>
-          <a:xfrm>
-            <a:off x="5376672" y="5208803"/>
-            <a:ext cx="6681215" cy="461665"/>
-          </a:xfrm>
-          <a:prstGeom prst="rect">
-            <a:avLst/>
-          </a:prstGeom>
+<file path=ppt/theme/theme1.xml><?xml version="1.0" encoding="utf-8"?>
+<a:theme xmlns:a="http://schemas.openxmlformats.org/drawingml/2006/main" name="Solor PPT Template 2019">
+  <a:themeElements>
+    <a:clrScheme name="Solor Colors">
+      <a:dk1>
+        <a:sysClr val="windowText" lastClr="000000"/>
+      </a:dk1>
+      <a:lt1>
+        <a:sysClr val="window" lastClr="FFFFFF"/>
+      </a:lt1>
+      <a:dk2>
+        <a:srgbClr val="595959"/>
+      </a:dk2>
+      <a:lt2>
+        <a:srgbClr val="BFBFBF"/>
+      </a:lt2>
+      <a:accent1>
+        <a:srgbClr val="2972FF"/>
+      </a:accent1>
+      <a:accent2>
+        <a:srgbClr val="5DC200"/>
+      </a:accent2>
+      <a:accent3>
+        <a:srgbClr val="93D8FF"/>
+      </a:accent3>
+      <a:accent4>
+        <a:srgbClr val="002A77"/>
+      </a:accent4>
+      <a:accent5>
+        <a:srgbClr val="FFC000"/>
+      </a:accent5>
+      <a:accent6>
+        <a:srgbClr val="FF0000"/>
+      </a:accent6>
+      <a:hlink>
+        <a:srgbClr val="00B0F0"/>
+      </a:hlink>
+      <a:folHlink>
+        <a:srgbClr val="0070C0"/>
+      </a:folHlink>
+    </a:clrScheme>
+    <a:fontScheme name="DD Presentation Template Aug 2017">
+      <a:majorFont>
+        <a:latin typeface="Chronicle Display Black"/>
+        <a:ea typeface=""/>
+        <a:cs typeface=""/>
+      </a:majorFont>
+      <a:minorFont>
+        <a:latin typeface="Open Sans"/>
+        <a:ea typeface=""/>
+        <a:cs typeface=""/>
+      </a:minorFont>
+    </a:fontScheme>
+    <a:fmtScheme name="Office">
+      <a:fillStyleLst>
+        <a:solidFill>
+          <a:schemeClr val="phClr"/>
+        </a:solidFill>
+        <a:gradFill rotWithShape="1">
+          <a:gsLst>
+            <a:gs pos="0">
+              <a:schemeClr val="phClr">
+                <a:lumMod val="110000"/>
+                <a:satMod val="105000"/>
+                <a:tint val="67000"/>
+              </a:schemeClr>
+            </a:gs>
+            <a:gs pos="50000">
+              <a:schemeClr val="phClr">
+                <a:lumMod val="105000"/>
+                <a:satMod val="103000"/>
+                <a:tint val="73000"/>
+              </a:schemeClr>
+            </a:gs>
+            <a:gs pos="100000">
+              <a:schemeClr val="phClr">
+                <a:lumMod val="105000"/>
+                <a:satMod val="109000"/>
+                <a:tint val="81000"/>
+              </a:schemeClr>
+            </a:gs>
+          </a:gsLst>
+          <a:lin ang="5400000" scaled="0"/>
+        </a:gradFill>
+        <a:gradFill rotWithShape="1">
+          <a:gsLst>
+            <a:gs pos="0">
+              <a:schemeClr val="phClr">
+                <a:satMod val="103000"/>
+                <a:lumMod val="102000"/>
+                <a:tint val="94000"/>
+              </a:schemeClr>
+            </a:gs>
+            <a:gs pos="50000">
+              <a:schemeClr val="phClr">
+                <a:satMod val="110000"/>
+                <a:lumMod val="100000"/>
+                <a:shade val="100000"/>
+              </a:schemeClr>
+            </a:gs>
+            <a:gs pos="100000">
+              <a:schemeClr val="phClr">
+                <a:lumMod val="99000"/>
+                <a:satMod val="120000"/>
+                <a:shade val="78000"/>
+              </a:schemeClr>
+            </a:gs>
+          </a:gsLst>
+          <a:lin ang="5400000" scaled="0"/>
+        </a:gradFill>
+      </a:fillStyleLst>
+      <a:lnStyleLst>
+        <a:ln w="6350" cap="flat" cmpd="sng" algn="ctr">
           <a:solidFill>
-            <a:schemeClr val="accent1">
-              <a:lumMod val="40000"/>
-              <a:lumOff val="60000"/>
-            </a:schemeClr>
+            <a:schemeClr val="phClr"/>
           </a:solidFill>
-        </p:spPr>
-        <p:txBody>
-          <a:bodyPr wrap="square" rtlCol="0">
-            <a:spAutoFit/>
-          </a:bodyPr>
-          <a:lstStyle/>
-          <a:p>
-            <a:r>
-              <a:rPr lang="en-US" sz="2400" dirty="0"/>
-              <a:t>Statement </a:t>
-            </a:r>
-            <a:r>
-              <a:rPr lang="en-US" sz="2400" dirty="0">
-                <a:sym typeface="Wingdings" panose="05000000000000000000" pitchFamily="2" charset="2"/>
-              </a:rPr>
-              <a:t> </a:t>
-            </a:r>
-            <a:r>
-              <a:rPr lang="en-US" sz="2400" dirty="0"/>
-              <a:t>Performance </a:t>
-            </a:r>
-            <a:r>
-              <a:rPr lang="en-US" sz="2400" dirty="0">
-                <a:sym typeface="Wingdings" panose="05000000000000000000" pitchFamily="2" charset="2"/>
-              </a:rPr>
-              <a:t> Observation Result</a:t>
-            </a:r>
-            <a:endParaRPr lang="en-US" sz="2400" dirty="0"/>
-          </a:p>
-        </p:txBody>
-      </p:sp>
-      <p:sp>
-        <p:nvSpPr>
-          <p:cNvPr id="25" name="TextBox 24">
-            <a:extLst>
-              <a:ext uri="{FF2B5EF4-FFF2-40B4-BE49-F238E27FC236}">
-                <a16:creationId xmlns:a16="http://schemas.microsoft.com/office/drawing/2014/main" id="{CA744A28-B806-4EA1-AEFE-B0F151795FF8}"/>
-              </a:ext>
-            </a:extLst>
-          </p:cNvPr>
-          <p:cNvSpPr txBox="1"/>
-          <p:nvPr/>
-        </p:nvSpPr>
-        <p:spPr>
-          <a:xfrm>
-            <a:off x="5440472" y="4674816"/>
-            <a:ext cx="5192768" cy="400110"/>
-          </a:xfrm>
-          <a:prstGeom prst="rect">
-            <a:avLst/>
-          </a:prstGeom>
-          <a:noFill/>
-        </p:spPr>
-        <p:txBody>
-          <a:bodyPr wrap="none" rtlCol="0">
-            <a:spAutoFit/>
-          </a:bodyPr>
-          <a:lstStyle/>
-          <a:p>
-            <a:r>
-              <a:rPr lang="en-US" sz="2000" b="1" dirty="0"/>
-              <a:t>Vital signs result (e.g. systolic blood pressure): </a:t>
-            </a:r>
-          </a:p>
-        </p:txBody>
-      </p:sp>
-    </p:spTree>
-    <p:extLst>
-      <p:ext uri="{BB962C8B-B14F-4D97-AF65-F5344CB8AC3E}">
-        <p14:creationId xmlns:p14="http://schemas.microsoft.com/office/powerpoint/2010/main" val="1062278037"/>
-      </p:ext>
-    </p:extLst>
-  </p:cSld>
-  <p:clrMapOvr>
-    <a:masterClrMapping/>
-  </p:clrMapOvr>
-</p:sld>
+          <a:prstDash val="solid"/>
+          <a:miter lim="800000"/>
+        </a:ln>
+        <a:ln w="12700" cap="flat" cmpd="sng" algn="ctr">
+          <a:solidFill>
+            <a:schemeClr val="phClr"/>
+          </a:solidFill>
+          <a:prstDash val="solid"/>
+          <a:miter lim="800000"/>
+        </a:ln>
+        <a:ln w="19050" cap="flat" cmpd="sng" algn="ctr">
+          <a:solidFill>
+            <a:schemeClr val="phClr"/>
+          </a:solidFill>
+          <a:prstDash val="solid"/>
+          <a:miter lim="800000"/>
+        </a:ln>
+      </a:lnStyleLst>
+      <a:effectStyleLst>
+        <a:effectStyle>
+          <a:effectLst/>
+        </a:effectStyle>
+        <a:effectStyle>
+          <a:effectLst/>
+        </a:effectStyle>
+        <a:effectStyle>
+          <a:effectLst>
+            <a:outerShdw blurRad="57150" dist="19050" dir="5400000" algn="ctr" rotWithShape="0">
+              <a:srgbClr val="000000">
+                <a:alpha val="63000"/>
+              </a:srgbClr>
+            </a:outerShdw>
+          </a:effectLst>
+        </a:effectStyle>
+      </a:effectStyleLst>
+      <a:bgFillStyleLst>
+        <a:solidFill>
+          <a:schemeClr val="phClr"/>
+        </a:solidFill>
+        <a:solidFill>
+          <a:schemeClr val="phClr">
+            <a:tint val="95000"/>
+            <a:satMod val="170000"/>
+          </a:schemeClr>
+        </a:solidFill>
+        <a:gradFill rotWithShape="1">
+          <a:gsLst>
+            <a:gs pos="0">
+              <a:schemeClr val="phClr">
+                <a:tint val="93000"/>
+                <a:satMod val="150000"/>
+                <a:shade val="98000"/>
+                <a:lumMod val="102000"/>
+              </a:schemeClr>
+            </a:gs>
+            <a:gs pos="50000">
+              <a:schemeClr val="phClr">
+                <a:tint val="98000"/>
+                <a:satMod val="130000"/>
+                <a:shade val="90000"/>
+                <a:lumMod val="103000"/>
+              </a:schemeClr>
+            </a:gs>
+            <a:gs pos="100000">
+              <a:schemeClr val="phClr">
+                <a:shade val="63000"/>
+                <a:satMod val="120000"/>
+              </a:schemeClr>
+            </a:gs>
+          </a:gsLst>
+          <a:lin ang="5400000" scaled="0"/>
+        </a:gradFill>
+      </a:bgFillStyleLst>
+    </a:fmtScheme>
+  </a:themeElements>
+  <a:objectDefaults/>
+  <a:extraClrSchemeLst/>
+  <a:extLst>
+    <a:ext uri="{05A4C25C-085E-4340-85A3-A5531E510DB2}">
+      <thm15:themeFamily xmlns:thm15="http://schemas.microsoft.com/office/thememl/2012/main" name="DD-PresentationTemplate_16x9.potx [Read-Only]" id="{9D06DE3B-8D15-4AE8-95B1-6760AC82356F}" vid="{77BC4D9C-A3DF-42D9-A477-ED1C818026C6}"/>
+    </a:ext>
+  </a:extLst>
+</a:theme>
 </file>
 
-<file path=ppt/slides/slide9.xml><?xml version="1.0" encoding="utf-8"?>
-<p:sld xmlns:a="http://schemas.openxmlformats.org/drawingml/2006/main" xmlns:r="http://schemas.openxmlformats.org/officeDocument/2006/relationships" xmlns:p="http://schemas.openxmlformats.org/presentationml/2006/main">
-  <p:cSld>
-    <p:spTree>
-      <p:nvGrpSpPr>
-        <p:cNvPr id="1" name=""/>
-        <p:cNvGrpSpPr/>
-        <p:nvPr/>
-      </p:nvGrpSpPr>
-      <p:grpSpPr>
-        <a:xfrm>
-          <a:off x="0" y="0"/>
-          <a:ext cx="0" cy="0"/>
-          <a:chOff x="0" y="0"/>
-          <a:chExt cx="0" cy="0"/>
-        </a:xfrm>
-      </p:grpSpPr>
-      <p:pic>
-        <p:nvPicPr>
-          <p:cNvPr id="15" name="Picture 14" descr="A screenshot of a social media post&#10;&#10;Description generated with very high confidence">
-            <a:extLst>
-              <a:ext uri="{FF2B5EF4-FFF2-40B4-BE49-F238E27FC236}">
-                <a16:creationId xmlns:a16="http://schemas.microsoft.com/office/drawing/2014/main" id="{B7DD0E73-2720-4549-A56D-E451A8329867}"/>
-              </a:ext>
-            </a:extLst>
-          </p:cNvPr>
-          <p:cNvPicPr>
-            <a:picLocks noChangeAspect="1"/>
-          </p:cNvPicPr>
-          <p:nvPr/>
-        </p:nvPicPr>
-        <p:blipFill>
-          <a:blip r:embed="rId2">
-            <a:extLst>
-              <a:ext uri="{28A0092B-C50C-407E-A947-70E740481C1C}">
-                <a14:useLocalDpi xmlns:a14="http://schemas.microsoft.com/office/drawing/2010/main" val="0"/>
-              </a:ext>
-            </a:extLst>
-          </a:blip>
-          <a:stretch>
-            <a:fillRect/>
-          </a:stretch>
-        </p:blipFill>
-        <p:spPr>
-          <a:xfrm>
-            <a:off x="1727025" y="-145650"/>
-            <a:ext cx="8819751" cy="7177603"/>
-          </a:xfrm>
-          <a:prstGeom prst="rect">
-            <a:avLst/>
-          </a:prstGeom>
-        </p:spPr>
-      </p:pic>
-      <p:sp>
-        <p:nvSpPr>
-          <p:cNvPr id="3" name="Rectangle: Rounded Corners 2">
-            <a:extLst>
-              <a:ext uri="{FF2B5EF4-FFF2-40B4-BE49-F238E27FC236}">
-                <a16:creationId xmlns:a16="http://schemas.microsoft.com/office/drawing/2014/main" id="{DF369671-F1BF-4F3B-97B8-296885F5351D}"/>
-              </a:ext>
-            </a:extLst>
-          </p:cNvPr>
-          <p:cNvSpPr/>
-          <p:nvPr/>
-        </p:nvSpPr>
-        <p:spPr>
-          <a:xfrm>
-            <a:off x="2365667" y="1674961"/>
-            <a:ext cx="2057400" cy="197429"/>
-          </a:xfrm>
-          <a:prstGeom prst="roundRect">
-            <a:avLst/>
-          </a:prstGeom>
-          <a:noFill/>
-          <a:ln w="38100">
-            <a:solidFill>
-              <a:srgbClr val="002060"/>
-            </a:solidFill>
-          </a:ln>
-        </p:spPr>
-        <p:style>
-          <a:lnRef idx="2">
-            <a:schemeClr val="accent1">
-              <a:shade val="50000"/>
-            </a:schemeClr>
-          </a:lnRef>
-          <a:fillRef idx="1">
-            <a:schemeClr val="accent1"/>
-          </a:fillRef>
-          <a:effectRef idx="0">
-            <a:schemeClr val="accent1"/>
-          </a:effectRef>
-          <a:fontRef idx="minor">
-            <a:schemeClr val="lt1"/>
-          </a:fontRef>
-        </p:style>
-        <p:txBody>
-          <a:bodyPr rtlCol="0" anchor="ctr"/>
-          <a:lstStyle/>
-          <a:p>
-            <a:pPr algn="ctr"/>
-            <a:endParaRPr lang="en-US"/>
-          </a:p>
-        </p:txBody>
-      </p:sp>
-      <p:sp>
-        <p:nvSpPr>
-          <p:cNvPr id="4" name="Rectangle: Rounded Corners 3">
-            <a:extLst>
-              <a:ext uri="{FF2B5EF4-FFF2-40B4-BE49-F238E27FC236}">
-                <a16:creationId xmlns:a16="http://schemas.microsoft.com/office/drawing/2014/main" id="{B12FBBB4-8510-4746-BBDE-3D14A3A18498}"/>
-              </a:ext>
-            </a:extLst>
-          </p:cNvPr>
-          <p:cNvSpPr/>
-          <p:nvPr/>
-        </p:nvSpPr>
-        <p:spPr>
-          <a:xfrm>
-            <a:off x="5699050" y="1244009"/>
-            <a:ext cx="1286541" cy="453277"/>
-          </a:xfrm>
-          <a:prstGeom prst="roundRect">
-            <a:avLst/>
-          </a:prstGeom>
-          <a:noFill/>
-          <a:ln w="38100">
-            <a:solidFill>
-              <a:srgbClr val="002060"/>
-            </a:solidFill>
-          </a:ln>
-        </p:spPr>
-        <p:style>
-          <a:lnRef idx="2">
-            <a:schemeClr val="accent1">
-              <a:shade val="50000"/>
-            </a:schemeClr>
-          </a:lnRef>
-          <a:fillRef idx="1">
-            <a:schemeClr val="accent1"/>
-          </a:fillRef>
-          <a:effectRef idx="0">
-            <a:schemeClr val="accent1"/>
-          </a:effectRef>
-          <a:fontRef idx="minor">
-            <a:schemeClr val="lt1"/>
-          </a:fontRef>
-        </p:style>
-        <p:txBody>
-          <a:bodyPr rtlCol="0" anchor="ctr"/>
-          <a:lstStyle/>
-          <a:p>
-            <a:pPr algn="ctr"/>
-            <a:endParaRPr lang="en-US">
-              <a:solidFill>
-                <a:srgbClr val="002060"/>
-              </a:solidFill>
-            </a:endParaRPr>
-          </a:p>
-        </p:txBody>
-      </p:sp>
-      <p:sp>
-        <p:nvSpPr>
-          <p:cNvPr id="6" name="Rectangle: Rounded Corners 5">
-            <a:extLst>
-              <a:ext uri="{FF2B5EF4-FFF2-40B4-BE49-F238E27FC236}">
-                <a16:creationId xmlns:a16="http://schemas.microsoft.com/office/drawing/2014/main" id="{82635947-4049-4804-92F8-19B982DC3FBA}"/>
-              </a:ext>
-            </a:extLst>
-          </p:cNvPr>
-          <p:cNvSpPr/>
-          <p:nvPr/>
-        </p:nvSpPr>
-        <p:spPr>
-          <a:xfrm>
-            <a:off x="4997303" y="2778638"/>
-            <a:ext cx="2892056" cy="1644506"/>
-          </a:xfrm>
-          <a:prstGeom prst="roundRect">
-            <a:avLst/>
-          </a:prstGeom>
-          <a:noFill/>
-          <a:ln w="38100">
-            <a:solidFill>
-              <a:srgbClr val="002060"/>
-            </a:solidFill>
-          </a:ln>
-        </p:spPr>
-        <p:style>
-          <a:lnRef idx="2">
-            <a:schemeClr val="accent1">
-              <a:shade val="50000"/>
-            </a:schemeClr>
-          </a:lnRef>
-          <a:fillRef idx="1">
-            <a:schemeClr val="accent1"/>
-          </a:fillRef>
-          <a:effectRef idx="0">
-            <a:schemeClr val="accent1"/>
-          </a:effectRef>
-          <a:fontRef idx="minor">
-            <a:schemeClr val="lt1"/>
-          </a:fontRef>
-        </p:style>
-        <p:txBody>
-          <a:bodyPr rtlCol="0" anchor="ctr"/>
-          <a:lstStyle/>
-          <a:p>
-            <a:pPr algn="ctr"/>
-            <a:endParaRPr lang="en-US">
-              <a:solidFill>
-                <a:srgbClr val="002060"/>
-              </a:solidFill>
-            </a:endParaRPr>
-          </a:p>
-        </p:txBody>
-      </p:sp>
-      <p:sp>
-        <p:nvSpPr>
-          <p:cNvPr id="7" name="Rectangle: Rounded Corners 6">
-            <a:extLst>
-              <a:ext uri="{FF2B5EF4-FFF2-40B4-BE49-F238E27FC236}">
-                <a16:creationId xmlns:a16="http://schemas.microsoft.com/office/drawing/2014/main" id="{8BEB8229-8746-44FB-A582-D477E3E53494}"/>
-              </a:ext>
-            </a:extLst>
-          </p:cNvPr>
-          <p:cNvSpPr/>
-          <p:nvPr/>
-        </p:nvSpPr>
-        <p:spPr>
-          <a:xfrm>
-            <a:off x="5103627" y="3730589"/>
-            <a:ext cx="1881964" cy="160927"/>
-          </a:xfrm>
-          <a:prstGeom prst="roundRect">
-            <a:avLst/>
-          </a:prstGeom>
-          <a:noFill/>
-          <a:ln w="38100">
-            <a:solidFill>
-              <a:srgbClr val="002060"/>
-            </a:solidFill>
-          </a:ln>
-        </p:spPr>
-        <p:style>
-          <a:lnRef idx="2">
-            <a:schemeClr val="accent1">
-              <a:shade val="50000"/>
-            </a:schemeClr>
-          </a:lnRef>
-          <a:fillRef idx="1">
-            <a:schemeClr val="accent1"/>
-          </a:fillRef>
-          <a:effectRef idx="0">
-            <a:schemeClr val="accent1"/>
-          </a:effectRef>
-          <a:fontRef idx="minor">
-            <a:schemeClr val="lt1"/>
-          </a:fontRef>
-        </p:style>
-        <p:txBody>
-          <a:bodyPr rtlCol="0" anchor="ctr"/>
-          <a:lstStyle/>
-          <a:p>
-            <a:pPr algn="ctr"/>
-            <a:endParaRPr lang="en-US"/>
-          </a:p>
-        </p:txBody>
-      </p:sp>
-      <p:sp>
-        <p:nvSpPr>
-          <p:cNvPr id="8" name="Rectangle: Rounded Corners 7">
-            <a:extLst>
-              <a:ext uri="{FF2B5EF4-FFF2-40B4-BE49-F238E27FC236}">
-                <a16:creationId xmlns:a16="http://schemas.microsoft.com/office/drawing/2014/main" id="{1539C67D-058F-42DE-9636-C63489F48301}"/>
-              </a:ext>
-            </a:extLst>
-          </p:cNvPr>
-          <p:cNvSpPr/>
-          <p:nvPr/>
-        </p:nvSpPr>
-        <p:spPr>
-          <a:xfrm>
-            <a:off x="3320891" y="4543657"/>
-            <a:ext cx="1017194" cy="453277"/>
-          </a:xfrm>
-          <a:prstGeom prst="roundRect">
-            <a:avLst/>
-          </a:prstGeom>
-          <a:noFill/>
-          <a:ln w="38100">
-            <a:solidFill>
-              <a:srgbClr val="002060"/>
-            </a:solidFill>
-          </a:ln>
-        </p:spPr>
-        <p:style>
-          <a:lnRef idx="2">
-            <a:schemeClr val="accent1">
-              <a:shade val="50000"/>
-            </a:schemeClr>
-          </a:lnRef>
-          <a:fillRef idx="1">
-            <a:schemeClr val="accent1"/>
-          </a:fillRef>
-          <a:effectRef idx="0">
-            <a:schemeClr val="accent1"/>
-          </a:effectRef>
-          <a:fontRef idx="minor">
-            <a:schemeClr val="lt1"/>
-          </a:fontRef>
-        </p:style>
-        <p:txBody>
-          <a:bodyPr rtlCol="0" anchor="ctr"/>
-          <a:lstStyle/>
-          <a:p>
-            <a:pPr algn="ctr"/>
-            <a:endParaRPr lang="en-US">
-              <a:solidFill>
-                <a:srgbClr val="002060"/>
-              </a:solidFill>
-            </a:endParaRPr>
-          </a:p>
-        </p:txBody>
-      </p:sp>
-      <p:sp>
-        <p:nvSpPr>
-          <p:cNvPr id="9" name="Rectangle: Rounded Corners 8">
-            <a:extLst>
-              <a:ext uri="{FF2B5EF4-FFF2-40B4-BE49-F238E27FC236}">
-                <a16:creationId xmlns:a16="http://schemas.microsoft.com/office/drawing/2014/main" id="{6B2C2670-8544-49DE-8B2D-07FE8CA53FA0}"/>
-              </a:ext>
-            </a:extLst>
-          </p:cNvPr>
-          <p:cNvSpPr/>
-          <p:nvPr/>
-        </p:nvSpPr>
-        <p:spPr>
-          <a:xfrm>
-            <a:off x="1881814" y="5954233"/>
-            <a:ext cx="1881964" cy="832894"/>
-          </a:xfrm>
-          <a:prstGeom prst="roundRect">
-            <a:avLst/>
-          </a:prstGeom>
-          <a:noFill/>
-          <a:ln w="38100">
-            <a:solidFill>
-              <a:srgbClr val="002060"/>
-            </a:solidFill>
-          </a:ln>
-        </p:spPr>
-        <p:style>
-          <a:lnRef idx="2">
-            <a:schemeClr val="accent1">
-              <a:shade val="50000"/>
-            </a:schemeClr>
-          </a:lnRef>
-          <a:fillRef idx="1">
-            <a:schemeClr val="accent1"/>
-          </a:fillRef>
-          <a:effectRef idx="0">
-            <a:schemeClr val="accent1"/>
-          </a:effectRef>
-          <a:fontRef idx="minor">
-            <a:schemeClr val="lt1"/>
-          </a:fontRef>
-        </p:style>
-        <p:txBody>
-          <a:bodyPr rtlCol="0" anchor="ctr"/>
-          <a:lstStyle/>
-          <a:p>
-            <a:pPr algn="ctr"/>
-            <a:endParaRPr lang="en-US">
-              <a:solidFill>
-                <a:srgbClr val="002060"/>
-              </a:solidFill>
-            </a:endParaRPr>
-          </a:p>
-        </p:txBody>
-      </p:sp>
-      <p:cxnSp>
-        <p:nvCxnSpPr>
-          <p:cNvPr id="11" name="Connector: Elbow 10">
-            <a:extLst>
-              <a:ext uri="{FF2B5EF4-FFF2-40B4-BE49-F238E27FC236}">
-                <a16:creationId xmlns:a16="http://schemas.microsoft.com/office/drawing/2014/main" id="{A594CB4E-40C0-4C53-8167-48B971BE635A}"/>
-              </a:ext>
-            </a:extLst>
-          </p:cNvPr>
-          <p:cNvCxnSpPr>
-            <a:cxnSpLocks/>
-          </p:cNvCxnSpPr>
-          <p:nvPr/>
-        </p:nvCxnSpPr>
-        <p:spPr>
-          <a:xfrm flipV="1">
-            <a:off x="4423067" y="1444252"/>
-            <a:ext cx="1275983" cy="303028"/>
-          </a:xfrm>
-          <a:prstGeom prst="bentConnector3">
-            <a:avLst/>
-          </a:prstGeom>
-          <a:ln w="38100">
-            <a:prstDash val="sysDash"/>
-            <a:tailEnd type="triangle"/>
-          </a:ln>
-        </p:spPr>
-        <p:style>
-          <a:lnRef idx="3">
-            <a:schemeClr val="dk1"/>
-          </a:lnRef>
-          <a:fillRef idx="0">
-            <a:schemeClr val="dk1"/>
-          </a:fillRef>
-          <a:effectRef idx="2">
-            <a:schemeClr val="dk1"/>
-          </a:effectRef>
-          <a:fontRef idx="minor">
-            <a:schemeClr val="tx1"/>
-          </a:fontRef>
-        </p:style>
-      </p:cxnSp>
-      <p:cxnSp>
-        <p:nvCxnSpPr>
-          <p:cNvPr id="12" name="Connector: Elbow 11">
-            <a:extLst>
-              <a:ext uri="{FF2B5EF4-FFF2-40B4-BE49-F238E27FC236}">
-                <a16:creationId xmlns:a16="http://schemas.microsoft.com/office/drawing/2014/main" id="{41796064-19BF-4507-8E24-6F3869496D8E}"/>
-              </a:ext>
-            </a:extLst>
-          </p:cNvPr>
-          <p:cNvCxnSpPr>
-            <a:cxnSpLocks/>
-            <a:stCxn id="4" idx="2"/>
-          </p:cNvCxnSpPr>
-          <p:nvPr/>
-        </p:nvCxnSpPr>
-        <p:spPr>
-          <a:xfrm rot="5400000">
-            <a:off x="5801645" y="2237962"/>
-            <a:ext cx="1081352" cy="12700"/>
-          </a:xfrm>
-          <a:prstGeom prst="bentConnector3">
-            <a:avLst>
-              <a:gd name="adj1" fmla="val 50000"/>
-            </a:avLst>
-          </a:prstGeom>
-          <a:ln w="38100">
-            <a:prstDash val="sysDash"/>
-            <a:tailEnd type="triangle"/>
-          </a:ln>
-        </p:spPr>
-        <p:style>
-          <a:lnRef idx="3">
-            <a:schemeClr val="dk1"/>
-          </a:lnRef>
-          <a:fillRef idx="0">
-            <a:schemeClr val="dk1"/>
-          </a:fillRef>
-          <a:effectRef idx="2">
-            <a:schemeClr val="dk1"/>
-          </a:effectRef>
-          <a:fontRef idx="minor">
-            <a:schemeClr val="tx1"/>
-          </a:fontRef>
-        </p:style>
-      </p:cxnSp>
-      <p:cxnSp>
-        <p:nvCxnSpPr>
-          <p:cNvPr id="18" name="Connector: Elbow 17">
-            <a:extLst>
-              <a:ext uri="{FF2B5EF4-FFF2-40B4-BE49-F238E27FC236}">
-                <a16:creationId xmlns:a16="http://schemas.microsoft.com/office/drawing/2014/main" id="{BAF8BD80-015F-4ECE-A5A8-EC79AD47B07A}"/>
-              </a:ext>
-            </a:extLst>
-          </p:cNvPr>
-          <p:cNvCxnSpPr>
-            <a:cxnSpLocks/>
-            <a:stCxn id="7" idx="1"/>
-            <a:endCxn id="8" idx="3"/>
-          </p:cNvCxnSpPr>
-          <p:nvPr/>
-        </p:nvCxnSpPr>
-        <p:spPr>
-          <a:xfrm rot="10800000" flipV="1">
-            <a:off x="4338085" y="3811052"/>
-            <a:ext cx="765542" cy="959243"/>
-          </a:xfrm>
-          <a:prstGeom prst="bentConnector3">
-            <a:avLst>
-              <a:gd name="adj1" fmla="val 50000"/>
-            </a:avLst>
-          </a:prstGeom>
-          <a:ln w="38100">
-            <a:prstDash val="sysDash"/>
-            <a:tailEnd type="triangle"/>
-          </a:ln>
-        </p:spPr>
-        <p:style>
-          <a:lnRef idx="3">
-            <a:schemeClr val="dk1"/>
-          </a:lnRef>
-          <a:fillRef idx="0">
-            <a:schemeClr val="dk1"/>
-          </a:fillRef>
-          <a:effectRef idx="2">
-            <a:schemeClr val="dk1"/>
-          </a:effectRef>
-          <a:fontRef idx="minor">
-            <a:schemeClr val="tx1"/>
-          </a:fontRef>
-        </p:style>
-      </p:cxnSp>
-      <p:cxnSp>
-        <p:nvCxnSpPr>
-          <p:cNvPr id="21" name="Connector: Elbow 20">
-            <a:extLst>
-              <a:ext uri="{FF2B5EF4-FFF2-40B4-BE49-F238E27FC236}">
-                <a16:creationId xmlns:a16="http://schemas.microsoft.com/office/drawing/2014/main" id="{C9BC00D1-5D5C-49FA-99A0-988A75985179}"/>
-              </a:ext>
-            </a:extLst>
-          </p:cNvPr>
-          <p:cNvCxnSpPr>
-            <a:cxnSpLocks/>
-            <a:stCxn id="8" idx="1"/>
-            <a:endCxn id="9" idx="0"/>
-          </p:cNvCxnSpPr>
-          <p:nvPr/>
-        </p:nvCxnSpPr>
-        <p:spPr>
-          <a:xfrm rot="10800000" flipV="1">
-            <a:off x="2822797" y="4770295"/>
-            <a:ext cx="498095" cy="1183937"/>
-          </a:xfrm>
-          <a:prstGeom prst="bentConnector2">
-            <a:avLst/>
-          </a:prstGeom>
-          <a:ln w="38100">
-            <a:prstDash val="sysDash"/>
-            <a:tailEnd type="triangle"/>
-          </a:ln>
-        </p:spPr>
-        <p:style>
-          <a:lnRef idx="3">
-            <a:schemeClr val="dk1"/>
-          </a:lnRef>
-          <a:fillRef idx="0">
-            <a:schemeClr val="dk1"/>
-          </a:fillRef>
-          <a:effectRef idx="2">
-            <a:schemeClr val="dk1"/>
-          </a:effectRef>
-          <a:fontRef idx="minor">
-            <a:schemeClr val="tx1"/>
-          </a:fontRef>
-        </p:style>
-      </p:cxnSp>
-      <p:sp>
-        <p:nvSpPr>
-          <p:cNvPr id="24" name="TextBox 23">
-            <a:extLst>
-              <a:ext uri="{FF2B5EF4-FFF2-40B4-BE49-F238E27FC236}">
-                <a16:creationId xmlns:a16="http://schemas.microsoft.com/office/drawing/2014/main" id="{012F60C4-17CA-4690-BC9D-05D848E4CD30}"/>
-              </a:ext>
-            </a:extLst>
-          </p:cNvPr>
-          <p:cNvSpPr txBox="1"/>
-          <p:nvPr/>
-        </p:nvSpPr>
-        <p:spPr>
-          <a:xfrm>
-            <a:off x="5914049" y="5208803"/>
-            <a:ext cx="5912192" cy="461665"/>
-          </a:xfrm>
-          <a:prstGeom prst="rect">
-            <a:avLst/>
-          </a:prstGeom>
+<file path=ppt/theme/theme2.xml><?xml version="1.0" encoding="utf-8"?>
+<a:theme xmlns:a="http://schemas.openxmlformats.org/drawingml/2006/main" name="Office Theme">
+  <a:themeElements>
+    <a:clrScheme name="Office">
+      <a:dk1>
+        <a:sysClr val="windowText" lastClr="000000"/>
+      </a:dk1>
+      <a:lt1>
+        <a:sysClr val="window" lastClr="FFFFFF"/>
+      </a:lt1>
+      <a:dk2>
+        <a:srgbClr val="44546A"/>
+      </a:dk2>
+      <a:lt2>
+        <a:srgbClr val="E7E6E6"/>
+      </a:lt2>
+      <a:accent1>
+        <a:srgbClr val="5B9BD5"/>
+      </a:accent1>
+      <a:accent2>
+        <a:srgbClr val="ED7D31"/>
+      </a:accent2>
+      <a:accent3>
+        <a:srgbClr val="A5A5A5"/>
+      </a:accent3>
+      <a:accent4>
+        <a:srgbClr val="FFC000"/>
+      </a:accent4>
+      <a:accent5>
+        <a:srgbClr val="4472C4"/>
+      </a:accent5>
+      <a:accent6>
+        <a:srgbClr val="70AD47"/>
+      </a:accent6>
+      <a:hlink>
+        <a:srgbClr val="0563C1"/>
+      </a:hlink>
+      <a:folHlink>
+        <a:srgbClr val="954F72"/>
+      </a:folHlink>
+    </a:clrScheme>
+    <a:fontScheme name="Office">
+      <a:majorFont>
+        <a:latin typeface="Calibri Light" panose="020F0302020204030204"/>
+        <a:ea typeface=""/>
+        <a:cs typeface=""/>
+        <a:font script="Jpan" typeface="游ゴシック Light"/>
+        <a:font script="Hang" typeface="맑은 고딕"/>
+        <a:font script="Hans" typeface="等线 Light"/>
+        <a:font script="Hant" typeface="新細明體"/>
+        <a:font script="Arab" typeface="Times New Roman"/>
+        <a:font script="Hebr" typeface="Times New Roman"/>
+        <a:font script="Thai" typeface="Angsana New"/>
+        <a:font script="Ethi" typeface="Nyala"/>
+        <a:font script="Beng" typeface="Vrinda"/>
+        <a:font script="Gujr" typeface="Shruti"/>
+        <a:font script="Khmr" typeface="MoolBoran"/>
+        <a:font script="Knda" typeface="Tunga"/>
+        <a:font script="Guru" typeface="Raavi"/>
+        <a:font script="Cans" typeface="Euphemia"/>
+        <a:font script="Cher" typeface="Plantagenet Cherokee"/>
+        <a:font script="Yiii" typeface="Microsoft Yi Baiti"/>
+        <a:font script="Tibt" typeface="Microsoft Himalaya"/>
+        <a:font script="Thaa" typeface="MV Boli"/>
+        <a:font script="Deva" typeface="Mangal"/>
+        <a:font script="Telu" typeface="Gautami"/>
+        <a:font script="Taml" typeface="Latha"/>
+        <a:font script="Syrc" typeface="Estrangelo Edessa"/>
+        <a:font script="Orya" typeface="Kalinga"/>
+        <a:font script="Mlym" typeface="Kartika"/>
+        <a:font script="Laoo" typeface="DokChampa"/>
+        <a:font script="Sinh" typeface="Iskoola Pota"/>
+        <a:font script="Mong" typeface="Mongolian Baiti"/>
+        <a:font script="Viet" typeface="Times New Roman"/>
+        <a:font script="Uigh" typeface="Microsoft Uighur"/>
+        <a:font script="Geor" typeface="Sylfaen"/>
+      </a:majorFont>
+      <a:minorFont>
+        <a:latin typeface="Calibri" panose="020F0502020204030204"/>
+        <a:ea typeface=""/>
+        <a:cs typeface=""/>
+        <a:font script="Jpan" typeface="游ゴシック"/>
+        <a:font script="Hang" typeface="맑은 고딕"/>
+        <a:font script="Hans" typeface="等线"/>
+        <a:font script="Hant" typeface="新細明體"/>
+        <a:font script="Arab" typeface="Arial"/>
+        <a:font script="Hebr" typeface="Arial"/>
+        <a:font script="Thai" typeface="Cordia New"/>
+        <a:font script="Ethi" typeface="Nyala"/>
+        <a:font script="Beng" typeface="Vrinda"/>
+        <a:font script="Gujr" typeface="Shruti"/>
+        <a:font script="Khmr" typeface="DaunPenh"/>
+        <a:font script="Knda" typeface="Tunga"/>
+        <a:font script="Guru" typeface="Raavi"/>
+        <a:font script="Cans" typeface="Euphemia"/>
+        <a:font script="Cher" typeface="Plantagenet Cherokee"/>
+        <a:font script="Yiii" typeface="Microsoft Yi Baiti"/>
+        <a:font script="Tibt" typeface="Microsoft Himalaya"/>
+        <a:font script="Thaa" typeface="MV Boli"/>
+        <a:font script="Deva" typeface="Mangal"/>
+        <a:font script="Telu" typeface="Gautami"/>
+        <a:font script="Taml" typeface="Latha"/>
+        <a:font script="Syrc" typeface="Estrangelo Edessa"/>
+        <a:font script="Orya" typeface="Kalinga"/>
+        <a:font script="Mlym" typeface="Kartika"/>
+        <a:font script="Laoo" typeface="DokChampa"/>
+        <a:font script="Sinh" typeface="Iskoola Pota"/>
+        <a:font script="Mong" typeface="Mongolian Baiti"/>
+        <a:font script="Viet" typeface="Arial"/>
+        <a:font script="Uigh" typeface="Microsoft Uighur"/>
+        <a:font script="Geor" typeface="Sylfaen"/>
+      </a:minorFont>
+    </a:fontScheme>
+    <a:fmtScheme name="Office">
+      <a:fillStyleLst>
+        <a:solidFill>
+          <a:schemeClr val="phClr"/>
+        </a:solidFill>
+        <a:gradFill rotWithShape="1">
+          <a:gsLst>
+            <a:gs pos="0">
+              <a:schemeClr val="phClr">
+                <a:lumMod val="110000"/>
+                <a:satMod val="105000"/>
+                <a:tint val="67000"/>
+              </a:schemeClr>
+            </a:gs>
+            <a:gs pos="50000">
+              <a:schemeClr val="phClr">
+                <a:lumMod val="105000"/>
+                <a:satMod val="103000"/>
+                <a:tint val="73000"/>
+              </a:schemeClr>
+            </a:gs>
+            <a:gs pos="100000">
+              <a:schemeClr val="phClr">
+                <a:lumMod val="105000"/>
+                <a:satMod val="109000"/>
+                <a:tint val="81000"/>
+              </a:schemeClr>
+            </a:gs>
+          </a:gsLst>
+          <a:lin ang="5400000" scaled="0"/>
+        </a:gradFill>
+        <a:gradFill rotWithShape="1">
+          <a:gsLst>
+            <a:gs pos="0">
+              <a:schemeClr val="phClr">
+                <a:satMod val="103000"/>
+                <a:lumMod val="102000"/>
+                <a:tint val="94000"/>
+              </a:schemeClr>
+            </a:gs>
+            <a:gs pos="50000">
+              <a:schemeClr val="phClr">
+                <a:satMod val="110000"/>
+                <a:lumMod val="100000"/>
+                <a:shade val="100000"/>
+              </a:schemeClr>
+            </a:gs>
+            <a:gs pos="100000">
+              <a:schemeClr val="phClr">
+                <a:lumMod val="99000"/>
+                <a:satMod val="120000"/>
+                <a:shade val="78000"/>
+              </a:schemeClr>
+            </a:gs>
+          </a:gsLst>
+          <a:lin ang="5400000" scaled="0"/>
+        </a:gradFill>
+      </a:fillStyleLst>
+      <a:lnStyleLst>
+        <a:ln w="6350" cap="flat" cmpd="sng" algn="ctr">
           <a:solidFill>
-            <a:schemeClr val="accent1">
-              <a:lumMod val="40000"/>
-              <a:lumOff val="60000"/>
-            </a:schemeClr>
+            <a:schemeClr val="phClr"/>
           </a:solidFill>
-        </p:spPr>
-        <p:txBody>
-          <a:bodyPr wrap="square" rtlCol="0">
-            <a:spAutoFit/>
-          </a:bodyPr>
-          <a:lstStyle/>
-          <a:p>
-            <a:r>
-              <a:rPr lang="en-US" sz="2400" dirty="0"/>
-              <a:t>Statement </a:t>
-            </a:r>
-            <a:r>
-              <a:rPr lang="en-US" sz="2400" dirty="0">
-                <a:sym typeface="Wingdings" panose="05000000000000000000" pitchFamily="2" charset="2"/>
-              </a:rPr>
-              <a:t> </a:t>
-            </a:r>
-            <a:r>
-              <a:rPr lang="en-US" sz="2400" dirty="0"/>
-              <a:t>Request </a:t>
-            </a:r>
-            <a:r>
-              <a:rPr lang="en-US" sz="2400" dirty="0">
-                <a:sym typeface="Wingdings" panose="05000000000000000000" pitchFamily="2" charset="2"/>
-              </a:rPr>
-              <a:t> Intervention Result</a:t>
-            </a:r>
-            <a:endParaRPr lang="en-US" sz="2400" dirty="0"/>
-          </a:p>
-        </p:txBody>
-      </p:sp>
-      <p:sp>
-        <p:nvSpPr>
-          <p:cNvPr id="19" name="TextBox 18">
-            <a:extLst>
-              <a:ext uri="{FF2B5EF4-FFF2-40B4-BE49-F238E27FC236}">
-                <a16:creationId xmlns:a16="http://schemas.microsoft.com/office/drawing/2014/main" id="{4434DD83-75F8-4436-9D1A-AFF864B54E6D}"/>
-              </a:ext>
-            </a:extLst>
-          </p:cNvPr>
-          <p:cNvSpPr txBox="1"/>
-          <p:nvPr/>
-        </p:nvSpPr>
-        <p:spPr>
-          <a:xfrm>
-            <a:off x="5749114" y="4707393"/>
-            <a:ext cx="3256084" cy="400110"/>
-          </a:xfrm>
-          <a:prstGeom prst="rect">
-            <a:avLst/>
-          </a:prstGeom>
-          <a:noFill/>
-        </p:spPr>
-        <p:txBody>
-          <a:bodyPr wrap="none" rtlCol="0">
-            <a:spAutoFit/>
-          </a:bodyPr>
-          <a:lstStyle/>
-          <a:p>
-            <a:r>
-              <a:rPr lang="en-US" sz="2000" b="1" dirty="0"/>
-              <a:t>Order discharge medication: </a:t>
-            </a:r>
-          </a:p>
-        </p:txBody>
-      </p:sp>
-    </p:spTree>
-    <p:extLst>
-      <p:ext uri="{BB962C8B-B14F-4D97-AF65-F5344CB8AC3E}">
-        <p14:creationId xmlns:p14="http://schemas.microsoft.com/office/powerpoint/2010/main" val="378032692"/>
-      </p:ext>
-    </p:extLst>
-  </p:cSld>
-  <p:clrMapOvr>
-    <a:masterClrMapping/>
-  </p:clrMapOvr>
-</p:sld>
+          <a:prstDash val="solid"/>
+          <a:miter lim="800000"/>
+        </a:ln>
+        <a:ln w="12700" cap="flat" cmpd="sng" algn="ctr">
+          <a:solidFill>
+            <a:schemeClr val="phClr"/>
+          </a:solidFill>
+          <a:prstDash val="solid"/>
+          <a:miter lim="800000"/>
+        </a:ln>
+        <a:ln w="19050" cap="flat" cmpd="sng" algn="ctr">
+          <a:solidFill>
+            <a:schemeClr val="phClr"/>
+          </a:solidFill>
+          <a:prstDash val="solid"/>
+          <a:miter lim="800000"/>
+        </a:ln>
+      </a:lnStyleLst>
+      <a:effectStyleLst>
+        <a:effectStyle>
+          <a:effectLst/>
+        </a:effectStyle>
+        <a:effectStyle>
+          <a:effectLst/>
+        </a:effectStyle>
+        <a:effectStyle>
+          <a:effectLst>
+            <a:outerShdw blurRad="57150" dist="19050" dir="5400000" algn="ctr" rotWithShape="0">
+              <a:srgbClr val="000000">
+                <a:alpha val="63000"/>
+              </a:srgbClr>
+            </a:outerShdw>
+          </a:effectLst>
+        </a:effectStyle>
+      </a:effectStyleLst>
+      <a:bgFillStyleLst>
+        <a:solidFill>
+          <a:schemeClr val="phClr"/>
+        </a:solidFill>
+        <a:solidFill>
+          <a:schemeClr val="phClr">
+            <a:tint val="95000"/>
+            <a:satMod val="170000"/>
+          </a:schemeClr>
+        </a:solidFill>
+        <a:gradFill rotWithShape="1">
+          <a:gsLst>
+            <a:gs pos="0">
+              <a:schemeClr val="phClr">
+                <a:tint val="93000"/>
+                <a:satMod val="150000"/>
+                <a:shade val="98000"/>
+                <a:lumMod val="102000"/>
+              </a:schemeClr>
+            </a:gs>
+            <a:gs pos="50000">
+              <a:schemeClr val="phClr">
+                <a:tint val="98000"/>
+                <a:satMod val="130000"/>
+                <a:shade val="90000"/>
+                <a:lumMod val="103000"/>
+              </a:schemeClr>
+            </a:gs>
+            <a:gs pos="100000">
+              <a:schemeClr val="phClr">
+                <a:shade val="63000"/>
+                <a:satMod val="120000"/>
+              </a:schemeClr>
+            </a:gs>
+          </a:gsLst>
+          <a:lin ang="5400000" scaled="0"/>
+        </a:gradFill>
+      </a:bgFillStyleLst>
+    </a:fmtScheme>
+  </a:themeElements>
+  <a:objectDefaults/>
+  <a:extraClrSchemeLst/>
+  <a:extLst>
+    <a:ext uri="{05A4C25C-085E-4340-85A3-A5531E510DB2}">
+      <thm15:themeFamily xmlns:thm15="http://schemas.microsoft.com/office/thememl/2012/main" name="Office Theme" id="{62F939B6-93AF-4DB8-9C6B-D6C7DFDC589F}" vid="{4A3C46E8-61CC-4603-A589-7422A47A8E4A}"/>
+    </a:ext>
+  </a:extLst>
+</a:theme>
 </file>
 
-<file path=ppt/theme/theme1.xml><?xml version="1.0" encoding="utf-8"?>
+<file path=ppt/theme/theme3.xml><?xml version="1.0" encoding="utf-8"?>
 <a:theme xmlns:a="http://schemas.openxmlformats.org/drawingml/2006/main" name="Office Theme">
   <a:themeElements>
     <a:clrScheme name="Office">

--- a/src/main/uml/doc/ANF Reference Model.pptx
+++ b/src/main/uml/doc/ANF Reference Model.pptx
@@ -5,30 +5,24 @@
     <p:sldMasterId id="2147483883" r:id="rId1"/>
   </p:sldMasterIdLst>
   <p:notesMasterIdLst>
-    <p:notesMasterId r:id="rId20"/>
+    <p:notesMasterId r:id="rId14"/>
   </p:notesMasterIdLst>
   <p:handoutMasterIdLst>
-    <p:handoutMasterId r:id="rId21"/>
+    <p:handoutMasterId r:id="rId15"/>
   </p:handoutMasterIdLst>
   <p:sldIdLst>
     <p:sldId id="1216" r:id="rId2"/>
     <p:sldId id="1217" r:id="rId3"/>
-    <p:sldId id="1223" r:id="rId4"/>
-    <p:sldId id="1224" r:id="rId5"/>
-    <p:sldId id="1227" r:id="rId6"/>
-    <p:sldId id="1226" r:id="rId7"/>
-    <p:sldId id="1225" r:id="rId8"/>
-    <p:sldId id="1218" r:id="rId9"/>
+    <p:sldId id="1228" r:id="rId4"/>
+    <p:sldId id="1223" r:id="rId5"/>
+    <p:sldId id="1224" r:id="rId6"/>
+    <p:sldId id="1227" r:id="rId7"/>
+    <p:sldId id="1226" r:id="rId8"/>
+    <p:sldId id="1229" r:id="rId9"/>
     <p:sldId id="1219" r:id="rId10"/>
     <p:sldId id="1220" r:id="rId11"/>
-    <p:sldId id="1221" r:id="rId12"/>
-    <p:sldId id="1222" r:id="rId13"/>
-    <p:sldId id="258" r:id="rId14"/>
-    <p:sldId id="261" r:id="rId15"/>
-    <p:sldId id="263" r:id="rId16"/>
-    <p:sldId id="259" r:id="rId17"/>
-    <p:sldId id="264" r:id="rId18"/>
-    <p:sldId id="265" r:id="rId19"/>
+    <p:sldId id="1222" r:id="rId12"/>
+    <p:sldId id="258" r:id="rId13"/>
   </p:sldIdLst>
   <p:sldSz cx="12192000" cy="6858000"/>
   <p:notesSz cx="6858000" cy="9144000"/>
@@ -134,22 +128,16 @@
           <p14:sldIdLst>
             <p14:sldId id="1216"/>
             <p14:sldId id="1217"/>
+            <p14:sldId id="1228"/>
             <p14:sldId id="1223"/>
             <p14:sldId id="1224"/>
             <p14:sldId id="1227"/>
             <p14:sldId id="1226"/>
-            <p14:sldId id="1225"/>
-            <p14:sldId id="1218"/>
+            <p14:sldId id="1229"/>
             <p14:sldId id="1219"/>
             <p14:sldId id="1220"/>
-            <p14:sldId id="1221"/>
             <p14:sldId id="1222"/>
             <p14:sldId id="258"/>
-            <p14:sldId id="261"/>
-            <p14:sldId id="263"/>
-            <p14:sldId id="259"/>
-            <p14:sldId id="264"/>
-            <p14:sldId id="265"/>
           </p14:sldIdLst>
         </p14:section>
       </p14:sectionLst>
@@ -3241,7 +3229,7 @@
           <a:p>
             <a:fld id="{AD676DAC-E5AA-4AEA-9200-196682C1EB3D}" type="datetimeFigureOut">
               <a:rPr lang="en-US" smtClean="0"/>
-              <a:t>7/31/2019</a:t>
+              <a:t>8/2/2019</a:t>
             </a:fld>
             <a:endParaRPr lang="en-US"/>
           </a:p>
@@ -3418,7 +3406,7 @@
           <a:p>
             <a:fld id="{440FB706-3D14-4F98-8C5D-05C6738AC3A2}" type="datetimeFigureOut">
               <a:rPr lang="en-US" smtClean="0"/>
-              <a:t>7/31/2019</a:t>
+              <a:t>8/2/2019</a:t>
             </a:fld>
             <a:endParaRPr lang="en-US"/>
           </a:p>
@@ -3833,7 +3821,7 @@
             <a:fld id="{B61BEF0D-F0BB-DE4B-95CE-6DB70DBA9567}" type="datetimeFigureOut">
               <a:rPr lang="en-US" smtClean="0"/>
               <a:pPr/>
-              <a:t>7/31/2019</a:t>
+              <a:t>8/2/2019</a:t>
             </a:fld>
             <a:endParaRPr lang="en-US" dirty="0"/>
           </a:p>
@@ -4033,7 +4021,7 @@
           <a:p>
             <a:fld id="{55C6B4A9-1611-4792-9094-5F34BCA07E0B}" type="datetimeFigureOut">
               <a:rPr lang="en-US" smtClean="0"/>
-              <a:t>7/31/2019</a:t>
+              <a:t>8/2/2019</a:t>
             </a:fld>
             <a:endParaRPr lang="en-US" dirty="0"/>
           </a:p>
@@ -4244,7 +4232,7 @@
             <a:fld id="{B61BEF0D-F0BB-DE4B-95CE-6DB70DBA9567}" type="datetimeFigureOut">
               <a:rPr lang="en-US" smtClean="0"/>
               <a:pPr/>
-              <a:t>7/31/2019</a:t>
+              <a:t>8/2/2019</a:t>
             </a:fld>
             <a:endParaRPr lang="en-US" dirty="0"/>
           </a:p>
@@ -4445,7 +4433,7 @@
             <a:fld id="{B61BEF0D-F0BB-DE4B-95CE-6DB70DBA9567}" type="datetimeFigureOut">
               <a:rPr lang="en-US" smtClean="0"/>
               <a:pPr/>
-              <a:t>7/31/2019</a:t>
+              <a:t>8/2/2019</a:t>
             </a:fld>
             <a:endParaRPr lang="en-US" dirty="0"/>
           </a:p>
@@ -4721,7 +4709,7 @@
             <a:fld id="{B61BEF0D-F0BB-DE4B-95CE-6DB70DBA9567}" type="datetimeFigureOut">
               <a:rPr lang="en-US" smtClean="0"/>
               <a:pPr/>
-              <a:t>7/31/2019</a:t>
+              <a:t>8/2/2019</a:t>
             </a:fld>
             <a:endParaRPr lang="en-US" dirty="0"/>
           </a:p>
@@ -5022,7 +5010,7 @@
           <a:p>
             <a:fld id="{EB712588-04B1-427B-82EE-E8DB90309F08}" type="datetimeFigureOut">
               <a:rPr lang="en-US" smtClean="0"/>
-              <a:t>7/31/2019</a:t>
+              <a:t>8/2/2019</a:t>
             </a:fld>
             <a:endParaRPr lang="en-US" dirty="0"/>
           </a:p>
@@ -5437,7 +5425,7 @@
             <a:fld id="{B61BEF0D-F0BB-DE4B-95CE-6DB70DBA9567}" type="datetimeFigureOut">
               <a:rPr lang="en-US" smtClean="0"/>
               <a:pPr/>
-              <a:t>7/31/2019</a:t>
+              <a:t>8/2/2019</a:t>
             </a:fld>
             <a:endParaRPr lang="en-US" dirty="0"/>
           </a:p>
@@ -5581,7 +5569,7 @@
             <a:fld id="{B61BEF0D-F0BB-DE4B-95CE-6DB70DBA9567}" type="datetimeFigureOut">
               <a:rPr lang="en-US" smtClean="0"/>
               <a:pPr/>
-              <a:t>7/31/2019</a:t>
+              <a:t>8/2/2019</a:t>
             </a:fld>
             <a:endParaRPr lang="en-US" dirty="0"/>
           </a:p>
@@ -5694,7 +5682,7 @@
           <a:p>
             <a:fld id="{CA2E3467-0D89-4ADB-A534-234A23CA62FE}" type="datetimeFigureOut">
               <a:rPr lang="en-US" smtClean="0"/>
-              <a:t>7/31/2019</a:t>
+              <a:t>8/2/2019</a:t>
             </a:fld>
             <a:endParaRPr lang="en-US"/>
           </a:p>
@@ -6005,7 +5993,7 @@
           <a:p>
             <a:fld id="{42A54C80-263E-416B-A8E0-580EDEADCBDC}" type="datetimeFigureOut">
               <a:rPr lang="en-US" smtClean="0"/>
-              <a:t>7/31/2019</a:t>
+              <a:t>8/2/2019</a:t>
             </a:fld>
             <a:endParaRPr lang="en-US" dirty="0"/>
           </a:p>
@@ -6296,7 +6284,7 @@
             <a:fld id="{B61BEF0D-F0BB-DE4B-95CE-6DB70DBA9567}" type="datetimeFigureOut">
               <a:rPr lang="en-US" smtClean="0"/>
               <a:pPr/>
-              <a:t>7/31/2019</a:t>
+              <a:t>8/2/2019</a:t>
             </a:fld>
             <a:endParaRPr lang="en-US" dirty="0"/>
           </a:p>
@@ -6540,7 +6528,7 @@
             <a:fld id="{B61BEF0D-F0BB-DE4B-95CE-6DB70DBA9567}" type="datetimeFigureOut">
               <a:rPr lang="en-US" smtClean="0"/>
               <a:pPr/>
-              <a:t>7/31/2019</a:t>
+              <a:t>8/2/2019</a:t>
             </a:fld>
             <a:endParaRPr lang="en-US" dirty="0"/>
           </a:p>
@@ -7116,10 +7104,10 @@
       </p:sp>
       <p:pic>
         <p:nvPicPr>
-          <p:cNvPr id="6" name="Picture 5" descr="A close up of a map&#10;&#10;Description generated with high confidence">
-            <a:extLst>
-              <a:ext uri="{FF2B5EF4-FFF2-40B4-BE49-F238E27FC236}">
-                <a16:creationId xmlns:a16="http://schemas.microsoft.com/office/drawing/2014/main" id="{7ED8E24E-5807-41F8-BB37-78C604019937}"/>
+          <p:cNvPr id="3" name="Picture 2" descr="A screenshot of a social media post&#10;&#10;Description automatically generated">
+            <a:extLst>
+              <a:ext uri="{FF2B5EF4-FFF2-40B4-BE49-F238E27FC236}">
+                <a16:creationId xmlns:a16="http://schemas.microsoft.com/office/drawing/2014/main" id="{E0A1F5E1-D6C6-48B3-A92F-6D51EDC5A7A7}"/>
               </a:ext>
             </a:extLst>
           </p:cNvPr>
@@ -7142,8 +7130,8 @@
         </p:blipFill>
         <p:spPr>
           <a:xfrm>
-            <a:off x="1939203" y="1409700"/>
-            <a:ext cx="7648575" cy="5448300"/>
+            <a:off x="1884218" y="1367270"/>
+            <a:ext cx="8518464" cy="5435196"/>
           </a:xfrm>
           <a:prstGeom prst="rect">
             <a:avLst/>
@@ -7182,10 +7170,10 @@
       </p:grpSpPr>
       <p:sp>
         <p:nvSpPr>
-          <p:cNvPr id="5" name="Title 4">
-            <a:extLst>
-              <a:ext uri="{FF2B5EF4-FFF2-40B4-BE49-F238E27FC236}">
-                <a16:creationId xmlns:a16="http://schemas.microsoft.com/office/drawing/2014/main" id="{994FB158-ADFF-4BA2-A46A-34294FE2461E}"/>
+          <p:cNvPr id="2" name="Title 1">
+            <a:extLst>
+              <a:ext uri="{FF2B5EF4-FFF2-40B4-BE49-F238E27FC236}">
+                <a16:creationId xmlns:a16="http://schemas.microsoft.com/office/drawing/2014/main" id="{2BF60067-07BA-47F2-B2AB-DB466B1F86D9}"/>
               </a:ext>
             </a:extLst>
           </p:cNvPr>
@@ -7203,17 +7191,17 @@
           <a:p>
             <a:r>
               <a:rPr lang="en-US" dirty="0"/>
-              <a:t>ANF Polymorphic Structures: Result</a:t>
+              <a:t>Example: Order Vital Signs Exam</a:t>
             </a:r>
           </a:p>
         </p:txBody>
       </p:sp>
       <p:sp>
         <p:nvSpPr>
-          <p:cNvPr id="4" name="Slide Number Placeholder 3">
-            <a:extLst>
-              <a:ext uri="{FF2B5EF4-FFF2-40B4-BE49-F238E27FC236}">
-                <a16:creationId xmlns:a16="http://schemas.microsoft.com/office/drawing/2014/main" id="{AD9AE9D3-C142-41CB-ADA0-735B4EBEB762}"/>
+          <p:cNvPr id="3" name="Slide Number Placeholder 2">
+            <a:extLst>
+              <a:ext uri="{FF2B5EF4-FFF2-40B4-BE49-F238E27FC236}">
+                <a16:creationId xmlns:a16="http://schemas.microsoft.com/office/drawing/2014/main" id="{EE6449A5-CC92-47CA-813B-B0BF7C9F2A13}"/>
               </a:ext>
             </a:extLst>
           </p:cNvPr>
@@ -7232,129 +7220,6 @@
             <a:fld id="{88B1D514-9158-7143-952E-69DC611F0F0B}" type="slidenum">
               <a:rPr lang="en-US" smtClean="0"/>
               <a:t>11</a:t>
-            </a:fld>
-            <a:endParaRPr lang="en-US"/>
-          </a:p>
-        </p:txBody>
-      </p:sp>
-      <p:pic>
-        <p:nvPicPr>
-          <p:cNvPr id="7" name="Picture 6" descr="A close up of a map&#10;&#10;Description generated with high confidence">
-            <a:extLst>
-              <a:ext uri="{FF2B5EF4-FFF2-40B4-BE49-F238E27FC236}">
-                <a16:creationId xmlns:a16="http://schemas.microsoft.com/office/drawing/2014/main" id="{CB961C2A-AE65-4220-AA1C-780F324DE6E8}"/>
-              </a:ext>
-            </a:extLst>
-          </p:cNvPr>
-          <p:cNvPicPr>
-            <a:picLocks noChangeAspect="1"/>
-          </p:cNvPicPr>
-          <p:nvPr/>
-        </p:nvPicPr>
-        <p:blipFill>
-          <a:blip r:embed="rId2">
-            <a:extLst>
-              <a:ext uri="{28A0092B-C50C-407E-A947-70E740481C1C}">
-                <a14:useLocalDpi xmlns:a14="http://schemas.microsoft.com/office/drawing/2010/main" val="0"/>
-              </a:ext>
-            </a:extLst>
-          </a:blip>
-          <a:stretch>
-            <a:fillRect/>
-          </a:stretch>
-        </p:blipFill>
-        <p:spPr>
-          <a:xfrm>
-            <a:off x="1939203" y="1409700"/>
-            <a:ext cx="7648575" cy="5448300"/>
-          </a:xfrm>
-          <a:prstGeom prst="rect">
-            <a:avLst/>
-          </a:prstGeom>
-        </p:spPr>
-      </p:pic>
-    </p:spTree>
-    <p:extLst>
-      <p:ext uri="{BB962C8B-B14F-4D97-AF65-F5344CB8AC3E}">
-        <p14:creationId xmlns:p14="http://schemas.microsoft.com/office/powerpoint/2010/main" val="2892127130"/>
-      </p:ext>
-    </p:extLst>
-  </p:cSld>
-  <p:clrMapOvr>
-    <a:masterClrMapping/>
-  </p:clrMapOvr>
-</p:sld>
-</file>
-
-<file path=ppt/slides/slide12.xml><?xml version="1.0" encoding="utf-8"?>
-<p:sld xmlns:a="http://schemas.openxmlformats.org/drawingml/2006/main" xmlns:r="http://schemas.openxmlformats.org/officeDocument/2006/relationships" xmlns:p="http://schemas.openxmlformats.org/presentationml/2006/main">
-  <p:cSld>
-    <p:spTree>
-      <p:nvGrpSpPr>
-        <p:cNvPr id="1" name=""/>
-        <p:cNvGrpSpPr/>
-        <p:nvPr/>
-      </p:nvGrpSpPr>
-      <p:grpSpPr>
-        <a:xfrm>
-          <a:off x="0" y="0"/>
-          <a:ext cx="0" cy="0"/>
-          <a:chOff x="0" y="0"/>
-          <a:chExt cx="0" cy="0"/>
-        </a:xfrm>
-      </p:grpSpPr>
-      <p:sp>
-        <p:nvSpPr>
-          <p:cNvPr id="2" name="Title 1">
-            <a:extLst>
-              <a:ext uri="{FF2B5EF4-FFF2-40B4-BE49-F238E27FC236}">
-                <a16:creationId xmlns:a16="http://schemas.microsoft.com/office/drawing/2014/main" id="{2BF60067-07BA-47F2-B2AB-DB466B1F86D9}"/>
-              </a:ext>
-            </a:extLst>
-          </p:cNvPr>
-          <p:cNvSpPr>
-            <a:spLocks noGrp="1"/>
-          </p:cNvSpPr>
-          <p:nvPr>
-            <p:ph type="title"/>
-          </p:nvPr>
-        </p:nvSpPr>
-        <p:spPr/>
-        <p:txBody>
-          <a:bodyPr/>
-          <a:lstStyle/>
-          <a:p>
-            <a:r>
-              <a:rPr lang="en-US" dirty="0"/>
-              <a:t>Example: Order Vital Signs Exam</a:t>
-            </a:r>
-          </a:p>
-        </p:txBody>
-      </p:sp>
-      <p:sp>
-        <p:nvSpPr>
-          <p:cNvPr id="3" name="Slide Number Placeholder 2">
-            <a:extLst>
-              <a:ext uri="{FF2B5EF4-FFF2-40B4-BE49-F238E27FC236}">
-                <a16:creationId xmlns:a16="http://schemas.microsoft.com/office/drawing/2014/main" id="{EE6449A5-CC92-47CA-813B-B0BF7C9F2A13}"/>
-              </a:ext>
-            </a:extLst>
-          </p:cNvPr>
-          <p:cNvSpPr>
-            <a:spLocks noGrp="1"/>
-          </p:cNvSpPr>
-          <p:nvPr>
-            <p:ph type="sldNum" sz="quarter" idx="12"/>
-          </p:nvPr>
-        </p:nvSpPr>
-        <p:spPr/>
-        <p:txBody>
-          <a:bodyPr/>
-          <a:lstStyle/>
-          <a:p>
-            <a:fld id="{88B1D514-9158-7143-952E-69DC611F0F0B}" type="slidenum">
-              <a:rPr lang="en-US" smtClean="0"/>
-              <a:t>12</a:t>
             </a:fld>
             <a:endParaRPr lang="en-US"/>
           </a:p>
@@ -7409,7 +7274,7 @@
 </p:sld>
 </file>
 
-<file path=ppt/slides/slide13.xml><?xml version="1.0" encoding="utf-8"?>
+<file path=ppt/slides/slide12.xml><?xml version="1.0" encoding="utf-8"?>
 <p:sld xmlns:a="http://schemas.openxmlformats.org/drawingml/2006/main" xmlns:r="http://schemas.openxmlformats.org/officeDocument/2006/relationships" xmlns:p="http://schemas.openxmlformats.org/presentationml/2006/main">
   <p:cSld>
     <p:spTree>
@@ -7428,10 +7293,10 @@
       </p:grpSpPr>
       <p:pic>
         <p:nvPicPr>
-          <p:cNvPr id="15" name="Picture 14" descr="A screenshot of a social media post&#10;&#10;Description generated with very high confidence">
-            <a:extLst>
-              <a:ext uri="{FF2B5EF4-FFF2-40B4-BE49-F238E27FC236}">
-                <a16:creationId xmlns:a16="http://schemas.microsoft.com/office/drawing/2014/main" id="{9CC3B3F6-5BD2-4497-A350-C13040ED3918}"/>
+          <p:cNvPr id="16" name="Picture 15" descr="A screenshot of a cell phone&#10;&#10;Description automatically generated">
+            <a:extLst>
+              <a:ext uri="{FF2B5EF4-FFF2-40B4-BE49-F238E27FC236}">
+                <a16:creationId xmlns:a16="http://schemas.microsoft.com/office/drawing/2014/main" id="{F8058BAB-A8D0-4079-815F-20DA81CA4B87}"/>
               </a:ext>
             </a:extLst>
           </p:cNvPr>
@@ -7454,8 +7319,8 @@
         </p:blipFill>
         <p:spPr>
           <a:xfrm>
-            <a:off x="1727025" y="-145650"/>
-            <a:ext cx="8819751" cy="7177603"/>
+            <a:off x="903491" y="383826"/>
+            <a:ext cx="10021115" cy="6858000"/>
           </a:xfrm>
           <a:prstGeom prst="rect">
             <a:avLst/>
@@ -7464,10 +7329,10 @@
       </p:pic>
       <p:sp>
         <p:nvSpPr>
-          <p:cNvPr id="3" name="Rectangle: Rounded Corners 2">
-            <a:extLst>
-              <a:ext uri="{FF2B5EF4-FFF2-40B4-BE49-F238E27FC236}">
-                <a16:creationId xmlns:a16="http://schemas.microsoft.com/office/drawing/2014/main" id="{DF369671-F1BF-4F3B-97B8-296885F5351D}"/>
+          <p:cNvPr id="4" name="Rectangle: Rounded Corners 3">
+            <a:extLst>
+              <a:ext uri="{FF2B5EF4-FFF2-40B4-BE49-F238E27FC236}">
+                <a16:creationId xmlns:a16="http://schemas.microsoft.com/office/drawing/2014/main" id="{B12FBBB4-8510-4746-BBDE-3D14A3A18498}"/>
               </a:ext>
             </a:extLst>
           </p:cNvPr>
@@ -7476,59 +7341,7 @@
         </p:nvSpPr>
         <p:spPr>
           <a:xfrm>
-            <a:off x="2365667" y="1674961"/>
-            <a:ext cx="2057400" cy="197429"/>
-          </a:xfrm>
-          <a:prstGeom prst="roundRect">
-            <a:avLst/>
-          </a:prstGeom>
-          <a:noFill/>
-          <a:ln w="38100">
-            <a:solidFill>
-              <a:srgbClr val="002060"/>
-            </a:solidFill>
-          </a:ln>
-        </p:spPr>
-        <p:style>
-          <a:lnRef idx="2">
-            <a:schemeClr val="accent1">
-              <a:shade val="50000"/>
-            </a:schemeClr>
-          </a:lnRef>
-          <a:fillRef idx="1">
-            <a:schemeClr val="accent1"/>
-          </a:fillRef>
-          <a:effectRef idx="0">
-            <a:schemeClr val="accent1"/>
-          </a:effectRef>
-          <a:fontRef idx="minor">
-            <a:schemeClr val="lt1"/>
-          </a:fontRef>
-        </p:style>
-        <p:txBody>
-          <a:bodyPr rtlCol="0" anchor="ctr"/>
-          <a:lstStyle/>
-          <a:p>
-            <a:pPr algn="ctr"/>
-            <a:endParaRPr lang="en-US"/>
-          </a:p>
-        </p:txBody>
-      </p:sp>
-      <p:sp>
-        <p:nvSpPr>
-          <p:cNvPr id="4" name="Rectangle: Rounded Corners 3">
-            <a:extLst>
-              <a:ext uri="{FF2B5EF4-FFF2-40B4-BE49-F238E27FC236}">
-                <a16:creationId xmlns:a16="http://schemas.microsoft.com/office/drawing/2014/main" id="{B12FBBB4-8510-4746-BBDE-3D14A3A18498}"/>
-              </a:ext>
-            </a:extLst>
-          </p:cNvPr>
-          <p:cNvSpPr/>
-          <p:nvPr/>
-        </p:nvSpPr>
-        <p:spPr>
-          <a:xfrm>
-            <a:off x="5699050" y="1244009"/>
+            <a:off x="5259489" y="3440289"/>
             <a:ext cx="1286541" cy="453277"/>
           </a:xfrm>
           <a:prstGeom prst="roundRect">
@@ -7584,7 +7397,7 @@
         </p:nvSpPr>
         <p:spPr>
           <a:xfrm>
-            <a:off x="4997303" y="2778638"/>
+            <a:off x="1204236" y="5013838"/>
             <a:ext cx="2892056" cy="1644506"/>
           </a:xfrm>
           <a:prstGeom prst="roundRect">
@@ -7640,8 +7453,8 @@
         </p:nvSpPr>
         <p:spPr>
           <a:xfrm>
-            <a:off x="5103627" y="3730589"/>
-            <a:ext cx="1881964" cy="160927"/>
+            <a:off x="4664066" y="2635387"/>
+            <a:ext cx="2289890" cy="220702"/>
           </a:xfrm>
           <a:prstGeom prst="roundRect">
             <a:avLst/>
@@ -7680,309 +7493,20 @@
       </p:sp>
       <p:sp>
         <p:nvSpPr>
-          <p:cNvPr id="8" name="Rectangle: Rounded Corners 7">
-            <a:extLst>
-              <a:ext uri="{FF2B5EF4-FFF2-40B4-BE49-F238E27FC236}">
-                <a16:creationId xmlns:a16="http://schemas.microsoft.com/office/drawing/2014/main" id="{1539C67D-058F-42DE-9636-C63489F48301}"/>
-              </a:ext>
-            </a:extLst>
-          </p:cNvPr>
-          <p:cNvSpPr/>
+          <p:cNvPr id="24" name="TextBox 23">
+            <a:extLst>
+              <a:ext uri="{FF2B5EF4-FFF2-40B4-BE49-F238E27FC236}">
+                <a16:creationId xmlns:a16="http://schemas.microsoft.com/office/drawing/2014/main" id="{012F60C4-17CA-4690-BC9D-05D848E4CD30}"/>
+              </a:ext>
+            </a:extLst>
+          </p:cNvPr>
+          <p:cNvSpPr txBox="1"/>
           <p:nvPr/>
         </p:nvSpPr>
         <p:spPr>
           <a:xfrm>
-            <a:off x="3320891" y="4543657"/>
-            <a:ext cx="1017194" cy="453277"/>
-          </a:xfrm>
-          <a:prstGeom prst="roundRect">
-            <a:avLst/>
-          </a:prstGeom>
-          <a:noFill/>
-          <a:ln w="38100">
-            <a:solidFill>
-              <a:srgbClr val="002060"/>
-            </a:solidFill>
-          </a:ln>
-        </p:spPr>
-        <p:style>
-          <a:lnRef idx="2">
-            <a:schemeClr val="accent1">
-              <a:shade val="50000"/>
-            </a:schemeClr>
-          </a:lnRef>
-          <a:fillRef idx="1">
-            <a:schemeClr val="accent1"/>
-          </a:fillRef>
-          <a:effectRef idx="0">
-            <a:schemeClr val="accent1"/>
-          </a:effectRef>
-          <a:fontRef idx="minor">
-            <a:schemeClr val="lt1"/>
-          </a:fontRef>
-        </p:style>
-        <p:txBody>
-          <a:bodyPr rtlCol="0" anchor="ctr"/>
-          <a:lstStyle/>
-          <a:p>
-            <a:pPr algn="ctr"/>
-            <a:endParaRPr lang="en-US">
-              <a:solidFill>
-                <a:srgbClr val="002060"/>
-              </a:solidFill>
-            </a:endParaRPr>
-          </a:p>
-        </p:txBody>
-      </p:sp>
-      <p:sp>
-        <p:nvSpPr>
-          <p:cNvPr id="9" name="Rectangle: Rounded Corners 8">
-            <a:extLst>
-              <a:ext uri="{FF2B5EF4-FFF2-40B4-BE49-F238E27FC236}">
-                <a16:creationId xmlns:a16="http://schemas.microsoft.com/office/drawing/2014/main" id="{6B2C2670-8544-49DE-8B2D-07FE8CA53FA0}"/>
-              </a:ext>
-            </a:extLst>
-          </p:cNvPr>
-          <p:cNvSpPr/>
-          <p:nvPr/>
-        </p:nvSpPr>
-        <p:spPr>
-          <a:xfrm>
-            <a:off x="3905686" y="5954233"/>
-            <a:ext cx="1881964" cy="832894"/>
-          </a:xfrm>
-          <a:prstGeom prst="roundRect">
-            <a:avLst/>
-          </a:prstGeom>
-          <a:noFill/>
-          <a:ln w="38100">
-            <a:solidFill>
-              <a:srgbClr val="002060"/>
-            </a:solidFill>
-          </a:ln>
-        </p:spPr>
-        <p:style>
-          <a:lnRef idx="2">
-            <a:schemeClr val="accent1">
-              <a:shade val="50000"/>
-            </a:schemeClr>
-          </a:lnRef>
-          <a:fillRef idx="1">
-            <a:schemeClr val="accent1"/>
-          </a:fillRef>
-          <a:effectRef idx="0">
-            <a:schemeClr val="accent1"/>
-          </a:effectRef>
-          <a:fontRef idx="minor">
-            <a:schemeClr val="lt1"/>
-          </a:fontRef>
-        </p:style>
-        <p:txBody>
-          <a:bodyPr rtlCol="0" anchor="ctr"/>
-          <a:lstStyle/>
-          <a:p>
-            <a:pPr algn="ctr"/>
-            <a:endParaRPr lang="en-US">
-              <a:solidFill>
-                <a:srgbClr val="002060"/>
-              </a:solidFill>
-            </a:endParaRPr>
-          </a:p>
-        </p:txBody>
-      </p:sp>
-      <p:cxnSp>
-        <p:nvCxnSpPr>
-          <p:cNvPr id="11" name="Connector: Elbow 10">
-            <a:extLst>
-              <a:ext uri="{FF2B5EF4-FFF2-40B4-BE49-F238E27FC236}">
-                <a16:creationId xmlns:a16="http://schemas.microsoft.com/office/drawing/2014/main" id="{A594CB4E-40C0-4C53-8167-48B971BE635A}"/>
-              </a:ext>
-            </a:extLst>
-          </p:cNvPr>
-          <p:cNvCxnSpPr>
-            <a:cxnSpLocks/>
-          </p:cNvCxnSpPr>
-          <p:nvPr/>
-        </p:nvCxnSpPr>
-        <p:spPr>
-          <a:xfrm flipV="1">
-            <a:off x="4423067" y="1444252"/>
-            <a:ext cx="1275983" cy="303028"/>
-          </a:xfrm>
-          <a:prstGeom prst="bentConnector3">
-            <a:avLst/>
-          </a:prstGeom>
-          <a:ln w="38100">
-            <a:prstDash val="sysDash"/>
-            <a:tailEnd type="triangle"/>
-          </a:ln>
-        </p:spPr>
-        <p:style>
-          <a:lnRef idx="3">
-            <a:schemeClr val="dk1"/>
-          </a:lnRef>
-          <a:fillRef idx="0">
-            <a:schemeClr val="dk1"/>
-          </a:fillRef>
-          <a:effectRef idx="2">
-            <a:schemeClr val="dk1"/>
-          </a:effectRef>
-          <a:fontRef idx="minor">
-            <a:schemeClr val="tx1"/>
-          </a:fontRef>
-        </p:style>
-      </p:cxnSp>
-      <p:cxnSp>
-        <p:nvCxnSpPr>
-          <p:cNvPr id="12" name="Connector: Elbow 11">
-            <a:extLst>
-              <a:ext uri="{FF2B5EF4-FFF2-40B4-BE49-F238E27FC236}">
-                <a16:creationId xmlns:a16="http://schemas.microsoft.com/office/drawing/2014/main" id="{41796064-19BF-4507-8E24-6F3869496D8E}"/>
-              </a:ext>
-            </a:extLst>
-          </p:cNvPr>
-          <p:cNvCxnSpPr>
-            <a:cxnSpLocks/>
-            <a:stCxn id="4" idx="2"/>
-          </p:cNvCxnSpPr>
-          <p:nvPr/>
-        </p:nvCxnSpPr>
-        <p:spPr>
-          <a:xfrm rot="5400000">
-            <a:off x="5801645" y="2237962"/>
-            <a:ext cx="1081352" cy="12700"/>
-          </a:xfrm>
-          <a:prstGeom prst="bentConnector3">
-            <a:avLst>
-              <a:gd name="adj1" fmla="val 50000"/>
-            </a:avLst>
-          </a:prstGeom>
-          <a:ln w="38100">
-            <a:prstDash val="sysDash"/>
-            <a:tailEnd type="triangle"/>
-          </a:ln>
-        </p:spPr>
-        <p:style>
-          <a:lnRef idx="3">
-            <a:schemeClr val="dk1"/>
-          </a:lnRef>
-          <a:fillRef idx="0">
-            <a:schemeClr val="dk1"/>
-          </a:fillRef>
-          <a:effectRef idx="2">
-            <a:schemeClr val="dk1"/>
-          </a:effectRef>
-          <a:fontRef idx="minor">
-            <a:schemeClr val="tx1"/>
-          </a:fontRef>
-        </p:style>
-      </p:cxnSp>
-      <p:cxnSp>
-        <p:nvCxnSpPr>
-          <p:cNvPr id="18" name="Connector: Elbow 17">
-            <a:extLst>
-              <a:ext uri="{FF2B5EF4-FFF2-40B4-BE49-F238E27FC236}">
-                <a16:creationId xmlns:a16="http://schemas.microsoft.com/office/drawing/2014/main" id="{BAF8BD80-015F-4ECE-A5A8-EC79AD47B07A}"/>
-              </a:ext>
-            </a:extLst>
-          </p:cNvPr>
-          <p:cNvCxnSpPr>
-            <a:cxnSpLocks/>
-            <a:stCxn id="7" idx="1"/>
-            <a:endCxn id="8" idx="3"/>
-          </p:cNvCxnSpPr>
-          <p:nvPr/>
-        </p:nvCxnSpPr>
-        <p:spPr>
-          <a:xfrm rot="10800000" flipV="1">
-            <a:off x="4338085" y="3811052"/>
-            <a:ext cx="765542" cy="959243"/>
-          </a:xfrm>
-          <a:prstGeom prst="bentConnector3">
-            <a:avLst>
-              <a:gd name="adj1" fmla="val 50000"/>
-            </a:avLst>
-          </a:prstGeom>
-          <a:ln w="38100">
-            <a:prstDash val="sysDash"/>
-            <a:tailEnd type="triangle"/>
-          </a:ln>
-        </p:spPr>
-        <p:style>
-          <a:lnRef idx="3">
-            <a:schemeClr val="dk1"/>
-          </a:lnRef>
-          <a:fillRef idx="0">
-            <a:schemeClr val="dk1"/>
-          </a:fillRef>
-          <a:effectRef idx="2">
-            <a:schemeClr val="dk1"/>
-          </a:effectRef>
-          <a:fontRef idx="minor">
-            <a:schemeClr val="tx1"/>
-          </a:fontRef>
-        </p:style>
-      </p:cxnSp>
-      <p:cxnSp>
-        <p:nvCxnSpPr>
-          <p:cNvPr id="21" name="Connector: Elbow 20">
-            <a:extLst>
-              <a:ext uri="{FF2B5EF4-FFF2-40B4-BE49-F238E27FC236}">
-                <a16:creationId xmlns:a16="http://schemas.microsoft.com/office/drawing/2014/main" id="{C9BC00D1-5D5C-49FA-99A0-988A75985179}"/>
-              </a:ext>
-            </a:extLst>
-          </p:cNvPr>
-          <p:cNvCxnSpPr>
-            <a:cxnSpLocks/>
-          </p:cNvCxnSpPr>
-          <p:nvPr/>
-        </p:nvCxnSpPr>
-        <p:spPr>
-          <a:xfrm rot="16200000" flipH="1">
-            <a:off x="3897530" y="5005093"/>
-            <a:ext cx="957296" cy="940981"/>
-          </a:xfrm>
-          <a:prstGeom prst="bentConnector3">
-            <a:avLst>
-              <a:gd name="adj1" fmla="val 50000"/>
-            </a:avLst>
-          </a:prstGeom>
-          <a:ln w="38100">
-            <a:prstDash val="sysDash"/>
-            <a:tailEnd type="triangle"/>
-          </a:ln>
-        </p:spPr>
-        <p:style>
-          <a:lnRef idx="3">
-            <a:schemeClr val="dk1"/>
-          </a:lnRef>
-          <a:fillRef idx="0">
-            <a:schemeClr val="dk1"/>
-          </a:fillRef>
-          <a:effectRef idx="2">
-            <a:schemeClr val="dk1"/>
-          </a:effectRef>
-          <a:fontRef idx="minor">
-            <a:schemeClr val="tx1"/>
-          </a:fontRef>
-        </p:style>
-      </p:cxnSp>
-      <p:sp>
-        <p:nvSpPr>
-          <p:cNvPr id="24" name="TextBox 23">
-            <a:extLst>
-              <a:ext uri="{FF2B5EF4-FFF2-40B4-BE49-F238E27FC236}">
-                <a16:creationId xmlns:a16="http://schemas.microsoft.com/office/drawing/2014/main" id="{012F60C4-17CA-4690-BC9D-05D848E4CD30}"/>
-              </a:ext>
-            </a:extLst>
-          </p:cNvPr>
-          <p:cNvSpPr txBox="1"/>
-          <p:nvPr/>
-        </p:nvSpPr>
-        <p:spPr>
-          <a:xfrm>
-            <a:off x="5914049" y="5208803"/>
-            <a:ext cx="5912192" cy="461665"/>
+            <a:off x="6953956" y="3351161"/>
+            <a:ext cx="4678601" cy="369332"/>
           </a:xfrm>
           <a:prstGeom prst="rect">
             <a:avLst/>
@@ -8001,26 +7525,26 @@
           <a:lstStyle/>
           <a:p>
             <a:r>
-              <a:rPr lang="en-US" sz="2400" dirty="0"/>
+              <a:rPr lang="en-US" dirty="0"/>
               <a:t>Statement </a:t>
             </a:r>
             <a:r>
-              <a:rPr lang="en-US" sz="2400" dirty="0">
+              <a:rPr lang="en-US" dirty="0">
                 <a:sym typeface="Wingdings" panose="05000000000000000000" pitchFamily="2" charset="2"/>
               </a:rPr>
               <a:t> </a:t>
             </a:r>
             <a:r>
-              <a:rPr lang="en-US" sz="2400" dirty="0"/>
+              <a:rPr lang="en-US" dirty="0"/>
               <a:t>Request </a:t>
             </a:r>
             <a:r>
-              <a:rPr lang="en-US" sz="2400" dirty="0">
+              <a:rPr lang="en-US" dirty="0">
                 <a:sym typeface="Wingdings" panose="05000000000000000000" pitchFamily="2" charset="2"/>
               </a:rPr>
               <a:t> Observation Result</a:t>
             </a:r>
-            <a:endParaRPr lang="en-US" sz="2400" dirty="0"/>
+            <a:endParaRPr lang="en-US" dirty="0"/>
           </a:p>
         </p:txBody>
       </p:sp>
@@ -8070,3470 +7594,6 @@
     <p:extLst>
       <p:ext uri="{BB962C8B-B14F-4D97-AF65-F5344CB8AC3E}">
         <p14:creationId xmlns:p14="http://schemas.microsoft.com/office/powerpoint/2010/main" val="879884009"/>
-      </p:ext>
-    </p:extLst>
-  </p:cSld>
-  <p:clrMapOvr>
-    <a:masterClrMapping/>
-  </p:clrMapOvr>
-</p:sld>
-</file>
-
-<file path=ppt/slides/slide14.xml><?xml version="1.0" encoding="utf-8"?>
-<p:sld xmlns:a="http://schemas.openxmlformats.org/drawingml/2006/main" xmlns:r="http://schemas.openxmlformats.org/officeDocument/2006/relationships" xmlns:p="http://schemas.openxmlformats.org/presentationml/2006/main">
-  <p:cSld>
-    <p:spTree>
-      <p:nvGrpSpPr>
-        <p:cNvPr id="1" name=""/>
-        <p:cNvGrpSpPr/>
-        <p:nvPr/>
-      </p:nvGrpSpPr>
-      <p:grpSpPr>
-        <a:xfrm>
-          <a:off x="0" y="0"/>
-          <a:ext cx="0" cy="0"/>
-          <a:chOff x="0" y="0"/>
-          <a:chExt cx="0" cy="0"/>
-        </a:xfrm>
-      </p:grpSpPr>
-      <p:pic>
-        <p:nvPicPr>
-          <p:cNvPr id="15" name="Picture 14" descr="A screenshot of a social media post&#10;&#10;Description generated with very high confidence">
-            <a:extLst>
-              <a:ext uri="{FF2B5EF4-FFF2-40B4-BE49-F238E27FC236}">
-                <a16:creationId xmlns:a16="http://schemas.microsoft.com/office/drawing/2014/main" id="{41498512-65AC-4294-82A4-5DBAA436698F}"/>
-              </a:ext>
-            </a:extLst>
-          </p:cNvPr>
-          <p:cNvPicPr>
-            <a:picLocks noChangeAspect="1"/>
-          </p:cNvPicPr>
-          <p:nvPr/>
-        </p:nvPicPr>
-        <p:blipFill>
-          <a:blip r:embed="rId2">
-            <a:extLst>
-              <a:ext uri="{28A0092B-C50C-407E-A947-70E740481C1C}">
-                <a14:useLocalDpi xmlns:a14="http://schemas.microsoft.com/office/drawing/2010/main" val="0"/>
-              </a:ext>
-            </a:extLst>
-          </a:blip>
-          <a:stretch>
-            <a:fillRect/>
-          </a:stretch>
-        </p:blipFill>
-        <p:spPr>
-          <a:xfrm>
-            <a:off x="1727025" y="-145650"/>
-            <a:ext cx="8819751" cy="7177603"/>
-          </a:xfrm>
-          <a:prstGeom prst="rect">
-            <a:avLst/>
-          </a:prstGeom>
-        </p:spPr>
-      </p:pic>
-      <p:sp>
-        <p:nvSpPr>
-          <p:cNvPr id="3" name="Rectangle: Rounded Corners 2">
-            <a:extLst>
-              <a:ext uri="{FF2B5EF4-FFF2-40B4-BE49-F238E27FC236}">
-                <a16:creationId xmlns:a16="http://schemas.microsoft.com/office/drawing/2014/main" id="{DF369671-F1BF-4F3B-97B8-296885F5351D}"/>
-              </a:ext>
-            </a:extLst>
-          </p:cNvPr>
-          <p:cNvSpPr/>
-          <p:nvPr/>
-        </p:nvSpPr>
-        <p:spPr>
-          <a:xfrm>
-            <a:off x="2365667" y="1674961"/>
-            <a:ext cx="2057400" cy="197429"/>
-          </a:xfrm>
-          <a:prstGeom prst="roundRect">
-            <a:avLst/>
-          </a:prstGeom>
-          <a:noFill/>
-          <a:ln w="38100">
-            <a:solidFill>
-              <a:srgbClr val="002060"/>
-            </a:solidFill>
-          </a:ln>
-        </p:spPr>
-        <p:style>
-          <a:lnRef idx="2">
-            <a:schemeClr val="accent1">
-              <a:shade val="50000"/>
-            </a:schemeClr>
-          </a:lnRef>
-          <a:fillRef idx="1">
-            <a:schemeClr val="accent1"/>
-          </a:fillRef>
-          <a:effectRef idx="0">
-            <a:schemeClr val="accent1"/>
-          </a:effectRef>
-          <a:fontRef idx="minor">
-            <a:schemeClr val="lt1"/>
-          </a:fontRef>
-        </p:style>
-        <p:txBody>
-          <a:bodyPr rtlCol="0" anchor="ctr"/>
-          <a:lstStyle/>
-          <a:p>
-            <a:pPr algn="ctr"/>
-            <a:endParaRPr lang="en-US"/>
-          </a:p>
-        </p:txBody>
-      </p:sp>
-      <p:sp>
-        <p:nvSpPr>
-          <p:cNvPr id="4" name="Rectangle: Rounded Corners 3">
-            <a:extLst>
-              <a:ext uri="{FF2B5EF4-FFF2-40B4-BE49-F238E27FC236}">
-                <a16:creationId xmlns:a16="http://schemas.microsoft.com/office/drawing/2014/main" id="{B12FBBB4-8510-4746-BBDE-3D14A3A18498}"/>
-              </a:ext>
-            </a:extLst>
-          </p:cNvPr>
-          <p:cNvSpPr/>
-          <p:nvPr/>
-        </p:nvSpPr>
-        <p:spPr>
-          <a:xfrm>
-            <a:off x="5699050" y="1244009"/>
-            <a:ext cx="1286541" cy="453277"/>
-          </a:xfrm>
-          <a:prstGeom prst="roundRect">
-            <a:avLst/>
-          </a:prstGeom>
-          <a:noFill/>
-          <a:ln w="38100">
-            <a:solidFill>
-              <a:srgbClr val="002060"/>
-            </a:solidFill>
-          </a:ln>
-        </p:spPr>
-        <p:style>
-          <a:lnRef idx="2">
-            <a:schemeClr val="accent1">
-              <a:shade val="50000"/>
-            </a:schemeClr>
-          </a:lnRef>
-          <a:fillRef idx="1">
-            <a:schemeClr val="accent1"/>
-          </a:fillRef>
-          <a:effectRef idx="0">
-            <a:schemeClr val="accent1"/>
-          </a:effectRef>
-          <a:fontRef idx="minor">
-            <a:schemeClr val="lt1"/>
-          </a:fontRef>
-        </p:style>
-        <p:txBody>
-          <a:bodyPr rtlCol="0" anchor="ctr"/>
-          <a:lstStyle/>
-          <a:p>
-            <a:pPr algn="ctr"/>
-            <a:endParaRPr lang="en-US">
-              <a:solidFill>
-                <a:srgbClr val="002060"/>
-              </a:solidFill>
-            </a:endParaRPr>
-          </a:p>
-        </p:txBody>
-      </p:sp>
-      <p:sp>
-        <p:nvSpPr>
-          <p:cNvPr id="6" name="Rectangle: Rounded Corners 5">
-            <a:extLst>
-              <a:ext uri="{FF2B5EF4-FFF2-40B4-BE49-F238E27FC236}">
-                <a16:creationId xmlns:a16="http://schemas.microsoft.com/office/drawing/2014/main" id="{82635947-4049-4804-92F8-19B982DC3FBA}"/>
-              </a:ext>
-            </a:extLst>
-          </p:cNvPr>
-          <p:cNvSpPr/>
-          <p:nvPr/>
-        </p:nvSpPr>
-        <p:spPr>
-          <a:xfrm>
-            <a:off x="2510135" y="2778638"/>
-            <a:ext cx="2401188" cy="1167930"/>
-          </a:xfrm>
-          <a:prstGeom prst="roundRect">
-            <a:avLst/>
-          </a:prstGeom>
-          <a:noFill/>
-          <a:ln w="38100">
-            <a:solidFill>
-              <a:srgbClr val="002060"/>
-            </a:solidFill>
-          </a:ln>
-        </p:spPr>
-        <p:style>
-          <a:lnRef idx="2">
-            <a:schemeClr val="accent1">
-              <a:shade val="50000"/>
-            </a:schemeClr>
-          </a:lnRef>
-          <a:fillRef idx="1">
-            <a:schemeClr val="accent1"/>
-          </a:fillRef>
-          <a:effectRef idx="0">
-            <a:schemeClr val="accent1"/>
-          </a:effectRef>
-          <a:fontRef idx="minor">
-            <a:schemeClr val="lt1"/>
-          </a:fontRef>
-        </p:style>
-        <p:txBody>
-          <a:bodyPr rtlCol="0" anchor="ctr"/>
-          <a:lstStyle/>
-          <a:p>
-            <a:pPr algn="ctr"/>
-            <a:endParaRPr lang="en-US">
-              <a:solidFill>
-                <a:srgbClr val="002060"/>
-              </a:solidFill>
-            </a:endParaRPr>
-          </a:p>
-        </p:txBody>
-      </p:sp>
-      <p:sp>
-        <p:nvSpPr>
-          <p:cNvPr id="7" name="Rectangle: Rounded Corners 6">
-            <a:extLst>
-              <a:ext uri="{FF2B5EF4-FFF2-40B4-BE49-F238E27FC236}">
-                <a16:creationId xmlns:a16="http://schemas.microsoft.com/office/drawing/2014/main" id="{8BEB8229-8746-44FB-A582-D477E3E53494}"/>
-              </a:ext>
-            </a:extLst>
-          </p:cNvPr>
-          <p:cNvSpPr/>
-          <p:nvPr/>
-        </p:nvSpPr>
-        <p:spPr>
-          <a:xfrm>
-            <a:off x="2604267" y="3352637"/>
-            <a:ext cx="1881964" cy="160927"/>
-          </a:xfrm>
-          <a:prstGeom prst="roundRect">
-            <a:avLst/>
-          </a:prstGeom>
-          <a:noFill/>
-          <a:ln w="38100">
-            <a:solidFill>
-              <a:srgbClr val="002060"/>
-            </a:solidFill>
-          </a:ln>
-        </p:spPr>
-        <p:style>
-          <a:lnRef idx="2">
-            <a:schemeClr val="accent1">
-              <a:shade val="50000"/>
-            </a:schemeClr>
-          </a:lnRef>
-          <a:fillRef idx="1">
-            <a:schemeClr val="accent1"/>
-          </a:fillRef>
-          <a:effectRef idx="0">
-            <a:schemeClr val="accent1"/>
-          </a:effectRef>
-          <a:fontRef idx="minor">
-            <a:schemeClr val="lt1"/>
-          </a:fontRef>
-        </p:style>
-        <p:txBody>
-          <a:bodyPr rtlCol="0" anchor="ctr"/>
-          <a:lstStyle/>
-          <a:p>
-            <a:pPr algn="ctr"/>
-            <a:endParaRPr lang="en-US"/>
-          </a:p>
-        </p:txBody>
-      </p:sp>
-      <p:sp>
-        <p:nvSpPr>
-          <p:cNvPr id="8" name="Rectangle: Rounded Corners 7">
-            <a:extLst>
-              <a:ext uri="{FF2B5EF4-FFF2-40B4-BE49-F238E27FC236}">
-                <a16:creationId xmlns:a16="http://schemas.microsoft.com/office/drawing/2014/main" id="{1539C67D-058F-42DE-9636-C63489F48301}"/>
-              </a:ext>
-            </a:extLst>
-          </p:cNvPr>
-          <p:cNvSpPr/>
-          <p:nvPr/>
-        </p:nvSpPr>
-        <p:spPr>
-          <a:xfrm>
-            <a:off x="3320891" y="4543657"/>
-            <a:ext cx="1017194" cy="453277"/>
-          </a:xfrm>
-          <a:prstGeom prst="roundRect">
-            <a:avLst/>
-          </a:prstGeom>
-          <a:noFill/>
-          <a:ln w="38100">
-            <a:solidFill>
-              <a:srgbClr val="002060"/>
-            </a:solidFill>
-          </a:ln>
-        </p:spPr>
-        <p:style>
-          <a:lnRef idx="2">
-            <a:schemeClr val="accent1">
-              <a:shade val="50000"/>
-            </a:schemeClr>
-          </a:lnRef>
-          <a:fillRef idx="1">
-            <a:schemeClr val="accent1"/>
-          </a:fillRef>
-          <a:effectRef idx="0">
-            <a:schemeClr val="accent1"/>
-          </a:effectRef>
-          <a:fontRef idx="minor">
-            <a:schemeClr val="lt1"/>
-          </a:fontRef>
-        </p:style>
-        <p:txBody>
-          <a:bodyPr rtlCol="0" anchor="ctr"/>
-          <a:lstStyle/>
-          <a:p>
-            <a:pPr algn="ctr"/>
-            <a:endParaRPr lang="en-US">
-              <a:solidFill>
-                <a:srgbClr val="002060"/>
-              </a:solidFill>
-            </a:endParaRPr>
-          </a:p>
-        </p:txBody>
-      </p:sp>
-      <p:sp>
-        <p:nvSpPr>
-          <p:cNvPr id="9" name="Rectangle: Rounded Corners 8">
-            <a:extLst>
-              <a:ext uri="{FF2B5EF4-FFF2-40B4-BE49-F238E27FC236}">
-                <a16:creationId xmlns:a16="http://schemas.microsoft.com/office/drawing/2014/main" id="{6B2C2670-8544-49DE-8B2D-07FE8CA53FA0}"/>
-              </a:ext>
-            </a:extLst>
-          </p:cNvPr>
-          <p:cNvSpPr/>
-          <p:nvPr/>
-        </p:nvSpPr>
-        <p:spPr>
-          <a:xfrm>
-            <a:off x="1897325" y="5938223"/>
-            <a:ext cx="1881964" cy="832894"/>
-          </a:xfrm>
-          <a:prstGeom prst="roundRect">
-            <a:avLst/>
-          </a:prstGeom>
-          <a:noFill/>
-          <a:ln w="38100">
-            <a:solidFill>
-              <a:srgbClr val="002060"/>
-            </a:solidFill>
-          </a:ln>
-        </p:spPr>
-        <p:style>
-          <a:lnRef idx="2">
-            <a:schemeClr val="accent1">
-              <a:shade val="50000"/>
-            </a:schemeClr>
-          </a:lnRef>
-          <a:fillRef idx="1">
-            <a:schemeClr val="accent1"/>
-          </a:fillRef>
-          <a:effectRef idx="0">
-            <a:schemeClr val="accent1"/>
-          </a:effectRef>
-          <a:fontRef idx="minor">
-            <a:schemeClr val="lt1"/>
-          </a:fontRef>
-        </p:style>
-        <p:txBody>
-          <a:bodyPr rtlCol="0" anchor="ctr"/>
-          <a:lstStyle/>
-          <a:p>
-            <a:pPr algn="ctr"/>
-            <a:endParaRPr lang="en-US">
-              <a:solidFill>
-                <a:srgbClr val="002060"/>
-              </a:solidFill>
-            </a:endParaRPr>
-          </a:p>
-        </p:txBody>
-      </p:sp>
-      <p:cxnSp>
-        <p:nvCxnSpPr>
-          <p:cNvPr id="11" name="Connector: Elbow 10">
-            <a:extLst>
-              <a:ext uri="{FF2B5EF4-FFF2-40B4-BE49-F238E27FC236}">
-                <a16:creationId xmlns:a16="http://schemas.microsoft.com/office/drawing/2014/main" id="{A594CB4E-40C0-4C53-8167-48B971BE635A}"/>
-              </a:ext>
-            </a:extLst>
-          </p:cNvPr>
-          <p:cNvCxnSpPr>
-            <a:cxnSpLocks/>
-          </p:cNvCxnSpPr>
-          <p:nvPr/>
-        </p:nvCxnSpPr>
-        <p:spPr>
-          <a:xfrm flipV="1">
-            <a:off x="4423067" y="1444252"/>
-            <a:ext cx="1275983" cy="303028"/>
-          </a:xfrm>
-          <a:prstGeom prst="bentConnector3">
-            <a:avLst/>
-          </a:prstGeom>
-          <a:ln w="38100">
-            <a:prstDash val="sysDash"/>
-            <a:tailEnd type="triangle"/>
-          </a:ln>
-        </p:spPr>
-        <p:style>
-          <a:lnRef idx="3">
-            <a:schemeClr val="dk1"/>
-          </a:lnRef>
-          <a:fillRef idx="0">
-            <a:schemeClr val="dk1"/>
-          </a:fillRef>
-          <a:effectRef idx="2">
-            <a:schemeClr val="dk1"/>
-          </a:effectRef>
-          <a:fontRef idx="minor">
-            <a:schemeClr val="tx1"/>
-          </a:fontRef>
-        </p:style>
-      </p:cxnSp>
-      <p:cxnSp>
-        <p:nvCxnSpPr>
-          <p:cNvPr id="12" name="Connector: Elbow 11">
-            <a:extLst>
-              <a:ext uri="{FF2B5EF4-FFF2-40B4-BE49-F238E27FC236}">
-                <a16:creationId xmlns:a16="http://schemas.microsoft.com/office/drawing/2014/main" id="{41796064-19BF-4507-8E24-6F3869496D8E}"/>
-              </a:ext>
-            </a:extLst>
-          </p:cNvPr>
-          <p:cNvCxnSpPr>
-            <a:cxnSpLocks/>
-            <a:stCxn id="4" idx="2"/>
-            <a:endCxn id="6" idx="0"/>
-          </p:cNvCxnSpPr>
-          <p:nvPr/>
-        </p:nvCxnSpPr>
-        <p:spPr>
-          <a:xfrm rot="5400000">
-            <a:off x="4485849" y="922166"/>
-            <a:ext cx="1081352" cy="2631592"/>
-          </a:xfrm>
-          <a:prstGeom prst="bentConnector3">
-            <a:avLst>
-              <a:gd name="adj1" fmla="val 50000"/>
-            </a:avLst>
-          </a:prstGeom>
-          <a:ln w="38100">
-            <a:prstDash val="sysDash"/>
-            <a:tailEnd type="triangle"/>
-          </a:ln>
-        </p:spPr>
-        <p:style>
-          <a:lnRef idx="3">
-            <a:schemeClr val="dk1"/>
-          </a:lnRef>
-          <a:fillRef idx="0">
-            <a:schemeClr val="dk1"/>
-          </a:fillRef>
-          <a:effectRef idx="2">
-            <a:schemeClr val="dk1"/>
-          </a:effectRef>
-          <a:fontRef idx="minor">
-            <a:schemeClr val="tx1"/>
-          </a:fontRef>
-        </p:style>
-      </p:cxnSp>
-      <p:cxnSp>
-        <p:nvCxnSpPr>
-          <p:cNvPr id="18" name="Connector: Elbow 17">
-            <a:extLst>
-              <a:ext uri="{FF2B5EF4-FFF2-40B4-BE49-F238E27FC236}">
-                <a16:creationId xmlns:a16="http://schemas.microsoft.com/office/drawing/2014/main" id="{BAF8BD80-015F-4ECE-A5A8-EC79AD47B07A}"/>
-              </a:ext>
-            </a:extLst>
-          </p:cNvPr>
-          <p:cNvCxnSpPr>
-            <a:cxnSpLocks/>
-            <a:endCxn id="8" idx="3"/>
-          </p:cNvCxnSpPr>
-          <p:nvPr/>
-        </p:nvCxnSpPr>
-        <p:spPr>
-          <a:xfrm rot="5400000">
-            <a:off x="3743411" y="3999090"/>
-            <a:ext cx="1365881" cy="176531"/>
-          </a:xfrm>
-          <a:prstGeom prst="bentConnector2">
-            <a:avLst/>
-          </a:prstGeom>
-          <a:ln w="38100">
-            <a:prstDash val="sysDash"/>
-            <a:tailEnd type="triangle"/>
-          </a:ln>
-        </p:spPr>
-        <p:style>
-          <a:lnRef idx="3">
-            <a:schemeClr val="dk1"/>
-          </a:lnRef>
-          <a:fillRef idx="0">
-            <a:schemeClr val="dk1"/>
-          </a:fillRef>
-          <a:effectRef idx="2">
-            <a:schemeClr val="dk1"/>
-          </a:effectRef>
-          <a:fontRef idx="minor">
-            <a:schemeClr val="tx1"/>
-          </a:fontRef>
-        </p:style>
-      </p:cxnSp>
-      <p:cxnSp>
-        <p:nvCxnSpPr>
-          <p:cNvPr id="21" name="Connector: Elbow 20">
-            <a:extLst>
-              <a:ext uri="{FF2B5EF4-FFF2-40B4-BE49-F238E27FC236}">
-                <a16:creationId xmlns:a16="http://schemas.microsoft.com/office/drawing/2014/main" id="{C9BC00D1-5D5C-49FA-99A0-988A75985179}"/>
-              </a:ext>
-            </a:extLst>
-          </p:cNvPr>
-          <p:cNvCxnSpPr>
-            <a:cxnSpLocks/>
-          </p:cNvCxnSpPr>
-          <p:nvPr/>
-        </p:nvCxnSpPr>
-        <p:spPr>
-          <a:xfrm rot="5400000">
-            <a:off x="2405411" y="5022743"/>
-            <a:ext cx="1167929" cy="663032"/>
-          </a:xfrm>
-          <a:prstGeom prst="bentConnector3">
-            <a:avLst>
-              <a:gd name="adj1" fmla="val 50000"/>
-            </a:avLst>
-          </a:prstGeom>
-          <a:ln w="38100">
-            <a:prstDash val="sysDash"/>
-            <a:tailEnd type="triangle"/>
-          </a:ln>
-        </p:spPr>
-        <p:style>
-          <a:lnRef idx="3">
-            <a:schemeClr val="dk1"/>
-          </a:lnRef>
-          <a:fillRef idx="0">
-            <a:schemeClr val="dk1"/>
-          </a:fillRef>
-          <a:effectRef idx="2">
-            <a:schemeClr val="dk1"/>
-          </a:effectRef>
-          <a:fontRef idx="minor">
-            <a:schemeClr val="tx1"/>
-          </a:fontRef>
-        </p:style>
-      </p:cxnSp>
-      <p:sp>
-        <p:nvSpPr>
-          <p:cNvPr id="24" name="TextBox 23">
-            <a:extLst>
-              <a:ext uri="{FF2B5EF4-FFF2-40B4-BE49-F238E27FC236}">
-                <a16:creationId xmlns:a16="http://schemas.microsoft.com/office/drawing/2014/main" id="{012F60C4-17CA-4690-BC9D-05D848E4CD30}"/>
-              </a:ext>
-            </a:extLst>
-          </p:cNvPr>
-          <p:cNvSpPr txBox="1"/>
-          <p:nvPr/>
-        </p:nvSpPr>
-        <p:spPr>
-          <a:xfrm>
-            <a:off x="5084956" y="5208803"/>
-            <a:ext cx="6972931" cy="461665"/>
-          </a:xfrm>
-          <a:prstGeom prst="rect">
-            <a:avLst/>
-          </a:prstGeom>
-          <a:solidFill>
-            <a:schemeClr val="accent1">
-              <a:lumMod val="40000"/>
-              <a:lumOff val="60000"/>
-            </a:schemeClr>
-          </a:solidFill>
-        </p:spPr>
-        <p:txBody>
-          <a:bodyPr wrap="square" rtlCol="0">
-            <a:spAutoFit/>
-          </a:bodyPr>
-          <a:lstStyle/>
-          <a:p>
-            <a:r>
-              <a:rPr lang="en-US" sz="2400" dirty="0"/>
-              <a:t>Statement </a:t>
-            </a:r>
-            <a:r>
-              <a:rPr lang="en-US" sz="2400" dirty="0">
-                <a:sym typeface="Wingdings" panose="05000000000000000000" pitchFamily="2" charset="2"/>
-              </a:rPr>
-              <a:t> </a:t>
-            </a:r>
-            <a:r>
-              <a:rPr lang="en-US" sz="2400" dirty="0"/>
-              <a:t>Performance </a:t>
-            </a:r>
-            <a:r>
-              <a:rPr lang="en-US" sz="2400" dirty="0">
-                <a:sym typeface="Wingdings" panose="05000000000000000000" pitchFamily="2" charset="2"/>
-              </a:rPr>
-              <a:t> Intervention Result</a:t>
-            </a:r>
-            <a:endParaRPr lang="en-US" sz="2400" dirty="0"/>
-          </a:p>
-        </p:txBody>
-      </p:sp>
-      <p:sp>
-        <p:nvSpPr>
-          <p:cNvPr id="17" name="Title 1">
-            <a:extLst>
-              <a:ext uri="{FF2B5EF4-FFF2-40B4-BE49-F238E27FC236}">
-                <a16:creationId xmlns:a16="http://schemas.microsoft.com/office/drawing/2014/main" id="{2ACBAC90-A9C2-4701-BF7F-0B80F666EBDF}"/>
-              </a:ext>
-            </a:extLst>
-          </p:cNvPr>
-          <p:cNvSpPr txBox="1">
-            <a:spLocks/>
-          </p:cNvSpPr>
-          <p:nvPr/>
-        </p:nvSpPr>
-        <p:spPr>
-          <a:xfrm>
-            <a:off x="5376045" y="-217117"/>
-            <a:ext cx="5542155" cy="859536"/>
-          </a:xfrm>
-          <a:prstGeom prst="rect">
-            <a:avLst/>
-          </a:prstGeom>
-        </p:spPr>
-        <p:txBody>
-          <a:bodyPr/>
-          <a:lstStyle>
-            <a:lvl1pPr algn="l" defTabSz="914400" rtl="0" eaLnBrk="1" latinLnBrk="0" hangingPunct="1">
-              <a:lnSpc>
-                <a:spcPct val="80000"/>
-              </a:lnSpc>
-              <a:spcBef>
-                <a:spcPct val="0"/>
-              </a:spcBef>
-              <a:buNone/>
-              <a:defRPr lang="en-US" sz="3200" b="1" i="0" kern="1200" cap="none" spc="0" baseline="0" dirty="0">
-                <a:solidFill>
-                  <a:schemeClr val="accent1"/>
-                </a:solidFill>
-                <a:latin typeface="+mn-lt"/>
-                <a:ea typeface="Open Sans Semibold" panose="020B0706030804020204" pitchFamily="34" charset="0"/>
-                <a:cs typeface="Open Sans Semibold" panose="020B0706030804020204" pitchFamily="34" charset="0"/>
-              </a:defRPr>
-            </a:lvl1pPr>
-          </a:lstStyle>
-          <a:p>
-            <a:r>
-              <a:rPr lang="en-US" dirty="0"/>
-              <a:t>                                         Example: </a:t>
-            </a:r>
-            <a:br>
-              <a:rPr lang="en-US" dirty="0"/>
-            </a:br>
-            <a:r>
-              <a:rPr lang="en-US" dirty="0"/>
-              <a:t>Vital signs exam completed</a:t>
-            </a:r>
-          </a:p>
-        </p:txBody>
-      </p:sp>
-    </p:spTree>
-    <p:extLst>
-      <p:ext uri="{BB962C8B-B14F-4D97-AF65-F5344CB8AC3E}">
-        <p14:creationId xmlns:p14="http://schemas.microsoft.com/office/powerpoint/2010/main" val="3705571610"/>
-      </p:ext>
-    </p:extLst>
-  </p:cSld>
-  <p:clrMapOvr>
-    <a:masterClrMapping/>
-  </p:clrMapOvr>
-</p:sld>
-</file>
-
-<file path=ppt/slides/slide15.xml><?xml version="1.0" encoding="utf-8"?>
-<p:sld xmlns:a="http://schemas.openxmlformats.org/drawingml/2006/main" xmlns:r="http://schemas.openxmlformats.org/officeDocument/2006/relationships" xmlns:p="http://schemas.openxmlformats.org/presentationml/2006/main">
-  <p:cSld>
-    <p:spTree>
-      <p:nvGrpSpPr>
-        <p:cNvPr id="1" name=""/>
-        <p:cNvGrpSpPr/>
-        <p:nvPr/>
-      </p:nvGrpSpPr>
-      <p:grpSpPr>
-        <a:xfrm>
-          <a:off x="0" y="0"/>
-          <a:ext cx="0" cy="0"/>
-          <a:chOff x="0" y="0"/>
-          <a:chExt cx="0" cy="0"/>
-        </a:xfrm>
-      </p:grpSpPr>
-      <p:pic>
-        <p:nvPicPr>
-          <p:cNvPr id="15" name="Picture 14" descr="A screenshot of a social media post&#10;&#10;Description generated with very high confidence">
-            <a:extLst>
-              <a:ext uri="{FF2B5EF4-FFF2-40B4-BE49-F238E27FC236}">
-                <a16:creationId xmlns:a16="http://schemas.microsoft.com/office/drawing/2014/main" id="{66D43B52-3837-4750-85C2-031F353E7A7C}"/>
-              </a:ext>
-            </a:extLst>
-          </p:cNvPr>
-          <p:cNvPicPr>
-            <a:picLocks noChangeAspect="1"/>
-          </p:cNvPicPr>
-          <p:nvPr/>
-        </p:nvPicPr>
-        <p:blipFill>
-          <a:blip r:embed="rId2">
-            <a:extLst>
-              <a:ext uri="{28A0092B-C50C-407E-A947-70E740481C1C}">
-                <a14:useLocalDpi xmlns:a14="http://schemas.microsoft.com/office/drawing/2010/main" val="0"/>
-              </a:ext>
-            </a:extLst>
-          </a:blip>
-          <a:stretch>
-            <a:fillRect/>
-          </a:stretch>
-        </p:blipFill>
-        <p:spPr>
-          <a:xfrm>
-            <a:off x="1727025" y="-145650"/>
-            <a:ext cx="8819751" cy="7177603"/>
-          </a:xfrm>
-          <a:prstGeom prst="rect">
-            <a:avLst/>
-          </a:prstGeom>
-        </p:spPr>
-      </p:pic>
-      <p:sp>
-        <p:nvSpPr>
-          <p:cNvPr id="3" name="Rectangle: Rounded Corners 2">
-            <a:extLst>
-              <a:ext uri="{FF2B5EF4-FFF2-40B4-BE49-F238E27FC236}">
-                <a16:creationId xmlns:a16="http://schemas.microsoft.com/office/drawing/2014/main" id="{DF369671-F1BF-4F3B-97B8-296885F5351D}"/>
-              </a:ext>
-            </a:extLst>
-          </p:cNvPr>
-          <p:cNvSpPr/>
-          <p:nvPr/>
-        </p:nvSpPr>
-        <p:spPr>
-          <a:xfrm>
-            <a:off x="2365667" y="1674961"/>
-            <a:ext cx="2057400" cy="197429"/>
-          </a:xfrm>
-          <a:prstGeom prst="roundRect">
-            <a:avLst/>
-          </a:prstGeom>
-          <a:noFill/>
-          <a:ln w="38100">
-            <a:solidFill>
-              <a:srgbClr val="002060"/>
-            </a:solidFill>
-          </a:ln>
-        </p:spPr>
-        <p:style>
-          <a:lnRef idx="2">
-            <a:schemeClr val="accent1">
-              <a:shade val="50000"/>
-            </a:schemeClr>
-          </a:lnRef>
-          <a:fillRef idx="1">
-            <a:schemeClr val="accent1"/>
-          </a:fillRef>
-          <a:effectRef idx="0">
-            <a:schemeClr val="accent1"/>
-          </a:effectRef>
-          <a:fontRef idx="minor">
-            <a:schemeClr val="lt1"/>
-          </a:fontRef>
-        </p:style>
-        <p:txBody>
-          <a:bodyPr rtlCol="0" anchor="ctr"/>
-          <a:lstStyle/>
-          <a:p>
-            <a:pPr algn="ctr"/>
-            <a:endParaRPr lang="en-US"/>
-          </a:p>
-        </p:txBody>
-      </p:sp>
-      <p:sp>
-        <p:nvSpPr>
-          <p:cNvPr id="4" name="Rectangle: Rounded Corners 3">
-            <a:extLst>
-              <a:ext uri="{FF2B5EF4-FFF2-40B4-BE49-F238E27FC236}">
-                <a16:creationId xmlns:a16="http://schemas.microsoft.com/office/drawing/2014/main" id="{B12FBBB4-8510-4746-BBDE-3D14A3A18498}"/>
-              </a:ext>
-            </a:extLst>
-          </p:cNvPr>
-          <p:cNvSpPr/>
-          <p:nvPr/>
-        </p:nvSpPr>
-        <p:spPr>
-          <a:xfrm>
-            <a:off x="5699050" y="1244009"/>
-            <a:ext cx="1286541" cy="453277"/>
-          </a:xfrm>
-          <a:prstGeom prst="roundRect">
-            <a:avLst/>
-          </a:prstGeom>
-          <a:noFill/>
-          <a:ln w="38100">
-            <a:solidFill>
-              <a:srgbClr val="002060"/>
-            </a:solidFill>
-          </a:ln>
-        </p:spPr>
-        <p:style>
-          <a:lnRef idx="2">
-            <a:schemeClr val="accent1">
-              <a:shade val="50000"/>
-            </a:schemeClr>
-          </a:lnRef>
-          <a:fillRef idx="1">
-            <a:schemeClr val="accent1"/>
-          </a:fillRef>
-          <a:effectRef idx="0">
-            <a:schemeClr val="accent1"/>
-          </a:effectRef>
-          <a:fontRef idx="minor">
-            <a:schemeClr val="lt1"/>
-          </a:fontRef>
-        </p:style>
-        <p:txBody>
-          <a:bodyPr rtlCol="0" anchor="ctr"/>
-          <a:lstStyle/>
-          <a:p>
-            <a:pPr algn="ctr"/>
-            <a:endParaRPr lang="en-US">
-              <a:solidFill>
-                <a:srgbClr val="002060"/>
-              </a:solidFill>
-            </a:endParaRPr>
-          </a:p>
-        </p:txBody>
-      </p:sp>
-      <p:sp>
-        <p:nvSpPr>
-          <p:cNvPr id="6" name="Rectangle: Rounded Corners 5">
-            <a:extLst>
-              <a:ext uri="{FF2B5EF4-FFF2-40B4-BE49-F238E27FC236}">
-                <a16:creationId xmlns:a16="http://schemas.microsoft.com/office/drawing/2014/main" id="{82635947-4049-4804-92F8-19B982DC3FBA}"/>
-              </a:ext>
-            </a:extLst>
-          </p:cNvPr>
-          <p:cNvSpPr/>
-          <p:nvPr/>
-        </p:nvSpPr>
-        <p:spPr>
-          <a:xfrm>
-            <a:off x="2510135" y="2778638"/>
-            <a:ext cx="2401188" cy="1167930"/>
-          </a:xfrm>
-          <a:prstGeom prst="roundRect">
-            <a:avLst/>
-          </a:prstGeom>
-          <a:noFill/>
-          <a:ln w="38100">
-            <a:solidFill>
-              <a:srgbClr val="002060"/>
-            </a:solidFill>
-          </a:ln>
-        </p:spPr>
-        <p:style>
-          <a:lnRef idx="2">
-            <a:schemeClr val="accent1">
-              <a:shade val="50000"/>
-            </a:schemeClr>
-          </a:lnRef>
-          <a:fillRef idx="1">
-            <a:schemeClr val="accent1"/>
-          </a:fillRef>
-          <a:effectRef idx="0">
-            <a:schemeClr val="accent1"/>
-          </a:effectRef>
-          <a:fontRef idx="minor">
-            <a:schemeClr val="lt1"/>
-          </a:fontRef>
-        </p:style>
-        <p:txBody>
-          <a:bodyPr rtlCol="0" anchor="ctr"/>
-          <a:lstStyle/>
-          <a:p>
-            <a:pPr algn="ctr"/>
-            <a:endParaRPr lang="en-US">
-              <a:solidFill>
-                <a:srgbClr val="002060"/>
-              </a:solidFill>
-            </a:endParaRPr>
-          </a:p>
-        </p:txBody>
-      </p:sp>
-      <p:sp>
-        <p:nvSpPr>
-          <p:cNvPr id="7" name="Rectangle: Rounded Corners 6">
-            <a:extLst>
-              <a:ext uri="{FF2B5EF4-FFF2-40B4-BE49-F238E27FC236}">
-                <a16:creationId xmlns:a16="http://schemas.microsoft.com/office/drawing/2014/main" id="{8BEB8229-8746-44FB-A582-D477E3E53494}"/>
-              </a:ext>
-            </a:extLst>
-          </p:cNvPr>
-          <p:cNvSpPr/>
-          <p:nvPr/>
-        </p:nvSpPr>
-        <p:spPr>
-          <a:xfrm>
-            <a:off x="2604267" y="3352637"/>
-            <a:ext cx="1881964" cy="160927"/>
-          </a:xfrm>
-          <a:prstGeom prst="roundRect">
-            <a:avLst/>
-          </a:prstGeom>
-          <a:noFill/>
-          <a:ln w="38100">
-            <a:solidFill>
-              <a:srgbClr val="002060"/>
-            </a:solidFill>
-          </a:ln>
-        </p:spPr>
-        <p:style>
-          <a:lnRef idx="2">
-            <a:schemeClr val="accent1">
-              <a:shade val="50000"/>
-            </a:schemeClr>
-          </a:lnRef>
-          <a:fillRef idx="1">
-            <a:schemeClr val="accent1"/>
-          </a:fillRef>
-          <a:effectRef idx="0">
-            <a:schemeClr val="accent1"/>
-          </a:effectRef>
-          <a:fontRef idx="minor">
-            <a:schemeClr val="lt1"/>
-          </a:fontRef>
-        </p:style>
-        <p:txBody>
-          <a:bodyPr rtlCol="0" anchor="ctr"/>
-          <a:lstStyle/>
-          <a:p>
-            <a:pPr algn="ctr"/>
-            <a:endParaRPr lang="en-US"/>
-          </a:p>
-        </p:txBody>
-      </p:sp>
-      <p:sp>
-        <p:nvSpPr>
-          <p:cNvPr id="8" name="Rectangle: Rounded Corners 7">
-            <a:extLst>
-              <a:ext uri="{FF2B5EF4-FFF2-40B4-BE49-F238E27FC236}">
-                <a16:creationId xmlns:a16="http://schemas.microsoft.com/office/drawing/2014/main" id="{1539C67D-058F-42DE-9636-C63489F48301}"/>
-              </a:ext>
-            </a:extLst>
-          </p:cNvPr>
-          <p:cNvSpPr/>
-          <p:nvPr/>
-        </p:nvSpPr>
-        <p:spPr>
-          <a:xfrm>
-            <a:off x="3320891" y="4543657"/>
-            <a:ext cx="1017194" cy="453277"/>
-          </a:xfrm>
-          <a:prstGeom prst="roundRect">
-            <a:avLst/>
-          </a:prstGeom>
-          <a:noFill/>
-          <a:ln w="38100">
-            <a:solidFill>
-              <a:srgbClr val="002060"/>
-            </a:solidFill>
-          </a:ln>
-        </p:spPr>
-        <p:style>
-          <a:lnRef idx="2">
-            <a:schemeClr val="accent1">
-              <a:shade val="50000"/>
-            </a:schemeClr>
-          </a:lnRef>
-          <a:fillRef idx="1">
-            <a:schemeClr val="accent1"/>
-          </a:fillRef>
-          <a:effectRef idx="0">
-            <a:schemeClr val="accent1"/>
-          </a:effectRef>
-          <a:fontRef idx="minor">
-            <a:schemeClr val="lt1"/>
-          </a:fontRef>
-        </p:style>
-        <p:txBody>
-          <a:bodyPr rtlCol="0" anchor="ctr"/>
-          <a:lstStyle/>
-          <a:p>
-            <a:pPr algn="ctr"/>
-            <a:endParaRPr lang="en-US">
-              <a:solidFill>
-                <a:srgbClr val="002060"/>
-              </a:solidFill>
-            </a:endParaRPr>
-          </a:p>
-        </p:txBody>
-      </p:sp>
-      <p:sp>
-        <p:nvSpPr>
-          <p:cNvPr id="9" name="Rectangle: Rounded Corners 8">
-            <a:extLst>
-              <a:ext uri="{FF2B5EF4-FFF2-40B4-BE49-F238E27FC236}">
-                <a16:creationId xmlns:a16="http://schemas.microsoft.com/office/drawing/2014/main" id="{6B2C2670-8544-49DE-8B2D-07FE8CA53FA0}"/>
-              </a:ext>
-            </a:extLst>
-          </p:cNvPr>
-          <p:cNvSpPr/>
-          <p:nvPr/>
-        </p:nvSpPr>
-        <p:spPr>
-          <a:xfrm>
-            <a:off x="3945581" y="5938223"/>
-            <a:ext cx="1881964" cy="832894"/>
-          </a:xfrm>
-          <a:prstGeom prst="roundRect">
-            <a:avLst/>
-          </a:prstGeom>
-          <a:noFill/>
-          <a:ln w="38100">
-            <a:solidFill>
-              <a:srgbClr val="002060"/>
-            </a:solidFill>
-          </a:ln>
-        </p:spPr>
-        <p:style>
-          <a:lnRef idx="2">
-            <a:schemeClr val="accent1">
-              <a:shade val="50000"/>
-            </a:schemeClr>
-          </a:lnRef>
-          <a:fillRef idx="1">
-            <a:schemeClr val="accent1"/>
-          </a:fillRef>
-          <a:effectRef idx="0">
-            <a:schemeClr val="accent1"/>
-          </a:effectRef>
-          <a:fontRef idx="minor">
-            <a:schemeClr val="lt1"/>
-          </a:fontRef>
-        </p:style>
-        <p:txBody>
-          <a:bodyPr rtlCol="0" anchor="ctr"/>
-          <a:lstStyle/>
-          <a:p>
-            <a:pPr algn="ctr"/>
-            <a:endParaRPr lang="en-US">
-              <a:solidFill>
-                <a:srgbClr val="002060"/>
-              </a:solidFill>
-            </a:endParaRPr>
-          </a:p>
-        </p:txBody>
-      </p:sp>
-      <p:cxnSp>
-        <p:nvCxnSpPr>
-          <p:cNvPr id="11" name="Connector: Elbow 10">
-            <a:extLst>
-              <a:ext uri="{FF2B5EF4-FFF2-40B4-BE49-F238E27FC236}">
-                <a16:creationId xmlns:a16="http://schemas.microsoft.com/office/drawing/2014/main" id="{A594CB4E-40C0-4C53-8167-48B971BE635A}"/>
-              </a:ext>
-            </a:extLst>
-          </p:cNvPr>
-          <p:cNvCxnSpPr>
-            <a:cxnSpLocks/>
-          </p:cNvCxnSpPr>
-          <p:nvPr/>
-        </p:nvCxnSpPr>
-        <p:spPr>
-          <a:xfrm flipV="1">
-            <a:off x="4423067" y="1444252"/>
-            <a:ext cx="1275983" cy="303028"/>
-          </a:xfrm>
-          <a:prstGeom prst="bentConnector3">
-            <a:avLst/>
-          </a:prstGeom>
-          <a:ln w="38100">
-            <a:prstDash val="sysDash"/>
-            <a:tailEnd type="triangle"/>
-          </a:ln>
-        </p:spPr>
-        <p:style>
-          <a:lnRef idx="3">
-            <a:schemeClr val="dk1"/>
-          </a:lnRef>
-          <a:fillRef idx="0">
-            <a:schemeClr val="dk1"/>
-          </a:fillRef>
-          <a:effectRef idx="2">
-            <a:schemeClr val="dk1"/>
-          </a:effectRef>
-          <a:fontRef idx="minor">
-            <a:schemeClr val="tx1"/>
-          </a:fontRef>
-        </p:style>
-      </p:cxnSp>
-      <p:cxnSp>
-        <p:nvCxnSpPr>
-          <p:cNvPr id="12" name="Connector: Elbow 11">
-            <a:extLst>
-              <a:ext uri="{FF2B5EF4-FFF2-40B4-BE49-F238E27FC236}">
-                <a16:creationId xmlns:a16="http://schemas.microsoft.com/office/drawing/2014/main" id="{41796064-19BF-4507-8E24-6F3869496D8E}"/>
-              </a:ext>
-            </a:extLst>
-          </p:cNvPr>
-          <p:cNvCxnSpPr>
-            <a:cxnSpLocks/>
-            <a:stCxn id="4" idx="2"/>
-            <a:endCxn id="6" idx="0"/>
-          </p:cNvCxnSpPr>
-          <p:nvPr/>
-        </p:nvCxnSpPr>
-        <p:spPr>
-          <a:xfrm rot="5400000">
-            <a:off x="4485849" y="922166"/>
-            <a:ext cx="1081352" cy="2631592"/>
-          </a:xfrm>
-          <a:prstGeom prst="bentConnector3">
-            <a:avLst>
-              <a:gd name="adj1" fmla="val 50000"/>
-            </a:avLst>
-          </a:prstGeom>
-          <a:ln w="38100">
-            <a:prstDash val="sysDash"/>
-            <a:tailEnd type="triangle"/>
-          </a:ln>
-        </p:spPr>
-        <p:style>
-          <a:lnRef idx="3">
-            <a:schemeClr val="dk1"/>
-          </a:lnRef>
-          <a:fillRef idx="0">
-            <a:schemeClr val="dk1"/>
-          </a:fillRef>
-          <a:effectRef idx="2">
-            <a:schemeClr val="dk1"/>
-          </a:effectRef>
-          <a:fontRef idx="minor">
-            <a:schemeClr val="tx1"/>
-          </a:fontRef>
-        </p:style>
-      </p:cxnSp>
-      <p:cxnSp>
-        <p:nvCxnSpPr>
-          <p:cNvPr id="18" name="Connector: Elbow 17">
-            <a:extLst>
-              <a:ext uri="{FF2B5EF4-FFF2-40B4-BE49-F238E27FC236}">
-                <a16:creationId xmlns:a16="http://schemas.microsoft.com/office/drawing/2014/main" id="{BAF8BD80-015F-4ECE-A5A8-EC79AD47B07A}"/>
-              </a:ext>
-            </a:extLst>
-          </p:cNvPr>
-          <p:cNvCxnSpPr>
-            <a:cxnSpLocks/>
-            <a:endCxn id="8" idx="3"/>
-          </p:cNvCxnSpPr>
-          <p:nvPr/>
-        </p:nvCxnSpPr>
-        <p:spPr>
-          <a:xfrm rot="5400000">
-            <a:off x="3743411" y="3999090"/>
-            <a:ext cx="1365881" cy="176531"/>
-          </a:xfrm>
-          <a:prstGeom prst="bentConnector2">
-            <a:avLst/>
-          </a:prstGeom>
-          <a:ln w="38100">
-            <a:prstDash val="sysDash"/>
-            <a:tailEnd type="triangle"/>
-          </a:ln>
-        </p:spPr>
-        <p:style>
-          <a:lnRef idx="3">
-            <a:schemeClr val="dk1"/>
-          </a:lnRef>
-          <a:fillRef idx="0">
-            <a:schemeClr val="dk1"/>
-          </a:fillRef>
-          <a:effectRef idx="2">
-            <a:schemeClr val="dk1"/>
-          </a:effectRef>
-          <a:fontRef idx="minor">
-            <a:schemeClr val="tx1"/>
-          </a:fontRef>
-        </p:style>
-      </p:cxnSp>
-      <p:cxnSp>
-        <p:nvCxnSpPr>
-          <p:cNvPr id="21" name="Connector: Elbow 20">
-            <a:extLst>
-              <a:ext uri="{FF2B5EF4-FFF2-40B4-BE49-F238E27FC236}">
-                <a16:creationId xmlns:a16="http://schemas.microsoft.com/office/drawing/2014/main" id="{C9BC00D1-5D5C-49FA-99A0-988A75985179}"/>
-              </a:ext>
-            </a:extLst>
-          </p:cNvPr>
-          <p:cNvCxnSpPr>
-            <a:cxnSpLocks/>
-            <a:stCxn id="8" idx="2"/>
-            <a:endCxn id="9" idx="0"/>
-          </p:cNvCxnSpPr>
-          <p:nvPr/>
-        </p:nvCxnSpPr>
-        <p:spPr>
-          <a:xfrm rot="16200000" flipH="1">
-            <a:off x="3887381" y="4939040"/>
-            <a:ext cx="941289" cy="1057075"/>
-          </a:xfrm>
-          <a:prstGeom prst="bentConnector3">
-            <a:avLst>
-              <a:gd name="adj1" fmla="val 50000"/>
-            </a:avLst>
-          </a:prstGeom>
-          <a:ln w="38100">
-            <a:prstDash val="sysDash"/>
-            <a:tailEnd type="triangle"/>
-          </a:ln>
-        </p:spPr>
-        <p:style>
-          <a:lnRef idx="3">
-            <a:schemeClr val="dk1"/>
-          </a:lnRef>
-          <a:fillRef idx="0">
-            <a:schemeClr val="dk1"/>
-          </a:fillRef>
-          <a:effectRef idx="2">
-            <a:schemeClr val="dk1"/>
-          </a:effectRef>
-          <a:fontRef idx="minor">
-            <a:schemeClr val="tx1"/>
-          </a:fontRef>
-        </p:style>
-      </p:cxnSp>
-      <p:sp>
-        <p:nvSpPr>
-          <p:cNvPr id="24" name="TextBox 23">
-            <a:extLst>
-              <a:ext uri="{FF2B5EF4-FFF2-40B4-BE49-F238E27FC236}">
-                <a16:creationId xmlns:a16="http://schemas.microsoft.com/office/drawing/2014/main" id="{012F60C4-17CA-4690-BC9D-05D848E4CD30}"/>
-              </a:ext>
-            </a:extLst>
-          </p:cNvPr>
-          <p:cNvSpPr txBox="1"/>
-          <p:nvPr/>
-        </p:nvSpPr>
-        <p:spPr>
-          <a:xfrm>
-            <a:off x="5252224" y="5208803"/>
-            <a:ext cx="6805663" cy="461665"/>
-          </a:xfrm>
-          <a:prstGeom prst="rect">
-            <a:avLst/>
-          </a:prstGeom>
-          <a:solidFill>
-            <a:schemeClr val="accent1">
-              <a:lumMod val="40000"/>
-              <a:lumOff val="60000"/>
-            </a:schemeClr>
-          </a:solidFill>
-        </p:spPr>
-        <p:txBody>
-          <a:bodyPr wrap="square" rtlCol="0">
-            <a:spAutoFit/>
-          </a:bodyPr>
-          <a:lstStyle/>
-          <a:p>
-            <a:r>
-              <a:rPr lang="en-US" sz="2400" dirty="0"/>
-              <a:t>Statement </a:t>
-            </a:r>
-            <a:r>
-              <a:rPr lang="en-US" sz="2400" dirty="0">
-                <a:sym typeface="Wingdings" panose="05000000000000000000" pitchFamily="2" charset="2"/>
-              </a:rPr>
-              <a:t> </a:t>
-            </a:r>
-            <a:r>
-              <a:rPr lang="en-US" sz="2400" dirty="0"/>
-              <a:t>Performance </a:t>
-            </a:r>
-            <a:r>
-              <a:rPr lang="en-US" sz="2400" dirty="0">
-                <a:sym typeface="Wingdings" panose="05000000000000000000" pitchFamily="2" charset="2"/>
-              </a:rPr>
-              <a:t> Observation Result</a:t>
-            </a:r>
-            <a:endParaRPr lang="en-US" sz="2400" dirty="0"/>
-          </a:p>
-        </p:txBody>
-      </p:sp>
-      <p:sp>
-        <p:nvSpPr>
-          <p:cNvPr id="25" name="TextBox 24">
-            <a:extLst>
-              <a:ext uri="{FF2B5EF4-FFF2-40B4-BE49-F238E27FC236}">
-                <a16:creationId xmlns:a16="http://schemas.microsoft.com/office/drawing/2014/main" id="{CA744A28-B806-4EA1-AEFE-B0F151795FF8}"/>
-              </a:ext>
-            </a:extLst>
-          </p:cNvPr>
-          <p:cNvSpPr txBox="1"/>
-          <p:nvPr/>
-        </p:nvSpPr>
-        <p:spPr>
-          <a:xfrm>
-            <a:off x="5440472" y="4674816"/>
-            <a:ext cx="3100657" cy="400110"/>
-          </a:xfrm>
-          <a:prstGeom prst="rect">
-            <a:avLst/>
-          </a:prstGeom>
-          <a:noFill/>
-        </p:spPr>
-        <p:txBody>
-          <a:bodyPr wrap="none" rtlCol="0">
-            <a:spAutoFit/>
-          </a:bodyPr>
-          <a:lstStyle/>
-          <a:p>
-            <a:r>
-              <a:rPr lang="en-US" sz="2000" b="1" dirty="0"/>
-              <a:t>Systolic blood pressure: </a:t>
-            </a:r>
-          </a:p>
-        </p:txBody>
-      </p:sp>
-      <p:sp>
-        <p:nvSpPr>
-          <p:cNvPr id="16" name="Title 1">
-            <a:extLst>
-              <a:ext uri="{FF2B5EF4-FFF2-40B4-BE49-F238E27FC236}">
-                <a16:creationId xmlns:a16="http://schemas.microsoft.com/office/drawing/2014/main" id="{22488746-4B01-4D33-A5EF-333C93F59191}"/>
-              </a:ext>
-            </a:extLst>
-          </p:cNvPr>
-          <p:cNvSpPr txBox="1">
-            <a:spLocks/>
-          </p:cNvSpPr>
-          <p:nvPr/>
-        </p:nvSpPr>
-        <p:spPr>
-          <a:xfrm>
-            <a:off x="5320290" y="-217117"/>
-            <a:ext cx="5542155" cy="859536"/>
-          </a:xfrm>
-          <a:prstGeom prst="rect">
-            <a:avLst/>
-          </a:prstGeom>
-        </p:spPr>
-        <p:txBody>
-          <a:bodyPr/>
-          <a:lstStyle>
-            <a:lvl1pPr algn="l" defTabSz="914400" rtl="0" eaLnBrk="1" latinLnBrk="0" hangingPunct="1">
-              <a:lnSpc>
-                <a:spcPct val="80000"/>
-              </a:lnSpc>
-              <a:spcBef>
-                <a:spcPct val="0"/>
-              </a:spcBef>
-              <a:buNone/>
-              <a:defRPr lang="en-US" sz="3200" b="1" i="0" kern="1200" cap="none" spc="0" baseline="0" dirty="0">
-                <a:solidFill>
-                  <a:schemeClr val="accent1"/>
-                </a:solidFill>
-                <a:latin typeface="+mn-lt"/>
-                <a:ea typeface="Open Sans Semibold" panose="020B0706030804020204" pitchFamily="34" charset="0"/>
-                <a:cs typeface="Open Sans Semibold" panose="020B0706030804020204" pitchFamily="34" charset="0"/>
-              </a:defRPr>
-            </a:lvl1pPr>
-          </a:lstStyle>
-          <a:p>
-            <a:r>
-              <a:rPr lang="en-US" dirty="0"/>
-              <a:t>                                         Example: </a:t>
-            </a:r>
-            <a:br>
-              <a:rPr lang="en-US" dirty="0"/>
-            </a:br>
-            <a:r>
-              <a:rPr lang="en-US" dirty="0"/>
-              <a:t>Vital signs result completed</a:t>
-            </a:r>
-          </a:p>
-        </p:txBody>
-      </p:sp>
-    </p:spTree>
-    <p:extLst>
-      <p:ext uri="{BB962C8B-B14F-4D97-AF65-F5344CB8AC3E}">
-        <p14:creationId xmlns:p14="http://schemas.microsoft.com/office/powerpoint/2010/main" val="1062278037"/>
-      </p:ext>
-    </p:extLst>
-  </p:cSld>
-  <p:clrMapOvr>
-    <a:masterClrMapping/>
-  </p:clrMapOvr>
-</p:sld>
-</file>
-
-<file path=ppt/slides/slide16.xml><?xml version="1.0" encoding="utf-8"?>
-<p:sld xmlns:a="http://schemas.openxmlformats.org/drawingml/2006/main" xmlns:r="http://schemas.openxmlformats.org/officeDocument/2006/relationships" xmlns:p="http://schemas.openxmlformats.org/presentationml/2006/main">
-  <p:cSld>
-    <p:spTree>
-      <p:nvGrpSpPr>
-        <p:cNvPr id="1" name=""/>
-        <p:cNvGrpSpPr/>
-        <p:nvPr/>
-      </p:nvGrpSpPr>
-      <p:grpSpPr>
-        <a:xfrm>
-          <a:off x="0" y="0"/>
-          <a:ext cx="0" cy="0"/>
-          <a:chOff x="0" y="0"/>
-          <a:chExt cx="0" cy="0"/>
-        </a:xfrm>
-      </p:grpSpPr>
-      <p:pic>
-        <p:nvPicPr>
-          <p:cNvPr id="15" name="Picture 14" descr="A screenshot of a social media post&#10;&#10;Description generated with very high confidence">
-            <a:extLst>
-              <a:ext uri="{FF2B5EF4-FFF2-40B4-BE49-F238E27FC236}">
-                <a16:creationId xmlns:a16="http://schemas.microsoft.com/office/drawing/2014/main" id="{B7DD0E73-2720-4549-A56D-E451A8329867}"/>
-              </a:ext>
-            </a:extLst>
-          </p:cNvPr>
-          <p:cNvPicPr>
-            <a:picLocks noChangeAspect="1"/>
-          </p:cNvPicPr>
-          <p:nvPr/>
-        </p:nvPicPr>
-        <p:blipFill>
-          <a:blip r:embed="rId2">
-            <a:extLst>
-              <a:ext uri="{28A0092B-C50C-407E-A947-70E740481C1C}">
-                <a14:useLocalDpi xmlns:a14="http://schemas.microsoft.com/office/drawing/2010/main" val="0"/>
-              </a:ext>
-            </a:extLst>
-          </a:blip>
-          <a:stretch>
-            <a:fillRect/>
-          </a:stretch>
-        </p:blipFill>
-        <p:spPr>
-          <a:xfrm>
-            <a:off x="1727025" y="-145650"/>
-            <a:ext cx="8819751" cy="7177603"/>
-          </a:xfrm>
-          <a:prstGeom prst="rect">
-            <a:avLst/>
-          </a:prstGeom>
-        </p:spPr>
-      </p:pic>
-      <p:sp>
-        <p:nvSpPr>
-          <p:cNvPr id="3" name="Rectangle: Rounded Corners 2">
-            <a:extLst>
-              <a:ext uri="{FF2B5EF4-FFF2-40B4-BE49-F238E27FC236}">
-                <a16:creationId xmlns:a16="http://schemas.microsoft.com/office/drawing/2014/main" id="{DF369671-F1BF-4F3B-97B8-296885F5351D}"/>
-              </a:ext>
-            </a:extLst>
-          </p:cNvPr>
-          <p:cNvSpPr/>
-          <p:nvPr/>
-        </p:nvSpPr>
-        <p:spPr>
-          <a:xfrm>
-            <a:off x="2365667" y="1674961"/>
-            <a:ext cx="2057400" cy="197429"/>
-          </a:xfrm>
-          <a:prstGeom prst="roundRect">
-            <a:avLst/>
-          </a:prstGeom>
-          <a:noFill/>
-          <a:ln w="38100">
-            <a:solidFill>
-              <a:srgbClr val="002060"/>
-            </a:solidFill>
-          </a:ln>
-        </p:spPr>
-        <p:style>
-          <a:lnRef idx="2">
-            <a:schemeClr val="accent1">
-              <a:shade val="50000"/>
-            </a:schemeClr>
-          </a:lnRef>
-          <a:fillRef idx="1">
-            <a:schemeClr val="accent1"/>
-          </a:fillRef>
-          <a:effectRef idx="0">
-            <a:schemeClr val="accent1"/>
-          </a:effectRef>
-          <a:fontRef idx="minor">
-            <a:schemeClr val="lt1"/>
-          </a:fontRef>
-        </p:style>
-        <p:txBody>
-          <a:bodyPr rtlCol="0" anchor="ctr"/>
-          <a:lstStyle/>
-          <a:p>
-            <a:pPr algn="ctr"/>
-            <a:endParaRPr lang="en-US"/>
-          </a:p>
-        </p:txBody>
-      </p:sp>
-      <p:sp>
-        <p:nvSpPr>
-          <p:cNvPr id="4" name="Rectangle: Rounded Corners 3">
-            <a:extLst>
-              <a:ext uri="{FF2B5EF4-FFF2-40B4-BE49-F238E27FC236}">
-                <a16:creationId xmlns:a16="http://schemas.microsoft.com/office/drawing/2014/main" id="{B12FBBB4-8510-4746-BBDE-3D14A3A18498}"/>
-              </a:ext>
-            </a:extLst>
-          </p:cNvPr>
-          <p:cNvSpPr/>
-          <p:nvPr/>
-        </p:nvSpPr>
-        <p:spPr>
-          <a:xfrm>
-            <a:off x="5699050" y="1244009"/>
-            <a:ext cx="1286541" cy="453277"/>
-          </a:xfrm>
-          <a:prstGeom prst="roundRect">
-            <a:avLst/>
-          </a:prstGeom>
-          <a:noFill/>
-          <a:ln w="38100">
-            <a:solidFill>
-              <a:srgbClr val="002060"/>
-            </a:solidFill>
-          </a:ln>
-        </p:spPr>
-        <p:style>
-          <a:lnRef idx="2">
-            <a:schemeClr val="accent1">
-              <a:shade val="50000"/>
-            </a:schemeClr>
-          </a:lnRef>
-          <a:fillRef idx="1">
-            <a:schemeClr val="accent1"/>
-          </a:fillRef>
-          <a:effectRef idx="0">
-            <a:schemeClr val="accent1"/>
-          </a:effectRef>
-          <a:fontRef idx="minor">
-            <a:schemeClr val="lt1"/>
-          </a:fontRef>
-        </p:style>
-        <p:txBody>
-          <a:bodyPr rtlCol="0" anchor="ctr"/>
-          <a:lstStyle/>
-          <a:p>
-            <a:pPr algn="ctr"/>
-            <a:endParaRPr lang="en-US">
-              <a:solidFill>
-                <a:srgbClr val="002060"/>
-              </a:solidFill>
-            </a:endParaRPr>
-          </a:p>
-        </p:txBody>
-      </p:sp>
-      <p:sp>
-        <p:nvSpPr>
-          <p:cNvPr id="6" name="Rectangle: Rounded Corners 5">
-            <a:extLst>
-              <a:ext uri="{FF2B5EF4-FFF2-40B4-BE49-F238E27FC236}">
-                <a16:creationId xmlns:a16="http://schemas.microsoft.com/office/drawing/2014/main" id="{82635947-4049-4804-92F8-19B982DC3FBA}"/>
-              </a:ext>
-            </a:extLst>
-          </p:cNvPr>
-          <p:cNvSpPr/>
-          <p:nvPr/>
-        </p:nvSpPr>
-        <p:spPr>
-          <a:xfrm>
-            <a:off x="4997303" y="2778638"/>
-            <a:ext cx="2892056" cy="1644506"/>
-          </a:xfrm>
-          <a:prstGeom prst="roundRect">
-            <a:avLst/>
-          </a:prstGeom>
-          <a:noFill/>
-          <a:ln w="38100">
-            <a:solidFill>
-              <a:srgbClr val="002060"/>
-            </a:solidFill>
-          </a:ln>
-        </p:spPr>
-        <p:style>
-          <a:lnRef idx="2">
-            <a:schemeClr val="accent1">
-              <a:shade val="50000"/>
-            </a:schemeClr>
-          </a:lnRef>
-          <a:fillRef idx="1">
-            <a:schemeClr val="accent1"/>
-          </a:fillRef>
-          <a:effectRef idx="0">
-            <a:schemeClr val="accent1"/>
-          </a:effectRef>
-          <a:fontRef idx="minor">
-            <a:schemeClr val="lt1"/>
-          </a:fontRef>
-        </p:style>
-        <p:txBody>
-          <a:bodyPr rtlCol="0" anchor="ctr"/>
-          <a:lstStyle/>
-          <a:p>
-            <a:pPr algn="ctr"/>
-            <a:endParaRPr lang="en-US">
-              <a:solidFill>
-                <a:srgbClr val="002060"/>
-              </a:solidFill>
-            </a:endParaRPr>
-          </a:p>
-        </p:txBody>
-      </p:sp>
-      <p:sp>
-        <p:nvSpPr>
-          <p:cNvPr id="7" name="Rectangle: Rounded Corners 6">
-            <a:extLst>
-              <a:ext uri="{FF2B5EF4-FFF2-40B4-BE49-F238E27FC236}">
-                <a16:creationId xmlns:a16="http://schemas.microsoft.com/office/drawing/2014/main" id="{8BEB8229-8746-44FB-A582-D477E3E53494}"/>
-              </a:ext>
-            </a:extLst>
-          </p:cNvPr>
-          <p:cNvSpPr/>
-          <p:nvPr/>
-        </p:nvSpPr>
-        <p:spPr>
-          <a:xfrm>
-            <a:off x="5103627" y="3730589"/>
-            <a:ext cx="1881964" cy="160927"/>
-          </a:xfrm>
-          <a:prstGeom prst="roundRect">
-            <a:avLst/>
-          </a:prstGeom>
-          <a:noFill/>
-          <a:ln w="38100">
-            <a:solidFill>
-              <a:srgbClr val="002060"/>
-            </a:solidFill>
-          </a:ln>
-        </p:spPr>
-        <p:style>
-          <a:lnRef idx="2">
-            <a:schemeClr val="accent1">
-              <a:shade val="50000"/>
-            </a:schemeClr>
-          </a:lnRef>
-          <a:fillRef idx="1">
-            <a:schemeClr val="accent1"/>
-          </a:fillRef>
-          <a:effectRef idx="0">
-            <a:schemeClr val="accent1"/>
-          </a:effectRef>
-          <a:fontRef idx="minor">
-            <a:schemeClr val="lt1"/>
-          </a:fontRef>
-        </p:style>
-        <p:txBody>
-          <a:bodyPr rtlCol="0" anchor="ctr"/>
-          <a:lstStyle/>
-          <a:p>
-            <a:pPr algn="ctr"/>
-            <a:endParaRPr lang="en-US"/>
-          </a:p>
-        </p:txBody>
-      </p:sp>
-      <p:sp>
-        <p:nvSpPr>
-          <p:cNvPr id="8" name="Rectangle: Rounded Corners 7">
-            <a:extLst>
-              <a:ext uri="{FF2B5EF4-FFF2-40B4-BE49-F238E27FC236}">
-                <a16:creationId xmlns:a16="http://schemas.microsoft.com/office/drawing/2014/main" id="{1539C67D-058F-42DE-9636-C63489F48301}"/>
-              </a:ext>
-            </a:extLst>
-          </p:cNvPr>
-          <p:cNvSpPr/>
-          <p:nvPr/>
-        </p:nvSpPr>
-        <p:spPr>
-          <a:xfrm>
-            <a:off x="3320891" y="4543657"/>
-            <a:ext cx="1017194" cy="453277"/>
-          </a:xfrm>
-          <a:prstGeom prst="roundRect">
-            <a:avLst/>
-          </a:prstGeom>
-          <a:noFill/>
-          <a:ln w="38100">
-            <a:solidFill>
-              <a:srgbClr val="002060"/>
-            </a:solidFill>
-          </a:ln>
-        </p:spPr>
-        <p:style>
-          <a:lnRef idx="2">
-            <a:schemeClr val="accent1">
-              <a:shade val="50000"/>
-            </a:schemeClr>
-          </a:lnRef>
-          <a:fillRef idx="1">
-            <a:schemeClr val="accent1"/>
-          </a:fillRef>
-          <a:effectRef idx="0">
-            <a:schemeClr val="accent1"/>
-          </a:effectRef>
-          <a:fontRef idx="minor">
-            <a:schemeClr val="lt1"/>
-          </a:fontRef>
-        </p:style>
-        <p:txBody>
-          <a:bodyPr rtlCol="0" anchor="ctr"/>
-          <a:lstStyle/>
-          <a:p>
-            <a:pPr algn="ctr"/>
-            <a:endParaRPr lang="en-US">
-              <a:solidFill>
-                <a:srgbClr val="002060"/>
-              </a:solidFill>
-            </a:endParaRPr>
-          </a:p>
-        </p:txBody>
-      </p:sp>
-      <p:sp>
-        <p:nvSpPr>
-          <p:cNvPr id="9" name="Rectangle: Rounded Corners 8">
-            <a:extLst>
-              <a:ext uri="{FF2B5EF4-FFF2-40B4-BE49-F238E27FC236}">
-                <a16:creationId xmlns:a16="http://schemas.microsoft.com/office/drawing/2014/main" id="{6B2C2670-8544-49DE-8B2D-07FE8CA53FA0}"/>
-              </a:ext>
-            </a:extLst>
-          </p:cNvPr>
-          <p:cNvSpPr/>
-          <p:nvPr/>
-        </p:nvSpPr>
-        <p:spPr>
-          <a:xfrm>
-            <a:off x="1881814" y="5954233"/>
-            <a:ext cx="1881964" cy="832894"/>
-          </a:xfrm>
-          <a:prstGeom prst="roundRect">
-            <a:avLst/>
-          </a:prstGeom>
-          <a:noFill/>
-          <a:ln w="38100">
-            <a:solidFill>
-              <a:srgbClr val="002060"/>
-            </a:solidFill>
-          </a:ln>
-        </p:spPr>
-        <p:style>
-          <a:lnRef idx="2">
-            <a:schemeClr val="accent1">
-              <a:shade val="50000"/>
-            </a:schemeClr>
-          </a:lnRef>
-          <a:fillRef idx="1">
-            <a:schemeClr val="accent1"/>
-          </a:fillRef>
-          <a:effectRef idx="0">
-            <a:schemeClr val="accent1"/>
-          </a:effectRef>
-          <a:fontRef idx="minor">
-            <a:schemeClr val="lt1"/>
-          </a:fontRef>
-        </p:style>
-        <p:txBody>
-          <a:bodyPr rtlCol="0" anchor="ctr"/>
-          <a:lstStyle/>
-          <a:p>
-            <a:pPr algn="ctr"/>
-            <a:endParaRPr lang="en-US">
-              <a:solidFill>
-                <a:srgbClr val="002060"/>
-              </a:solidFill>
-            </a:endParaRPr>
-          </a:p>
-        </p:txBody>
-      </p:sp>
-      <p:cxnSp>
-        <p:nvCxnSpPr>
-          <p:cNvPr id="11" name="Connector: Elbow 10">
-            <a:extLst>
-              <a:ext uri="{FF2B5EF4-FFF2-40B4-BE49-F238E27FC236}">
-                <a16:creationId xmlns:a16="http://schemas.microsoft.com/office/drawing/2014/main" id="{A594CB4E-40C0-4C53-8167-48B971BE635A}"/>
-              </a:ext>
-            </a:extLst>
-          </p:cNvPr>
-          <p:cNvCxnSpPr>
-            <a:cxnSpLocks/>
-          </p:cNvCxnSpPr>
-          <p:nvPr/>
-        </p:nvCxnSpPr>
-        <p:spPr>
-          <a:xfrm flipV="1">
-            <a:off x="4423067" y="1444252"/>
-            <a:ext cx="1275983" cy="303028"/>
-          </a:xfrm>
-          <a:prstGeom prst="bentConnector3">
-            <a:avLst/>
-          </a:prstGeom>
-          <a:ln w="38100">
-            <a:prstDash val="sysDash"/>
-            <a:tailEnd type="triangle"/>
-          </a:ln>
-        </p:spPr>
-        <p:style>
-          <a:lnRef idx="3">
-            <a:schemeClr val="dk1"/>
-          </a:lnRef>
-          <a:fillRef idx="0">
-            <a:schemeClr val="dk1"/>
-          </a:fillRef>
-          <a:effectRef idx="2">
-            <a:schemeClr val="dk1"/>
-          </a:effectRef>
-          <a:fontRef idx="minor">
-            <a:schemeClr val="tx1"/>
-          </a:fontRef>
-        </p:style>
-      </p:cxnSp>
-      <p:cxnSp>
-        <p:nvCxnSpPr>
-          <p:cNvPr id="12" name="Connector: Elbow 11">
-            <a:extLst>
-              <a:ext uri="{FF2B5EF4-FFF2-40B4-BE49-F238E27FC236}">
-                <a16:creationId xmlns:a16="http://schemas.microsoft.com/office/drawing/2014/main" id="{41796064-19BF-4507-8E24-6F3869496D8E}"/>
-              </a:ext>
-            </a:extLst>
-          </p:cNvPr>
-          <p:cNvCxnSpPr>
-            <a:cxnSpLocks/>
-            <a:stCxn id="4" idx="2"/>
-          </p:cNvCxnSpPr>
-          <p:nvPr/>
-        </p:nvCxnSpPr>
-        <p:spPr>
-          <a:xfrm rot="5400000">
-            <a:off x="5801645" y="2237962"/>
-            <a:ext cx="1081352" cy="12700"/>
-          </a:xfrm>
-          <a:prstGeom prst="bentConnector3">
-            <a:avLst>
-              <a:gd name="adj1" fmla="val 50000"/>
-            </a:avLst>
-          </a:prstGeom>
-          <a:ln w="38100">
-            <a:prstDash val="sysDash"/>
-            <a:tailEnd type="triangle"/>
-          </a:ln>
-        </p:spPr>
-        <p:style>
-          <a:lnRef idx="3">
-            <a:schemeClr val="dk1"/>
-          </a:lnRef>
-          <a:fillRef idx="0">
-            <a:schemeClr val="dk1"/>
-          </a:fillRef>
-          <a:effectRef idx="2">
-            <a:schemeClr val="dk1"/>
-          </a:effectRef>
-          <a:fontRef idx="minor">
-            <a:schemeClr val="tx1"/>
-          </a:fontRef>
-        </p:style>
-      </p:cxnSp>
-      <p:cxnSp>
-        <p:nvCxnSpPr>
-          <p:cNvPr id="18" name="Connector: Elbow 17">
-            <a:extLst>
-              <a:ext uri="{FF2B5EF4-FFF2-40B4-BE49-F238E27FC236}">
-                <a16:creationId xmlns:a16="http://schemas.microsoft.com/office/drawing/2014/main" id="{BAF8BD80-015F-4ECE-A5A8-EC79AD47B07A}"/>
-              </a:ext>
-            </a:extLst>
-          </p:cNvPr>
-          <p:cNvCxnSpPr>
-            <a:cxnSpLocks/>
-            <a:stCxn id="7" idx="1"/>
-            <a:endCxn id="8" idx="3"/>
-          </p:cNvCxnSpPr>
-          <p:nvPr/>
-        </p:nvCxnSpPr>
-        <p:spPr>
-          <a:xfrm rot="10800000" flipV="1">
-            <a:off x="4338085" y="3811052"/>
-            <a:ext cx="765542" cy="959243"/>
-          </a:xfrm>
-          <a:prstGeom prst="bentConnector3">
-            <a:avLst>
-              <a:gd name="adj1" fmla="val 50000"/>
-            </a:avLst>
-          </a:prstGeom>
-          <a:ln w="38100">
-            <a:prstDash val="sysDash"/>
-            <a:tailEnd type="triangle"/>
-          </a:ln>
-        </p:spPr>
-        <p:style>
-          <a:lnRef idx="3">
-            <a:schemeClr val="dk1"/>
-          </a:lnRef>
-          <a:fillRef idx="0">
-            <a:schemeClr val="dk1"/>
-          </a:fillRef>
-          <a:effectRef idx="2">
-            <a:schemeClr val="dk1"/>
-          </a:effectRef>
-          <a:fontRef idx="minor">
-            <a:schemeClr val="tx1"/>
-          </a:fontRef>
-        </p:style>
-      </p:cxnSp>
-      <p:cxnSp>
-        <p:nvCxnSpPr>
-          <p:cNvPr id="21" name="Connector: Elbow 20">
-            <a:extLst>
-              <a:ext uri="{FF2B5EF4-FFF2-40B4-BE49-F238E27FC236}">
-                <a16:creationId xmlns:a16="http://schemas.microsoft.com/office/drawing/2014/main" id="{C9BC00D1-5D5C-49FA-99A0-988A75985179}"/>
-              </a:ext>
-            </a:extLst>
-          </p:cNvPr>
-          <p:cNvCxnSpPr>
-            <a:cxnSpLocks/>
-            <a:stCxn id="8" idx="1"/>
-            <a:endCxn id="9" idx="0"/>
-          </p:cNvCxnSpPr>
-          <p:nvPr/>
-        </p:nvCxnSpPr>
-        <p:spPr>
-          <a:xfrm rot="10800000" flipV="1">
-            <a:off x="2822797" y="4770295"/>
-            <a:ext cx="498095" cy="1183937"/>
-          </a:xfrm>
-          <a:prstGeom prst="bentConnector2">
-            <a:avLst/>
-          </a:prstGeom>
-          <a:ln w="38100">
-            <a:prstDash val="sysDash"/>
-            <a:tailEnd type="triangle"/>
-          </a:ln>
-        </p:spPr>
-        <p:style>
-          <a:lnRef idx="3">
-            <a:schemeClr val="dk1"/>
-          </a:lnRef>
-          <a:fillRef idx="0">
-            <a:schemeClr val="dk1"/>
-          </a:fillRef>
-          <a:effectRef idx="2">
-            <a:schemeClr val="dk1"/>
-          </a:effectRef>
-          <a:fontRef idx="minor">
-            <a:schemeClr val="tx1"/>
-          </a:fontRef>
-        </p:style>
-      </p:cxnSp>
-      <p:sp>
-        <p:nvSpPr>
-          <p:cNvPr id="24" name="TextBox 23">
-            <a:extLst>
-              <a:ext uri="{FF2B5EF4-FFF2-40B4-BE49-F238E27FC236}">
-                <a16:creationId xmlns:a16="http://schemas.microsoft.com/office/drawing/2014/main" id="{012F60C4-17CA-4690-BC9D-05D848E4CD30}"/>
-              </a:ext>
-            </a:extLst>
-          </p:cNvPr>
-          <p:cNvSpPr txBox="1"/>
-          <p:nvPr/>
-        </p:nvSpPr>
-        <p:spPr>
-          <a:xfrm>
-            <a:off x="5582716" y="5208803"/>
-            <a:ext cx="6243525" cy="461665"/>
-          </a:xfrm>
-          <a:prstGeom prst="rect">
-            <a:avLst/>
-          </a:prstGeom>
-          <a:solidFill>
-            <a:schemeClr val="accent1">
-              <a:lumMod val="40000"/>
-              <a:lumOff val="60000"/>
-            </a:schemeClr>
-          </a:solidFill>
-        </p:spPr>
-        <p:txBody>
-          <a:bodyPr wrap="square" rtlCol="0">
-            <a:spAutoFit/>
-          </a:bodyPr>
-          <a:lstStyle/>
-          <a:p>
-            <a:r>
-              <a:rPr lang="en-US" sz="2400" dirty="0"/>
-              <a:t>Statement </a:t>
-            </a:r>
-            <a:r>
-              <a:rPr lang="en-US" sz="2400" dirty="0">
-                <a:sym typeface="Wingdings" panose="05000000000000000000" pitchFamily="2" charset="2"/>
-              </a:rPr>
-              <a:t> </a:t>
-            </a:r>
-            <a:r>
-              <a:rPr lang="en-US" sz="2400" dirty="0"/>
-              <a:t>Request </a:t>
-            </a:r>
-            <a:r>
-              <a:rPr lang="en-US" sz="2400" dirty="0">
-                <a:sym typeface="Wingdings" panose="05000000000000000000" pitchFamily="2" charset="2"/>
-              </a:rPr>
-              <a:t> Intervention Result</a:t>
-            </a:r>
-            <a:endParaRPr lang="en-US" sz="2400" dirty="0"/>
-          </a:p>
-        </p:txBody>
-      </p:sp>
-      <p:sp>
-        <p:nvSpPr>
-          <p:cNvPr id="16" name="Title 1">
-            <a:extLst>
-              <a:ext uri="{FF2B5EF4-FFF2-40B4-BE49-F238E27FC236}">
-                <a16:creationId xmlns:a16="http://schemas.microsoft.com/office/drawing/2014/main" id="{2D1888F4-3585-4D7D-98B6-528F61B6061B}"/>
-              </a:ext>
-            </a:extLst>
-          </p:cNvPr>
-          <p:cNvSpPr txBox="1">
-            <a:spLocks/>
-          </p:cNvSpPr>
-          <p:nvPr/>
-        </p:nvSpPr>
-        <p:spPr>
-          <a:xfrm>
-            <a:off x="5320290" y="-217117"/>
-            <a:ext cx="6243525" cy="859536"/>
-          </a:xfrm>
-          <a:prstGeom prst="rect">
-            <a:avLst/>
-          </a:prstGeom>
-        </p:spPr>
-        <p:txBody>
-          <a:bodyPr/>
-          <a:lstStyle>
-            <a:lvl1pPr algn="l" defTabSz="914400" rtl="0" eaLnBrk="1" latinLnBrk="0" hangingPunct="1">
-              <a:lnSpc>
-                <a:spcPct val="80000"/>
-              </a:lnSpc>
-              <a:spcBef>
-                <a:spcPct val="0"/>
-              </a:spcBef>
-              <a:buNone/>
-              <a:defRPr lang="en-US" sz="3200" b="1" i="0" kern="1200" cap="none" spc="0" baseline="0" dirty="0">
-                <a:solidFill>
-                  <a:schemeClr val="accent1"/>
-                </a:solidFill>
-                <a:latin typeface="+mn-lt"/>
-                <a:ea typeface="Open Sans Semibold" panose="020B0706030804020204" pitchFamily="34" charset="0"/>
-                <a:cs typeface="Open Sans Semibold" panose="020B0706030804020204" pitchFamily="34" charset="0"/>
-              </a:defRPr>
-            </a:lvl1pPr>
-          </a:lstStyle>
-          <a:p>
-            <a:r>
-              <a:rPr lang="en-US" dirty="0"/>
-              <a:t>                                         Example: </a:t>
-            </a:r>
-            <a:br>
-              <a:rPr lang="en-US" dirty="0"/>
-            </a:br>
-            <a:r>
-              <a:rPr lang="en-US" dirty="0"/>
-              <a:t>Discharge medications ordered</a:t>
-            </a:r>
-          </a:p>
-        </p:txBody>
-      </p:sp>
-    </p:spTree>
-    <p:extLst>
-      <p:ext uri="{BB962C8B-B14F-4D97-AF65-F5344CB8AC3E}">
-        <p14:creationId xmlns:p14="http://schemas.microsoft.com/office/powerpoint/2010/main" val="378032692"/>
-      </p:ext>
-    </p:extLst>
-  </p:cSld>
-  <p:clrMapOvr>
-    <a:masterClrMapping/>
-  </p:clrMapOvr>
-</p:sld>
-</file>
-
-<file path=ppt/slides/slide17.xml><?xml version="1.0" encoding="utf-8"?>
-<p:sld xmlns:a="http://schemas.openxmlformats.org/drawingml/2006/main" xmlns:r="http://schemas.openxmlformats.org/officeDocument/2006/relationships" xmlns:p="http://schemas.openxmlformats.org/presentationml/2006/main">
-  <p:cSld>
-    <p:spTree>
-      <p:nvGrpSpPr>
-        <p:cNvPr id="1" name=""/>
-        <p:cNvGrpSpPr/>
-        <p:nvPr/>
-      </p:nvGrpSpPr>
-      <p:grpSpPr>
-        <a:xfrm>
-          <a:off x="0" y="0"/>
-          <a:ext cx="0" cy="0"/>
-          <a:chOff x="0" y="0"/>
-          <a:chExt cx="0" cy="0"/>
-        </a:xfrm>
-      </p:grpSpPr>
-      <p:pic>
-        <p:nvPicPr>
-          <p:cNvPr id="15" name="Picture 14" descr="A screenshot of a social media post&#10;&#10;Description generated with very high confidence">
-            <a:extLst>
-              <a:ext uri="{FF2B5EF4-FFF2-40B4-BE49-F238E27FC236}">
-                <a16:creationId xmlns:a16="http://schemas.microsoft.com/office/drawing/2014/main" id="{39BB4977-5279-484E-8DA5-8A04DB6D62A5}"/>
-              </a:ext>
-            </a:extLst>
-          </p:cNvPr>
-          <p:cNvPicPr>
-            <a:picLocks noChangeAspect="1"/>
-          </p:cNvPicPr>
-          <p:nvPr/>
-        </p:nvPicPr>
-        <p:blipFill>
-          <a:blip r:embed="rId2">
-            <a:extLst>
-              <a:ext uri="{28A0092B-C50C-407E-A947-70E740481C1C}">
-                <a14:useLocalDpi xmlns:a14="http://schemas.microsoft.com/office/drawing/2010/main" val="0"/>
-              </a:ext>
-            </a:extLst>
-          </a:blip>
-          <a:stretch>
-            <a:fillRect/>
-          </a:stretch>
-        </p:blipFill>
-        <p:spPr>
-          <a:xfrm>
-            <a:off x="1727025" y="-145650"/>
-            <a:ext cx="8819751" cy="7177603"/>
-          </a:xfrm>
-          <a:prstGeom prst="rect">
-            <a:avLst/>
-          </a:prstGeom>
-        </p:spPr>
-      </p:pic>
-      <p:sp>
-        <p:nvSpPr>
-          <p:cNvPr id="3" name="Rectangle: Rounded Corners 2">
-            <a:extLst>
-              <a:ext uri="{FF2B5EF4-FFF2-40B4-BE49-F238E27FC236}">
-                <a16:creationId xmlns:a16="http://schemas.microsoft.com/office/drawing/2014/main" id="{DF369671-F1BF-4F3B-97B8-296885F5351D}"/>
-              </a:ext>
-            </a:extLst>
-          </p:cNvPr>
-          <p:cNvSpPr/>
-          <p:nvPr/>
-        </p:nvSpPr>
-        <p:spPr>
-          <a:xfrm>
-            <a:off x="2365667" y="1674961"/>
-            <a:ext cx="2057400" cy="197429"/>
-          </a:xfrm>
-          <a:prstGeom prst="roundRect">
-            <a:avLst/>
-          </a:prstGeom>
-          <a:noFill/>
-          <a:ln w="38100">
-            <a:solidFill>
-              <a:srgbClr val="002060"/>
-            </a:solidFill>
-          </a:ln>
-        </p:spPr>
-        <p:style>
-          <a:lnRef idx="2">
-            <a:schemeClr val="accent1">
-              <a:shade val="50000"/>
-            </a:schemeClr>
-          </a:lnRef>
-          <a:fillRef idx="1">
-            <a:schemeClr val="accent1"/>
-          </a:fillRef>
-          <a:effectRef idx="0">
-            <a:schemeClr val="accent1"/>
-          </a:effectRef>
-          <a:fontRef idx="minor">
-            <a:schemeClr val="lt1"/>
-          </a:fontRef>
-        </p:style>
-        <p:txBody>
-          <a:bodyPr rtlCol="0" anchor="ctr"/>
-          <a:lstStyle/>
-          <a:p>
-            <a:pPr algn="ctr"/>
-            <a:endParaRPr lang="en-US"/>
-          </a:p>
-        </p:txBody>
-      </p:sp>
-      <p:sp>
-        <p:nvSpPr>
-          <p:cNvPr id="4" name="Rectangle: Rounded Corners 3">
-            <a:extLst>
-              <a:ext uri="{FF2B5EF4-FFF2-40B4-BE49-F238E27FC236}">
-                <a16:creationId xmlns:a16="http://schemas.microsoft.com/office/drawing/2014/main" id="{B12FBBB4-8510-4746-BBDE-3D14A3A18498}"/>
-              </a:ext>
-            </a:extLst>
-          </p:cNvPr>
-          <p:cNvSpPr/>
-          <p:nvPr/>
-        </p:nvSpPr>
-        <p:spPr>
-          <a:xfrm>
-            <a:off x="5699050" y="1244009"/>
-            <a:ext cx="1286541" cy="453277"/>
-          </a:xfrm>
-          <a:prstGeom prst="roundRect">
-            <a:avLst/>
-          </a:prstGeom>
-          <a:noFill/>
-          <a:ln w="38100">
-            <a:solidFill>
-              <a:srgbClr val="002060"/>
-            </a:solidFill>
-          </a:ln>
-        </p:spPr>
-        <p:style>
-          <a:lnRef idx="2">
-            <a:schemeClr val="accent1">
-              <a:shade val="50000"/>
-            </a:schemeClr>
-          </a:lnRef>
-          <a:fillRef idx="1">
-            <a:schemeClr val="accent1"/>
-          </a:fillRef>
-          <a:effectRef idx="0">
-            <a:schemeClr val="accent1"/>
-          </a:effectRef>
-          <a:fontRef idx="minor">
-            <a:schemeClr val="lt1"/>
-          </a:fontRef>
-        </p:style>
-        <p:txBody>
-          <a:bodyPr rtlCol="0" anchor="ctr"/>
-          <a:lstStyle/>
-          <a:p>
-            <a:pPr algn="ctr"/>
-            <a:endParaRPr lang="en-US">
-              <a:solidFill>
-                <a:srgbClr val="002060"/>
-              </a:solidFill>
-            </a:endParaRPr>
-          </a:p>
-        </p:txBody>
-      </p:sp>
-      <p:sp>
-        <p:nvSpPr>
-          <p:cNvPr id="6" name="Rectangle: Rounded Corners 5">
-            <a:extLst>
-              <a:ext uri="{FF2B5EF4-FFF2-40B4-BE49-F238E27FC236}">
-                <a16:creationId xmlns:a16="http://schemas.microsoft.com/office/drawing/2014/main" id="{82635947-4049-4804-92F8-19B982DC3FBA}"/>
-              </a:ext>
-            </a:extLst>
-          </p:cNvPr>
-          <p:cNvSpPr/>
-          <p:nvPr/>
-        </p:nvSpPr>
-        <p:spPr>
-          <a:xfrm>
-            <a:off x="2510135" y="2778638"/>
-            <a:ext cx="2401188" cy="1167930"/>
-          </a:xfrm>
-          <a:prstGeom prst="roundRect">
-            <a:avLst/>
-          </a:prstGeom>
-          <a:noFill/>
-          <a:ln w="38100">
-            <a:solidFill>
-              <a:srgbClr val="002060"/>
-            </a:solidFill>
-          </a:ln>
-        </p:spPr>
-        <p:style>
-          <a:lnRef idx="2">
-            <a:schemeClr val="accent1">
-              <a:shade val="50000"/>
-            </a:schemeClr>
-          </a:lnRef>
-          <a:fillRef idx="1">
-            <a:schemeClr val="accent1"/>
-          </a:fillRef>
-          <a:effectRef idx="0">
-            <a:schemeClr val="accent1"/>
-          </a:effectRef>
-          <a:fontRef idx="minor">
-            <a:schemeClr val="lt1"/>
-          </a:fontRef>
-        </p:style>
-        <p:txBody>
-          <a:bodyPr rtlCol="0" anchor="ctr"/>
-          <a:lstStyle/>
-          <a:p>
-            <a:pPr algn="ctr"/>
-            <a:endParaRPr lang="en-US">
-              <a:solidFill>
-                <a:srgbClr val="002060"/>
-              </a:solidFill>
-            </a:endParaRPr>
-          </a:p>
-        </p:txBody>
-      </p:sp>
-      <p:sp>
-        <p:nvSpPr>
-          <p:cNvPr id="7" name="Rectangle: Rounded Corners 6">
-            <a:extLst>
-              <a:ext uri="{FF2B5EF4-FFF2-40B4-BE49-F238E27FC236}">
-                <a16:creationId xmlns:a16="http://schemas.microsoft.com/office/drawing/2014/main" id="{8BEB8229-8746-44FB-A582-D477E3E53494}"/>
-              </a:ext>
-            </a:extLst>
-          </p:cNvPr>
-          <p:cNvSpPr/>
-          <p:nvPr/>
-        </p:nvSpPr>
-        <p:spPr>
-          <a:xfrm>
-            <a:off x="2604267" y="3352637"/>
-            <a:ext cx="1881964" cy="160927"/>
-          </a:xfrm>
-          <a:prstGeom prst="roundRect">
-            <a:avLst/>
-          </a:prstGeom>
-          <a:noFill/>
-          <a:ln w="38100">
-            <a:solidFill>
-              <a:srgbClr val="002060"/>
-            </a:solidFill>
-          </a:ln>
-        </p:spPr>
-        <p:style>
-          <a:lnRef idx="2">
-            <a:schemeClr val="accent1">
-              <a:shade val="50000"/>
-            </a:schemeClr>
-          </a:lnRef>
-          <a:fillRef idx="1">
-            <a:schemeClr val="accent1"/>
-          </a:fillRef>
-          <a:effectRef idx="0">
-            <a:schemeClr val="accent1"/>
-          </a:effectRef>
-          <a:fontRef idx="minor">
-            <a:schemeClr val="lt1"/>
-          </a:fontRef>
-        </p:style>
-        <p:txBody>
-          <a:bodyPr rtlCol="0" anchor="ctr"/>
-          <a:lstStyle/>
-          <a:p>
-            <a:pPr algn="ctr"/>
-            <a:endParaRPr lang="en-US"/>
-          </a:p>
-        </p:txBody>
-      </p:sp>
-      <p:sp>
-        <p:nvSpPr>
-          <p:cNvPr id="8" name="Rectangle: Rounded Corners 7">
-            <a:extLst>
-              <a:ext uri="{FF2B5EF4-FFF2-40B4-BE49-F238E27FC236}">
-                <a16:creationId xmlns:a16="http://schemas.microsoft.com/office/drawing/2014/main" id="{1539C67D-058F-42DE-9636-C63489F48301}"/>
-              </a:ext>
-            </a:extLst>
-          </p:cNvPr>
-          <p:cNvSpPr/>
-          <p:nvPr/>
-        </p:nvSpPr>
-        <p:spPr>
-          <a:xfrm>
-            <a:off x="3320891" y="4543657"/>
-            <a:ext cx="1017194" cy="453277"/>
-          </a:xfrm>
-          <a:prstGeom prst="roundRect">
-            <a:avLst/>
-          </a:prstGeom>
-          <a:noFill/>
-          <a:ln w="38100">
-            <a:solidFill>
-              <a:srgbClr val="002060"/>
-            </a:solidFill>
-          </a:ln>
-        </p:spPr>
-        <p:style>
-          <a:lnRef idx="2">
-            <a:schemeClr val="accent1">
-              <a:shade val="50000"/>
-            </a:schemeClr>
-          </a:lnRef>
-          <a:fillRef idx="1">
-            <a:schemeClr val="accent1"/>
-          </a:fillRef>
-          <a:effectRef idx="0">
-            <a:schemeClr val="accent1"/>
-          </a:effectRef>
-          <a:fontRef idx="minor">
-            <a:schemeClr val="lt1"/>
-          </a:fontRef>
-        </p:style>
-        <p:txBody>
-          <a:bodyPr rtlCol="0" anchor="ctr"/>
-          <a:lstStyle/>
-          <a:p>
-            <a:pPr algn="ctr"/>
-            <a:endParaRPr lang="en-US">
-              <a:solidFill>
-                <a:srgbClr val="002060"/>
-              </a:solidFill>
-            </a:endParaRPr>
-          </a:p>
-        </p:txBody>
-      </p:sp>
-      <p:sp>
-        <p:nvSpPr>
-          <p:cNvPr id="9" name="Rectangle: Rounded Corners 8">
-            <a:extLst>
-              <a:ext uri="{FF2B5EF4-FFF2-40B4-BE49-F238E27FC236}">
-                <a16:creationId xmlns:a16="http://schemas.microsoft.com/office/drawing/2014/main" id="{6B2C2670-8544-49DE-8B2D-07FE8CA53FA0}"/>
-              </a:ext>
-            </a:extLst>
-          </p:cNvPr>
-          <p:cNvSpPr/>
-          <p:nvPr/>
-        </p:nvSpPr>
-        <p:spPr>
-          <a:xfrm>
-            <a:off x="1897325" y="5938223"/>
-            <a:ext cx="1881964" cy="832894"/>
-          </a:xfrm>
-          <a:prstGeom prst="roundRect">
-            <a:avLst/>
-          </a:prstGeom>
-          <a:noFill/>
-          <a:ln w="38100">
-            <a:solidFill>
-              <a:srgbClr val="002060"/>
-            </a:solidFill>
-          </a:ln>
-        </p:spPr>
-        <p:style>
-          <a:lnRef idx="2">
-            <a:schemeClr val="accent1">
-              <a:shade val="50000"/>
-            </a:schemeClr>
-          </a:lnRef>
-          <a:fillRef idx="1">
-            <a:schemeClr val="accent1"/>
-          </a:fillRef>
-          <a:effectRef idx="0">
-            <a:schemeClr val="accent1"/>
-          </a:effectRef>
-          <a:fontRef idx="minor">
-            <a:schemeClr val="lt1"/>
-          </a:fontRef>
-        </p:style>
-        <p:txBody>
-          <a:bodyPr rtlCol="0" anchor="ctr"/>
-          <a:lstStyle/>
-          <a:p>
-            <a:pPr algn="ctr"/>
-            <a:endParaRPr lang="en-US">
-              <a:solidFill>
-                <a:srgbClr val="002060"/>
-              </a:solidFill>
-            </a:endParaRPr>
-          </a:p>
-        </p:txBody>
-      </p:sp>
-      <p:cxnSp>
-        <p:nvCxnSpPr>
-          <p:cNvPr id="11" name="Connector: Elbow 10">
-            <a:extLst>
-              <a:ext uri="{FF2B5EF4-FFF2-40B4-BE49-F238E27FC236}">
-                <a16:creationId xmlns:a16="http://schemas.microsoft.com/office/drawing/2014/main" id="{A594CB4E-40C0-4C53-8167-48B971BE635A}"/>
-              </a:ext>
-            </a:extLst>
-          </p:cNvPr>
-          <p:cNvCxnSpPr>
-            <a:cxnSpLocks/>
-          </p:cNvCxnSpPr>
-          <p:nvPr/>
-        </p:nvCxnSpPr>
-        <p:spPr>
-          <a:xfrm flipV="1">
-            <a:off x="4423067" y="1444252"/>
-            <a:ext cx="1275983" cy="303028"/>
-          </a:xfrm>
-          <a:prstGeom prst="bentConnector3">
-            <a:avLst/>
-          </a:prstGeom>
-          <a:ln w="38100">
-            <a:prstDash val="sysDash"/>
-            <a:tailEnd type="triangle"/>
-          </a:ln>
-        </p:spPr>
-        <p:style>
-          <a:lnRef idx="3">
-            <a:schemeClr val="dk1"/>
-          </a:lnRef>
-          <a:fillRef idx="0">
-            <a:schemeClr val="dk1"/>
-          </a:fillRef>
-          <a:effectRef idx="2">
-            <a:schemeClr val="dk1"/>
-          </a:effectRef>
-          <a:fontRef idx="minor">
-            <a:schemeClr val="tx1"/>
-          </a:fontRef>
-        </p:style>
-      </p:cxnSp>
-      <p:cxnSp>
-        <p:nvCxnSpPr>
-          <p:cNvPr id="12" name="Connector: Elbow 11">
-            <a:extLst>
-              <a:ext uri="{FF2B5EF4-FFF2-40B4-BE49-F238E27FC236}">
-                <a16:creationId xmlns:a16="http://schemas.microsoft.com/office/drawing/2014/main" id="{41796064-19BF-4507-8E24-6F3869496D8E}"/>
-              </a:ext>
-            </a:extLst>
-          </p:cNvPr>
-          <p:cNvCxnSpPr>
-            <a:cxnSpLocks/>
-            <a:stCxn id="4" idx="2"/>
-            <a:endCxn id="6" idx="0"/>
-          </p:cNvCxnSpPr>
-          <p:nvPr/>
-        </p:nvCxnSpPr>
-        <p:spPr>
-          <a:xfrm rot="5400000">
-            <a:off x="4485849" y="922166"/>
-            <a:ext cx="1081352" cy="2631592"/>
-          </a:xfrm>
-          <a:prstGeom prst="bentConnector3">
-            <a:avLst>
-              <a:gd name="adj1" fmla="val 50000"/>
-            </a:avLst>
-          </a:prstGeom>
-          <a:ln w="38100">
-            <a:prstDash val="sysDash"/>
-            <a:tailEnd type="triangle"/>
-          </a:ln>
-        </p:spPr>
-        <p:style>
-          <a:lnRef idx="3">
-            <a:schemeClr val="dk1"/>
-          </a:lnRef>
-          <a:fillRef idx="0">
-            <a:schemeClr val="dk1"/>
-          </a:fillRef>
-          <a:effectRef idx="2">
-            <a:schemeClr val="dk1"/>
-          </a:effectRef>
-          <a:fontRef idx="minor">
-            <a:schemeClr val="tx1"/>
-          </a:fontRef>
-        </p:style>
-      </p:cxnSp>
-      <p:cxnSp>
-        <p:nvCxnSpPr>
-          <p:cNvPr id="18" name="Connector: Elbow 17">
-            <a:extLst>
-              <a:ext uri="{FF2B5EF4-FFF2-40B4-BE49-F238E27FC236}">
-                <a16:creationId xmlns:a16="http://schemas.microsoft.com/office/drawing/2014/main" id="{BAF8BD80-015F-4ECE-A5A8-EC79AD47B07A}"/>
-              </a:ext>
-            </a:extLst>
-          </p:cNvPr>
-          <p:cNvCxnSpPr>
-            <a:cxnSpLocks/>
-            <a:endCxn id="8" idx="3"/>
-          </p:cNvCxnSpPr>
-          <p:nvPr/>
-        </p:nvCxnSpPr>
-        <p:spPr>
-          <a:xfrm rot="5400000">
-            <a:off x="3743411" y="3999090"/>
-            <a:ext cx="1365881" cy="176531"/>
-          </a:xfrm>
-          <a:prstGeom prst="bentConnector2">
-            <a:avLst/>
-          </a:prstGeom>
-          <a:ln w="38100">
-            <a:prstDash val="sysDash"/>
-            <a:tailEnd type="triangle"/>
-          </a:ln>
-        </p:spPr>
-        <p:style>
-          <a:lnRef idx="3">
-            <a:schemeClr val="dk1"/>
-          </a:lnRef>
-          <a:fillRef idx="0">
-            <a:schemeClr val="dk1"/>
-          </a:fillRef>
-          <a:effectRef idx="2">
-            <a:schemeClr val="dk1"/>
-          </a:effectRef>
-          <a:fontRef idx="minor">
-            <a:schemeClr val="tx1"/>
-          </a:fontRef>
-        </p:style>
-      </p:cxnSp>
-      <p:cxnSp>
-        <p:nvCxnSpPr>
-          <p:cNvPr id="21" name="Connector: Elbow 20">
-            <a:extLst>
-              <a:ext uri="{FF2B5EF4-FFF2-40B4-BE49-F238E27FC236}">
-                <a16:creationId xmlns:a16="http://schemas.microsoft.com/office/drawing/2014/main" id="{C9BC00D1-5D5C-49FA-99A0-988A75985179}"/>
-              </a:ext>
-            </a:extLst>
-          </p:cNvPr>
-          <p:cNvCxnSpPr>
-            <a:cxnSpLocks/>
-          </p:cNvCxnSpPr>
-          <p:nvPr/>
-        </p:nvCxnSpPr>
-        <p:spPr>
-          <a:xfrm rot="5400000">
-            <a:off x="2405411" y="5022743"/>
-            <a:ext cx="1167929" cy="663032"/>
-          </a:xfrm>
-          <a:prstGeom prst="bentConnector3">
-            <a:avLst>
-              <a:gd name="adj1" fmla="val 50000"/>
-            </a:avLst>
-          </a:prstGeom>
-          <a:ln w="38100">
-            <a:prstDash val="sysDash"/>
-            <a:tailEnd type="triangle"/>
-          </a:ln>
-        </p:spPr>
-        <p:style>
-          <a:lnRef idx="3">
-            <a:schemeClr val="dk1"/>
-          </a:lnRef>
-          <a:fillRef idx="0">
-            <a:schemeClr val="dk1"/>
-          </a:fillRef>
-          <a:effectRef idx="2">
-            <a:schemeClr val="dk1"/>
-          </a:effectRef>
-          <a:fontRef idx="minor">
-            <a:schemeClr val="tx1"/>
-          </a:fontRef>
-        </p:style>
-      </p:cxnSp>
-      <p:sp>
-        <p:nvSpPr>
-          <p:cNvPr id="24" name="TextBox 23">
-            <a:extLst>
-              <a:ext uri="{FF2B5EF4-FFF2-40B4-BE49-F238E27FC236}">
-                <a16:creationId xmlns:a16="http://schemas.microsoft.com/office/drawing/2014/main" id="{012F60C4-17CA-4690-BC9D-05D848E4CD30}"/>
-              </a:ext>
-            </a:extLst>
-          </p:cNvPr>
-          <p:cNvSpPr txBox="1"/>
-          <p:nvPr/>
-        </p:nvSpPr>
-        <p:spPr>
-          <a:xfrm>
-            <a:off x="5376672" y="5208803"/>
-            <a:ext cx="6681215" cy="461665"/>
-          </a:xfrm>
-          <a:prstGeom prst="rect">
-            <a:avLst/>
-          </a:prstGeom>
-          <a:solidFill>
-            <a:schemeClr val="accent1">
-              <a:lumMod val="40000"/>
-              <a:lumOff val="60000"/>
-            </a:schemeClr>
-          </a:solidFill>
-        </p:spPr>
-        <p:txBody>
-          <a:bodyPr wrap="square" rtlCol="0">
-            <a:spAutoFit/>
-          </a:bodyPr>
-          <a:lstStyle/>
-          <a:p>
-            <a:r>
-              <a:rPr lang="en-US" sz="2400" dirty="0"/>
-              <a:t>Statement </a:t>
-            </a:r>
-            <a:r>
-              <a:rPr lang="en-US" sz="2400" dirty="0">
-                <a:sym typeface="Wingdings" panose="05000000000000000000" pitchFamily="2" charset="2"/>
-              </a:rPr>
-              <a:t> </a:t>
-            </a:r>
-            <a:r>
-              <a:rPr lang="en-US" sz="2400" dirty="0"/>
-              <a:t>Performance </a:t>
-            </a:r>
-            <a:r>
-              <a:rPr lang="en-US" sz="2400" dirty="0">
-                <a:sym typeface="Wingdings" panose="05000000000000000000" pitchFamily="2" charset="2"/>
-              </a:rPr>
-              <a:t> Intervention Result</a:t>
-            </a:r>
-            <a:endParaRPr lang="en-US" sz="2400" dirty="0"/>
-          </a:p>
-        </p:txBody>
-      </p:sp>
-      <p:sp>
-        <p:nvSpPr>
-          <p:cNvPr id="16" name="Title 1">
-            <a:extLst>
-              <a:ext uri="{FF2B5EF4-FFF2-40B4-BE49-F238E27FC236}">
-                <a16:creationId xmlns:a16="http://schemas.microsoft.com/office/drawing/2014/main" id="{44FB6B0B-6C69-4006-9FD4-1C6B509C4E5B}"/>
-              </a:ext>
-            </a:extLst>
-          </p:cNvPr>
-          <p:cNvSpPr txBox="1">
-            <a:spLocks/>
-          </p:cNvSpPr>
-          <p:nvPr/>
-        </p:nvSpPr>
-        <p:spPr>
-          <a:xfrm>
-            <a:off x="5320290" y="-217117"/>
-            <a:ext cx="5542155" cy="859536"/>
-          </a:xfrm>
-          <a:prstGeom prst="rect">
-            <a:avLst/>
-          </a:prstGeom>
-        </p:spPr>
-        <p:txBody>
-          <a:bodyPr/>
-          <a:lstStyle>
-            <a:lvl1pPr algn="l" defTabSz="914400" rtl="0" eaLnBrk="1" latinLnBrk="0" hangingPunct="1">
-              <a:lnSpc>
-                <a:spcPct val="80000"/>
-              </a:lnSpc>
-              <a:spcBef>
-                <a:spcPct val="0"/>
-              </a:spcBef>
-              <a:buNone/>
-              <a:defRPr lang="en-US" sz="3200" b="1" i="0" kern="1200" cap="none" spc="0" baseline="0" dirty="0">
-                <a:solidFill>
-                  <a:schemeClr val="accent1"/>
-                </a:solidFill>
-                <a:latin typeface="+mn-lt"/>
-                <a:ea typeface="Open Sans Semibold" panose="020B0706030804020204" pitchFamily="34" charset="0"/>
-                <a:cs typeface="Open Sans Semibold" panose="020B0706030804020204" pitchFamily="34" charset="0"/>
-              </a:defRPr>
-            </a:lvl1pPr>
-          </a:lstStyle>
-          <a:p>
-            <a:r>
-              <a:rPr lang="en-US" dirty="0"/>
-              <a:t>                                         Example: </a:t>
-            </a:r>
-            <a:br>
-              <a:rPr lang="en-US" dirty="0"/>
-            </a:br>
-            <a:r>
-              <a:rPr lang="en-US" dirty="0"/>
-              <a:t>Medications administered</a:t>
-            </a:r>
-          </a:p>
-        </p:txBody>
-      </p:sp>
-    </p:spTree>
-    <p:extLst>
-      <p:ext uri="{BB962C8B-B14F-4D97-AF65-F5344CB8AC3E}">
-        <p14:creationId xmlns:p14="http://schemas.microsoft.com/office/powerpoint/2010/main" val="1257223964"/>
-      </p:ext>
-    </p:extLst>
-  </p:cSld>
-  <p:clrMapOvr>
-    <a:masterClrMapping/>
-  </p:clrMapOvr>
-</p:sld>
-</file>
-
-<file path=ppt/slides/slide18.xml><?xml version="1.0" encoding="utf-8"?>
-<p:sld xmlns:a="http://schemas.openxmlformats.org/drawingml/2006/main" xmlns:r="http://schemas.openxmlformats.org/officeDocument/2006/relationships" xmlns:p="http://schemas.openxmlformats.org/presentationml/2006/main">
-  <p:cSld>
-    <p:spTree>
-      <p:nvGrpSpPr>
-        <p:cNvPr id="1" name=""/>
-        <p:cNvGrpSpPr/>
-        <p:nvPr/>
-      </p:nvGrpSpPr>
-      <p:grpSpPr>
-        <a:xfrm>
-          <a:off x="0" y="0"/>
-          <a:ext cx="0" cy="0"/>
-          <a:chOff x="0" y="0"/>
-          <a:chExt cx="0" cy="0"/>
-        </a:xfrm>
-      </p:grpSpPr>
-      <p:pic>
-        <p:nvPicPr>
-          <p:cNvPr id="15" name="Picture 14" descr="A screenshot of a social media post&#10;&#10;Description generated with very high confidence">
-            <a:extLst>
-              <a:ext uri="{FF2B5EF4-FFF2-40B4-BE49-F238E27FC236}">
-                <a16:creationId xmlns:a16="http://schemas.microsoft.com/office/drawing/2014/main" id="{C6F61887-BBE0-4B53-9803-FB36D5699D65}"/>
-              </a:ext>
-            </a:extLst>
-          </p:cNvPr>
-          <p:cNvPicPr>
-            <a:picLocks noChangeAspect="1"/>
-          </p:cNvPicPr>
-          <p:nvPr/>
-        </p:nvPicPr>
-        <p:blipFill>
-          <a:blip r:embed="rId2">
-            <a:extLst>
-              <a:ext uri="{28A0092B-C50C-407E-A947-70E740481C1C}">
-                <a14:useLocalDpi xmlns:a14="http://schemas.microsoft.com/office/drawing/2010/main" val="0"/>
-              </a:ext>
-            </a:extLst>
-          </a:blip>
-          <a:stretch>
-            <a:fillRect/>
-          </a:stretch>
-        </p:blipFill>
-        <p:spPr>
-          <a:xfrm>
-            <a:off x="1727025" y="-145650"/>
-            <a:ext cx="8819751" cy="7177603"/>
-          </a:xfrm>
-          <a:prstGeom prst="rect">
-            <a:avLst/>
-          </a:prstGeom>
-        </p:spPr>
-      </p:pic>
-      <p:sp>
-        <p:nvSpPr>
-          <p:cNvPr id="3" name="Rectangle: Rounded Corners 2">
-            <a:extLst>
-              <a:ext uri="{FF2B5EF4-FFF2-40B4-BE49-F238E27FC236}">
-                <a16:creationId xmlns:a16="http://schemas.microsoft.com/office/drawing/2014/main" id="{DF369671-F1BF-4F3B-97B8-296885F5351D}"/>
-              </a:ext>
-            </a:extLst>
-          </p:cNvPr>
-          <p:cNvSpPr/>
-          <p:nvPr/>
-        </p:nvSpPr>
-        <p:spPr>
-          <a:xfrm>
-            <a:off x="2365667" y="1674961"/>
-            <a:ext cx="2057400" cy="197429"/>
-          </a:xfrm>
-          <a:prstGeom prst="roundRect">
-            <a:avLst/>
-          </a:prstGeom>
-          <a:noFill/>
-          <a:ln w="38100">
-            <a:solidFill>
-              <a:srgbClr val="002060"/>
-            </a:solidFill>
-          </a:ln>
-        </p:spPr>
-        <p:style>
-          <a:lnRef idx="2">
-            <a:schemeClr val="accent1">
-              <a:shade val="50000"/>
-            </a:schemeClr>
-          </a:lnRef>
-          <a:fillRef idx="1">
-            <a:schemeClr val="accent1"/>
-          </a:fillRef>
-          <a:effectRef idx="0">
-            <a:schemeClr val="accent1"/>
-          </a:effectRef>
-          <a:fontRef idx="minor">
-            <a:schemeClr val="lt1"/>
-          </a:fontRef>
-        </p:style>
-        <p:txBody>
-          <a:bodyPr rtlCol="0" anchor="ctr"/>
-          <a:lstStyle/>
-          <a:p>
-            <a:pPr algn="ctr"/>
-            <a:endParaRPr lang="en-US"/>
-          </a:p>
-        </p:txBody>
-      </p:sp>
-      <p:sp>
-        <p:nvSpPr>
-          <p:cNvPr id="4" name="Rectangle: Rounded Corners 3">
-            <a:extLst>
-              <a:ext uri="{FF2B5EF4-FFF2-40B4-BE49-F238E27FC236}">
-                <a16:creationId xmlns:a16="http://schemas.microsoft.com/office/drawing/2014/main" id="{B12FBBB4-8510-4746-BBDE-3D14A3A18498}"/>
-              </a:ext>
-            </a:extLst>
-          </p:cNvPr>
-          <p:cNvSpPr/>
-          <p:nvPr/>
-        </p:nvSpPr>
-        <p:spPr>
-          <a:xfrm>
-            <a:off x="5699050" y="1244009"/>
-            <a:ext cx="1286541" cy="453277"/>
-          </a:xfrm>
-          <a:prstGeom prst="roundRect">
-            <a:avLst/>
-          </a:prstGeom>
-          <a:noFill/>
-          <a:ln w="38100">
-            <a:solidFill>
-              <a:srgbClr val="002060"/>
-            </a:solidFill>
-          </a:ln>
-        </p:spPr>
-        <p:style>
-          <a:lnRef idx="2">
-            <a:schemeClr val="accent1">
-              <a:shade val="50000"/>
-            </a:schemeClr>
-          </a:lnRef>
-          <a:fillRef idx="1">
-            <a:schemeClr val="accent1"/>
-          </a:fillRef>
-          <a:effectRef idx="0">
-            <a:schemeClr val="accent1"/>
-          </a:effectRef>
-          <a:fontRef idx="minor">
-            <a:schemeClr val="lt1"/>
-          </a:fontRef>
-        </p:style>
-        <p:txBody>
-          <a:bodyPr rtlCol="0" anchor="ctr"/>
-          <a:lstStyle/>
-          <a:p>
-            <a:pPr algn="ctr"/>
-            <a:endParaRPr lang="en-US">
-              <a:solidFill>
-                <a:srgbClr val="002060"/>
-              </a:solidFill>
-            </a:endParaRPr>
-          </a:p>
-        </p:txBody>
-      </p:sp>
-      <p:sp>
-        <p:nvSpPr>
-          <p:cNvPr id="6" name="Rectangle: Rounded Corners 5">
-            <a:extLst>
-              <a:ext uri="{FF2B5EF4-FFF2-40B4-BE49-F238E27FC236}">
-                <a16:creationId xmlns:a16="http://schemas.microsoft.com/office/drawing/2014/main" id="{82635947-4049-4804-92F8-19B982DC3FBA}"/>
-              </a:ext>
-            </a:extLst>
-          </p:cNvPr>
-          <p:cNvSpPr/>
-          <p:nvPr/>
-        </p:nvSpPr>
-        <p:spPr>
-          <a:xfrm>
-            <a:off x="2510135" y="2778638"/>
-            <a:ext cx="2401188" cy="1167930"/>
-          </a:xfrm>
-          <a:prstGeom prst="roundRect">
-            <a:avLst/>
-          </a:prstGeom>
-          <a:noFill/>
-          <a:ln w="38100">
-            <a:solidFill>
-              <a:srgbClr val="002060"/>
-            </a:solidFill>
-          </a:ln>
-        </p:spPr>
-        <p:style>
-          <a:lnRef idx="2">
-            <a:schemeClr val="accent1">
-              <a:shade val="50000"/>
-            </a:schemeClr>
-          </a:lnRef>
-          <a:fillRef idx="1">
-            <a:schemeClr val="accent1"/>
-          </a:fillRef>
-          <a:effectRef idx="0">
-            <a:schemeClr val="accent1"/>
-          </a:effectRef>
-          <a:fontRef idx="minor">
-            <a:schemeClr val="lt1"/>
-          </a:fontRef>
-        </p:style>
-        <p:txBody>
-          <a:bodyPr rtlCol="0" anchor="ctr"/>
-          <a:lstStyle/>
-          <a:p>
-            <a:pPr algn="ctr"/>
-            <a:endParaRPr lang="en-US">
-              <a:solidFill>
-                <a:srgbClr val="002060"/>
-              </a:solidFill>
-            </a:endParaRPr>
-          </a:p>
-        </p:txBody>
-      </p:sp>
-      <p:sp>
-        <p:nvSpPr>
-          <p:cNvPr id="7" name="Rectangle: Rounded Corners 6">
-            <a:extLst>
-              <a:ext uri="{FF2B5EF4-FFF2-40B4-BE49-F238E27FC236}">
-                <a16:creationId xmlns:a16="http://schemas.microsoft.com/office/drawing/2014/main" id="{8BEB8229-8746-44FB-A582-D477E3E53494}"/>
-              </a:ext>
-            </a:extLst>
-          </p:cNvPr>
-          <p:cNvSpPr/>
-          <p:nvPr/>
-        </p:nvSpPr>
-        <p:spPr>
-          <a:xfrm>
-            <a:off x="2604267" y="3352637"/>
-            <a:ext cx="1881964" cy="160927"/>
-          </a:xfrm>
-          <a:prstGeom prst="roundRect">
-            <a:avLst/>
-          </a:prstGeom>
-          <a:noFill/>
-          <a:ln w="38100">
-            <a:solidFill>
-              <a:srgbClr val="002060"/>
-            </a:solidFill>
-          </a:ln>
-        </p:spPr>
-        <p:style>
-          <a:lnRef idx="2">
-            <a:schemeClr val="accent1">
-              <a:shade val="50000"/>
-            </a:schemeClr>
-          </a:lnRef>
-          <a:fillRef idx="1">
-            <a:schemeClr val="accent1"/>
-          </a:fillRef>
-          <a:effectRef idx="0">
-            <a:schemeClr val="accent1"/>
-          </a:effectRef>
-          <a:fontRef idx="minor">
-            <a:schemeClr val="lt1"/>
-          </a:fontRef>
-        </p:style>
-        <p:txBody>
-          <a:bodyPr rtlCol="0" anchor="ctr"/>
-          <a:lstStyle/>
-          <a:p>
-            <a:pPr algn="ctr"/>
-            <a:endParaRPr lang="en-US"/>
-          </a:p>
-        </p:txBody>
-      </p:sp>
-      <p:sp>
-        <p:nvSpPr>
-          <p:cNvPr id="8" name="Rectangle: Rounded Corners 7">
-            <a:extLst>
-              <a:ext uri="{FF2B5EF4-FFF2-40B4-BE49-F238E27FC236}">
-                <a16:creationId xmlns:a16="http://schemas.microsoft.com/office/drawing/2014/main" id="{1539C67D-058F-42DE-9636-C63489F48301}"/>
-              </a:ext>
-            </a:extLst>
-          </p:cNvPr>
-          <p:cNvSpPr/>
-          <p:nvPr/>
-        </p:nvSpPr>
-        <p:spPr>
-          <a:xfrm>
-            <a:off x="3320891" y="4543657"/>
-            <a:ext cx="1017194" cy="453277"/>
-          </a:xfrm>
-          <a:prstGeom prst="roundRect">
-            <a:avLst/>
-          </a:prstGeom>
-          <a:noFill/>
-          <a:ln w="38100">
-            <a:solidFill>
-              <a:srgbClr val="002060"/>
-            </a:solidFill>
-          </a:ln>
-        </p:spPr>
-        <p:style>
-          <a:lnRef idx="2">
-            <a:schemeClr val="accent1">
-              <a:shade val="50000"/>
-            </a:schemeClr>
-          </a:lnRef>
-          <a:fillRef idx="1">
-            <a:schemeClr val="accent1"/>
-          </a:fillRef>
-          <a:effectRef idx="0">
-            <a:schemeClr val="accent1"/>
-          </a:effectRef>
-          <a:fontRef idx="minor">
-            <a:schemeClr val="lt1"/>
-          </a:fontRef>
-        </p:style>
-        <p:txBody>
-          <a:bodyPr rtlCol="0" anchor="ctr"/>
-          <a:lstStyle/>
-          <a:p>
-            <a:pPr algn="ctr"/>
-            <a:endParaRPr lang="en-US">
-              <a:solidFill>
-                <a:srgbClr val="002060"/>
-              </a:solidFill>
-            </a:endParaRPr>
-          </a:p>
-        </p:txBody>
-      </p:sp>
-      <p:sp>
-        <p:nvSpPr>
-          <p:cNvPr id="9" name="Rectangle: Rounded Corners 8">
-            <a:extLst>
-              <a:ext uri="{FF2B5EF4-FFF2-40B4-BE49-F238E27FC236}">
-                <a16:creationId xmlns:a16="http://schemas.microsoft.com/office/drawing/2014/main" id="{6B2C2670-8544-49DE-8B2D-07FE8CA53FA0}"/>
-              </a:ext>
-            </a:extLst>
-          </p:cNvPr>
-          <p:cNvSpPr/>
-          <p:nvPr/>
-        </p:nvSpPr>
-        <p:spPr>
-          <a:xfrm>
-            <a:off x="1897325" y="5938223"/>
-            <a:ext cx="1881964" cy="832894"/>
-          </a:xfrm>
-          <a:prstGeom prst="roundRect">
-            <a:avLst/>
-          </a:prstGeom>
-          <a:noFill/>
-          <a:ln w="38100">
-            <a:solidFill>
-              <a:srgbClr val="002060"/>
-            </a:solidFill>
-          </a:ln>
-        </p:spPr>
-        <p:style>
-          <a:lnRef idx="2">
-            <a:schemeClr val="accent1">
-              <a:shade val="50000"/>
-            </a:schemeClr>
-          </a:lnRef>
-          <a:fillRef idx="1">
-            <a:schemeClr val="accent1"/>
-          </a:fillRef>
-          <a:effectRef idx="0">
-            <a:schemeClr val="accent1"/>
-          </a:effectRef>
-          <a:fontRef idx="minor">
-            <a:schemeClr val="lt1"/>
-          </a:fontRef>
-        </p:style>
-        <p:txBody>
-          <a:bodyPr rtlCol="0" anchor="ctr"/>
-          <a:lstStyle/>
-          <a:p>
-            <a:pPr algn="ctr"/>
-            <a:endParaRPr lang="en-US">
-              <a:solidFill>
-                <a:srgbClr val="002060"/>
-              </a:solidFill>
-            </a:endParaRPr>
-          </a:p>
-        </p:txBody>
-      </p:sp>
-      <p:cxnSp>
-        <p:nvCxnSpPr>
-          <p:cNvPr id="11" name="Connector: Elbow 10">
-            <a:extLst>
-              <a:ext uri="{FF2B5EF4-FFF2-40B4-BE49-F238E27FC236}">
-                <a16:creationId xmlns:a16="http://schemas.microsoft.com/office/drawing/2014/main" id="{A594CB4E-40C0-4C53-8167-48B971BE635A}"/>
-              </a:ext>
-            </a:extLst>
-          </p:cNvPr>
-          <p:cNvCxnSpPr>
-            <a:cxnSpLocks/>
-          </p:cNvCxnSpPr>
-          <p:nvPr/>
-        </p:nvCxnSpPr>
-        <p:spPr>
-          <a:xfrm flipV="1">
-            <a:off x="4423067" y="1444252"/>
-            <a:ext cx="1275983" cy="303028"/>
-          </a:xfrm>
-          <a:prstGeom prst="bentConnector3">
-            <a:avLst/>
-          </a:prstGeom>
-          <a:ln w="38100">
-            <a:prstDash val="sysDash"/>
-            <a:tailEnd type="triangle"/>
-          </a:ln>
-        </p:spPr>
-        <p:style>
-          <a:lnRef idx="3">
-            <a:schemeClr val="dk1"/>
-          </a:lnRef>
-          <a:fillRef idx="0">
-            <a:schemeClr val="dk1"/>
-          </a:fillRef>
-          <a:effectRef idx="2">
-            <a:schemeClr val="dk1"/>
-          </a:effectRef>
-          <a:fontRef idx="minor">
-            <a:schemeClr val="tx1"/>
-          </a:fontRef>
-        </p:style>
-      </p:cxnSp>
-      <p:cxnSp>
-        <p:nvCxnSpPr>
-          <p:cNvPr id="12" name="Connector: Elbow 11">
-            <a:extLst>
-              <a:ext uri="{FF2B5EF4-FFF2-40B4-BE49-F238E27FC236}">
-                <a16:creationId xmlns:a16="http://schemas.microsoft.com/office/drawing/2014/main" id="{41796064-19BF-4507-8E24-6F3869496D8E}"/>
-              </a:ext>
-            </a:extLst>
-          </p:cNvPr>
-          <p:cNvCxnSpPr>
-            <a:cxnSpLocks/>
-            <a:stCxn id="4" idx="2"/>
-            <a:endCxn id="6" idx="0"/>
-          </p:cNvCxnSpPr>
-          <p:nvPr/>
-        </p:nvCxnSpPr>
-        <p:spPr>
-          <a:xfrm rot="5400000">
-            <a:off x="4485849" y="922166"/>
-            <a:ext cx="1081352" cy="2631592"/>
-          </a:xfrm>
-          <a:prstGeom prst="bentConnector3">
-            <a:avLst>
-              <a:gd name="adj1" fmla="val 50000"/>
-            </a:avLst>
-          </a:prstGeom>
-          <a:ln w="38100">
-            <a:prstDash val="sysDash"/>
-            <a:tailEnd type="triangle"/>
-          </a:ln>
-        </p:spPr>
-        <p:style>
-          <a:lnRef idx="3">
-            <a:schemeClr val="dk1"/>
-          </a:lnRef>
-          <a:fillRef idx="0">
-            <a:schemeClr val="dk1"/>
-          </a:fillRef>
-          <a:effectRef idx="2">
-            <a:schemeClr val="dk1"/>
-          </a:effectRef>
-          <a:fontRef idx="minor">
-            <a:schemeClr val="tx1"/>
-          </a:fontRef>
-        </p:style>
-      </p:cxnSp>
-      <p:cxnSp>
-        <p:nvCxnSpPr>
-          <p:cNvPr id="18" name="Connector: Elbow 17">
-            <a:extLst>
-              <a:ext uri="{FF2B5EF4-FFF2-40B4-BE49-F238E27FC236}">
-                <a16:creationId xmlns:a16="http://schemas.microsoft.com/office/drawing/2014/main" id="{BAF8BD80-015F-4ECE-A5A8-EC79AD47B07A}"/>
-              </a:ext>
-            </a:extLst>
-          </p:cNvPr>
-          <p:cNvCxnSpPr>
-            <a:cxnSpLocks/>
-            <a:endCxn id="8" idx="3"/>
-          </p:cNvCxnSpPr>
-          <p:nvPr/>
-        </p:nvCxnSpPr>
-        <p:spPr>
-          <a:xfrm rot="5400000">
-            <a:off x="3743411" y="3999090"/>
-            <a:ext cx="1365881" cy="176531"/>
-          </a:xfrm>
-          <a:prstGeom prst="bentConnector2">
-            <a:avLst/>
-          </a:prstGeom>
-          <a:ln w="38100">
-            <a:prstDash val="sysDash"/>
-            <a:tailEnd type="triangle"/>
-          </a:ln>
-        </p:spPr>
-        <p:style>
-          <a:lnRef idx="3">
-            <a:schemeClr val="dk1"/>
-          </a:lnRef>
-          <a:fillRef idx="0">
-            <a:schemeClr val="dk1"/>
-          </a:fillRef>
-          <a:effectRef idx="2">
-            <a:schemeClr val="dk1"/>
-          </a:effectRef>
-          <a:fontRef idx="minor">
-            <a:schemeClr val="tx1"/>
-          </a:fontRef>
-        </p:style>
-      </p:cxnSp>
-      <p:cxnSp>
-        <p:nvCxnSpPr>
-          <p:cNvPr id="21" name="Connector: Elbow 20">
-            <a:extLst>
-              <a:ext uri="{FF2B5EF4-FFF2-40B4-BE49-F238E27FC236}">
-                <a16:creationId xmlns:a16="http://schemas.microsoft.com/office/drawing/2014/main" id="{C9BC00D1-5D5C-49FA-99A0-988A75985179}"/>
-              </a:ext>
-            </a:extLst>
-          </p:cNvPr>
-          <p:cNvCxnSpPr>
-            <a:cxnSpLocks/>
-          </p:cNvCxnSpPr>
-          <p:nvPr/>
-        </p:nvCxnSpPr>
-        <p:spPr>
-          <a:xfrm rot="5400000">
-            <a:off x="2405411" y="5022743"/>
-            <a:ext cx="1167929" cy="663032"/>
-          </a:xfrm>
-          <a:prstGeom prst="bentConnector3">
-            <a:avLst>
-              <a:gd name="adj1" fmla="val 50000"/>
-            </a:avLst>
-          </a:prstGeom>
-          <a:ln w="38100">
-            <a:prstDash val="sysDash"/>
-            <a:tailEnd type="triangle"/>
-          </a:ln>
-        </p:spPr>
-        <p:style>
-          <a:lnRef idx="3">
-            <a:schemeClr val="dk1"/>
-          </a:lnRef>
-          <a:fillRef idx="0">
-            <a:schemeClr val="dk1"/>
-          </a:fillRef>
-          <a:effectRef idx="2">
-            <a:schemeClr val="dk1"/>
-          </a:effectRef>
-          <a:fontRef idx="minor">
-            <a:schemeClr val="tx1"/>
-          </a:fontRef>
-        </p:style>
-      </p:cxnSp>
-      <p:sp>
-        <p:nvSpPr>
-          <p:cNvPr id="24" name="TextBox 23">
-            <a:extLst>
-              <a:ext uri="{FF2B5EF4-FFF2-40B4-BE49-F238E27FC236}">
-                <a16:creationId xmlns:a16="http://schemas.microsoft.com/office/drawing/2014/main" id="{012F60C4-17CA-4690-BC9D-05D848E4CD30}"/>
-              </a:ext>
-            </a:extLst>
-          </p:cNvPr>
-          <p:cNvSpPr txBox="1"/>
-          <p:nvPr/>
-        </p:nvSpPr>
-        <p:spPr>
-          <a:xfrm>
-            <a:off x="5376672" y="5208803"/>
-            <a:ext cx="6681215" cy="461665"/>
-          </a:xfrm>
-          <a:prstGeom prst="rect">
-            <a:avLst/>
-          </a:prstGeom>
-          <a:solidFill>
-            <a:schemeClr val="accent1">
-              <a:lumMod val="40000"/>
-              <a:lumOff val="60000"/>
-            </a:schemeClr>
-          </a:solidFill>
-        </p:spPr>
-        <p:txBody>
-          <a:bodyPr wrap="square" rtlCol="0">
-            <a:spAutoFit/>
-          </a:bodyPr>
-          <a:lstStyle/>
-          <a:p>
-            <a:r>
-              <a:rPr lang="en-US" sz="2400" dirty="0"/>
-              <a:t>Statement </a:t>
-            </a:r>
-            <a:r>
-              <a:rPr lang="en-US" sz="2400" dirty="0">
-                <a:sym typeface="Wingdings" panose="05000000000000000000" pitchFamily="2" charset="2"/>
-              </a:rPr>
-              <a:t> </a:t>
-            </a:r>
-            <a:r>
-              <a:rPr lang="en-US" sz="2400" dirty="0"/>
-              <a:t>Performance </a:t>
-            </a:r>
-            <a:r>
-              <a:rPr lang="en-US" sz="2400" dirty="0">
-                <a:sym typeface="Wingdings" panose="05000000000000000000" pitchFamily="2" charset="2"/>
-              </a:rPr>
-              <a:t> Intervention Result</a:t>
-            </a:r>
-            <a:endParaRPr lang="en-US" sz="2400" dirty="0"/>
-          </a:p>
-        </p:txBody>
-      </p:sp>
-      <p:sp>
-        <p:nvSpPr>
-          <p:cNvPr id="16" name="Title 1">
-            <a:extLst>
-              <a:ext uri="{FF2B5EF4-FFF2-40B4-BE49-F238E27FC236}">
-                <a16:creationId xmlns:a16="http://schemas.microsoft.com/office/drawing/2014/main" id="{FA6BBED4-AA69-4C5B-869D-48F47D0ED76E}"/>
-              </a:ext>
-            </a:extLst>
-          </p:cNvPr>
-          <p:cNvSpPr txBox="1">
-            <a:spLocks/>
-          </p:cNvSpPr>
-          <p:nvPr/>
-        </p:nvSpPr>
-        <p:spPr>
-          <a:xfrm>
-            <a:off x="5320290" y="-217117"/>
-            <a:ext cx="5542155" cy="859536"/>
-          </a:xfrm>
-          <a:prstGeom prst="rect">
-            <a:avLst/>
-          </a:prstGeom>
-        </p:spPr>
-        <p:txBody>
-          <a:bodyPr/>
-          <a:lstStyle>
-            <a:lvl1pPr algn="l" defTabSz="914400" rtl="0" eaLnBrk="1" latinLnBrk="0" hangingPunct="1">
-              <a:lnSpc>
-                <a:spcPct val="80000"/>
-              </a:lnSpc>
-              <a:spcBef>
-                <a:spcPct val="0"/>
-              </a:spcBef>
-              <a:buNone/>
-              <a:defRPr lang="en-US" sz="3200" b="1" i="0" kern="1200" cap="none" spc="0" baseline="0" dirty="0">
-                <a:solidFill>
-                  <a:schemeClr val="accent1"/>
-                </a:solidFill>
-                <a:latin typeface="+mn-lt"/>
-                <a:ea typeface="Open Sans Semibold" panose="020B0706030804020204" pitchFamily="34" charset="0"/>
-                <a:cs typeface="Open Sans Semibold" panose="020B0706030804020204" pitchFamily="34" charset="0"/>
-              </a:defRPr>
-            </a:lvl1pPr>
-          </a:lstStyle>
-          <a:p>
-            <a:r>
-              <a:rPr lang="en-US" dirty="0"/>
-              <a:t>                                         Example: </a:t>
-            </a:r>
-            <a:br>
-              <a:rPr lang="en-US" dirty="0"/>
-            </a:br>
-            <a:r>
-              <a:rPr lang="en-US" dirty="0"/>
-              <a:t>Dialysis completed</a:t>
-            </a:r>
-          </a:p>
-        </p:txBody>
-      </p:sp>
-    </p:spTree>
-    <p:extLst>
-      <p:ext uri="{BB962C8B-B14F-4D97-AF65-F5344CB8AC3E}">
-        <p14:creationId xmlns:p14="http://schemas.microsoft.com/office/powerpoint/2010/main" val="800563316"/>
       </p:ext>
     </p:extLst>
   </p:cSld>
@@ -11650,6 +7710,14 @@
 <file path=ppt/slides/slide3.xml><?xml version="1.0" encoding="utf-8"?>
 <p:sld xmlns:a="http://schemas.openxmlformats.org/drawingml/2006/main" xmlns:r="http://schemas.openxmlformats.org/officeDocument/2006/relationships" xmlns:p="http://schemas.openxmlformats.org/presentationml/2006/main">
   <p:cSld>
+    <p:bg>
+      <p:bgPr>
+        <a:solidFill>
+          <a:schemeClr val="bg1"/>
+        </a:solidFill>
+        <a:effectLst/>
+      </p:bgPr>
+    </p:bg>
     <p:spTree>
       <p:nvGrpSpPr>
         <p:cNvPr id="1" name=""/>
@@ -11666,10 +7734,223 @@
       </p:grpSpPr>
       <p:sp>
         <p:nvSpPr>
-          <p:cNvPr id="3" name="Slide Number Placeholder 2">
-            <a:extLst>
-              <a:ext uri="{FF2B5EF4-FFF2-40B4-BE49-F238E27FC236}">
-                <a16:creationId xmlns:a16="http://schemas.microsoft.com/office/drawing/2014/main" id="{84330B2C-3D68-4028-8230-4C89C3D24AC5}"/>
+          <p:cNvPr id="13" name="Rectangle 8">
+            <a:extLst>
+              <a:ext uri="{FF2B5EF4-FFF2-40B4-BE49-F238E27FC236}">
+                <a16:creationId xmlns:a16="http://schemas.microsoft.com/office/drawing/2014/main" id="{6753252F-4873-4F63-801D-CC719279A7D5}"/>
+              </a:ext>
+              <a:ext uri="{C183D7F6-B498-43B3-948B-1728B52AA6E4}">
+                <adec:decorative xmlns:adec="http://schemas.microsoft.com/office/drawing/2017/decorative" val="1"/>
+              </a:ext>
+            </a:extLst>
+          </p:cNvPr>
+          <p:cNvSpPr>
+            <a:spLocks noGrp="1" noRot="1" noChangeAspect="1" noMove="1" noResize="1" noEditPoints="1" noAdjustHandles="1" noChangeArrowheads="1" noChangeShapeType="1" noTextEdit="1"/>
+          </p:cNvSpPr>
+          <p:nvPr>
+            <p:extLst>
+              <p:ext uri="{386F3935-93C4-4BCD-93E2-E3B085C9AB24}">
+                <p16:designElem xmlns:p16="http://schemas.microsoft.com/office/powerpoint/2015/main" val="1"/>
+              </p:ext>
+            </p:extLst>
+          </p:nvPr>
+        </p:nvSpPr>
+        <p:spPr>
+          <a:xfrm>
+            <a:off x="0" y="0"/>
+            <a:ext cx="12192000" cy="6858000"/>
+          </a:xfrm>
+          <a:prstGeom prst="rect">
+            <a:avLst/>
+          </a:prstGeom>
+          <a:solidFill>
+            <a:srgbClr val="FFFFFF"/>
+          </a:solidFill>
+          <a:ln>
+            <a:noFill/>
+          </a:ln>
+        </p:spPr>
+        <p:style>
+          <a:lnRef idx="2">
+            <a:schemeClr val="accent1">
+              <a:shade val="50000"/>
+            </a:schemeClr>
+          </a:lnRef>
+          <a:fillRef idx="1">
+            <a:schemeClr val="accent1"/>
+          </a:fillRef>
+          <a:effectRef idx="0">
+            <a:schemeClr val="accent1"/>
+          </a:effectRef>
+          <a:fontRef idx="minor">
+            <a:schemeClr val="lt1"/>
+          </a:fontRef>
+        </p:style>
+        <p:txBody>
+          <a:bodyPr rtlCol="0" anchor="ctr"/>
+          <a:lstStyle/>
+          <a:p>
+            <a:pPr algn="ctr"/>
+            <a:endParaRPr lang="en-US"/>
+          </a:p>
+        </p:txBody>
+      </p:sp>
+      <p:sp>
+        <p:nvSpPr>
+          <p:cNvPr id="14" name="Rectangle 10">
+            <a:extLst>
+              <a:ext uri="{FF2B5EF4-FFF2-40B4-BE49-F238E27FC236}">
+                <a16:creationId xmlns:a16="http://schemas.microsoft.com/office/drawing/2014/main" id="{047C8CCB-F95D-4249-92DD-651249D3535A}"/>
+              </a:ext>
+              <a:ext uri="{C183D7F6-B498-43B3-948B-1728B52AA6E4}">
+                <adec:decorative xmlns:adec="http://schemas.microsoft.com/office/drawing/2017/decorative" val="1"/>
+              </a:ext>
+            </a:extLst>
+          </p:cNvPr>
+          <p:cNvSpPr>
+            <a:spLocks noGrp="1" noRot="1" noChangeAspect="1" noMove="1" noResize="1" noEditPoints="1" noAdjustHandles="1" noChangeArrowheads="1" noChangeShapeType="1" noTextEdit="1"/>
+          </p:cNvSpPr>
+          <p:nvPr>
+            <p:extLst>
+              <p:ext uri="{386F3935-93C4-4BCD-93E2-E3B085C9AB24}">
+                <p16:designElem xmlns:p16="http://schemas.microsoft.com/office/powerpoint/2015/main" val="1"/>
+              </p:ext>
+            </p:extLst>
+          </p:nvPr>
+        </p:nvSpPr>
+        <p:spPr>
+          <a:xfrm>
+            <a:off x="0" y="0"/>
+            <a:ext cx="2013557" cy="6858000"/>
+          </a:xfrm>
+          <a:prstGeom prst="rect">
+            <a:avLst/>
+          </a:prstGeom>
+          <a:solidFill>
+            <a:srgbClr val="394B5F"/>
+          </a:solidFill>
+          <a:ln>
+            <a:noFill/>
+          </a:ln>
+        </p:spPr>
+        <p:style>
+          <a:lnRef idx="2">
+            <a:schemeClr val="accent1">
+              <a:shade val="50000"/>
+            </a:schemeClr>
+          </a:lnRef>
+          <a:fillRef idx="1">
+            <a:schemeClr val="accent1"/>
+          </a:fillRef>
+          <a:effectRef idx="0">
+            <a:schemeClr val="accent1"/>
+          </a:effectRef>
+          <a:fontRef idx="minor">
+            <a:schemeClr val="lt1"/>
+          </a:fontRef>
+        </p:style>
+        <p:txBody>
+          <a:bodyPr rtlCol="0" anchor="ctr"/>
+          <a:lstStyle/>
+          <a:p>
+            <a:pPr algn="ctr"/>
+            <a:endParaRPr lang="en-US"/>
+          </a:p>
+        </p:txBody>
+      </p:sp>
+      <p:sp>
+        <p:nvSpPr>
+          <p:cNvPr id="3" name="Title 2">
+            <a:extLst>
+              <a:ext uri="{FF2B5EF4-FFF2-40B4-BE49-F238E27FC236}">
+                <a16:creationId xmlns:a16="http://schemas.microsoft.com/office/drawing/2014/main" id="{9CDD904C-376E-4D64-A89A-B298E98AD31A}"/>
+              </a:ext>
+            </a:extLst>
+          </p:cNvPr>
+          <p:cNvSpPr>
+            <a:spLocks noGrp="1"/>
+          </p:cNvSpPr>
+          <p:nvPr>
+            <p:ph type="title"/>
+          </p:nvPr>
+        </p:nvSpPr>
+        <p:spPr>
+          <a:xfrm>
+            <a:off x="640080" y="2074363"/>
+            <a:ext cx="2752354" cy="2709275"/>
+          </a:xfrm>
+          <a:prstGeom prst="ellipse">
+            <a:avLst/>
+          </a:prstGeom>
+          <a:solidFill>
+            <a:srgbClr val="262626"/>
+          </a:solidFill>
+          <a:ln w="174625" cmpd="thinThick">
+            <a:solidFill>
+              <a:srgbClr val="262626"/>
+            </a:solidFill>
+          </a:ln>
+        </p:spPr>
+        <p:txBody>
+          <a:bodyPr anchor="ctr">
+            <a:normAutofit/>
+          </a:bodyPr>
+          <a:lstStyle/>
+          <a:p>
+            <a:pPr algn="ctr"/>
+            <a:r>
+              <a:rPr lang="en-US" sz="2600">
+                <a:solidFill>
+                  <a:srgbClr val="FFFFFF"/>
+                </a:solidFill>
+              </a:rPr>
+              <a:t>Knowledge Architecture</a:t>
+            </a:r>
+          </a:p>
+        </p:txBody>
+      </p:sp>
+      <p:pic>
+        <p:nvPicPr>
+          <p:cNvPr id="4" name="Picture 3" descr="A screenshot of text&#10;&#10;Description automatically generated">
+            <a:extLst>
+              <a:ext uri="{FF2B5EF4-FFF2-40B4-BE49-F238E27FC236}">
+                <a16:creationId xmlns:a16="http://schemas.microsoft.com/office/drawing/2014/main" id="{D4AAD6E1-21B2-4EFF-BBE5-48BCADE0F46D}"/>
+              </a:ext>
+            </a:extLst>
+          </p:cNvPr>
+          <p:cNvPicPr>
+            <a:picLocks noChangeAspect="1"/>
+          </p:cNvPicPr>
+          <p:nvPr/>
+        </p:nvPicPr>
+        <p:blipFill>
+          <a:blip r:embed="rId2">
+            <a:extLst>
+              <a:ext uri="{28A0092B-C50C-407E-A947-70E740481C1C}">
+                <a14:useLocalDpi xmlns:a14="http://schemas.microsoft.com/office/drawing/2010/main" val="0"/>
+              </a:ext>
+            </a:extLst>
+          </a:blip>
+          <a:stretch>
+            <a:fillRect/>
+          </a:stretch>
+        </p:blipFill>
+        <p:spPr>
+          <a:xfrm>
+            <a:off x="3430432" y="1129145"/>
+            <a:ext cx="8439834" cy="4599709"/>
+          </a:xfrm>
+          <a:prstGeom prst="rect">
+            <a:avLst/>
+          </a:prstGeom>
+        </p:spPr>
+      </p:pic>
+      <p:sp>
+        <p:nvSpPr>
+          <p:cNvPr id="2" name="Slide Number Placeholder 1">
+            <a:extLst>
+              <a:ext uri="{FF2B5EF4-FFF2-40B4-BE49-F238E27FC236}">
+                <a16:creationId xmlns:a16="http://schemas.microsoft.com/office/drawing/2014/main" id="{06683AB1-CE08-4674-AAD2-2DAAE360FCA4}"/>
               </a:ext>
             </a:extLst>
           </p:cNvPr>
@@ -11680,6 +7961,90 @@
             <p:ph type="sldNum" sz="quarter" idx="12"/>
           </p:nvPr>
         </p:nvSpPr>
+        <p:spPr>
+          <a:xfrm>
+            <a:off x="11310257" y="6356350"/>
+            <a:ext cx="560009" cy="365125"/>
+          </a:xfrm>
+        </p:spPr>
+        <p:txBody>
+          <a:bodyPr>
+            <a:normAutofit/>
+          </a:bodyPr>
+          <a:lstStyle/>
+          <a:p>
+            <a:pPr>
+              <a:spcAft>
+                <a:spcPts val="600"/>
+              </a:spcAft>
+            </a:pPr>
+            <a:fld id="{B2C7D7B1-EA59-4F88-954B-4C4A650A8C83}" type="slidenum">
+              <a:rPr lang="en-US">
+                <a:solidFill>
+                  <a:srgbClr val="898989"/>
+                </a:solidFill>
+              </a:rPr>
+              <a:pPr>
+                <a:spcAft>
+                  <a:spcPts val="600"/>
+                </a:spcAft>
+              </a:pPr>
+              <a:t>3</a:t>
+            </a:fld>
+            <a:endParaRPr lang="en-US">
+              <a:solidFill>
+                <a:srgbClr val="898989"/>
+              </a:solidFill>
+            </a:endParaRPr>
+          </a:p>
+        </p:txBody>
+      </p:sp>
+    </p:spTree>
+    <p:extLst>
+      <p:ext uri="{BB962C8B-B14F-4D97-AF65-F5344CB8AC3E}">
+        <p14:creationId xmlns:p14="http://schemas.microsoft.com/office/powerpoint/2010/main" val="1360532429"/>
+      </p:ext>
+    </p:extLst>
+  </p:cSld>
+  <p:clrMapOvr>
+    <a:masterClrMapping/>
+  </p:clrMapOvr>
+</p:sld>
+</file>
+
+<file path=ppt/slides/slide4.xml><?xml version="1.0" encoding="utf-8"?>
+<p:sld xmlns:a="http://schemas.openxmlformats.org/drawingml/2006/main" xmlns:r="http://schemas.openxmlformats.org/officeDocument/2006/relationships" xmlns:p="http://schemas.openxmlformats.org/presentationml/2006/main">
+  <p:cSld>
+    <p:spTree>
+      <p:nvGrpSpPr>
+        <p:cNvPr id="1" name=""/>
+        <p:cNvGrpSpPr/>
+        <p:nvPr/>
+      </p:nvGrpSpPr>
+      <p:grpSpPr>
+        <a:xfrm>
+          <a:off x="0" y="0"/>
+          <a:ext cx="0" cy="0"/>
+          <a:chOff x="0" y="0"/>
+          <a:chExt cx="0" cy="0"/>
+        </a:xfrm>
+      </p:grpSpPr>
+      <p:sp>
+        <p:nvSpPr>
+          <p:cNvPr id="3" name="Slide Number Placeholder 2">
+            <a:extLst>
+              <a:ext uri="{FF2B5EF4-FFF2-40B4-BE49-F238E27FC236}">
+                <a16:creationId xmlns:a16="http://schemas.microsoft.com/office/drawing/2014/main" id="{84330B2C-3D68-4028-8230-4C89C3D24AC5}"/>
+              </a:ext>
+            </a:extLst>
+          </p:cNvPr>
+          <p:cNvSpPr>
+            <a:spLocks noGrp="1"/>
+          </p:cNvSpPr>
+          <p:nvPr>
+            <p:ph type="sldNum" sz="quarter" idx="12"/>
+          </p:nvPr>
+        </p:nvSpPr>
         <p:spPr/>
         <p:txBody>
           <a:bodyPr/>
@@ -11687,7 +8052,7 @@
           <a:p>
             <a:fld id="{88B1D514-9158-7143-952E-69DC611F0F0B}" type="slidenum">
               <a:rPr lang="en-US" smtClean="0"/>
-              <a:t>3</a:t>
+              <a:t>4</a:t>
             </a:fld>
             <a:endParaRPr lang="en-US"/>
           </a:p>
@@ -12558,7 +8923,7 @@
 </p:sld>
 </file>
 
-<file path=ppt/slides/slide4.xml><?xml version="1.0" encoding="utf-8"?>
+<file path=ppt/slides/slide5.xml><?xml version="1.0" encoding="utf-8"?>
 <p:sld xmlns:a="http://schemas.openxmlformats.org/drawingml/2006/main" xmlns:r="http://schemas.openxmlformats.org/officeDocument/2006/relationships" xmlns:p="http://schemas.openxmlformats.org/presentationml/2006/main">
   <p:cSld>
     <p:spTree>
@@ -12698,7 +9063,7 @@
           <a:p>
             <a:fld id="{88B1D514-9158-7143-952E-69DC611F0F0B}" type="slidenum">
               <a:rPr lang="en-US" smtClean="0"/>
-              <a:t>4</a:t>
+              <a:t>5</a:t>
             </a:fld>
             <a:endParaRPr lang="en-US"/>
           </a:p>
@@ -13529,7 +9894,7 @@
 </p:sld>
 </file>
 
-<file path=ppt/slides/slide5.xml><?xml version="1.0" encoding="utf-8"?>
+<file path=ppt/slides/slide6.xml><?xml version="1.0" encoding="utf-8"?>
 <p:sld xmlns:a="http://schemas.openxmlformats.org/drawingml/2006/main" xmlns:r="http://schemas.openxmlformats.org/officeDocument/2006/relationships" xmlns:p="http://schemas.openxmlformats.org/presentationml/2006/main">
   <p:cSld>
     <p:spTree>
@@ -13624,7 +9989,7 @@
           <a:p>
             <a:fld id="{88B1D514-9158-7143-952E-69DC611F0F0B}" type="slidenum">
               <a:rPr lang="en-US" smtClean="0"/>
-              <a:t>5</a:t>
+              <a:t>6</a:t>
             </a:fld>
             <a:endParaRPr lang="en-US"/>
           </a:p>
@@ -14426,7 +10791,7 @@
 </p:sld>
 </file>
 
-<file path=ppt/slides/slide6.xml><?xml version="1.0" encoding="utf-8"?>
+<file path=ppt/slides/slide7.xml><?xml version="1.0" encoding="utf-8"?>
 <p:sld xmlns:a="http://schemas.openxmlformats.org/drawingml/2006/main" xmlns:r="http://schemas.openxmlformats.org/officeDocument/2006/relationships" xmlns:p="http://schemas.openxmlformats.org/presentationml/2006/main">
   <p:cSld>
     <p:spTree>
@@ -14471,7 +10836,7 @@
           <a:p>
             <a:fld id="{88B1D514-9158-7143-952E-69DC611F0F0B}" type="slidenum">
               <a:rPr lang="en-US" smtClean="0"/>
-              <a:t>6</a:t>
+              <a:t>7</a:t>
             </a:fld>
             <a:endParaRPr lang="en-US"/>
           </a:p>
@@ -15257,65 +11622,6 @@
 </p:sld>
 </file>
 
-<file path=ppt/slides/slide7.xml><?xml version="1.0" encoding="utf-8"?>
-<p:sld xmlns:a="http://schemas.openxmlformats.org/drawingml/2006/main" xmlns:r="http://schemas.openxmlformats.org/officeDocument/2006/relationships" xmlns:p="http://schemas.openxmlformats.org/presentationml/2006/main">
-  <p:cSld>
-    <p:spTree>
-      <p:nvGrpSpPr>
-        <p:cNvPr id="1" name=""/>
-        <p:cNvGrpSpPr/>
-        <p:nvPr/>
-      </p:nvGrpSpPr>
-      <p:grpSpPr>
-        <a:xfrm>
-          <a:off x="0" y="0"/>
-          <a:ext cx="0" cy="0"/>
-          <a:chOff x="0" y="0"/>
-          <a:chExt cx="0" cy="0"/>
-        </a:xfrm>
-      </p:grpSpPr>
-      <p:sp>
-        <p:nvSpPr>
-          <p:cNvPr id="2" name="Slide Number Placeholder 1">
-            <a:extLst>
-              <a:ext uri="{FF2B5EF4-FFF2-40B4-BE49-F238E27FC236}">
-                <a16:creationId xmlns:a16="http://schemas.microsoft.com/office/drawing/2014/main" id="{96BBBBC2-CC0D-4360-BDDA-E7368CA38250}"/>
-              </a:ext>
-            </a:extLst>
-          </p:cNvPr>
-          <p:cNvSpPr>
-            <a:spLocks noGrp="1"/>
-          </p:cNvSpPr>
-          <p:nvPr>
-            <p:ph type="sldNum" sz="quarter" idx="12"/>
-          </p:nvPr>
-        </p:nvSpPr>
-        <p:spPr/>
-        <p:txBody>
-          <a:bodyPr/>
-          <a:lstStyle/>
-          <a:p>
-            <a:fld id="{B2C7D7B1-EA59-4F88-954B-4C4A650A8C83}" type="slidenum">
-              <a:rPr lang="en-US" smtClean="0"/>
-              <a:t>7</a:t>
-            </a:fld>
-            <a:endParaRPr lang="en-US"/>
-          </a:p>
-        </p:txBody>
-      </p:sp>
-    </p:spTree>
-    <p:extLst>
-      <p:ext uri="{BB962C8B-B14F-4D97-AF65-F5344CB8AC3E}">
-        <p14:creationId xmlns:p14="http://schemas.microsoft.com/office/powerpoint/2010/main" val="980440146"/>
-      </p:ext>
-    </p:extLst>
-  </p:cSld>
-  <p:clrMapOvr>
-    <a:masterClrMapping/>
-  </p:clrMapOvr>
-</p:sld>
-</file>
-
 <file path=ppt/slides/slide8.xml><?xml version="1.0" encoding="utf-8"?>
 <p:sld xmlns:a="http://schemas.openxmlformats.org/drawingml/2006/main" xmlns:r="http://schemas.openxmlformats.org/officeDocument/2006/relationships" xmlns:p="http://schemas.openxmlformats.org/presentationml/2006/main">
   <p:cSld>
@@ -15333,12 +11639,41 @@
           <a:chExt cx="0" cy="0"/>
         </a:xfrm>
       </p:grpSpPr>
+      <p:sp>
+        <p:nvSpPr>
+          <p:cNvPr id="2" name="Slide Number Placeholder 1">
+            <a:extLst>
+              <a:ext uri="{FF2B5EF4-FFF2-40B4-BE49-F238E27FC236}">
+                <a16:creationId xmlns:a16="http://schemas.microsoft.com/office/drawing/2014/main" id="{BAEC21EE-C5C3-45E2-80AD-371D57452176}"/>
+              </a:ext>
+            </a:extLst>
+          </p:cNvPr>
+          <p:cNvSpPr>
+            <a:spLocks noGrp="1"/>
+          </p:cNvSpPr>
+          <p:nvPr>
+            <p:ph type="sldNum" sz="quarter" idx="12"/>
+          </p:nvPr>
+        </p:nvSpPr>
+        <p:spPr/>
+        <p:txBody>
+          <a:bodyPr/>
+          <a:lstStyle/>
+          <a:p>
+            <a:fld id="{B2C7D7B1-EA59-4F88-954B-4C4A650A8C83}" type="slidenum">
+              <a:rPr lang="en-US" smtClean="0"/>
+              <a:t>8</a:t>
+            </a:fld>
+            <a:endParaRPr lang="en-US"/>
+          </a:p>
+        </p:txBody>
+      </p:sp>
       <p:pic>
         <p:nvPicPr>
-          <p:cNvPr id="20" name="Picture 19" descr="A screenshot of a social media post&#10;&#10;Description generated with very high confidence">
-            <a:extLst>
-              <a:ext uri="{FF2B5EF4-FFF2-40B4-BE49-F238E27FC236}">
-                <a16:creationId xmlns:a16="http://schemas.microsoft.com/office/drawing/2014/main" id="{084A3EE9-C884-42F1-BE8B-B5B5E57684C8}"/>
+          <p:cNvPr id="4" name="Picture 3" descr="A screenshot of a cell phone&#10;&#10;Description automatically generated">
+            <a:extLst>
+              <a:ext uri="{FF2B5EF4-FFF2-40B4-BE49-F238E27FC236}">
+                <a16:creationId xmlns:a16="http://schemas.microsoft.com/office/drawing/2014/main" id="{DED6B6B1-083C-40CF-8BAE-BB58B413DFC8}"/>
               </a:ext>
             </a:extLst>
           </p:cNvPr>
@@ -15361,8 +11696,8 @@
         </p:blipFill>
         <p:spPr>
           <a:xfrm>
-            <a:off x="1749327" y="-34139"/>
-            <a:ext cx="8819751" cy="7177603"/>
+            <a:off x="1085442" y="0"/>
+            <a:ext cx="10021115" cy="6858000"/>
           </a:xfrm>
           <a:prstGeom prst="rect">
             <a:avLst/>
@@ -15371,634 +11706,268 @@
       </p:pic>
       <p:sp>
         <p:nvSpPr>
-          <p:cNvPr id="2" name="Title 1">
-            <a:extLst>
-              <a:ext uri="{FF2B5EF4-FFF2-40B4-BE49-F238E27FC236}">
-                <a16:creationId xmlns:a16="http://schemas.microsoft.com/office/drawing/2014/main" id="{5A443450-AA7F-44F3-A809-A96B32068173}"/>
-              </a:ext>
-            </a:extLst>
-          </p:cNvPr>
-          <p:cNvSpPr>
-            <a:spLocks noGrp="1"/>
-          </p:cNvSpPr>
-          <p:nvPr>
-            <p:ph type="title"/>
-          </p:nvPr>
-        </p:nvSpPr>
-        <p:spPr/>
-        <p:txBody>
-          <a:bodyPr/>
+          <p:cNvPr id="5" name="Rectangle: Rounded Corners 4">
+            <a:extLst>
+              <a:ext uri="{FF2B5EF4-FFF2-40B4-BE49-F238E27FC236}">
+                <a16:creationId xmlns:a16="http://schemas.microsoft.com/office/drawing/2014/main" id="{B482CED3-2432-476A-86E6-38CEF0C10DFD}"/>
+              </a:ext>
+            </a:extLst>
+          </p:cNvPr>
+          <p:cNvSpPr/>
+          <p:nvPr/>
+        </p:nvSpPr>
+        <p:spPr>
+          <a:xfrm>
+            <a:off x="4745637" y="2280492"/>
+            <a:ext cx="2349226" cy="176269"/>
+          </a:xfrm>
+          <a:prstGeom prst="roundRect">
+            <a:avLst/>
+          </a:prstGeom>
+          <a:noFill/>
+          <a:ln w="38100"/>
+        </p:spPr>
+        <p:style>
+          <a:lnRef idx="2">
+            <a:schemeClr val="accent1">
+              <a:shade val="50000"/>
+            </a:schemeClr>
+          </a:lnRef>
+          <a:fillRef idx="1">
+            <a:schemeClr val="accent1"/>
+          </a:fillRef>
+          <a:effectRef idx="0">
+            <a:schemeClr val="accent1"/>
+          </a:effectRef>
+          <a:fontRef idx="minor">
+            <a:schemeClr val="lt1"/>
+          </a:fontRef>
+        </p:style>
+        <p:txBody>
+          <a:bodyPr rtlCol="0" anchor="ctr"/>
           <a:lstStyle/>
           <a:p>
+            <a:pPr algn="ctr"/>
+            <a:endParaRPr lang="en-US" sz="1200"/>
+          </a:p>
+        </p:txBody>
+      </p:sp>
+      <p:sp>
+        <p:nvSpPr>
+          <p:cNvPr id="6" name="Speech Bubble: Rectangle 5">
+            <a:extLst>
+              <a:ext uri="{FF2B5EF4-FFF2-40B4-BE49-F238E27FC236}">
+                <a16:creationId xmlns:a16="http://schemas.microsoft.com/office/drawing/2014/main" id="{C2E236C9-35DC-424E-A16E-9A0F329229B7}"/>
+              </a:ext>
+            </a:extLst>
+          </p:cNvPr>
+          <p:cNvSpPr/>
+          <p:nvPr/>
+        </p:nvSpPr>
+        <p:spPr>
+          <a:xfrm>
+            <a:off x="3242229" y="1633203"/>
+            <a:ext cx="1328530" cy="551341"/>
+          </a:xfrm>
+          <a:prstGeom prst="wedgeRectCallout">
+            <a:avLst>
+              <a:gd name="adj1" fmla="val 62629"/>
+              <a:gd name="adj2" fmla="val 72465"/>
+            </a:avLst>
+          </a:prstGeom>
+        </p:spPr>
+        <p:style>
+          <a:lnRef idx="0">
+            <a:schemeClr val="accent1"/>
+          </a:lnRef>
+          <a:fillRef idx="3">
+            <a:schemeClr val="accent1"/>
+          </a:fillRef>
+          <a:effectRef idx="3">
+            <a:schemeClr val="accent1"/>
+          </a:effectRef>
+          <a:fontRef idx="minor">
+            <a:schemeClr val="lt1"/>
+          </a:fontRef>
+        </p:style>
+        <p:txBody>
+          <a:bodyPr rtlCol="0" anchor="ctr"/>
+          <a:lstStyle/>
+          <a:p>
+            <a:pPr algn="ctr"/>
             <a:r>
-              <a:rPr lang="en-US"/>
-              <a:t>                                             ANF Statement</a:t>
+              <a:rPr lang="en-US" sz="1200" dirty="0"/>
+              <a:t>“circumstance” choice</a:t>
             </a:r>
-            <a:endParaRPr lang="en-US" dirty="0"/>
-          </a:p>
-        </p:txBody>
-      </p:sp>
-      <p:sp>
-        <p:nvSpPr>
-          <p:cNvPr id="4" name="Slide Number Placeholder 3">
-            <a:extLst>
-              <a:ext uri="{FF2B5EF4-FFF2-40B4-BE49-F238E27FC236}">
-                <a16:creationId xmlns:a16="http://schemas.microsoft.com/office/drawing/2014/main" id="{D4BD1BF1-97E3-44C9-85AD-3C9C6602AA1F}"/>
-              </a:ext>
-            </a:extLst>
-          </p:cNvPr>
-          <p:cNvSpPr>
-            <a:spLocks noGrp="1"/>
-          </p:cNvSpPr>
-          <p:nvPr>
-            <p:ph type="sldNum" sz="quarter" idx="12"/>
-          </p:nvPr>
-        </p:nvSpPr>
-        <p:spPr/>
-        <p:txBody>
-          <a:bodyPr/>
+          </a:p>
+        </p:txBody>
+      </p:sp>
+      <p:sp>
+        <p:nvSpPr>
+          <p:cNvPr id="7" name="Speech Bubble: Rectangle 6">
+            <a:extLst>
+              <a:ext uri="{FF2B5EF4-FFF2-40B4-BE49-F238E27FC236}">
+                <a16:creationId xmlns:a16="http://schemas.microsoft.com/office/drawing/2014/main" id="{40DAFA16-E954-45E0-B281-C8248106AD1D}"/>
+              </a:ext>
+            </a:extLst>
+          </p:cNvPr>
+          <p:cNvSpPr/>
+          <p:nvPr/>
+        </p:nvSpPr>
+        <p:spPr>
+          <a:xfrm>
+            <a:off x="10506541" y="4873300"/>
+            <a:ext cx="1086333" cy="442744"/>
+          </a:xfrm>
+          <a:prstGeom prst="wedgeRectCallout">
+            <a:avLst>
+              <a:gd name="adj1" fmla="val -83684"/>
+              <a:gd name="adj2" fmla="val 49543"/>
+            </a:avLst>
+          </a:prstGeom>
+          <a:solidFill>
+            <a:schemeClr val="accent2">
+              <a:lumMod val="75000"/>
+            </a:schemeClr>
+          </a:solidFill>
+        </p:spPr>
+        <p:style>
+          <a:lnRef idx="0">
+            <a:schemeClr val="accent6"/>
+          </a:lnRef>
+          <a:fillRef idx="3">
+            <a:schemeClr val="accent6"/>
+          </a:fillRef>
+          <a:effectRef idx="3">
+            <a:schemeClr val="accent6"/>
+          </a:effectRef>
+          <a:fontRef idx="minor">
+            <a:schemeClr val="lt1"/>
+          </a:fontRef>
+        </p:style>
+        <p:txBody>
+          <a:bodyPr rtlCol="0" anchor="ctr"/>
           <a:lstStyle/>
           <a:p>
-            <a:fld id="{88B1D514-9158-7143-952E-69DC611F0F0B}" type="slidenum">
-              <a:rPr lang="en-US" smtClean="0"/>
-              <a:pPr/>
-              <a:t>8</a:t>
-            </a:fld>
-            <a:endParaRPr lang="en-US"/>
-          </a:p>
-        </p:txBody>
-      </p:sp>
-      <p:grpSp>
-        <p:nvGrpSpPr>
-          <p:cNvPr id="19" name="Group 18">
-            <a:extLst>
-              <a:ext uri="{FF2B5EF4-FFF2-40B4-BE49-F238E27FC236}">
-                <a16:creationId xmlns:a16="http://schemas.microsoft.com/office/drawing/2014/main" id="{01EF4843-89BB-4921-A514-2CDA9ACE56D8}"/>
-              </a:ext>
-            </a:extLst>
-          </p:cNvPr>
-          <p:cNvGrpSpPr/>
+            <a:pPr algn="ctr"/>
+            <a:r>
+              <a:rPr lang="en-US" sz="1200" dirty="0"/>
+              <a:t>Inherited attributes</a:t>
+            </a:r>
+          </a:p>
+        </p:txBody>
+      </p:sp>
+      <p:sp>
+        <p:nvSpPr>
+          <p:cNvPr id="8" name="Speech Bubble: Rectangle 7">
+            <a:extLst>
+              <a:ext uri="{FF2B5EF4-FFF2-40B4-BE49-F238E27FC236}">
+                <a16:creationId xmlns:a16="http://schemas.microsoft.com/office/drawing/2014/main" id="{CC10AA4C-03BE-4F82-9B99-6CDAC60B6EE6}"/>
+              </a:ext>
+            </a:extLst>
+          </p:cNvPr>
+          <p:cNvSpPr/>
           <p:nvPr/>
-        </p:nvGrpSpPr>
-        <p:grpSpPr>
+        </p:nvSpPr>
+        <p:spPr>
           <a:xfrm>
-            <a:off x="1767614" y="1864562"/>
-            <a:ext cx="9475352" cy="4673877"/>
-            <a:chOff x="426030" y="862445"/>
-            <a:chExt cx="11480158" cy="5813714"/>
+            <a:off x="10542223" y="4001475"/>
+            <a:ext cx="1086333" cy="442744"/>
           </a:xfrm>
-        </p:grpSpPr>
-        <p:sp>
-          <p:nvSpPr>
-            <p:cNvPr id="8" name="Speech Bubble: Rectangle 7">
-              <a:extLst>
-                <a:ext uri="{FF2B5EF4-FFF2-40B4-BE49-F238E27FC236}">
-                  <a16:creationId xmlns:a16="http://schemas.microsoft.com/office/drawing/2014/main" id="{96692273-C61B-4E50-A2AF-E12746FAC19C}"/>
-                </a:ext>
-              </a:extLst>
-            </p:cNvPr>
-            <p:cNvSpPr/>
-            <p:nvPr/>
-          </p:nvSpPr>
-          <p:spPr>
-            <a:xfrm>
-              <a:off x="7381496" y="1394268"/>
-              <a:ext cx="1405267" cy="561386"/>
-            </a:xfrm>
-            <a:prstGeom prst="wedgeRectCallout">
-              <a:avLst>
-                <a:gd name="adj1" fmla="val -150559"/>
-                <a:gd name="adj2" fmla="val 143467"/>
-              </a:avLst>
-            </a:prstGeom>
-          </p:spPr>
-          <p:style>
-            <a:lnRef idx="2">
-              <a:schemeClr val="accent1">
-                <a:shade val="50000"/>
-              </a:schemeClr>
-            </a:lnRef>
-            <a:fillRef idx="1">
-              <a:schemeClr val="accent1"/>
-            </a:fillRef>
-            <a:effectRef idx="0">
-              <a:schemeClr val="accent1"/>
-            </a:effectRef>
-            <a:fontRef idx="minor">
-              <a:schemeClr val="lt1"/>
-            </a:fontRef>
-          </p:style>
-          <p:txBody>
-            <a:bodyPr rtlCol="0" anchor="ctr"/>
-            <a:lstStyle/>
-            <a:p>
-              <a:pPr algn="ctr"/>
-              <a:r>
-                <a:rPr lang="en-US" sz="1200" dirty="0"/>
-                <a:t>Exclusive OR </a:t>
-              </a:r>
-            </a:p>
-          </p:txBody>
-        </p:sp>
-        <p:sp>
-          <p:nvSpPr>
-            <p:cNvPr id="9" name="Speech Bubble: Rectangle 8">
-              <a:extLst>
-                <a:ext uri="{FF2B5EF4-FFF2-40B4-BE49-F238E27FC236}">
-                  <a16:creationId xmlns:a16="http://schemas.microsoft.com/office/drawing/2014/main" id="{19B220E3-1DF1-4EAD-8A47-30B72203F8F5}"/>
-                </a:ext>
-              </a:extLst>
-            </p:cNvPr>
-            <p:cNvSpPr/>
-            <p:nvPr/>
-          </p:nvSpPr>
-          <p:spPr>
-            <a:xfrm>
-              <a:off x="1773883" y="4507299"/>
-              <a:ext cx="1405267" cy="561386"/>
-            </a:xfrm>
-            <a:prstGeom prst="wedgeRectCallout">
-              <a:avLst>
-                <a:gd name="adj1" fmla="val 77752"/>
-                <a:gd name="adj2" fmla="val 124743"/>
-              </a:avLst>
-            </a:prstGeom>
-          </p:spPr>
-          <p:style>
-            <a:lnRef idx="2">
-              <a:schemeClr val="accent1">
-                <a:shade val="50000"/>
-              </a:schemeClr>
-            </a:lnRef>
-            <a:fillRef idx="1">
-              <a:schemeClr val="accent1"/>
-            </a:fillRef>
-            <a:effectRef idx="0">
-              <a:schemeClr val="accent1"/>
-            </a:effectRef>
-            <a:fontRef idx="minor">
-              <a:schemeClr val="lt1"/>
-            </a:fontRef>
-          </p:style>
-          <p:txBody>
-            <a:bodyPr rtlCol="0" anchor="ctr"/>
-            <a:lstStyle/>
-            <a:p>
-              <a:pPr algn="ctr"/>
-              <a:r>
-                <a:rPr lang="en-US" sz="1200" dirty="0"/>
-                <a:t>Exclusive OR </a:t>
-              </a:r>
-            </a:p>
-          </p:txBody>
-        </p:sp>
-        <p:sp>
-          <p:nvSpPr>
-            <p:cNvPr id="10" name="Speech Bubble: Rectangle 9">
-              <a:extLst>
-                <a:ext uri="{FF2B5EF4-FFF2-40B4-BE49-F238E27FC236}">
-                  <a16:creationId xmlns:a16="http://schemas.microsoft.com/office/drawing/2014/main" id="{31BC17A5-F4BE-4786-A501-2C22652B877A}"/>
-                </a:ext>
-              </a:extLst>
-            </p:cNvPr>
-            <p:cNvSpPr/>
-            <p:nvPr/>
-          </p:nvSpPr>
-          <p:spPr>
-            <a:xfrm>
-              <a:off x="10546776" y="2878282"/>
-              <a:ext cx="1316180" cy="550718"/>
-            </a:xfrm>
-            <a:prstGeom prst="wedgeRectCallout">
-              <a:avLst>
-                <a:gd name="adj1" fmla="val -83684"/>
-                <a:gd name="adj2" fmla="val 49543"/>
-              </a:avLst>
-            </a:prstGeom>
-          </p:spPr>
-          <p:style>
-            <a:lnRef idx="0">
-              <a:schemeClr val="accent6"/>
-            </a:lnRef>
-            <a:fillRef idx="3">
-              <a:schemeClr val="accent6"/>
-            </a:fillRef>
-            <a:effectRef idx="3">
-              <a:schemeClr val="accent6"/>
-            </a:effectRef>
-            <a:fontRef idx="minor">
-              <a:schemeClr val="lt1"/>
-            </a:fontRef>
-          </p:style>
-          <p:txBody>
-            <a:bodyPr rtlCol="0" anchor="ctr"/>
-            <a:lstStyle/>
-            <a:p>
-              <a:pPr algn="ctr"/>
-              <a:r>
-                <a:rPr lang="en-US" sz="1200" dirty="0"/>
-                <a:t>Inherited attributes</a:t>
-              </a:r>
-            </a:p>
-          </p:txBody>
-        </p:sp>
-        <p:sp>
-          <p:nvSpPr>
-            <p:cNvPr id="11" name="Rectangle: Rounded Corners 10">
-              <a:extLst>
-                <a:ext uri="{FF2B5EF4-FFF2-40B4-BE49-F238E27FC236}">
-                  <a16:creationId xmlns:a16="http://schemas.microsoft.com/office/drawing/2014/main" id="{828BF5C9-63C4-4A20-9FAC-02E354C68983}"/>
-                </a:ext>
-              </a:extLst>
-            </p:cNvPr>
-            <p:cNvSpPr/>
-            <p:nvPr/>
-          </p:nvSpPr>
-          <p:spPr>
-            <a:xfrm>
-              <a:off x="8084130" y="3377323"/>
-              <a:ext cx="2057400" cy="488095"/>
-            </a:xfrm>
-            <a:prstGeom prst="roundRect">
-              <a:avLst/>
-            </a:prstGeom>
-            <a:noFill/>
-            <a:ln w="38100"/>
-          </p:spPr>
-          <p:style>
-            <a:lnRef idx="2">
-              <a:schemeClr val="accent1">
-                <a:shade val="50000"/>
-              </a:schemeClr>
-            </a:lnRef>
-            <a:fillRef idx="1">
-              <a:schemeClr val="accent1"/>
-            </a:fillRef>
-            <a:effectRef idx="0">
-              <a:schemeClr val="accent1"/>
-            </a:effectRef>
-            <a:fontRef idx="minor">
-              <a:schemeClr val="lt1"/>
-            </a:fontRef>
-          </p:style>
-          <p:txBody>
-            <a:bodyPr rtlCol="0" anchor="ctr"/>
-            <a:lstStyle/>
-            <a:p>
-              <a:pPr algn="ctr"/>
-              <a:endParaRPr lang="en-US" sz="1200"/>
-            </a:p>
-          </p:txBody>
-        </p:sp>
-        <p:sp>
-          <p:nvSpPr>
-            <p:cNvPr id="12" name="Speech Bubble: Rectangle 11">
-              <a:extLst>
-                <a:ext uri="{FF2B5EF4-FFF2-40B4-BE49-F238E27FC236}">
-                  <a16:creationId xmlns:a16="http://schemas.microsoft.com/office/drawing/2014/main" id="{7289D9FE-5B12-4EF8-9E9E-A74D0D25C792}"/>
-                </a:ext>
-              </a:extLst>
-            </p:cNvPr>
-            <p:cNvSpPr/>
-            <p:nvPr/>
-          </p:nvSpPr>
-          <p:spPr>
-            <a:xfrm>
-              <a:off x="426030" y="5539774"/>
-              <a:ext cx="1523403" cy="561386"/>
-            </a:xfrm>
-            <a:prstGeom prst="wedgeRectCallout">
-              <a:avLst>
-                <a:gd name="adj1" fmla="val 61983"/>
-                <a:gd name="adj2" fmla="val 132835"/>
-              </a:avLst>
-            </a:prstGeom>
-          </p:spPr>
-          <p:style>
-            <a:lnRef idx="0">
-              <a:schemeClr val="accent1"/>
-            </a:lnRef>
-            <a:fillRef idx="3">
-              <a:schemeClr val="accent1"/>
-            </a:fillRef>
-            <a:effectRef idx="3">
-              <a:schemeClr val="accent1"/>
-            </a:effectRef>
-            <a:fontRef idx="minor">
-              <a:schemeClr val="lt1"/>
-            </a:fontRef>
-          </p:style>
-          <p:txBody>
-            <a:bodyPr rtlCol="0" anchor="ctr"/>
-            <a:lstStyle/>
-            <a:p>
-              <a:pPr algn="ctr"/>
-              <a:r>
-                <a:rPr lang="en-US" sz="1200" dirty="0"/>
-                <a:t>Encapsulated “measure”</a:t>
-              </a:r>
-            </a:p>
-          </p:txBody>
-        </p:sp>
-        <p:sp>
-          <p:nvSpPr>
-            <p:cNvPr id="13" name="Rectangle: Rounded Corners 12">
-              <a:extLst>
-                <a:ext uri="{FF2B5EF4-FFF2-40B4-BE49-F238E27FC236}">
-                  <a16:creationId xmlns:a16="http://schemas.microsoft.com/office/drawing/2014/main" id="{4FC7080C-14D5-4BBB-8438-F52B0B480289}"/>
-                </a:ext>
-              </a:extLst>
-            </p:cNvPr>
-            <p:cNvSpPr/>
-            <p:nvPr/>
-          </p:nvSpPr>
-          <p:spPr>
-            <a:xfrm>
-              <a:off x="2117255" y="6478731"/>
-              <a:ext cx="1405267" cy="197428"/>
-            </a:xfrm>
-            <a:prstGeom prst="roundRect">
-              <a:avLst/>
-            </a:prstGeom>
-            <a:noFill/>
-            <a:ln w="38100"/>
-          </p:spPr>
-          <p:style>
-            <a:lnRef idx="2">
-              <a:schemeClr val="accent1">
-                <a:shade val="50000"/>
-              </a:schemeClr>
-            </a:lnRef>
-            <a:fillRef idx="1">
-              <a:schemeClr val="accent1"/>
-            </a:fillRef>
-            <a:effectRef idx="0">
-              <a:schemeClr val="accent1"/>
-            </a:effectRef>
-            <a:fontRef idx="minor">
-              <a:schemeClr val="lt1"/>
-            </a:fontRef>
-          </p:style>
-          <p:txBody>
-            <a:bodyPr rtlCol="0" anchor="ctr"/>
-            <a:lstStyle/>
-            <a:p>
-              <a:pPr algn="ctr"/>
-              <a:endParaRPr lang="en-US" sz="1200"/>
-            </a:p>
-          </p:txBody>
-        </p:sp>
-        <p:sp>
-          <p:nvSpPr>
-            <p:cNvPr id="14" name="Rectangle: Rounded Corners 13">
-              <a:extLst>
-                <a:ext uri="{FF2B5EF4-FFF2-40B4-BE49-F238E27FC236}">
-                  <a16:creationId xmlns:a16="http://schemas.microsoft.com/office/drawing/2014/main" id="{3EA175E5-13B2-4160-9E7A-90713A141998}"/>
-                </a:ext>
-              </a:extLst>
-            </p:cNvPr>
-            <p:cNvSpPr/>
-            <p:nvPr/>
-          </p:nvSpPr>
-          <p:spPr>
-            <a:xfrm>
-              <a:off x="2365667" y="1674961"/>
-              <a:ext cx="2057400" cy="197429"/>
-            </a:xfrm>
-            <a:prstGeom prst="roundRect">
-              <a:avLst/>
-            </a:prstGeom>
-            <a:noFill/>
-            <a:ln w="38100"/>
-          </p:spPr>
-          <p:style>
-            <a:lnRef idx="2">
-              <a:schemeClr val="accent1">
-                <a:shade val="50000"/>
-              </a:schemeClr>
-            </a:lnRef>
-            <a:fillRef idx="1">
-              <a:schemeClr val="accent1"/>
-            </a:fillRef>
-            <a:effectRef idx="0">
-              <a:schemeClr val="accent1"/>
-            </a:effectRef>
-            <a:fontRef idx="minor">
-              <a:schemeClr val="lt1"/>
-            </a:fontRef>
-          </p:style>
-          <p:txBody>
-            <a:bodyPr rtlCol="0" anchor="ctr"/>
-            <a:lstStyle/>
-            <a:p>
-              <a:pPr algn="ctr"/>
-              <a:endParaRPr lang="en-US" sz="1200"/>
-            </a:p>
-          </p:txBody>
-        </p:sp>
-        <p:sp>
-          <p:nvSpPr>
-            <p:cNvPr id="15" name="Speech Bubble: Rectangle 14">
-              <a:extLst>
-                <a:ext uri="{FF2B5EF4-FFF2-40B4-BE49-F238E27FC236}">
-                  <a16:creationId xmlns:a16="http://schemas.microsoft.com/office/drawing/2014/main" id="{287C145D-D1D7-4589-BDCA-20AE193527FA}"/>
-                </a:ext>
-              </a:extLst>
-            </p:cNvPr>
-            <p:cNvSpPr/>
-            <p:nvPr/>
-          </p:nvSpPr>
-          <p:spPr>
-            <a:xfrm>
-              <a:off x="544167" y="862445"/>
-              <a:ext cx="1609622" cy="685799"/>
-            </a:xfrm>
-            <a:prstGeom prst="wedgeRectCallout">
-              <a:avLst>
-                <a:gd name="adj1" fmla="val 62629"/>
-                <a:gd name="adj2" fmla="val 72465"/>
-              </a:avLst>
-            </a:prstGeom>
-          </p:spPr>
-          <p:style>
-            <a:lnRef idx="0">
-              <a:schemeClr val="accent1"/>
-            </a:lnRef>
-            <a:fillRef idx="3">
-              <a:schemeClr val="accent1"/>
-            </a:fillRef>
-            <a:effectRef idx="3">
-              <a:schemeClr val="accent1"/>
-            </a:effectRef>
-            <a:fontRef idx="minor">
-              <a:schemeClr val="lt1"/>
-            </a:fontRef>
-          </p:style>
-          <p:txBody>
-            <a:bodyPr rtlCol="0" anchor="ctr"/>
-            <a:lstStyle/>
-            <a:p>
-              <a:pPr algn="ctr"/>
-              <a:r>
-                <a:rPr lang="en-US" sz="1200" dirty="0"/>
-                <a:t>“circumstance” choice</a:t>
-              </a:r>
-            </a:p>
-          </p:txBody>
-        </p:sp>
-        <p:sp>
-          <p:nvSpPr>
-            <p:cNvPr id="16" name="Rectangle: Rounded Corners 15">
-              <a:extLst>
-                <a:ext uri="{FF2B5EF4-FFF2-40B4-BE49-F238E27FC236}">
-                  <a16:creationId xmlns:a16="http://schemas.microsoft.com/office/drawing/2014/main" id="{B577EC71-7B72-4B4A-9556-67963172B16C}"/>
-                </a:ext>
-              </a:extLst>
-            </p:cNvPr>
-            <p:cNvSpPr/>
-            <p:nvPr/>
-          </p:nvSpPr>
-          <p:spPr>
-            <a:xfrm>
-              <a:off x="2549240" y="3344438"/>
-              <a:ext cx="1405267" cy="197428"/>
-            </a:xfrm>
-            <a:prstGeom prst="roundRect">
-              <a:avLst/>
-            </a:prstGeom>
-            <a:noFill/>
-            <a:ln w="38100"/>
-          </p:spPr>
-          <p:style>
-            <a:lnRef idx="2">
-              <a:schemeClr val="accent1">
-                <a:shade val="50000"/>
-              </a:schemeClr>
-            </a:lnRef>
-            <a:fillRef idx="1">
-              <a:schemeClr val="accent1"/>
-            </a:fillRef>
-            <a:effectRef idx="0">
-              <a:schemeClr val="accent1"/>
-            </a:effectRef>
-            <a:fontRef idx="minor">
-              <a:schemeClr val="lt1"/>
-            </a:fontRef>
-          </p:style>
-          <p:txBody>
-            <a:bodyPr rtlCol="0" anchor="ctr"/>
-            <a:lstStyle/>
-            <a:p>
-              <a:pPr algn="ctr"/>
-              <a:endParaRPr lang="en-US" sz="1200"/>
-            </a:p>
-          </p:txBody>
-        </p:sp>
-        <p:sp>
-          <p:nvSpPr>
-            <p:cNvPr id="17" name="Speech Bubble: Rectangle 16">
-              <a:extLst>
-                <a:ext uri="{FF2B5EF4-FFF2-40B4-BE49-F238E27FC236}">
-                  <a16:creationId xmlns:a16="http://schemas.microsoft.com/office/drawing/2014/main" id="{BB372486-B679-4E28-B31C-01AD68A45268}"/>
-                </a:ext>
-              </a:extLst>
-            </p:cNvPr>
-            <p:cNvSpPr/>
-            <p:nvPr/>
-          </p:nvSpPr>
-          <p:spPr>
-            <a:xfrm>
-              <a:off x="544166" y="2398091"/>
-              <a:ext cx="1405267" cy="791753"/>
-            </a:xfrm>
-            <a:prstGeom prst="wedgeRectCallout">
-              <a:avLst>
-                <a:gd name="adj1" fmla="val 97440"/>
-                <a:gd name="adj2" fmla="val 81652"/>
-              </a:avLst>
-            </a:prstGeom>
-          </p:spPr>
-          <p:style>
-            <a:lnRef idx="0">
-              <a:schemeClr val="accent1"/>
-            </a:lnRef>
-            <a:fillRef idx="3">
-              <a:schemeClr val="accent1"/>
-            </a:fillRef>
-            <a:effectRef idx="3">
-              <a:schemeClr val="accent1"/>
-            </a:effectRef>
-            <a:fontRef idx="minor">
-              <a:schemeClr val="lt1"/>
-            </a:fontRef>
-          </p:style>
-          <p:txBody>
-            <a:bodyPr rtlCol="0" anchor="ctr"/>
-            <a:lstStyle/>
-            <a:p>
-              <a:pPr algn="ctr"/>
-              <a:r>
-                <a:rPr lang="en-US" sz="1200" dirty="0"/>
-                <a:t> “result” choice</a:t>
-              </a:r>
-            </a:p>
-          </p:txBody>
-        </p:sp>
-        <p:sp>
-          <p:nvSpPr>
-            <p:cNvPr id="18" name="Speech Bubble: Rectangle 17">
-              <a:extLst>
-                <a:ext uri="{FF2B5EF4-FFF2-40B4-BE49-F238E27FC236}">
-                  <a16:creationId xmlns:a16="http://schemas.microsoft.com/office/drawing/2014/main" id="{FADB2A93-241B-403E-86B7-42E3896B9631}"/>
-                </a:ext>
-              </a:extLst>
-            </p:cNvPr>
-            <p:cNvSpPr/>
-            <p:nvPr/>
-          </p:nvSpPr>
-          <p:spPr>
-            <a:xfrm>
-              <a:off x="10590008" y="2122732"/>
-              <a:ext cx="1316180" cy="550718"/>
-            </a:xfrm>
-            <a:prstGeom prst="wedgeRectCallout">
-              <a:avLst>
-                <a:gd name="adj1" fmla="val -83684"/>
-                <a:gd name="adj2" fmla="val 80434"/>
-              </a:avLst>
-            </a:prstGeom>
-          </p:spPr>
-          <p:style>
-            <a:lnRef idx="0">
-              <a:schemeClr val="accent6"/>
-            </a:lnRef>
-            <a:fillRef idx="3">
-              <a:schemeClr val="accent6"/>
-            </a:fillRef>
-            <a:effectRef idx="3">
-              <a:schemeClr val="accent6"/>
-            </a:effectRef>
-            <a:fontRef idx="minor">
-              <a:schemeClr val="lt1"/>
-            </a:fontRef>
-          </p:style>
-          <p:txBody>
-            <a:bodyPr rtlCol="0" anchor="ctr"/>
-            <a:lstStyle/>
-            <a:p>
-              <a:pPr algn="ctr"/>
-              <a:r>
-                <a:rPr lang="en-US" sz="1200" dirty="0"/>
-                <a:t>Base class</a:t>
-              </a:r>
-            </a:p>
-          </p:txBody>
-        </p:sp>
-      </p:grpSp>
+          <a:prstGeom prst="wedgeRectCallout">
+            <a:avLst>
+              <a:gd name="adj1" fmla="val -83684"/>
+              <a:gd name="adj2" fmla="val 80434"/>
+            </a:avLst>
+          </a:prstGeom>
+          <a:solidFill>
+            <a:schemeClr val="accent2">
+              <a:lumMod val="75000"/>
+            </a:schemeClr>
+          </a:solidFill>
+        </p:spPr>
+        <p:style>
+          <a:lnRef idx="0">
+            <a:schemeClr val="accent6"/>
+          </a:lnRef>
+          <a:fillRef idx="3">
+            <a:schemeClr val="accent6"/>
+          </a:fillRef>
+          <a:effectRef idx="3">
+            <a:schemeClr val="accent6"/>
+          </a:effectRef>
+          <a:fontRef idx="minor">
+            <a:schemeClr val="lt1"/>
+          </a:fontRef>
+        </p:style>
+        <p:txBody>
+          <a:bodyPr rtlCol="0" anchor="ctr"/>
+          <a:lstStyle/>
+          <a:p>
+            <a:pPr algn="ctr"/>
+            <a:r>
+              <a:rPr lang="en-US" sz="1200" dirty="0"/>
+              <a:t>Base class</a:t>
+            </a:r>
+          </a:p>
+        </p:txBody>
+      </p:sp>
+      <p:sp>
+        <p:nvSpPr>
+          <p:cNvPr id="9" name="Speech Bubble: Rectangle 8">
+            <a:extLst>
+              <a:ext uri="{FF2B5EF4-FFF2-40B4-BE49-F238E27FC236}">
+                <a16:creationId xmlns:a16="http://schemas.microsoft.com/office/drawing/2014/main" id="{52A099BA-E744-4A5D-BCA5-AF56253AA3C1}"/>
+              </a:ext>
+            </a:extLst>
+          </p:cNvPr>
+          <p:cNvSpPr/>
+          <p:nvPr/>
+        </p:nvSpPr>
+        <p:spPr>
+          <a:xfrm>
+            <a:off x="7772833" y="2368626"/>
+            <a:ext cx="1159862" cy="451321"/>
+          </a:xfrm>
+          <a:prstGeom prst="wedgeRectCallout">
+            <a:avLst>
+              <a:gd name="adj1" fmla="val -150559"/>
+              <a:gd name="adj2" fmla="val 143467"/>
+            </a:avLst>
+          </a:prstGeom>
+        </p:spPr>
+        <p:style>
+          <a:lnRef idx="2">
+            <a:schemeClr val="accent1">
+              <a:shade val="50000"/>
+            </a:schemeClr>
+          </a:lnRef>
+          <a:fillRef idx="1">
+            <a:schemeClr val="accent1"/>
+          </a:fillRef>
+          <a:effectRef idx="0">
+            <a:schemeClr val="accent1"/>
+          </a:effectRef>
+          <a:fontRef idx="minor">
+            <a:schemeClr val="lt1"/>
+          </a:fontRef>
+        </p:style>
+        <p:txBody>
+          <a:bodyPr rtlCol="0" anchor="ctr"/>
+          <a:lstStyle/>
+          <a:p>
+            <a:pPr algn="ctr"/>
+            <a:r>
+              <a:rPr lang="en-US" sz="1200" dirty="0"/>
+              <a:t>Exclusive OR </a:t>
+            </a:r>
+          </a:p>
+        </p:txBody>
+      </p:sp>
     </p:spTree>
     <p:extLst>
       <p:ext uri="{BB962C8B-B14F-4D97-AF65-F5344CB8AC3E}">
-        <p14:creationId xmlns:p14="http://schemas.microsoft.com/office/powerpoint/2010/main" val="3333498156"/>
+        <p14:creationId xmlns:p14="http://schemas.microsoft.com/office/powerpoint/2010/main" val="65892688"/>
       </p:ext>
     </p:extLst>
   </p:cSld>
@@ -16084,10 +12053,10 @@
       </p:sp>
       <p:pic>
         <p:nvPicPr>
-          <p:cNvPr id="7" name="Picture 6" descr="A screenshot of a social media post&#10;&#10;Description generated with very high confidence">
-            <a:extLst>
-              <a:ext uri="{FF2B5EF4-FFF2-40B4-BE49-F238E27FC236}">
-                <a16:creationId xmlns:a16="http://schemas.microsoft.com/office/drawing/2014/main" id="{78A265A5-E37F-432A-BB01-1E1FDA2544CB}"/>
+          <p:cNvPr id="3" name="Picture 2" descr="A screenshot of a cell phone&#10;&#10;Description automatically generated">
+            <a:extLst>
+              <a:ext uri="{FF2B5EF4-FFF2-40B4-BE49-F238E27FC236}">
+                <a16:creationId xmlns:a16="http://schemas.microsoft.com/office/drawing/2014/main" id="{65F2B7DB-28C3-442D-8FBA-4EEAEC88D5C6}"/>
               </a:ext>
             </a:extLst>
           </p:cNvPr>
@@ -16110,8 +12079,8 @@
         </p:blipFill>
         <p:spPr>
           <a:xfrm>
-            <a:off x="887952" y="1981857"/>
-            <a:ext cx="9830340" cy="3882916"/>
+            <a:off x="4149436" y="1243146"/>
+            <a:ext cx="7564147" cy="5295766"/>
           </a:xfrm>
           <a:prstGeom prst="rect">
             <a:avLst/>

--- a/src/main/uml/doc/ANF Reference Model.pptx
+++ b/src/main/uml/doc/ANF Reference Model.pptx
@@ -271,7 +271,7 @@
           <a:p>
             <a:fld id="{AD676DAC-E5AA-4AEA-9200-196682C1EB3D}" type="datetimeFigureOut">
               <a:rPr lang="en-US" smtClean="0"/>
-              <a:t>8/8/2019</a:t>
+              <a:t>11/19/2019</a:t>
             </a:fld>
             <a:endParaRPr lang="en-US"/>
           </a:p>
@@ -448,7 +448,7 @@
           <a:p>
             <a:fld id="{440FB706-3D14-4F98-8C5D-05C6738AC3A2}" type="datetimeFigureOut">
               <a:rPr lang="en-US" smtClean="0"/>
-              <a:t>8/8/2019</a:t>
+              <a:t>11/19/2019</a:t>
             </a:fld>
             <a:endParaRPr lang="en-US"/>
           </a:p>
@@ -863,7 +863,7 @@
             <a:fld id="{B61BEF0D-F0BB-DE4B-95CE-6DB70DBA9567}" type="datetimeFigureOut">
               <a:rPr lang="en-US" smtClean="0"/>
               <a:pPr/>
-              <a:t>8/8/2019</a:t>
+              <a:t>11/19/2019</a:t>
             </a:fld>
             <a:endParaRPr lang="en-US" dirty="0"/>
           </a:p>
@@ -1063,7 +1063,7 @@
           <a:p>
             <a:fld id="{55C6B4A9-1611-4792-9094-5F34BCA07E0B}" type="datetimeFigureOut">
               <a:rPr lang="en-US" smtClean="0"/>
-              <a:t>8/8/2019</a:t>
+              <a:t>11/19/2019</a:t>
             </a:fld>
             <a:endParaRPr lang="en-US" dirty="0"/>
           </a:p>
@@ -1274,7 +1274,7 @@
             <a:fld id="{B61BEF0D-F0BB-DE4B-95CE-6DB70DBA9567}" type="datetimeFigureOut">
               <a:rPr lang="en-US" smtClean="0"/>
               <a:pPr/>
-              <a:t>8/8/2019</a:t>
+              <a:t>11/19/2019</a:t>
             </a:fld>
             <a:endParaRPr lang="en-US" dirty="0"/>
           </a:p>
@@ -1475,7 +1475,7 @@
             <a:fld id="{B61BEF0D-F0BB-DE4B-95CE-6DB70DBA9567}" type="datetimeFigureOut">
               <a:rPr lang="en-US" smtClean="0"/>
               <a:pPr/>
-              <a:t>8/8/2019</a:t>
+              <a:t>11/19/2019</a:t>
             </a:fld>
             <a:endParaRPr lang="en-US" dirty="0"/>
           </a:p>
@@ -1751,7 +1751,7 @@
             <a:fld id="{B61BEF0D-F0BB-DE4B-95CE-6DB70DBA9567}" type="datetimeFigureOut">
               <a:rPr lang="en-US" smtClean="0"/>
               <a:pPr/>
-              <a:t>8/8/2019</a:t>
+              <a:t>11/19/2019</a:t>
             </a:fld>
             <a:endParaRPr lang="en-US" dirty="0"/>
           </a:p>
@@ -2052,7 +2052,7 @@
           <a:p>
             <a:fld id="{EB712588-04B1-427B-82EE-E8DB90309F08}" type="datetimeFigureOut">
               <a:rPr lang="en-US" smtClean="0"/>
-              <a:t>8/8/2019</a:t>
+              <a:t>11/19/2019</a:t>
             </a:fld>
             <a:endParaRPr lang="en-US" dirty="0"/>
           </a:p>
@@ -2467,7 +2467,7 @@
             <a:fld id="{B61BEF0D-F0BB-DE4B-95CE-6DB70DBA9567}" type="datetimeFigureOut">
               <a:rPr lang="en-US" smtClean="0"/>
               <a:pPr/>
-              <a:t>8/8/2019</a:t>
+              <a:t>11/19/2019</a:t>
             </a:fld>
             <a:endParaRPr lang="en-US" dirty="0"/>
           </a:p>
@@ -2611,7 +2611,7 @@
             <a:fld id="{B61BEF0D-F0BB-DE4B-95CE-6DB70DBA9567}" type="datetimeFigureOut">
               <a:rPr lang="en-US" smtClean="0"/>
               <a:pPr/>
-              <a:t>8/8/2019</a:t>
+              <a:t>11/19/2019</a:t>
             </a:fld>
             <a:endParaRPr lang="en-US" dirty="0"/>
           </a:p>
@@ -2724,7 +2724,7 @@
           <a:p>
             <a:fld id="{CA2E3467-0D89-4ADB-A534-234A23CA62FE}" type="datetimeFigureOut">
               <a:rPr lang="en-US" smtClean="0"/>
-              <a:t>8/8/2019</a:t>
+              <a:t>11/19/2019</a:t>
             </a:fld>
             <a:endParaRPr lang="en-US"/>
           </a:p>
@@ -3035,7 +3035,7 @@
           <a:p>
             <a:fld id="{42A54C80-263E-416B-A8E0-580EDEADCBDC}" type="datetimeFigureOut">
               <a:rPr lang="en-US" smtClean="0"/>
-              <a:t>8/8/2019</a:t>
+              <a:t>11/19/2019</a:t>
             </a:fld>
             <a:endParaRPr lang="en-US" dirty="0"/>
           </a:p>
@@ -3326,7 +3326,7 @@
             <a:fld id="{B61BEF0D-F0BB-DE4B-95CE-6DB70DBA9567}" type="datetimeFigureOut">
               <a:rPr lang="en-US" smtClean="0"/>
               <a:pPr/>
-              <a:t>8/8/2019</a:t>
+              <a:t>11/19/2019</a:t>
             </a:fld>
             <a:endParaRPr lang="en-US" dirty="0"/>
           </a:p>
@@ -3570,7 +3570,7 @@
             <a:fld id="{B61BEF0D-F0BB-DE4B-95CE-6DB70DBA9567}" type="datetimeFigureOut">
               <a:rPr lang="en-US" smtClean="0"/>
               <a:pPr/>
-              <a:t>8/8/2019</a:t>
+              <a:t>11/19/2019</a:t>
             </a:fld>
             <a:endParaRPr lang="en-US" dirty="0"/>
           </a:p>
@@ -4444,12 +4444,20 @@
               <a:t>derived from assessment</a:t>
             </a:r>
             <a:br>
-              <a:rPr lang="en-US" b="1" dirty="0">
+              <a:rPr lang="en-US" b="1">
                 <a:solidFill>
                   <a:schemeClr val="bg1"/>
                 </a:solidFill>
               </a:rPr>
             </a:br>
+            <a:r>
+              <a:rPr lang="en-US" b="1">
+                <a:solidFill>
+                  <a:schemeClr val="bg1"/>
+                </a:solidFill>
+              </a:rPr>
+              <a:t>and </a:t>
+            </a:r>
             <a:r>
               <a:rPr lang="en-US" b="1" dirty="0">
                 <a:solidFill>
